--- a/dsa2017-java-online/handouts/data-day07-graph/Lecture 12 - Chapter 08 - Graphs - Part 2.pptx
+++ b/dsa2017-java-online/handouts/data-day07-graph/Lecture 12 - Chapter 08 - Graphs - Part 2.pptx
@@ -179,7 +179,27 @@
       </a:defRPr>
     </a:lvl9pPr>
   </p:defaultTextStyle>
+  <p:extLst>
+    <p:ext uri="{EFAFB233-063F-42B5-8137-9DF3F51BA10A}">
+      <p15:sldGuideLst xmlns:p15="http://schemas.microsoft.com/office/powerpoint/2012/main">
+        <p15:guide id="1" orient="horz" pos="2160">
+          <p15:clr>
+            <a:srgbClr val="A4A3A4"/>
+          </p15:clr>
+        </p15:guide>
+        <p15:guide id="2" pos="2880">
+          <p15:clr>
+            <a:srgbClr val="A4A3A4"/>
+          </p15:clr>
+        </p15:guide>
+      </p15:sldGuideLst>
+    </p:ext>
+  </p:extLst>
 </p:presentation>
+</file>
+
+<file path=ppt/revisionInfo.xml><?xml version="1.0" encoding="utf-8"?>
+<p1510:revInfo xmlns:a="http://schemas.openxmlformats.org/drawingml/2006/main" xmlns:r="http://schemas.openxmlformats.org/officeDocument/2006/relationships" xmlns:p1510="http://schemas.microsoft.com/office/powerpoint/2015/10/main"/>
 </file>
 
 <file path=ppt/notesMasters/notesMaster1.xml><?xml version="1.0" encoding="utf-8"?>
@@ -264,7 +284,7 @@
           <a:p>
             <a:fld id="{912909EE-3318-2B49-BBCA-50C0EA6484E2}" type="datetimeFigureOut">
               <a:rPr lang="en-US" smtClean="0"/>
-              <a:t>12/29/14</a:t>
+              <a:t>27-May-17</a:t>
             </a:fld>
             <a:endParaRPr lang="en-US"/>
           </a:p>
@@ -328,38 +348,37 @@
           <a:p>
             <a:pPr lvl="0"/>
             <a:r>
-              <a:rPr lang="en-US" smtClean="0"/>
+              <a:rPr lang="en-US"/>
               <a:t>Click to edit Master text styles</a:t>
             </a:r>
           </a:p>
           <a:p>
             <a:pPr lvl="1"/>
             <a:r>
-              <a:rPr lang="en-US" smtClean="0"/>
+              <a:rPr lang="en-US"/>
               <a:t>Second level</a:t>
             </a:r>
           </a:p>
           <a:p>
             <a:pPr lvl="2"/>
             <a:r>
-              <a:rPr lang="en-US" smtClean="0"/>
+              <a:rPr lang="en-US"/>
               <a:t>Third level</a:t>
             </a:r>
           </a:p>
           <a:p>
             <a:pPr lvl="3"/>
             <a:r>
-              <a:rPr lang="en-US" smtClean="0"/>
+              <a:rPr lang="en-US"/>
               <a:t>Fourth level</a:t>
             </a:r>
           </a:p>
           <a:p>
             <a:pPr lvl="4"/>
             <a:r>
-              <a:rPr lang="en-US" smtClean="0"/>
+              <a:rPr lang="en-US"/>
               <a:t>Fifth level</a:t>
             </a:r>
-            <a:endParaRPr lang="en-US"/>
           </a:p>
         </p:txBody>
       </p:sp>
@@ -577,7 +596,7 @@
           <a:lstStyle/>
           <a:p>
             <a:r>
-              <a:rPr lang="en-US" sz="1200" kern="1200" dirty="0" smtClean="0">
+              <a:rPr lang="en-US" sz="1200" kern="1200" dirty="0">
                 <a:solidFill>
                   <a:schemeClr val="tx1"/>
                 </a:solidFill>
@@ -673,7 +692,7 @@
           <a:lstStyle/>
           <a:p>
             <a:r>
-              <a:rPr lang="en-US" dirty="0" smtClean="0"/>
+              <a:rPr lang="en-US" dirty="0"/>
               <a:t>TSP: Travelling salesman problem</a:t>
             </a:r>
           </a:p>
@@ -696,23 +715,23 @@
               <a:defRPr/>
             </a:pPr>
             <a:r>
-              <a:rPr lang="en-US" dirty="0" smtClean="0"/>
+              <a:rPr lang="en-US" dirty="0"/>
               <a:t>A </a:t>
             </a:r>
             <a:r>
-              <a:rPr lang="en-US" b="1" dirty="0" smtClean="0"/>
+              <a:rPr lang="en-US" b="1" dirty="0"/>
               <a:t>simple graph</a:t>
             </a:r>
             <a:r>
-              <a:rPr lang="en-US" dirty="0" smtClean="0"/>
+              <a:rPr lang="en-US" dirty="0"/>
               <a:t>: A simple graph, also called a strict graph, is an </a:t>
             </a:r>
             <a:r>
-              <a:rPr lang="en-US" dirty="0" err="1" smtClean="0"/>
+              <a:rPr lang="en-US" dirty="0" err="1"/>
               <a:t>unweighted</a:t>
             </a:r>
             <a:r>
-              <a:rPr lang="en-US" dirty="0" smtClean="0"/>
+              <a:rPr lang="en-US" dirty="0"/>
               <a:t>, undirected graph containing no graph loops or multiple edges. Unless stated otherwise, the unqualified term “graph” usually refers to a simple graph</a:t>
             </a:r>
           </a:p>
@@ -735,15 +754,15 @@
               <a:defRPr/>
             </a:pPr>
             <a:r>
-              <a:rPr lang="en-US" dirty="0" smtClean="0"/>
+              <a:rPr lang="en-US" dirty="0"/>
               <a:t>A </a:t>
             </a:r>
             <a:r>
-              <a:rPr lang="en-US" b="1" dirty="0" smtClean="0"/>
+              <a:rPr lang="en-US" b="1" dirty="0"/>
               <a:t>complete graph</a:t>
             </a:r>
             <a:r>
-              <a:rPr lang="en-US" dirty="0" smtClean="0"/>
+              <a:rPr lang="en-US" dirty="0"/>
               <a:t> is a graph where every pair of vertices is connected by an edge</a:t>
             </a:r>
           </a:p>
@@ -765,7 +784,7 @@
               <a:tabLst/>
               <a:defRPr/>
             </a:pPr>
-            <a:endParaRPr lang="en-US" dirty="0" smtClean="0"/>
+            <a:endParaRPr lang="en-US" dirty="0"/>
           </a:p>
           <a:p>
             <a:endParaRPr lang="en-US" dirty="0"/>
@@ -853,7 +872,7 @@
           <a:lstStyle/>
           <a:p>
             <a:r>
-              <a:rPr lang="en-US" sz="1200" kern="1200" dirty="0" smtClean="0">
+              <a:rPr lang="en-US" sz="1200" kern="1200" dirty="0">
                 <a:solidFill>
                   <a:schemeClr val="tx1"/>
                 </a:solidFill>
@@ -930,7 +949,7 @@
           <p:nvPr userDrawn="1"/>
         </p:nvPicPr>
         <p:blipFill>
-          <a:blip r:embed="rId2">
+          <a:blip r:embed="rId2" cstate="email">
             <a:extLst>
               <a:ext uri="{28A0092B-C50C-407E-A947-70E740481C1C}">
                 <a14:useLocalDpi xmlns:a14="http://schemas.microsoft.com/office/drawing/2010/main" val="0"/>
@@ -956,14 +975,14 @@
           </a:ln>
           <a:extLst>
             <a:ext uri="{909E8E84-426E-40dd-AFC4-6F175D3DCCD1}">
-              <a14:hiddenFill xmlns:a14="http://schemas.microsoft.com/office/drawing/2010/main">
+              <a14:hiddenFill xmlns:a14="http://schemas.microsoft.com/office/drawing/2010/main" xmlns="">
                 <a:solidFill>
                   <a:srgbClr val="FFFFFF"/>
                 </a:solidFill>
               </a14:hiddenFill>
             </a:ext>
             <a:ext uri="{91240B29-F687-4f45-9708-019B960494DF}">
-              <a14:hiddenLine xmlns:a14="http://schemas.microsoft.com/office/drawing/2010/main" w="9525">
+              <a14:hiddenLine xmlns:a14="http://schemas.microsoft.com/office/drawing/2010/main" xmlns="" w="9525">
                 <a:solidFill>
                   <a:srgbClr val="000000"/>
                 </a:solidFill>
@@ -999,10 +1018,9 @@
           <a:lstStyle/>
           <a:p>
             <a:r>
-              <a:rPr lang="en-US" smtClean="0"/>
+              <a:rPr lang="en-US"/>
               <a:t>Click to edit Master title style</a:t>
             </a:r>
-            <a:endParaRPr lang="en-US"/>
           </a:p>
         </p:txBody>
       </p:sp>
@@ -1121,10 +1139,9 @@
           </a:lstStyle>
           <a:p>
             <a:r>
-              <a:rPr lang="en-US" smtClean="0"/>
+              <a:rPr lang="en-US"/>
               <a:t>Click to edit Master subtitle style</a:t>
             </a:r>
-            <a:endParaRPr lang="en-US"/>
           </a:p>
         </p:txBody>
       </p:sp>
@@ -1280,7 +1297,7 @@
           </a:lstStyle>
           <a:p>
             <a:r>
-              <a:rPr lang="en-US" smtClean="0"/>
+              <a:rPr lang="en-US"/>
               <a:t>Click to edit Master title style</a:t>
             </a:r>
             <a:endParaRPr lang="en-US" dirty="0"/>
@@ -1314,38 +1331,37 @@
           <a:p>
             <a:pPr lvl="0"/>
             <a:r>
-              <a:rPr lang="en-US" smtClean="0"/>
+              <a:rPr lang="en-US"/>
               <a:t>Click to edit Master text styles</a:t>
             </a:r>
           </a:p>
           <a:p>
             <a:pPr lvl="1"/>
             <a:r>
-              <a:rPr lang="en-US" smtClean="0"/>
+              <a:rPr lang="en-US"/>
               <a:t>Second level</a:t>
             </a:r>
           </a:p>
           <a:p>
             <a:pPr lvl="2"/>
             <a:r>
-              <a:rPr lang="en-US" smtClean="0"/>
+              <a:rPr lang="en-US"/>
               <a:t>Third level</a:t>
             </a:r>
           </a:p>
           <a:p>
             <a:pPr lvl="3"/>
             <a:r>
-              <a:rPr lang="en-US" smtClean="0"/>
+              <a:rPr lang="en-US"/>
               <a:t>Fourth level</a:t>
             </a:r>
           </a:p>
           <a:p>
             <a:pPr lvl="4"/>
             <a:r>
-              <a:rPr lang="en-US" smtClean="0"/>
+              <a:rPr lang="en-US"/>
               <a:t>Fifth level</a:t>
             </a:r>
-            <a:endParaRPr lang="en-US"/>
           </a:p>
         </p:txBody>
       </p:sp>
@@ -1451,13 +1467,6 @@
   <p:clrMapOvr>
     <a:masterClrMapping/>
   </p:clrMapOvr>
-  <p:timing>
-    <p:tnLst>
-      <p:par>
-        <p:cTn xmlns:p14="http://schemas.microsoft.com/office/powerpoint/2010/main" id="1" dur="indefinite" restart="never" nodeType="tmRoot"/>
-      </p:par>
-    </p:tnLst>
-  </p:timing>
 </p:sldLayout>
 </file>
 
@@ -1504,7 +1513,7 @@
           <a:lstStyle/>
           <a:p>
             <a:r>
-              <a:rPr lang="en-US" smtClean="0"/>
+              <a:rPr lang="en-US"/>
               <a:t>Click to edit Master title style</a:t>
             </a:r>
             <a:endParaRPr lang="en-US" dirty="0"/>
@@ -1538,35 +1547,35 @@
           <a:p>
             <a:pPr lvl="0"/>
             <a:r>
-              <a:rPr lang="en-US" smtClean="0"/>
+              <a:rPr lang="en-US"/>
               <a:t>Click to edit Master text styles</a:t>
             </a:r>
           </a:p>
           <a:p>
             <a:pPr lvl="1"/>
             <a:r>
-              <a:rPr lang="en-US" smtClean="0"/>
+              <a:rPr lang="en-US"/>
               <a:t>Second level</a:t>
             </a:r>
           </a:p>
           <a:p>
             <a:pPr lvl="2"/>
             <a:r>
-              <a:rPr lang="en-US" smtClean="0"/>
+              <a:rPr lang="en-US"/>
               <a:t>Third level</a:t>
             </a:r>
           </a:p>
           <a:p>
             <a:pPr lvl="3"/>
             <a:r>
-              <a:rPr lang="en-US" smtClean="0"/>
+              <a:rPr lang="en-US"/>
               <a:t>Fourth level</a:t>
             </a:r>
           </a:p>
           <a:p>
             <a:pPr lvl="4"/>
             <a:r>
-              <a:rPr lang="en-US" smtClean="0"/>
+              <a:rPr lang="en-US"/>
               <a:t>Fifth level</a:t>
             </a:r>
             <a:endParaRPr lang="en-US" dirty="0"/>
@@ -1675,13 +1684,6 @@
   <p:clrMapOvr>
     <a:masterClrMapping/>
   </p:clrMapOvr>
-  <p:timing>
-    <p:tnLst>
-      <p:par>
-        <p:cTn xmlns:p14="http://schemas.microsoft.com/office/powerpoint/2010/main" id="1" dur="indefinite" restart="never" nodeType="tmRoot"/>
-      </p:par>
-    </p:tnLst>
-  </p:timing>
 </p:sldLayout>
 </file>
 
@@ -1732,10 +1734,9 @@
           </a:lstStyle>
           <a:p>
             <a:r>
-              <a:rPr lang="en-US" smtClean="0"/>
+              <a:rPr lang="en-US"/>
               <a:t>Click to edit Master title style</a:t>
             </a:r>
-            <a:endParaRPr lang="en-US"/>
           </a:p>
         </p:txBody>
       </p:sp>
@@ -1766,38 +1767,37 @@
           <a:p>
             <a:pPr lvl="0"/>
             <a:r>
-              <a:rPr lang="en-US" smtClean="0"/>
+              <a:rPr lang="en-US"/>
               <a:t>Click to edit Master text styles</a:t>
             </a:r>
           </a:p>
           <a:p>
             <a:pPr lvl="1"/>
             <a:r>
-              <a:rPr lang="en-US" smtClean="0"/>
+              <a:rPr lang="en-US"/>
               <a:t>Second level</a:t>
             </a:r>
           </a:p>
           <a:p>
             <a:pPr lvl="2"/>
             <a:r>
-              <a:rPr lang="en-US" smtClean="0"/>
+              <a:rPr lang="en-US"/>
               <a:t>Third level</a:t>
             </a:r>
           </a:p>
           <a:p>
             <a:pPr lvl="3"/>
             <a:r>
-              <a:rPr lang="en-US" smtClean="0"/>
+              <a:rPr lang="en-US"/>
               <a:t>Fourth level</a:t>
             </a:r>
           </a:p>
           <a:p>
             <a:pPr lvl="4"/>
             <a:r>
-              <a:rPr lang="en-US" smtClean="0"/>
+              <a:rPr lang="en-US"/>
               <a:t>Fifth level</a:t>
             </a:r>
-            <a:endParaRPr lang="en-US"/>
           </a:p>
         </p:txBody>
       </p:sp>
@@ -1951,10 +1951,9 @@
           </a:lstStyle>
           <a:p>
             <a:r>
-              <a:rPr lang="en-US" smtClean="0"/>
+              <a:rPr lang="en-US"/>
               <a:t>Click to edit Master title style</a:t>
             </a:r>
-            <a:endParaRPr lang="en-US"/>
           </a:p>
         </p:txBody>
       </p:sp>
@@ -2074,7 +2073,7 @@
           <a:p>
             <a:pPr lvl="0"/>
             <a:r>
-              <a:rPr lang="en-US" smtClean="0"/>
+              <a:rPr lang="en-US"/>
               <a:t>Click to edit Master text styles</a:t>
             </a:r>
           </a:p>
@@ -2232,10 +2231,9 @@
           </a:lstStyle>
           <a:p>
             <a:r>
-              <a:rPr lang="en-US" smtClean="0"/>
+              <a:rPr lang="en-US"/>
               <a:t>Click to edit Master title style</a:t>
             </a:r>
-            <a:endParaRPr lang="en-US"/>
           </a:p>
         </p:txBody>
       </p:sp>
@@ -2294,38 +2292,37 @@
           <a:p>
             <a:pPr lvl="0"/>
             <a:r>
-              <a:rPr lang="en-US" smtClean="0"/>
+              <a:rPr lang="en-US"/>
               <a:t>Click to edit Master text styles</a:t>
             </a:r>
           </a:p>
           <a:p>
             <a:pPr lvl="1"/>
             <a:r>
-              <a:rPr lang="en-US" smtClean="0"/>
+              <a:rPr lang="en-US"/>
               <a:t>Second level</a:t>
             </a:r>
           </a:p>
           <a:p>
             <a:pPr lvl="2"/>
             <a:r>
-              <a:rPr lang="en-US" smtClean="0"/>
+              <a:rPr lang="en-US"/>
               <a:t>Third level</a:t>
             </a:r>
           </a:p>
           <a:p>
             <a:pPr lvl="3"/>
             <a:r>
-              <a:rPr lang="en-US" smtClean="0"/>
+              <a:rPr lang="en-US"/>
               <a:t>Fourth level</a:t>
             </a:r>
           </a:p>
           <a:p>
             <a:pPr lvl="4"/>
             <a:r>
-              <a:rPr lang="en-US" smtClean="0"/>
+              <a:rPr lang="en-US"/>
               <a:t>Fifth level</a:t>
             </a:r>
-            <a:endParaRPr lang="en-US"/>
           </a:p>
         </p:txBody>
       </p:sp>
@@ -2384,38 +2381,37 @@
           <a:p>
             <a:pPr lvl="0"/>
             <a:r>
-              <a:rPr lang="en-US" smtClean="0"/>
+              <a:rPr lang="en-US"/>
               <a:t>Click to edit Master text styles</a:t>
             </a:r>
           </a:p>
           <a:p>
             <a:pPr lvl="1"/>
             <a:r>
-              <a:rPr lang="en-US" smtClean="0"/>
+              <a:rPr lang="en-US"/>
               <a:t>Second level</a:t>
             </a:r>
           </a:p>
           <a:p>
             <a:pPr lvl="2"/>
             <a:r>
-              <a:rPr lang="en-US" smtClean="0"/>
+              <a:rPr lang="en-US"/>
               <a:t>Third level</a:t>
             </a:r>
           </a:p>
           <a:p>
             <a:pPr lvl="3"/>
             <a:r>
-              <a:rPr lang="en-US" smtClean="0"/>
+              <a:rPr lang="en-US"/>
               <a:t>Fourth level</a:t>
             </a:r>
           </a:p>
           <a:p>
             <a:pPr lvl="4"/>
             <a:r>
-              <a:rPr lang="en-US" smtClean="0"/>
+              <a:rPr lang="en-US"/>
               <a:t>Fifth level</a:t>
             </a:r>
-            <a:endParaRPr lang="en-US"/>
           </a:p>
         </p:txBody>
       </p:sp>
@@ -2571,10 +2567,9 @@
           </a:lstStyle>
           <a:p>
             <a:r>
-              <a:rPr lang="en-US" smtClean="0"/>
+              <a:rPr lang="en-US"/>
               <a:t>Click to edit Master title style</a:t>
             </a:r>
-            <a:endParaRPr lang="en-US"/>
           </a:p>
         </p:txBody>
       </p:sp>
@@ -2642,7 +2637,7 @@
           <a:p>
             <a:pPr lvl="0"/>
             <a:r>
-              <a:rPr lang="en-US" smtClean="0"/>
+              <a:rPr lang="en-US"/>
               <a:t>Click to edit Master text styles</a:t>
             </a:r>
           </a:p>
@@ -2701,38 +2696,37 @@
           <a:p>
             <a:pPr lvl="0"/>
             <a:r>
-              <a:rPr lang="en-US" smtClean="0"/>
+              <a:rPr lang="en-US"/>
               <a:t>Click to edit Master text styles</a:t>
             </a:r>
           </a:p>
           <a:p>
             <a:pPr lvl="1"/>
             <a:r>
-              <a:rPr lang="en-US" smtClean="0"/>
+              <a:rPr lang="en-US"/>
               <a:t>Second level</a:t>
             </a:r>
           </a:p>
           <a:p>
             <a:pPr lvl="2"/>
             <a:r>
-              <a:rPr lang="en-US" smtClean="0"/>
+              <a:rPr lang="en-US"/>
               <a:t>Third level</a:t>
             </a:r>
           </a:p>
           <a:p>
             <a:pPr lvl="3"/>
             <a:r>
-              <a:rPr lang="en-US" smtClean="0"/>
+              <a:rPr lang="en-US"/>
               <a:t>Fourth level</a:t>
             </a:r>
           </a:p>
           <a:p>
             <a:pPr lvl="4"/>
             <a:r>
-              <a:rPr lang="en-US" smtClean="0"/>
+              <a:rPr lang="en-US"/>
               <a:t>Fifth level</a:t>
             </a:r>
-            <a:endParaRPr lang="en-US"/>
           </a:p>
         </p:txBody>
       </p:sp>
@@ -2800,7 +2794,7 @@
           <a:p>
             <a:pPr lvl="0"/>
             <a:r>
-              <a:rPr lang="en-US" smtClean="0"/>
+              <a:rPr lang="en-US"/>
               <a:t>Click to edit Master text styles</a:t>
             </a:r>
           </a:p>
@@ -2859,38 +2853,37 @@
           <a:p>
             <a:pPr lvl="0"/>
             <a:r>
-              <a:rPr lang="en-US" smtClean="0"/>
+              <a:rPr lang="en-US"/>
               <a:t>Click to edit Master text styles</a:t>
             </a:r>
           </a:p>
           <a:p>
             <a:pPr lvl="1"/>
             <a:r>
-              <a:rPr lang="en-US" smtClean="0"/>
+              <a:rPr lang="en-US"/>
               <a:t>Second level</a:t>
             </a:r>
           </a:p>
           <a:p>
             <a:pPr lvl="2"/>
             <a:r>
-              <a:rPr lang="en-US" smtClean="0"/>
+              <a:rPr lang="en-US"/>
               <a:t>Third level</a:t>
             </a:r>
           </a:p>
           <a:p>
             <a:pPr lvl="3"/>
             <a:r>
-              <a:rPr lang="en-US" smtClean="0"/>
+              <a:rPr lang="en-US"/>
               <a:t>Fourth level</a:t>
             </a:r>
           </a:p>
           <a:p>
             <a:pPr lvl="4"/>
             <a:r>
-              <a:rPr lang="en-US" smtClean="0"/>
+              <a:rPr lang="en-US"/>
               <a:t>Fifth level</a:t>
             </a:r>
-            <a:endParaRPr lang="en-US"/>
           </a:p>
         </p:txBody>
       </p:sp>
@@ -3046,10 +3039,9 @@
           </a:lstStyle>
           <a:p>
             <a:r>
-              <a:rPr lang="en-US" smtClean="0"/>
+              <a:rPr lang="en-US"/>
               <a:t>Click to edit Master title style</a:t>
             </a:r>
-            <a:endParaRPr lang="en-US"/>
           </a:p>
         </p:txBody>
       </p:sp>
@@ -3327,10 +3319,9 @@
           </a:lstStyle>
           <a:p>
             <a:r>
-              <a:rPr lang="en-US" smtClean="0"/>
+              <a:rPr lang="en-US"/>
               <a:t>Click to edit Master title style</a:t>
             </a:r>
-            <a:endParaRPr lang="en-US"/>
           </a:p>
         </p:txBody>
       </p:sp>
@@ -3389,35 +3380,35 @@
           <a:p>
             <a:pPr lvl="0"/>
             <a:r>
-              <a:rPr lang="en-US" smtClean="0"/>
+              <a:rPr lang="en-US"/>
               <a:t>Click to edit Master text styles</a:t>
             </a:r>
           </a:p>
           <a:p>
             <a:pPr lvl="1"/>
             <a:r>
-              <a:rPr lang="en-US" smtClean="0"/>
+              <a:rPr lang="en-US"/>
               <a:t>Second level</a:t>
             </a:r>
           </a:p>
           <a:p>
             <a:pPr lvl="2"/>
             <a:r>
-              <a:rPr lang="en-US" smtClean="0"/>
+              <a:rPr lang="en-US"/>
               <a:t>Third level</a:t>
             </a:r>
           </a:p>
           <a:p>
             <a:pPr lvl="3"/>
             <a:r>
-              <a:rPr lang="en-US" smtClean="0"/>
+              <a:rPr lang="en-US"/>
               <a:t>Fourth level</a:t>
             </a:r>
           </a:p>
           <a:p>
             <a:pPr lvl="4"/>
             <a:r>
-              <a:rPr lang="en-US" smtClean="0"/>
+              <a:rPr lang="en-US"/>
               <a:t>Fifth level</a:t>
             </a:r>
             <a:endParaRPr lang="en-US" dirty="0"/>
@@ -3488,7 +3479,7 @@
           <a:p>
             <a:pPr lvl="0"/>
             <a:r>
-              <a:rPr lang="en-US" smtClean="0"/>
+              <a:rPr lang="en-US"/>
               <a:t>Click to edit Master text styles</a:t>
             </a:r>
           </a:p>
@@ -3646,7 +3637,7 @@
           </a:lstStyle>
           <a:p>
             <a:r>
-              <a:rPr lang="en-US" smtClean="0"/>
+              <a:rPr lang="en-US"/>
               <a:t>Click to edit Master title style</a:t>
             </a:r>
             <a:endParaRPr lang="en-US" dirty="0"/>
@@ -3717,7 +3708,7 @@
           <a:p>
             <a:pPr lvl="0"/>
             <a:r>
-              <a:rPr lang="en-US" noProof="0" smtClean="0"/>
+              <a:rPr lang="en-US" noProof="0"/>
               <a:t>Drag picture to placeholder or click icon to add</a:t>
             </a:r>
           </a:p>
@@ -3787,7 +3778,7 @@
           <a:p>
             <a:pPr lvl="0"/>
             <a:r>
-              <a:rPr lang="en-US" smtClean="0"/>
+              <a:rPr lang="en-US"/>
               <a:t>Click to edit Master text styles</a:t>
             </a:r>
           </a:p>
@@ -3938,7 +3929,7 @@
           <p:nvPr/>
         </p:nvPicPr>
         <p:blipFill>
-          <a:blip r:embed="rId14">
+          <a:blip r:embed="rId14" cstate="email">
             <a:extLst>
               <a:ext uri="{28A0092B-C50C-407E-A947-70E740481C1C}">
                 <a14:useLocalDpi xmlns:a14="http://schemas.microsoft.com/office/drawing/2010/main" val="0"/>
@@ -3964,14 +3955,14 @@
           </a:ln>
           <a:extLst>
             <a:ext uri="{909E8E84-426E-40dd-AFC4-6F175D3DCCD1}">
-              <a14:hiddenFill xmlns:a14="http://schemas.microsoft.com/office/drawing/2010/main">
+              <a14:hiddenFill xmlns:a14="http://schemas.microsoft.com/office/drawing/2010/main" xmlns="">
                 <a:solidFill>
                   <a:srgbClr val="FFFFFF"/>
                 </a:solidFill>
               </a14:hiddenFill>
             </a:ext>
             <a:ext uri="{91240B29-F687-4f45-9708-019B960494DF}">
-              <a14:hiddenLine xmlns:a14="http://schemas.microsoft.com/office/drawing/2010/main" w="9525">
+              <a14:hiddenLine xmlns:a14="http://schemas.microsoft.com/office/drawing/2010/main" xmlns="" w="9525">
                 <a:solidFill>
                   <a:srgbClr val="000000"/>
                 </a:solidFill>
@@ -4424,14 +4415,14 @@
           <a:noFill/>
           <a:extLst>
             <a:ext uri="{909E8E84-426E-40dd-AFC4-6F175D3DCCD1}">
-              <a14:hiddenFill xmlns:a14="http://schemas.microsoft.com/office/drawing/2010/main">
+              <a14:hiddenFill xmlns:a14="http://schemas.microsoft.com/office/drawing/2010/main" xmlns="">
                 <a:solidFill>
                   <a:srgbClr val="FFFFFF"/>
                 </a:solidFill>
               </a14:hiddenFill>
             </a:ext>
             <a:ext uri="{91240B29-F687-4f45-9708-019B960494DF}">
-              <a14:hiddenLine xmlns:a14="http://schemas.microsoft.com/office/drawing/2010/main" w="9525">
+              <a14:hiddenLine xmlns:a14="http://schemas.microsoft.com/office/drawing/2010/main" xmlns="" w="9525">
                 <a:solidFill>
                   <a:srgbClr val="000000"/>
                 </a:solidFill>
@@ -4441,7 +4432,7 @@
               </a14:hiddenLine>
             </a:ext>
             <a:ext uri="{FAA26D3D-D897-4be2-8F04-BA451C77F1D7}">
-              <ma14:placeholderFlag xmlns:ma14="http://schemas.microsoft.com/office/mac/drawingml/2011/main" val="1"/>
+              <ma14:placeholderFlag xmlns:ma14="http://schemas.microsoft.com/office/mac/drawingml/2011/main" xmlns="" val="1"/>
             </a:ext>
           </a:extLst>
         </p:spPr>
@@ -4455,14 +4446,11 @@
           <a:p>
             <a:pPr eaLnBrk="1" hangingPunct="1"/>
             <a:r>
-              <a:rPr lang="en-US" dirty="0" smtClean="0">
+              <a:rPr lang="en-US" dirty="0">
                 <a:latin typeface="Calibri" charset="0"/>
               </a:rPr>
               <a:t>Graphs</a:t>
             </a:r>
-            <a:endParaRPr lang="en-US" dirty="0">
-              <a:latin typeface="Calibri" charset="0"/>
-            </a:endParaRPr>
           </a:p>
         </p:txBody>
       </p:sp>
@@ -4490,7 +4478,7 @@
               <a:defRPr/>
             </a:pPr>
             <a:r>
-              <a:rPr lang="en-US" dirty="0" smtClean="0">
+              <a:rPr lang="en-US" dirty="0">
                 <a:ea typeface="+mn-ea"/>
                 <a:cs typeface="+mn-cs"/>
               </a:rPr>
@@ -4509,13 +4497,6 @@
   <p:clrMapOvr>
     <a:masterClrMapping/>
   </p:clrMapOvr>
-  <p:timing>
-    <p:tnLst>
-      <p:par>
-        <p:cTn xmlns:p14="http://schemas.microsoft.com/office/powerpoint/2010/main" id="1" dur="indefinite" restart="never" nodeType="tmRoot"/>
-      </p:par>
-    </p:tnLst>
-  </p:timing>
 </p:sld>
 </file>
 
@@ -4552,10 +4533,9 @@
           <a:lstStyle/>
           <a:p>
             <a:r>
-              <a:rPr lang="en-US" dirty="0" smtClean="0"/>
+              <a:rPr lang="en-US" dirty="0"/>
               <a:t>Definition</a:t>
             </a:r>
-            <a:endParaRPr lang="en-US" dirty="0"/>
           </a:p>
         </p:txBody>
       </p:sp>
@@ -4582,14 +4562,14 @@
           <a:lstStyle/>
           <a:p>
             <a:r>
-              <a:rPr lang="en-US" dirty="0" smtClean="0"/>
+              <a:rPr lang="en-US" dirty="0"/>
               <a:t>Spanning tree is a tree in which</a:t>
             </a:r>
           </a:p>
           <a:p>
             <a:pPr lvl="1"/>
             <a:r>
-              <a:rPr lang="en-US" dirty="0" smtClean="0"/>
+              <a:rPr lang="en-US" dirty="0"/>
               <a:t>There is an algorithm that guarantees generating a tree (or a forest, set of trees) that includes or spans over all vertices of the original graph</a:t>
             </a:r>
           </a:p>
@@ -4605,13 +4585,6 @@
   <p:clrMapOvr>
     <a:masterClrMapping/>
   </p:clrMapOvr>
-  <p:timing>
-    <p:tnLst>
-      <p:par>
-        <p:cTn xmlns:p14="http://schemas.microsoft.com/office/powerpoint/2010/main" id="1" dur="indefinite" restart="never" nodeType="tmRoot"/>
-      </p:par>
-    </p:tnLst>
-  </p:timing>
 </p:sld>
 </file>
 
@@ -4648,10 +4621,9 @@
           <a:lstStyle/>
           <a:p>
             <a:r>
-              <a:rPr lang="en-US" dirty="0" smtClean="0"/>
+              <a:rPr lang="en-US" dirty="0"/>
               <a:t>Example</a:t>
             </a:r>
-            <a:endParaRPr lang="en-US" dirty="0"/>
           </a:p>
         </p:txBody>
       </p:sp>
@@ -4712,11 +4684,7 @@
             </a:pPr>
             <a:r>
               <a:rPr lang="en-US" dirty="0"/>
-              <a:t>Example, there is a graph </a:t>
-            </a:r>
-            <a:r>
-              <a:rPr lang="en-US" dirty="0" smtClean="0"/>
-              <a:t>(Fig. a) representing airlines among 7 cities</a:t>
+              <a:t>Example, there is a graph (Fig. a) representing airlines among 7 cities</a:t>
             </a:r>
           </a:p>
           <a:p>
@@ -4725,35 +4693,27 @@
               <a:buChar char="•"/>
             </a:pPr>
             <a:r>
-              <a:rPr lang="en-US" dirty="0" smtClean="0"/>
+              <a:rPr lang="en-US" dirty="0"/>
               <a:t>For some reasons, it’s forced to close several lines</a:t>
             </a:r>
           </a:p>
           <a:p>
             <a:pPr marL="742950" lvl="2" indent="-342900"/>
             <a:r>
-              <a:rPr lang="en-US" dirty="0" smtClean="0"/>
-              <a:t>Still </a:t>
-            </a:r>
-            <a:r>
-              <a:rPr lang="en-US" dirty="0"/>
-              <a:t>there must be a connection (direct/indirect) any </a:t>
-            </a:r>
-            <a:r>
-              <a:rPr lang="en-US" dirty="0" smtClean="0"/>
-              <a:t>two (Fig. b, c, d)</a:t>
+              <a:rPr lang="en-US" dirty="0"/>
+              <a:t>Still there must be a connection (direct/indirect) any two (Fig. b, c, d)</a:t>
             </a:r>
           </a:p>
           <a:p>
             <a:pPr marL="742950" lvl="2" indent="-342900"/>
             <a:r>
-              <a:rPr lang="en-US" dirty="0" smtClean="0"/>
+              <a:rPr lang="en-US" dirty="0"/>
               <a:t>Close as many as possible (Fig. c, d)</a:t>
             </a:r>
           </a:p>
           <a:p>
             <a:r>
-              <a:rPr lang="en-US" dirty="0" smtClean="0">
+              <a:rPr lang="en-US" dirty="0">
                 <a:solidFill>
                   <a:srgbClr val="FF0000"/>
                 </a:solidFill>
@@ -4764,40 +4724,31 @@
           <a:p>
             <a:pPr lvl="1"/>
             <a:r>
-              <a:rPr lang="en-US" dirty="0" smtClean="0"/>
-              <a:t>Coz, alternate </a:t>
-            </a:r>
-            <a:r>
-              <a:rPr lang="en-US" dirty="0"/>
-              <a:t>paths arise as a result of cycles in the </a:t>
-            </a:r>
-            <a:r>
-              <a:rPr lang="en-US" dirty="0" smtClean="0"/>
-              <a:t>graph</a:t>
+              <a:rPr lang="en-US" dirty="0"/>
+              <a:t>Coz, alternate paths arise as a result of cycles in the graph</a:t>
             </a:r>
           </a:p>
           <a:p>
             <a:pPr lvl="1"/>
             <a:r>
-              <a:rPr lang="en-US" dirty="0" smtClean="0"/>
+              <a:rPr lang="en-US" dirty="0"/>
               <a:t>Spanning tree is by product of </a:t>
             </a:r>
             <a:r>
-              <a:rPr lang="en-US" dirty="0" err="1" smtClean="0"/>
+              <a:rPr lang="en-US" dirty="0" err="1"/>
               <a:t>depthFirstSearch</a:t>
             </a:r>
             <a:r>
-              <a:rPr lang="en-US" dirty="0" smtClean="0"/>
+              <a:rPr lang="en-US" dirty="0"/>
               <a:t>()</a:t>
             </a:r>
           </a:p>
           <a:p>
             <a:pPr lvl="1"/>
             <a:r>
-              <a:rPr lang="en-US" dirty="0" smtClean="0"/>
+              <a:rPr lang="en-US" dirty="0"/>
               <a:t>We can create different spanning trees for a graph (c, d)</a:t>
             </a:r>
-            <a:endParaRPr lang="en-US" dirty="0"/>
           </a:p>
         </p:txBody>
       </p:sp>
@@ -4811,13 +4762,6 @@
   <p:clrMapOvr>
     <a:masterClrMapping/>
   </p:clrMapOvr>
-  <p:timing>
-    <p:tnLst>
-      <p:par>
-        <p:cTn xmlns:p14="http://schemas.microsoft.com/office/powerpoint/2010/main" id="1" dur="indefinite" restart="never" nodeType="tmRoot"/>
-      </p:par>
-    </p:tnLst>
-  </p:timing>
 </p:sld>
 </file>
 
@@ -4854,10 +4798,9 @@
           <a:lstStyle/>
           <a:p>
             <a:r>
-              <a:rPr lang="en-US" dirty="0" smtClean="0"/>
+              <a:rPr lang="en-US" dirty="0"/>
               <a:t>Minimum spanning tree</a:t>
             </a:r>
-            <a:endParaRPr lang="en-US" dirty="0"/>
           </a:p>
         </p:txBody>
       </p:sp>
@@ -4879,42 +4822,42 @@
           <a:lstStyle/>
           <a:p>
             <a:r>
-              <a:rPr lang="en-US" dirty="0" smtClean="0"/>
+              <a:rPr lang="en-US" dirty="0"/>
               <a:t>Example above, cannot get better than 6 edges</a:t>
             </a:r>
           </a:p>
           <a:p>
             <a:r>
-              <a:rPr lang="en-US" dirty="0" smtClean="0"/>
+              <a:rPr lang="en-US" dirty="0"/>
               <a:t>The solution to this problem is not optimal</a:t>
             </a:r>
           </a:p>
           <a:p>
             <a:pPr lvl="1"/>
             <a:r>
-              <a:rPr lang="en-US" dirty="0" smtClean="0"/>
+              <a:rPr lang="en-US" dirty="0"/>
               <a:t>Distances between cities have not been taken into account</a:t>
             </a:r>
           </a:p>
           <a:p>
             <a:r>
-              <a:rPr lang="en-US" dirty="0" smtClean="0"/>
+              <a:rPr lang="en-US" dirty="0"/>
               <a:t>We can use cost of these connections to choose the best, guaranteeing the optimum cost</a:t>
             </a:r>
           </a:p>
           <a:p>
             <a:r>
-              <a:rPr lang="en-US" dirty="0" smtClean="0"/>
+              <a:rPr lang="en-US" dirty="0"/>
               <a:t>Can be done by having minimum short distances for six (example above) connections</a:t>
             </a:r>
           </a:p>
           <a:p>
             <a:r>
-              <a:rPr lang="en-US" dirty="0" smtClean="0"/>
+              <a:rPr lang="en-US" dirty="0"/>
               <a:t>So now the problem is called </a:t>
             </a:r>
             <a:r>
-              <a:rPr lang="en-US" dirty="0" smtClean="0">
+              <a:rPr lang="en-US" dirty="0">
                 <a:solidFill>
                   <a:srgbClr val="FF0000"/>
                 </a:solidFill>
@@ -4925,16 +4868,15 @@
           <a:p>
             <a:pPr lvl="1"/>
             <a:r>
-              <a:rPr lang="en-US" dirty="0" smtClean="0"/>
+              <a:rPr lang="en-US" dirty="0"/>
               <a:t>Spanning tree with sum of the weights is minimal.</a:t>
             </a:r>
           </a:p>
           <a:p>
             <a:r>
-              <a:rPr lang="en-US" dirty="0" smtClean="0"/>
+              <a:rPr lang="en-US" dirty="0"/>
               <a:t>In a simple graph with weight =1, every spanning tree is a minimum spanning tree</a:t>
             </a:r>
-            <a:endParaRPr lang="en-US" dirty="0"/>
           </a:p>
         </p:txBody>
       </p:sp>
@@ -4948,13 +4890,6 @@
   <p:clrMapOvr>
     <a:masterClrMapping/>
   </p:clrMapOvr>
-  <p:timing>
-    <p:tnLst>
-      <p:par>
-        <p:cTn xmlns:p14="http://schemas.microsoft.com/office/powerpoint/2010/main" id="1" dur="indefinite" restart="never" nodeType="tmRoot"/>
-      </p:par>
-    </p:tnLst>
-  </p:timing>
 </p:sld>
 </file>
 
@@ -4991,10 +4926,9 @@
           <a:lstStyle/>
           <a:p>
             <a:r>
-              <a:rPr lang="en-US" dirty="0" smtClean="0"/>
+              <a:rPr lang="en-US" dirty="0"/>
               <a:t>Minimum spanning tree</a:t>
             </a:r>
-            <a:endParaRPr lang="en-US" dirty="0"/>
           </a:p>
         </p:txBody>
       </p:sp>
@@ -5014,17 +4948,17 @@
           <a:lstStyle/>
           <a:p>
             <a:r>
-              <a:rPr lang="en-US" dirty="0" smtClean="0"/>
+              <a:rPr lang="en-US" dirty="0"/>
               <a:t>Minimum spanning tree problem has many solutions</a:t>
             </a:r>
           </a:p>
           <a:p>
             <a:r>
-              <a:rPr lang="en-US" dirty="0" smtClean="0"/>
+              <a:rPr lang="en-US" dirty="0"/>
               <a:t>A popular one is from </a:t>
             </a:r>
             <a:r>
-              <a:rPr lang="en-US" dirty="0" smtClean="0">
+              <a:rPr lang="en-US" dirty="0">
                 <a:solidFill>
                   <a:srgbClr val="FF0000"/>
                 </a:solidFill>
@@ -5032,7 +4966,7 @@
               <a:t>Joseph </a:t>
             </a:r>
             <a:r>
-              <a:rPr lang="en-US" dirty="0" err="1" smtClean="0">
+              <a:rPr lang="en-US" dirty="0" err="1">
                 <a:solidFill>
                   <a:srgbClr val="FF0000"/>
                 </a:solidFill>
@@ -5040,18 +4974,18 @@
               <a:t>Kruskal</a:t>
             </a:r>
             <a:r>
-              <a:rPr lang="en-US" dirty="0" smtClean="0"/>
+              <a:rPr lang="en-US" dirty="0"/>
               <a:t>.</a:t>
             </a:r>
           </a:p>
           <a:p>
             <a:pPr lvl="1"/>
             <a:r>
-              <a:rPr lang="en-US" dirty="0" smtClean="0"/>
+              <a:rPr lang="en-US" dirty="0"/>
               <a:t>All </a:t>
             </a:r>
             <a:r>
-              <a:rPr lang="en-US" dirty="0" smtClean="0">
+              <a:rPr lang="en-US" dirty="0">
                 <a:solidFill>
                   <a:srgbClr val="FF0000"/>
                 </a:solidFill>
@@ -5059,14 +4993,14 @@
               <a:t>edges are ordered </a:t>
             </a:r>
             <a:r>
-              <a:rPr lang="en-US" dirty="0" smtClean="0"/>
+              <a:rPr lang="en-US" dirty="0"/>
               <a:t>by weight</a:t>
             </a:r>
           </a:p>
           <a:p>
             <a:pPr lvl="1"/>
             <a:r>
-              <a:rPr lang="en-US" dirty="0" smtClean="0">
+              <a:rPr lang="en-US" dirty="0">
                 <a:solidFill>
                   <a:srgbClr val="FF0000"/>
                 </a:solidFill>
@@ -5074,11 +5008,11 @@
               <a:t>Each edge in this ordered </a:t>
             </a:r>
             <a:r>
-              <a:rPr lang="en-US" dirty="0" smtClean="0"/>
+              <a:rPr lang="en-US" dirty="0"/>
               <a:t>sequence </a:t>
             </a:r>
             <a:r>
-              <a:rPr lang="en-US" dirty="0" smtClean="0">
+              <a:rPr lang="en-US" dirty="0">
                 <a:solidFill>
                   <a:srgbClr val="FF0000"/>
                 </a:solidFill>
@@ -5086,18 +5020,18 @@
               <a:t>is checked </a:t>
             </a:r>
             <a:r>
-              <a:rPr lang="en-US" dirty="0" smtClean="0"/>
+              <a:rPr lang="en-US" dirty="0"/>
               <a:t>to see whether it can be considered part of the tree under construction</a:t>
             </a:r>
           </a:p>
           <a:p>
             <a:pPr lvl="1"/>
             <a:r>
-              <a:rPr lang="en-US" dirty="0" smtClean="0"/>
+              <a:rPr lang="en-US" dirty="0"/>
               <a:t>It’s </a:t>
             </a:r>
             <a:r>
-              <a:rPr lang="en-US" dirty="0" smtClean="0">
+              <a:rPr lang="en-US" dirty="0">
                 <a:solidFill>
                   <a:srgbClr val="FF0000"/>
                 </a:solidFill>
@@ -5105,11 +5039,11 @@
               <a:t>added</a:t>
             </a:r>
             <a:r>
-              <a:rPr lang="en-US" dirty="0" smtClean="0"/>
+              <a:rPr lang="en-US" dirty="0"/>
               <a:t> to the tree </a:t>
             </a:r>
             <a:r>
-              <a:rPr lang="en-US" dirty="0" smtClean="0">
+              <a:rPr lang="en-US" dirty="0">
                 <a:solidFill>
                   <a:srgbClr val="FF0000"/>
                 </a:solidFill>
@@ -5117,10 +5051,9 @@
               <a:t>if no cycle arises </a:t>
             </a:r>
             <a:r>
-              <a:rPr lang="en-US" dirty="0" smtClean="0"/>
+              <a:rPr lang="en-US" dirty="0"/>
               <a:t>after inclusion.</a:t>
             </a:r>
-            <a:endParaRPr lang="en-US" dirty="0"/>
           </a:p>
         </p:txBody>
       </p:sp>
@@ -5134,13 +5067,6 @@
   <p:clrMapOvr>
     <a:masterClrMapping/>
   </p:clrMapOvr>
-  <p:timing>
-    <p:tnLst>
-      <p:par>
-        <p:cTn xmlns:p14="http://schemas.microsoft.com/office/powerpoint/2010/main" id="1" dur="indefinite" restart="never" nodeType="tmRoot"/>
-      </p:par>
-    </p:tnLst>
-  </p:timing>
 </p:sld>
 </file>
 
@@ -5177,18 +5103,17 @@
           <a:lstStyle/>
           <a:p>
             <a:r>
-              <a:rPr lang="en-US" dirty="0" smtClean="0"/>
+              <a:rPr lang="en-US" dirty="0"/>
               <a:t>Joseph </a:t>
             </a:r>
             <a:r>
-              <a:rPr lang="en-US" dirty="0" err="1" smtClean="0"/>
+              <a:rPr lang="en-US" dirty="0" err="1"/>
               <a:t>Kruskal</a:t>
             </a:r>
             <a:r>
-              <a:rPr lang="en-US" dirty="0" smtClean="0"/>
+              <a:rPr lang="en-US" dirty="0"/>
               <a:t> Algorithm</a:t>
             </a:r>
-            <a:endParaRPr lang="en-US" dirty="0"/>
           </a:p>
         </p:txBody>
       </p:sp>
@@ -5231,13 +5156,6 @@
   <p:clrMapOvr>
     <a:masterClrMapping/>
   </p:clrMapOvr>
-  <p:timing>
-    <p:tnLst>
-      <p:par>
-        <p:cTn xmlns:p14="http://schemas.microsoft.com/office/powerpoint/2010/main" id="1" dur="indefinite" restart="never" nodeType="tmRoot"/>
-      </p:par>
-    </p:tnLst>
-  </p:timing>
 </p:sld>
 </file>
 
@@ -5278,14 +5196,13 @@
               <a:t>Joseph </a:t>
             </a:r>
             <a:r>
-              <a:rPr lang="en-US" dirty="0" err="1" smtClean="0"/>
+              <a:rPr lang="en-US" dirty="0" err="1"/>
               <a:t>Kruskal</a:t>
             </a:r>
             <a:r>
-              <a:rPr lang="en-US" dirty="0" smtClean="0"/>
+              <a:rPr lang="en-US" dirty="0"/>
               <a:t> Algorithm Example</a:t>
             </a:r>
-            <a:endParaRPr lang="en-US" dirty="0"/>
           </a:p>
         </p:txBody>
       </p:sp>
@@ -5323,13 +5240,6 @@
   <p:clrMapOvr>
     <a:masterClrMapping/>
   </p:clrMapOvr>
-  <p:timing>
-    <p:tnLst>
-      <p:par>
-        <p:cTn xmlns:p14="http://schemas.microsoft.com/office/powerpoint/2010/main" id="1" dur="indefinite" restart="never" nodeType="tmRoot"/>
-      </p:par>
-    </p:tnLst>
-  </p:timing>
 </p:sld>
 </file>
 
@@ -5368,14 +5278,13 @@
           <a:lstStyle/>
           <a:p>
             <a:r>
-              <a:rPr lang="en-US" dirty="0" err="1" smtClean="0"/>
+              <a:rPr lang="en-US" dirty="0" err="1"/>
               <a:t>Dijkstra</a:t>
             </a:r>
             <a:r>
-              <a:rPr lang="en-US" dirty="0" smtClean="0"/>
+              <a:rPr lang="en-US" dirty="0"/>
               <a:t> Algorithm</a:t>
             </a:r>
-            <a:endParaRPr lang="en-US" dirty="0"/>
           </a:p>
         </p:txBody>
       </p:sp>
@@ -5402,59 +5311,59 @@
           <a:lstStyle/>
           <a:p>
             <a:r>
-              <a:rPr lang="en-US" dirty="0" err="1" smtClean="0"/>
+              <a:rPr lang="en-US" dirty="0" err="1"/>
               <a:t>Kruskal’s</a:t>
             </a:r>
             <a:r>
-              <a:rPr lang="en-US" dirty="0" smtClean="0"/>
+              <a:rPr lang="en-US" dirty="0"/>
               <a:t> </a:t>
             </a:r>
             <a:r>
-              <a:rPr lang="en-US" dirty="0" err="1" smtClean="0"/>
+              <a:rPr lang="en-US" dirty="0" err="1"/>
               <a:t>algo</a:t>
             </a:r>
             <a:r>
-              <a:rPr lang="en-US" dirty="0" smtClean="0"/>
+              <a:rPr lang="en-US" dirty="0"/>
               <a:t> requires edges to be ordered first</a:t>
             </a:r>
           </a:p>
           <a:p>
             <a:r>
-              <a:rPr lang="en-US" dirty="0" err="1" smtClean="0"/>
+              <a:rPr lang="en-US" dirty="0" err="1"/>
               <a:t>Dijkstra</a:t>
             </a:r>
             <a:r>
-              <a:rPr lang="en-US" dirty="0" smtClean="0"/>
+              <a:rPr lang="en-US" dirty="0"/>
               <a:t> (1960) and independently Robert </a:t>
             </a:r>
             <a:r>
-              <a:rPr lang="en-US" dirty="0" err="1" smtClean="0"/>
+              <a:rPr lang="en-US" dirty="0" err="1"/>
               <a:t>Kalaba</a:t>
             </a:r>
-            <a:endParaRPr lang="en-US" dirty="0" smtClean="0"/>
+            <a:endParaRPr lang="en-US" dirty="0"/>
           </a:p>
           <a:p>
             <a:pPr lvl="1"/>
             <a:r>
-              <a:rPr lang="en-US" dirty="0" smtClean="0"/>
+              <a:rPr lang="en-US" dirty="0"/>
               <a:t>Tree is expanded by adding to it edges one by one</a:t>
             </a:r>
           </a:p>
           <a:p>
             <a:pPr lvl="1"/>
             <a:r>
-              <a:rPr lang="en-US" dirty="0" smtClean="0"/>
+              <a:rPr lang="en-US" dirty="0"/>
               <a:t>Once a cycle is detected</a:t>
             </a:r>
           </a:p>
           <a:p>
             <a:pPr lvl="2"/>
             <a:r>
-              <a:rPr lang="en-US" dirty="0" smtClean="0"/>
+              <a:rPr lang="en-US" dirty="0"/>
               <a:t>Edge in this cycle with </a:t>
             </a:r>
             <a:r>
-              <a:rPr lang="en-US" b="1" dirty="0" smtClean="0">
+              <a:rPr lang="en-US" b="1" dirty="0">
                 <a:solidFill>
                   <a:srgbClr val="FF0000"/>
                 </a:solidFill>
@@ -5462,10 +5371,9 @@
               <a:t>maximum weight </a:t>
             </a:r>
             <a:r>
-              <a:rPr lang="en-US" dirty="0" smtClean="0"/>
+              <a:rPr lang="en-US" dirty="0"/>
               <a:t>is discarded</a:t>
             </a:r>
-            <a:endParaRPr lang="en-US" dirty="0"/>
           </a:p>
         </p:txBody>
       </p:sp>
@@ -5508,13 +5416,6 @@
   <p:clrMapOvr>
     <a:masterClrMapping/>
   </p:clrMapOvr>
-  <p:timing>
-    <p:tnLst>
-      <p:par>
-        <p:cTn xmlns:p14="http://schemas.microsoft.com/office/powerpoint/2010/main" id="1" dur="indefinite" restart="never" nodeType="tmRoot"/>
-      </p:par>
-    </p:tnLst>
-  </p:timing>
 </p:sld>
 </file>
 
@@ -5551,14 +5452,13 @@
           <a:lstStyle/>
           <a:p>
             <a:r>
-              <a:rPr lang="en-US" dirty="0" err="1" smtClean="0"/>
+              <a:rPr lang="en-US" dirty="0" err="1"/>
               <a:t>Dijkstra</a:t>
             </a:r>
             <a:r>
-              <a:rPr lang="en-US" dirty="0" smtClean="0"/>
+              <a:rPr lang="en-US" dirty="0"/>
               <a:t> Algorithm Example</a:t>
             </a:r>
-            <a:endParaRPr lang="en-US" dirty="0"/>
           </a:p>
         </p:txBody>
       </p:sp>
@@ -5596,13 +5496,6 @@
   <p:clrMapOvr>
     <a:masterClrMapping/>
   </p:clrMapOvr>
-  <p:timing>
-    <p:tnLst>
-      <p:par>
-        <p:cTn xmlns:p14="http://schemas.microsoft.com/office/powerpoint/2010/main" id="1" dur="indefinite" restart="never" nodeType="tmRoot"/>
-      </p:par>
-    </p:tnLst>
-  </p:timing>
 </p:sld>
 </file>
 
@@ -5639,14 +5532,13 @@
           <a:lstStyle/>
           <a:p>
             <a:r>
-              <a:rPr lang="en-US" dirty="0" err="1" smtClean="0"/>
+              <a:rPr lang="en-US" dirty="0" err="1"/>
               <a:t>Eulerian</a:t>
             </a:r>
             <a:r>
-              <a:rPr lang="en-US" dirty="0" smtClean="0"/>
+              <a:rPr lang="en-US" dirty="0"/>
               <a:t> and Hamiltonian Graphs</a:t>
             </a:r>
-            <a:endParaRPr lang="en-US" dirty="0"/>
           </a:p>
         </p:txBody>
       </p:sp>
@@ -5679,13 +5571,6 @@
   <p:clrMapOvr>
     <a:masterClrMapping/>
   </p:clrMapOvr>
-  <p:timing>
-    <p:tnLst>
-      <p:par>
-        <p:cTn xmlns:p14="http://schemas.microsoft.com/office/powerpoint/2010/main" id="1" dur="indefinite" restart="never" nodeType="tmRoot"/>
-      </p:par>
-    </p:tnLst>
-  </p:timing>
 </p:sld>
 </file>
 
@@ -5722,10 +5607,9 @@
           <a:lstStyle/>
           <a:p>
             <a:r>
-              <a:rPr lang="en-US" dirty="0" smtClean="0"/>
+              <a:rPr lang="en-US" dirty="0"/>
               <a:t>Terminologies</a:t>
             </a:r>
-            <a:endParaRPr lang="en-US" dirty="0"/>
           </a:p>
         </p:txBody>
       </p:sp>
@@ -5765,24 +5649,23 @@
           </a:p>
           <a:p>
             <a:r>
-              <a:rPr lang="en-US" b="1" dirty="0" smtClean="0"/>
+              <a:rPr lang="en-US" b="1" dirty="0"/>
               <a:t>Hamilton path</a:t>
             </a:r>
             <a:r>
-              <a:rPr lang="en-US" dirty="0" smtClean="0"/>
+              <a:rPr lang="en-US" dirty="0"/>
               <a:t>: a path traversing all the vertices of the graph exactly once</a:t>
             </a:r>
           </a:p>
           <a:p>
             <a:r>
-              <a:rPr lang="en-US" b="1" dirty="0" smtClean="0"/>
+              <a:rPr lang="en-US" b="1" dirty="0"/>
               <a:t>Hamilton cycle</a:t>
             </a:r>
             <a:r>
-              <a:rPr lang="en-US" dirty="0" smtClean="0"/>
+              <a:rPr lang="en-US" dirty="0"/>
               <a:t>: a cycle traversing all vertices of the graph exactly once</a:t>
             </a:r>
-            <a:endParaRPr lang="en-US" dirty="0"/>
           </a:p>
         </p:txBody>
       </p:sp>
@@ -5796,13 +5679,6 @@
   <p:clrMapOvr>
     <a:masterClrMapping/>
   </p:clrMapOvr>
-  <p:timing>
-    <p:tnLst>
-      <p:par>
-        <p:cTn xmlns:p14="http://schemas.microsoft.com/office/powerpoint/2010/main" id="1" dur="indefinite" restart="never" nodeType="tmRoot"/>
-      </p:par>
-    </p:tnLst>
-  </p:timing>
 </p:sld>
 </file>
 
@@ -5837,14 +5713,14 @@
           <a:noFill/>
           <a:extLst>
             <a:ext uri="{909E8E84-426E-40dd-AFC4-6F175D3DCCD1}">
-              <a14:hiddenFill xmlns:a14="http://schemas.microsoft.com/office/drawing/2010/main">
+              <a14:hiddenFill xmlns:a14="http://schemas.microsoft.com/office/drawing/2010/main" xmlns="">
                 <a:solidFill>
                   <a:srgbClr val="FFFFFF"/>
                 </a:solidFill>
               </a14:hiddenFill>
             </a:ext>
             <a:ext uri="{91240B29-F687-4f45-9708-019B960494DF}">
-              <a14:hiddenLine xmlns:a14="http://schemas.microsoft.com/office/drawing/2010/main" w="9525">
+              <a14:hiddenLine xmlns:a14="http://schemas.microsoft.com/office/drawing/2010/main" xmlns="" w="9525">
                 <a:solidFill>
                   <a:srgbClr val="000000"/>
                 </a:solidFill>
@@ -5854,7 +5730,7 @@
               </a14:hiddenLine>
             </a:ext>
             <a:ext uri="{FAA26D3D-D897-4be2-8F04-BA451C77F1D7}">
-              <ma14:placeholderFlag xmlns:ma14="http://schemas.microsoft.com/office/mac/drawingml/2011/main" val="1"/>
+              <ma14:placeholderFlag xmlns:ma14="http://schemas.microsoft.com/office/mac/drawingml/2011/main" xmlns="" val="1"/>
             </a:ext>
           </a:extLst>
         </p:spPr>
@@ -5868,14 +5744,11 @@
           <a:p>
             <a:pPr eaLnBrk="1" hangingPunct="1"/>
             <a:r>
-              <a:rPr lang="en-US" dirty="0" smtClean="0">
+              <a:rPr lang="en-US" dirty="0">
                 <a:latin typeface="Calibri" charset="0"/>
               </a:rPr>
               <a:t>Objectives</a:t>
             </a:r>
-            <a:endParaRPr lang="en-US" dirty="0">
-              <a:latin typeface="Calibri" charset="0"/>
-            </a:endParaRPr>
           </a:p>
         </p:txBody>
       </p:sp>
@@ -5893,14 +5766,14 @@
           <a:noFill/>
           <a:extLst>
             <a:ext uri="{909E8E84-426E-40dd-AFC4-6F175D3DCCD1}">
-              <a14:hiddenFill xmlns:a14="http://schemas.microsoft.com/office/drawing/2010/main">
+              <a14:hiddenFill xmlns:a14="http://schemas.microsoft.com/office/drawing/2010/main" xmlns="">
                 <a:solidFill>
                   <a:srgbClr val="FFFFFF"/>
                 </a:solidFill>
               </a14:hiddenFill>
             </a:ext>
             <a:ext uri="{91240B29-F687-4f45-9708-019B960494DF}">
-              <a14:hiddenLine xmlns:a14="http://schemas.microsoft.com/office/drawing/2010/main" w="9525">
+              <a14:hiddenLine xmlns:a14="http://schemas.microsoft.com/office/drawing/2010/main" xmlns="" w="9525">
                 <a:solidFill>
                   <a:srgbClr val="000000"/>
                 </a:solidFill>
@@ -5910,7 +5783,7 @@
               </a14:hiddenLine>
             </a:ext>
             <a:ext uri="{FAA26D3D-D897-4be2-8F04-BA451C77F1D7}">
-              <ma14:placeholderFlag xmlns:ma14="http://schemas.microsoft.com/office/mac/drawingml/2011/main" val="1"/>
+              <ma14:placeholderFlag xmlns:ma14="http://schemas.microsoft.com/office/mac/drawingml/2011/main" xmlns="" val="1"/>
             </a:ext>
           </a:extLst>
         </p:spPr>
@@ -5988,16 +5861,10 @@
           <a:p>
             <a:pPr lvl="1"/>
             <a:r>
-              <a:rPr lang="en-US" dirty="0" smtClean="0">
-                <a:latin typeface="Calibri" charset="0"/>
-              </a:rPr>
-              <a:t>Floyd </a:t>
-            </a:r>
-            <a:r>
               <a:rPr lang="en-US" dirty="0">
                 <a:latin typeface="Calibri" charset="0"/>
               </a:rPr>
-              <a:t>algorithm</a:t>
+              <a:t>Floyd algorithm</a:t>
             </a:r>
           </a:p>
           <a:p>
@@ -6089,13 +5956,6 @@
   <p:clrMapOvr>
     <a:masterClrMapping/>
   </p:clrMapOvr>
-  <p:timing>
-    <p:tnLst>
-      <p:par>
-        <p:cTn xmlns:p14="http://schemas.microsoft.com/office/powerpoint/2010/main" id="1" dur="indefinite" restart="never" nodeType="tmRoot"/>
-      </p:par>
-    </p:tnLst>
-  </p:timing>
 </p:sld>
 </file>
 
@@ -6132,14 +5992,13 @@
           <a:lstStyle/>
           <a:p>
             <a:r>
-              <a:rPr lang="en-US" dirty="0" err="1" smtClean="0"/>
+              <a:rPr lang="en-US" dirty="0" err="1"/>
               <a:t>Eulerian</a:t>
             </a:r>
             <a:r>
-              <a:rPr lang="en-US" dirty="0" smtClean="0"/>
+              <a:rPr lang="en-US" dirty="0"/>
               <a:t> Graphs</a:t>
             </a:r>
-            <a:endParaRPr lang="en-US" dirty="0"/>
           </a:p>
         </p:txBody>
       </p:sp>
@@ -6172,13 +6031,6 @@
   <p:clrMapOvr>
     <a:masterClrMapping/>
   </p:clrMapOvr>
-  <p:timing>
-    <p:tnLst>
-      <p:par>
-        <p:cTn xmlns:p14="http://schemas.microsoft.com/office/powerpoint/2010/main" id="1" dur="indefinite" restart="never" nodeType="tmRoot"/>
-      </p:par>
-    </p:tnLst>
-  </p:timing>
 </p:sld>
 </file>
 
@@ -6215,10 +6067,9 @@
           <a:lstStyle/>
           <a:p>
             <a:r>
-              <a:rPr lang="en-US" dirty="0" smtClean="0"/>
+              <a:rPr lang="en-US" dirty="0"/>
               <a:t>Examples</a:t>
             </a:r>
-            <a:endParaRPr lang="en-US" dirty="0"/>
           </a:p>
         </p:txBody>
       </p:sp>
@@ -7362,10 +7213,9 @@
           <a:lstStyle/>
           <a:p>
             <a:r>
-              <a:rPr lang="en-US" dirty="0" smtClean="0"/>
+              <a:rPr lang="en-US" dirty="0"/>
               <a:t>1</a:t>
             </a:r>
-            <a:endParaRPr lang="en-US" dirty="0"/>
           </a:p>
         </p:txBody>
       </p:sp>
@@ -7392,10 +7242,9 @@
           <a:lstStyle/>
           <a:p>
             <a:r>
-              <a:rPr lang="en-US" dirty="0" smtClean="0"/>
+              <a:rPr lang="en-US" dirty="0"/>
               <a:t>1</a:t>
             </a:r>
-            <a:endParaRPr lang="en-US" dirty="0"/>
           </a:p>
         </p:txBody>
       </p:sp>
@@ -7589,13 +7438,6 @@
   <p:clrMapOvr>
     <a:masterClrMapping/>
   </p:clrMapOvr>
-  <p:timing>
-    <p:tnLst>
-      <p:par>
-        <p:cTn xmlns:p14="http://schemas.microsoft.com/office/powerpoint/2010/main" id="1" dur="indefinite" restart="never" nodeType="tmRoot"/>
-      </p:par>
-    </p:tnLst>
-  </p:timing>
 </p:sld>
 </file>
 
@@ -7632,10 +7474,9 @@
           <a:lstStyle/>
           <a:p>
             <a:r>
-              <a:rPr lang="en-US" dirty="0" smtClean="0"/>
+              <a:rPr lang="en-US" dirty="0"/>
               <a:t>Examples</a:t>
             </a:r>
-            <a:endParaRPr lang="en-US" dirty="0"/>
           </a:p>
         </p:txBody>
       </p:sp>
@@ -7678,13 +7519,6 @@
   <p:clrMapOvr>
     <a:masterClrMapping/>
   </p:clrMapOvr>
-  <p:timing>
-    <p:tnLst>
-      <p:par>
-        <p:cTn xmlns:p14="http://schemas.microsoft.com/office/powerpoint/2010/main" id="1" dur="indefinite" restart="never" nodeType="tmRoot"/>
-      </p:par>
-    </p:tnLst>
-  </p:timing>
 </p:sld>
 </file>
 
@@ -7721,10 +7555,9 @@
           <a:lstStyle/>
           <a:p>
             <a:r>
-              <a:rPr lang="en-US" dirty="0" smtClean="0"/>
+              <a:rPr lang="en-US" dirty="0"/>
               <a:t>Theorem 1: Sufficient condition</a:t>
             </a:r>
-            <a:endParaRPr lang="en-US" dirty="0"/>
           </a:p>
         </p:txBody>
       </p:sp>
@@ -7744,44 +7577,43 @@
           <a:lstStyle/>
           <a:p>
             <a:r>
-              <a:rPr lang="en-US" dirty="0" smtClean="0"/>
+              <a:rPr lang="en-US" dirty="0"/>
               <a:t>A connected </a:t>
             </a:r>
             <a:r>
-              <a:rPr lang="en-US" dirty="0" err="1" smtClean="0"/>
+              <a:rPr lang="en-US" dirty="0" err="1"/>
               <a:t>multigraph</a:t>
             </a:r>
             <a:r>
-              <a:rPr lang="en-US" dirty="0" smtClean="0"/>
+              <a:rPr lang="en-US" dirty="0"/>
               <a:t> has an Euler cycle if and only if each of its vertices has even degree</a:t>
             </a:r>
           </a:p>
           <a:p>
             <a:r>
-              <a:rPr lang="en-US" dirty="0" smtClean="0"/>
+              <a:rPr lang="en-US" dirty="0"/>
               <a:t>Proof sketch, PART 1 (Necessary condition):</a:t>
             </a:r>
           </a:p>
           <a:p>
             <a:pPr lvl="1"/>
             <a:r>
-              <a:rPr lang="en-US" dirty="0" smtClean="0"/>
+              <a:rPr lang="en-US" dirty="0"/>
               <a:t>Assume the graph has an Euler cycle</a:t>
             </a:r>
           </a:p>
           <a:p>
             <a:pPr lvl="1"/>
             <a:r>
-              <a:rPr lang="en-US" dirty="0" smtClean="0"/>
+              <a:rPr lang="en-US" dirty="0"/>
               <a:t>Observe that every time the cycle passes through a vertex, it contributes 2 to the vertex’s degree</a:t>
             </a:r>
           </a:p>
           <a:p>
             <a:r>
-              <a:rPr lang="en-US" dirty="0" smtClean="0"/>
+              <a:rPr lang="en-US" dirty="0"/>
               <a:t>Since the cycle enters via an edge incident with this vertex and leaves via another such edge.</a:t>
             </a:r>
-            <a:endParaRPr lang="en-US" dirty="0"/>
           </a:p>
         </p:txBody>
       </p:sp>
@@ -7795,13 +7627,6 @@
   <p:clrMapOvr>
     <a:masterClrMapping/>
   </p:clrMapOvr>
-  <p:timing>
-    <p:tnLst>
-      <p:par>
-        <p:cTn xmlns:p14="http://schemas.microsoft.com/office/powerpoint/2010/main" id="1" dur="indefinite" restart="never" nodeType="tmRoot"/>
-      </p:par>
-    </p:tnLst>
-  </p:timing>
 </p:sld>
 </file>
 
@@ -7838,12 +7663,8 @@
           <a:lstStyle/>
           <a:p>
             <a:r>
-              <a:rPr lang="en-US" dirty="0" smtClean="0"/>
-              <a:t>Theorem 1: Sufficient </a:t>
-            </a:r>
-            <a:r>
-              <a:rPr lang="en-US" dirty="0"/>
-              <a:t>condition</a:t>
+              <a:rPr lang="en-US" dirty="0"/>
+              <a:t>Theorem 1: Sufficient condition</a:t>
             </a:r>
           </a:p>
         </p:txBody>
@@ -7866,35 +7687,35 @@
           <a:lstStyle/>
           <a:p>
             <a:r>
-              <a:rPr lang="en-US" dirty="0" smtClean="0"/>
+              <a:rPr lang="en-US" dirty="0"/>
               <a:t>Proof Sketch, PART 2 (Sufficient condition):</a:t>
             </a:r>
           </a:p>
           <a:p>
             <a:r>
-              <a:rPr lang="en-US" dirty="0" smtClean="0"/>
+              <a:rPr lang="en-US" dirty="0"/>
               <a:t>Demonstrate an algorithm for finding Euler cycle in a graph where all vertices have even degrees</a:t>
             </a:r>
           </a:p>
           <a:p>
             <a:pPr lvl="1"/>
             <a:r>
-              <a:rPr lang="en-US" dirty="0" smtClean="0"/>
+              <a:rPr lang="en-US" dirty="0"/>
               <a:t>Assume every vertex in a </a:t>
             </a:r>
             <a:r>
-              <a:rPr lang="en-US" dirty="0" err="1" smtClean="0"/>
+              <a:rPr lang="en-US" dirty="0" err="1"/>
               <a:t>multigraph</a:t>
             </a:r>
             <a:r>
-              <a:rPr lang="en-US" dirty="0" smtClean="0"/>
+              <a:rPr lang="en-US" dirty="0"/>
               <a:t> G has even degree.</a:t>
             </a:r>
           </a:p>
           <a:p>
             <a:pPr lvl="1"/>
             <a:r>
-              <a:rPr lang="en-US" dirty="0" smtClean="0">
+              <a:rPr lang="en-US" dirty="0">
                 <a:solidFill>
                   <a:srgbClr val="FF0000"/>
                 </a:solidFill>
@@ -7902,11 +7723,11 @@
               <a:t>Start at </a:t>
             </a:r>
             <a:r>
-              <a:rPr lang="en-US" dirty="0" smtClean="0"/>
+              <a:rPr lang="en-US" dirty="0"/>
               <a:t>an arbitrary non-isolated </a:t>
             </a:r>
             <a:r>
-              <a:rPr lang="en-US" dirty="0" smtClean="0">
+              <a:rPr lang="en-US" dirty="0">
                 <a:solidFill>
                   <a:srgbClr val="FF0000"/>
                 </a:solidFill>
@@ -7914,11 +7735,11 @@
               <a:t>vertex v0</a:t>
             </a:r>
             <a:r>
-              <a:rPr lang="en-US" dirty="0" smtClean="0"/>
+              <a:rPr lang="en-US" dirty="0"/>
               <a:t>, </a:t>
             </a:r>
             <a:r>
-              <a:rPr lang="en-US" dirty="0" smtClean="0">
+              <a:rPr lang="en-US" dirty="0">
                 <a:solidFill>
                   <a:srgbClr val="FF0000"/>
                 </a:solidFill>
@@ -7926,28 +7747,28 @@
               <a:t>choose an arbitrary edge</a:t>
             </a:r>
             <a:r>
-              <a:rPr lang="en-US" dirty="0" smtClean="0"/>
+              <a:rPr lang="en-US" dirty="0"/>
               <a:t> (v0, v1)</a:t>
             </a:r>
           </a:p>
           <a:p>
             <a:pPr lvl="1"/>
             <a:r>
-              <a:rPr lang="en-US" dirty="0" smtClean="0"/>
+              <a:rPr lang="en-US" dirty="0"/>
               <a:t>Then choose an arbitrary unused edge from v1 and so on.</a:t>
             </a:r>
           </a:p>
           <a:p>
             <a:pPr lvl="1"/>
             <a:r>
-              <a:rPr lang="en-US" dirty="0" smtClean="0"/>
+              <a:rPr lang="en-US" dirty="0"/>
               <a:t>After a finite number of steps the process will arrive at the starting vertex v0, yielding a cycle with distinct edges.</a:t>
             </a:r>
           </a:p>
           <a:p>
             <a:pPr lvl="1"/>
             <a:r>
-              <a:rPr lang="en-US" dirty="0" smtClean="0">
+              <a:rPr lang="en-US" dirty="0">
                 <a:solidFill>
                   <a:srgbClr val="FF0000"/>
                 </a:solidFill>
@@ -7955,11 +7776,11 @@
               <a:t>If</a:t>
             </a:r>
             <a:r>
-              <a:rPr lang="en-US" dirty="0" smtClean="0"/>
+              <a:rPr lang="en-US" dirty="0"/>
               <a:t> the cycle </a:t>
             </a:r>
             <a:r>
-              <a:rPr lang="en-US" dirty="0" smtClean="0">
+              <a:rPr lang="en-US" dirty="0">
                 <a:solidFill>
                   <a:srgbClr val="FF0000"/>
                 </a:solidFill>
@@ -7967,11 +7788,11 @@
               <a:t>includes all edges </a:t>
             </a:r>
             <a:r>
-              <a:rPr lang="en-US" dirty="0" smtClean="0"/>
+              <a:rPr lang="en-US" dirty="0"/>
               <a:t>of G, this will be an </a:t>
             </a:r>
             <a:r>
-              <a:rPr lang="en-US" dirty="0" smtClean="0">
+              <a:rPr lang="en-US" dirty="0">
                 <a:solidFill>
                   <a:srgbClr val="FF0000"/>
                 </a:solidFill>
@@ -7979,14 +7800,14 @@
               <a:t>Euler cycle</a:t>
             </a:r>
             <a:r>
-              <a:rPr lang="en-US" dirty="0" smtClean="0"/>
+              <a:rPr lang="en-US" dirty="0"/>
               <a:t>; </a:t>
             </a:r>
           </a:p>
           <a:p>
             <a:pPr lvl="1"/>
             <a:r>
-              <a:rPr lang="en-US" dirty="0" smtClean="0">
+              <a:rPr lang="en-US" dirty="0">
                 <a:solidFill>
                   <a:srgbClr val="FF0000"/>
                 </a:solidFill>
@@ -7994,10 +7815,9 @@
               <a:t>If not</a:t>
             </a:r>
             <a:r>
-              <a:rPr lang="en-US" dirty="0" smtClean="0"/>
+              <a:rPr lang="en-US" dirty="0"/>
               <a:t>, begin the procedure again from a vertex contained in this cycle and splice the two cycles together; continue until all edges are used.</a:t>
             </a:r>
-            <a:endParaRPr lang="en-US" dirty="0"/>
           </a:p>
         </p:txBody>
       </p:sp>
@@ -8011,13 +7831,6 @@
   <p:clrMapOvr>
     <a:masterClrMapping/>
   </p:clrMapOvr>
-  <p:timing>
-    <p:tnLst>
-      <p:par>
-        <p:cTn xmlns:p14="http://schemas.microsoft.com/office/powerpoint/2010/main" id="1" dur="indefinite" restart="never" nodeType="tmRoot"/>
-      </p:par>
-    </p:tnLst>
-  </p:timing>
 </p:sld>
 </file>
 
@@ -8055,15 +7868,7 @@
           <a:p>
             <a:r>
               <a:rPr lang="en-US" dirty="0"/>
-              <a:t>Theorem </a:t>
-            </a:r>
-            <a:r>
-              <a:rPr lang="en-US" dirty="0" smtClean="0"/>
-              <a:t>1</a:t>
-            </a:r>
-            <a:r>
-              <a:rPr lang="en-US" dirty="0"/>
-              <a:t>: Sufficient condition</a:t>
+              <a:t>Theorem 1: Sufficient condition</a:t>
             </a:r>
           </a:p>
         </p:txBody>
@@ -8086,31 +7891,30 @@
           <a:lstStyle/>
           <a:p>
             <a:r>
-              <a:rPr lang="en-US" dirty="0" smtClean="0"/>
+              <a:rPr lang="en-US" dirty="0"/>
               <a:t>In the above procedure, once you entered a vertex v, </a:t>
             </a:r>
           </a:p>
           <a:p>
             <a:pPr lvl="1"/>
             <a:r>
-              <a:rPr lang="en-US" dirty="0" smtClean="0"/>
+              <a:rPr lang="en-US" dirty="0"/>
               <a:t>There will always be another unused edge to exit v because v has an even degree.</a:t>
             </a:r>
           </a:p>
           <a:p>
             <a:pPr lvl="1"/>
             <a:r>
-              <a:rPr lang="en-US" dirty="0" smtClean="0"/>
+              <a:rPr lang="en-US" dirty="0"/>
               <a:t>The only edge from which you may not be able to exit after entering it is v0</a:t>
             </a:r>
           </a:p>
           <a:p>
             <a:pPr lvl="2"/>
             <a:r>
-              <a:rPr lang="en-US" dirty="0" smtClean="0"/>
+              <a:rPr lang="en-US" dirty="0"/>
               <a:t>But if you have reached v0, then you have already constructed a required cycle.</a:t>
             </a:r>
-            <a:endParaRPr lang="en-US" dirty="0"/>
           </a:p>
         </p:txBody>
       </p:sp>
@@ -8124,13 +7928,6 @@
   <p:clrMapOvr>
     <a:masterClrMapping/>
   </p:clrMapOvr>
-  <p:timing>
-    <p:tnLst>
-      <p:par>
-        <p:cTn xmlns:p14="http://schemas.microsoft.com/office/powerpoint/2010/main" id="1" dur="indefinite" restart="never" nodeType="tmRoot"/>
-      </p:par>
-    </p:tnLst>
-  </p:timing>
 </p:sld>
 </file>
 
@@ -8169,10 +7966,9 @@
           <a:lstStyle/>
           <a:p>
             <a:r>
-              <a:rPr lang="en-US" dirty="0" smtClean="0"/>
+              <a:rPr lang="en-US" dirty="0"/>
               <a:t>Procedure for constructing an Euler cycle</a:t>
             </a:r>
-            <a:endParaRPr lang="en-US" dirty="0"/>
           </a:p>
         </p:txBody>
       </p:sp>
@@ -8197,30 +7993,29 @@
           <a:lstStyle/>
           <a:p>
             <a:r>
-              <a:rPr lang="en-US" dirty="0" smtClean="0"/>
+              <a:rPr lang="en-US" dirty="0"/>
               <a:t>Algorithm Euler(G)</a:t>
             </a:r>
           </a:p>
           <a:p>
             <a:r>
-              <a:rPr lang="en-US" b="1" dirty="0" smtClean="0"/>
+              <a:rPr lang="en-US" b="1" dirty="0"/>
               <a:t>Input</a:t>
             </a:r>
             <a:r>
-              <a:rPr lang="en-US" dirty="0" smtClean="0"/>
+              <a:rPr lang="en-US" dirty="0"/>
               <a:t>: Connected graph G with all vertices having en degrees</a:t>
             </a:r>
           </a:p>
           <a:p>
             <a:r>
-              <a:rPr lang="en-US" b="1" dirty="0" smtClean="0"/>
+              <a:rPr lang="en-US" b="1" dirty="0"/>
               <a:t>Output</a:t>
             </a:r>
             <a:r>
-              <a:rPr lang="en-US" dirty="0" smtClean="0"/>
+              <a:rPr lang="en-US" dirty="0"/>
               <a:t>: Euler cycle</a:t>
             </a:r>
-            <a:endParaRPr lang="en-US" dirty="0"/>
           </a:p>
         </p:txBody>
       </p:sp>
@@ -8350,13 +8145,6 @@
   <p:clrMapOvr>
     <a:masterClrMapping/>
   </p:clrMapOvr>
-  <p:timing>
-    <p:tnLst>
-      <p:par>
-        <p:cTn xmlns:p14="http://schemas.microsoft.com/office/powerpoint/2010/main" id="1" dur="indefinite" restart="never" nodeType="tmRoot"/>
-      </p:par>
-    </p:tnLst>
-  </p:timing>
 </p:sld>
 </file>
 
@@ -8393,10 +8181,9 @@
           <a:lstStyle/>
           <a:p>
             <a:r>
-              <a:rPr lang="en-US" dirty="0" smtClean="0"/>
+              <a:rPr lang="en-US" dirty="0"/>
               <a:t>Example</a:t>
             </a:r>
-            <a:endParaRPr lang="en-US" dirty="0"/>
           </a:p>
         </p:txBody>
       </p:sp>
@@ -8439,13 +8226,6 @@
   <p:clrMapOvr>
     <a:masterClrMapping/>
   </p:clrMapOvr>
-  <p:timing>
-    <p:tnLst>
-      <p:par>
-        <p:cTn xmlns:p14="http://schemas.microsoft.com/office/powerpoint/2010/main" id="1" dur="indefinite" restart="never" nodeType="tmRoot"/>
-      </p:par>
-    </p:tnLst>
-  </p:timing>
 </p:sld>
 </file>
 
@@ -8482,10 +8262,9 @@
           <a:lstStyle/>
           <a:p>
             <a:r>
-              <a:rPr lang="en-US" dirty="0" smtClean="0"/>
+              <a:rPr lang="en-US" dirty="0"/>
               <a:t>Algorithm for Euler cycle using Stack</a:t>
             </a:r>
-            <a:endParaRPr lang="en-US" dirty="0"/>
           </a:p>
         </p:txBody>
       </p:sp>
@@ -8512,27 +8291,27 @@
           <a:lstStyle/>
           <a:p>
             <a:r>
-              <a:rPr lang="en-US" dirty="0" smtClean="0"/>
+              <a:rPr lang="en-US" dirty="0"/>
               <a:t>Algorithm Euler (G)</a:t>
             </a:r>
           </a:p>
           <a:p>
             <a:r>
-              <a:rPr lang="en-US" b="1" dirty="0" smtClean="0"/>
+              <a:rPr lang="en-US" b="1" dirty="0"/>
               <a:t>Input</a:t>
             </a:r>
             <a:r>
-              <a:rPr lang="en-US" dirty="0" smtClean="0"/>
+              <a:rPr lang="en-US" dirty="0"/>
               <a:t>: Connected graph G with all vertices having even degrees</a:t>
             </a:r>
           </a:p>
           <a:p>
             <a:r>
-              <a:rPr lang="en-US" b="1" dirty="0" smtClean="0"/>
+              <a:rPr lang="en-US" b="1" dirty="0"/>
               <a:t>Output</a:t>
             </a:r>
             <a:r>
-              <a:rPr lang="en-US" dirty="0" smtClean="0"/>
+              <a:rPr lang="en-US" dirty="0"/>
               <a:t>: Euler cycle</a:t>
             </a:r>
           </a:p>
@@ -8718,13 +8497,6 @@
   <p:clrMapOvr>
     <a:masterClrMapping/>
   </p:clrMapOvr>
-  <p:timing>
-    <p:tnLst>
-      <p:par>
-        <p:cTn xmlns:p14="http://schemas.microsoft.com/office/powerpoint/2010/main" id="1" dur="indefinite" restart="never" nodeType="tmRoot"/>
-      </p:par>
-    </p:tnLst>
-  </p:timing>
 </p:sld>
 </file>
 
@@ -8761,10 +8533,9 @@
           <a:lstStyle/>
           <a:p>
             <a:r>
-              <a:rPr lang="en-US" dirty="0" smtClean="0"/>
+              <a:rPr lang="en-US" dirty="0"/>
               <a:t>Theorem 2. Necessary and Sufficient</a:t>
             </a:r>
-            <a:endParaRPr lang="en-US" dirty="0"/>
           </a:p>
         </p:txBody>
       </p:sp>
@@ -8784,19 +8555,19 @@
           <a:lstStyle/>
           <a:p>
             <a:r>
-              <a:rPr lang="en-US" dirty="0" smtClean="0"/>
+              <a:rPr lang="en-US" dirty="0"/>
               <a:t>A connected </a:t>
             </a:r>
             <a:r>
-              <a:rPr lang="en-US" dirty="0" err="1" smtClean="0"/>
+              <a:rPr lang="en-US" dirty="0" err="1"/>
               <a:t>multigraph</a:t>
             </a:r>
             <a:r>
-              <a:rPr lang="en-US" dirty="0" smtClean="0"/>
+              <a:rPr lang="en-US" dirty="0"/>
               <a:t> has an </a:t>
             </a:r>
             <a:r>
-              <a:rPr lang="en-US" dirty="0" smtClean="0">
+              <a:rPr lang="en-US" dirty="0">
                 <a:solidFill>
                   <a:srgbClr val="FF0000"/>
                 </a:solidFill>
@@ -8804,18 +8575,18 @@
               <a:t>Euler path </a:t>
             </a:r>
             <a:r>
-              <a:rPr lang="en-US" dirty="0" smtClean="0"/>
+              <a:rPr lang="en-US" dirty="0"/>
               <a:t>but not an Euler cycle if and only if</a:t>
             </a:r>
           </a:p>
           <a:p>
             <a:pPr lvl="1"/>
             <a:r>
-              <a:rPr lang="en-US" dirty="0" smtClean="0"/>
+              <a:rPr lang="en-US" dirty="0"/>
               <a:t>It has </a:t>
             </a:r>
             <a:r>
-              <a:rPr lang="en-US" dirty="0" smtClean="0">
+              <a:rPr lang="en-US" dirty="0">
                 <a:solidFill>
                   <a:srgbClr val="FF0000"/>
                 </a:solidFill>
@@ -8823,22 +8594,17 @@
               <a:t>exactly two vertices </a:t>
             </a:r>
             <a:r>
-              <a:rPr lang="en-US" dirty="0" smtClean="0"/>
+              <a:rPr lang="en-US" dirty="0"/>
               <a:t>of </a:t>
             </a:r>
             <a:r>
-              <a:rPr lang="en-US" dirty="0" smtClean="0">
+              <a:rPr lang="en-US" dirty="0">
                 <a:solidFill>
                   <a:srgbClr val="FF0000"/>
                 </a:solidFill>
               </a:rPr>
               <a:t>odd degree</a:t>
             </a:r>
-            <a:endParaRPr lang="en-US" dirty="0">
-              <a:solidFill>
-                <a:srgbClr val="FF0000"/>
-              </a:solidFill>
-            </a:endParaRPr>
           </a:p>
         </p:txBody>
       </p:sp>
@@ -8852,13 +8618,6 @@
   <p:clrMapOvr>
     <a:masterClrMapping/>
   </p:clrMapOvr>
-  <p:timing>
-    <p:tnLst>
-      <p:par>
-        <p:cTn xmlns:p14="http://schemas.microsoft.com/office/powerpoint/2010/main" id="1" dur="indefinite" restart="never" nodeType="tmRoot"/>
-      </p:par>
-    </p:tnLst>
-  </p:timing>
 </p:sld>
 </file>
 
@@ -8901,7 +8660,7 @@
           <a:p>
             <a:pPr algn="ctr"/>
             <a:r>
-              <a:rPr lang="en-US" dirty="0" smtClean="0">
+              <a:rPr lang="en-US" dirty="0">
                 <a:solidFill>
                   <a:srgbClr val="FF0000"/>
                 </a:solidFill>
@@ -8909,25 +8668,20 @@
               <a:t>DAY 2</a:t>
             </a:r>
             <a:br>
-              <a:rPr lang="en-US" dirty="0" smtClean="0">
+              <a:rPr lang="en-US" dirty="0">
                 <a:solidFill>
                   <a:srgbClr val="FF0000"/>
                 </a:solidFill>
               </a:rPr>
             </a:br>
             <a:r>
-              <a:rPr lang="en-US" dirty="0" smtClean="0">
+              <a:rPr lang="en-US" dirty="0">
                 <a:solidFill>
                   <a:srgbClr val="FF0000"/>
                 </a:solidFill>
               </a:rPr>
               <a:t>Graphs</a:t>
             </a:r>
-            <a:endParaRPr lang="en-US" dirty="0">
-              <a:solidFill>
-                <a:srgbClr val="FF0000"/>
-              </a:solidFill>
-            </a:endParaRPr>
           </a:p>
         </p:txBody>
       </p:sp>
@@ -8941,13 +8695,6 @@
   <p:clrMapOvr>
     <a:masterClrMapping/>
   </p:clrMapOvr>
-  <p:timing>
-    <p:tnLst>
-      <p:par>
-        <p:cTn xmlns:p14="http://schemas.microsoft.com/office/powerpoint/2010/main" id="1" dur="indefinite" restart="never" nodeType="tmRoot"/>
-      </p:par>
-    </p:tnLst>
-  </p:timing>
 </p:sld>
 </file>
 
@@ -8984,10 +8731,9 @@
           <a:lstStyle/>
           <a:p>
             <a:r>
-              <a:rPr lang="en-US" dirty="0" smtClean="0"/>
+              <a:rPr lang="en-US" dirty="0"/>
               <a:t>Hamiltonian Graphs</a:t>
             </a:r>
-            <a:endParaRPr lang="en-US" dirty="0"/>
           </a:p>
         </p:txBody>
       </p:sp>
@@ -9007,10 +8753,9 @@
           <a:lstStyle/>
           <a:p>
             <a:r>
-              <a:rPr lang="en-US" dirty="0" smtClean="0"/>
+              <a:rPr lang="en-US" dirty="0"/>
               <a:t>Hamilton Cycles and Paths</a:t>
             </a:r>
-            <a:endParaRPr lang="en-US" dirty="0"/>
           </a:p>
         </p:txBody>
       </p:sp>
@@ -9024,13 +8769,6 @@
   <p:clrMapOvr>
     <a:masterClrMapping/>
   </p:clrMapOvr>
-  <p:timing>
-    <p:tnLst>
-      <p:par>
-        <p:cTn xmlns:p14="http://schemas.microsoft.com/office/powerpoint/2010/main" id="1" dur="indefinite" restart="never" nodeType="tmRoot"/>
-      </p:par>
-    </p:tnLst>
-  </p:timing>
 </p:sld>
 </file>
 
@@ -9067,10 +8805,9 @@
           <a:lstStyle/>
           <a:p>
             <a:r>
-              <a:rPr lang="en-US" dirty="0" smtClean="0"/>
+              <a:rPr lang="en-US" dirty="0"/>
               <a:t>Definition</a:t>
             </a:r>
-            <a:endParaRPr lang="en-US" dirty="0"/>
           </a:p>
         </p:txBody>
       </p:sp>
@@ -9098,20 +8835,16 @@
           <a:p>
             <a:r>
               <a:rPr lang="en-US" dirty="0"/>
-              <a:t>Hamilton path: visits every vertex of the graph exactly once</a:t>
-            </a:r>
-            <a:r>
-              <a:rPr lang="en-US" dirty="0" smtClean="0"/>
-              <a:t>.</a:t>
-            </a:r>
-          </a:p>
-          <a:p>
-            <a:r>
-              <a:rPr lang="en-US" dirty="0" smtClean="0"/>
+              <a:t>Hamilton path: visits every vertex of the graph exactly once.</a:t>
+            </a:r>
+          </a:p>
+          <a:p>
+            <a:r>
+              <a:rPr lang="en-US" dirty="0"/>
               <a:t>Hamilton cycle: Visits </a:t>
             </a:r>
             <a:r>
-              <a:rPr lang="en-US" dirty="0" smtClean="0">
+              <a:rPr lang="en-US" dirty="0">
                 <a:solidFill>
                   <a:srgbClr val="FF0000"/>
                 </a:solidFill>
@@ -9119,12 +8852,12 @@
               <a:t>every vertex </a:t>
             </a:r>
             <a:r>
-              <a:rPr lang="en-US" dirty="0" smtClean="0"/>
+              <a:rPr lang="en-US" dirty="0"/>
               <a:t>of the graph exactly once before returning, as the last step, to the starting vertex.</a:t>
             </a:r>
           </a:p>
           <a:p>
-            <a:endParaRPr lang="en-US" dirty="0" smtClean="0"/>
+            <a:endParaRPr lang="en-US" dirty="0"/>
           </a:p>
         </p:txBody>
       </p:sp>
@@ -9167,13 +8900,6 @@
   <p:clrMapOvr>
     <a:masterClrMapping/>
   </p:clrMapOvr>
-  <p:timing>
-    <p:tnLst>
-      <p:par>
-        <p:cTn xmlns:p14="http://schemas.microsoft.com/office/powerpoint/2010/main" id="1" dur="indefinite" restart="never" nodeType="tmRoot"/>
-      </p:par>
-    </p:tnLst>
-  </p:timing>
 </p:sld>
 </file>
 
@@ -9210,10 +8936,9 @@
           <a:lstStyle/>
           <a:p>
             <a:r>
-              <a:rPr lang="en-US" dirty="0" smtClean="0"/>
+              <a:rPr lang="en-US" dirty="0"/>
               <a:t>Hamilton Cycles and Paths</a:t>
             </a:r>
-            <a:endParaRPr lang="en-US" dirty="0"/>
           </a:p>
         </p:txBody>
       </p:sp>
@@ -9235,31 +8960,27 @@
           <a:lstStyle/>
           <a:p>
             <a:r>
-              <a:rPr lang="en-US" dirty="0" smtClean="0"/>
+              <a:rPr lang="en-US" dirty="0"/>
               <a:t>No property is known to efficiently verify existence of a Hamilton cycle/path for general graphs.</a:t>
             </a:r>
           </a:p>
           <a:p>
             <a:r>
               <a:rPr lang="en-US" dirty="0"/>
-              <a:t>The problem is known to be as difficult as the TSP (find the shortest H. cycle through n cities</a:t>
-            </a:r>
-            <a:r>
-              <a:rPr lang="en-US" dirty="0" smtClean="0"/>
-              <a:t>)</a:t>
-            </a:r>
-          </a:p>
-          <a:p>
-            <a:r>
-              <a:rPr lang="en-US" b="1" dirty="0" smtClean="0"/>
+              <a:t>The problem is known to be as difficult as the TSP (find the shortest H. cycle through n cities)</a:t>
+            </a:r>
+          </a:p>
+          <a:p>
+            <a:r>
+              <a:rPr lang="en-US" b="1" dirty="0"/>
               <a:t>Dirac’s theorem</a:t>
             </a:r>
             <a:r>
-              <a:rPr lang="en-US" dirty="0" smtClean="0"/>
+              <a:rPr lang="en-US" dirty="0"/>
               <a:t>: If G is a </a:t>
             </a:r>
             <a:r>
-              <a:rPr lang="en-US" dirty="0" smtClean="0">
+              <a:rPr lang="en-US" dirty="0">
                 <a:solidFill>
                   <a:srgbClr val="FF0000"/>
                 </a:solidFill>
@@ -9267,11 +8988,11 @@
               <a:t>simple graph </a:t>
             </a:r>
             <a:r>
-              <a:rPr lang="en-US" dirty="0" smtClean="0"/>
+              <a:rPr lang="en-US" dirty="0"/>
               <a:t>with </a:t>
             </a:r>
             <a:r>
-              <a:rPr lang="en-US" dirty="0" smtClean="0">
+              <a:rPr lang="en-US" dirty="0">
                 <a:solidFill>
                   <a:srgbClr val="FF0000"/>
                 </a:solidFill>
@@ -9279,11 +9000,11 @@
               <a:t>n&gt;=3</a:t>
             </a:r>
             <a:r>
-              <a:rPr lang="en-US" dirty="0" smtClean="0"/>
+              <a:rPr lang="en-US" dirty="0"/>
               <a:t> vertices such that the </a:t>
             </a:r>
             <a:r>
-              <a:rPr lang="en-US" dirty="0" smtClean="0">
+              <a:rPr lang="en-US" dirty="0">
                 <a:solidFill>
                   <a:srgbClr val="FF0000"/>
                 </a:solidFill>
@@ -9291,11 +9012,11 @@
               <a:t>degree of every vertex is at least n/2</a:t>
             </a:r>
             <a:r>
-              <a:rPr lang="en-US" dirty="0" smtClean="0"/>
+              <a:rPr lang="en-US" dirty="0"/>
               <a:t>, then G has a </a:t>
             </a:r>
             <a:r>
-              <a:rPr lang="en-US" dirty="0" smtClean="0">
+              <a:rPr lang="en-US" dirty="0">
                 <a:solidFill>
                   <a:srgbClr val="FF0000"/>
                 </a:solidFill>
@@ -9303,21 +9024,21 @@
               <a:t>Hamilton cycle</a:t>
             </a:r>
             <a:r>
-              <a:rPr lang="en-US" dirty="0" smtClean="0"/>
+              <a:rPr lang="en-US" dirty="0"/>
               <a:t>.</a:t>
             </a:r>
           </a:p>
           <a:p>
             <a:r>
-              <a:rPr lang="en-US" b="1" dirty="0" smtClean="0"/>
+              <a:rPr lang="en-US" b="1" dirty="0"/>
               <a:t>Ore’s Theorem</a:t>
             </a:r>
             <a:r>
-              <a:rPr lang="en-US" dirty="0" smtClean="0"/>
+              <a:rPr lang="en-US" dirty="0"/>
               <a:t>: If G is a </a:t>
             </a:r>
             <a:r>
-              <a:rPr lang="en-US" dirty="0" smtClean="0">
+              <a:rPr lang="en-US" dirty="0">
                 <a:solidFill>
                   <a:srgbClr val="FF0000"/>
                 </a:solidFill>
@@ -9325,11 +9046,11 @@
               <a:t>simple graph </a:t>
             </a:r>
             <a:r>
-              <a:rPr lang="en-US" dirty="0" smtClean="0"/>
+              <a:rPr lang="en-US" dirty="0"/>
               <a:t>with </a:t>
             </a:r>
             <a:r>
-              <a:rPr lang="en-US" dirty="0" smtClean="0">
+              <a:rPr lang="en-US" dirty="0">
                 <a:solidFill>
                   <a:srgbClr val="FF0000"/>
                 </a:solidFill>
@@ -9337,11 +9058,11 @@
               <a:t>n&gt;= 3 </a:t>
             </a:r>
             <a:r>
-              <a:rPr lang="en-US" dirty="0" smtClean="0"/>
+              <a:rPr lang="en-US" dirty="0"/>
               <a:t>vertices such that the </a:t>
             </a:r>
             <a:r>
-              <a:rPr lang="en-US" dirty="0" err="1" smtClean="0">
+              <a:rPr lang="en-US" dirty="0" err="1">
                 <a:solidFill>
                   <a:srgbClr val="FF0000"/>
                 </a:solidFill>
@@ -9349,7 +9070,7 @@
               <a:t>deg</a:t>
             </a:r>
             <a:r>
-              <a:rPr lang="en-US" dirty="0" smtClean="0">
+              <a:rPr lang="en-US" dirty="0">
                 <a:solidFill>
                   <a:srgbClr val="FF0000"/>
                 </a:solidFill>
@@ -9357,11 +9078,11 @@
               <a:t>(u) +d(v) &gt;=n </a:t>
             </a:r>
             <a:r>
-              <a:rPr lang="en-US" dirty="0" smtClean="0"/>
+              <a:rPr lang="en-US" dirty="0"/>
               <a:t>for </a:t>
             </a:r>
             <a:r>
-              <a:rPr lang="en-US" dirty="0" smtClean="0">
+              <a:rPr lang="en-US" dirty="0">
                 <a:solidFill>
                   <a:srgbClr val="FF0000"/>
                 </a:solidFill>
@@ -9369,11 +9090,11 @@
               <a:t>every pair of nonadjacent vertices</a:t>
             </a:r>
             <a:r>
-              <a:rPr lang="en-US" dirty="0" smtClean="0"/>
+              <a:rPr lang="en-US" dirty="0"/>
               <a:t> u and v, then </a:t>
             </a:r>
             <a:r>
-              <a:rPr lang="en-US" dirty="0" smtClean="0">
+              <a:rPr lang="en-US" dirty="0">
                 <a:solidFill>
                   <a:srgbClr val="FF0000"/>
                 </a:solidFill>
@@ -9381,21 +9102,21 @@
               <a:t>G has a Hamilton cycle</a:t>
             </a:r>
             <a:r>
-              <a:rPr lang="en-US" dirty="0" smtClean="0"/>
+              <a:rPr lang="en-US" dirty="0"/>
               <a:t>.</a:t>
             </a:r>
           </a:p>
           <a:p>
             <a:r>
-              <a:rPr lang="en-US" b="1" dirty="0" smtClean="0"/>
+              <a:rPr lang="en-US" b="1" dirty="0"/>
               <a:t>Theorem</a:t>
             </a:r>
             <a:r>
-              <a:rPr lang="en-US" dirty="0" smtClean="0"/>
+              <a:rPr lang="en-US" dirty="0"/>
               <a:t>: If G=(V, E) is a </a:t>
             </a:r>
             <a:r>
-              <a:rPr lang="en-US" dirty="0" smtClean="0">
+              <a:rPr lang="en-US" dirty="0">
                 <a:solidFill>
                   <a:srgbClr val="FF0000"/>
                 </a:solidFill>
@@ -9403,10 +9124,9 @@
               <a:t>complete directed graph </a:t>
             </a:r>
             <a:r>
-              <a:rPr lang="en-US" dirty="0" smtClean="0"/>
+              <a:rPr lang="en-US" dirty="0"/>
               <a:t>then G has a Hamilton Cycle.</a:t>
             </a:r>
-            <a:endParaRPr lang="en-US" dirty="0"/>
           </a:p>
         </p:txBody>
       </p:sp>
@@ -9420,13 +9140,6 @@
   <p:clrMapOvr>
     <a:masterClrMapping/>
   </p:clrMapOvr>
-  <p:timing>
-    <p:tnLst>
-      <p:par>
-        <p:cTn xmlns:p14="http://schemas.microsoft.com/office/powerpoint/2010/main" id="1" dur="indefinite" restart="never" nodeType="tmRoot"/>
-      </p:par>
-    </p:tnLst>
-  </p:timing>
 </p:sld>
 </file>
 
@@ -9465,10 +9178,9 @@
           <a:lstStyle/>
           <a:p>
             <a:r>
-              <a:rPr lang="en-US" dirty="0" smtClean="0"/>
+              <a:rPr lang="en-US" dirty="0"/>
               <a:t>Find Hamilton’s cycle using backtracking</a:t>
             </a:r>
-            <a:endParaRPr lang="en-US" dirty="0"/>
           </a:p>
         </p:txBody>
       </p:sp>
@@ -9495,22 +9207,21 @@
           <a:lstStyle/>
           <a:p>
             <a:r>
-              <a:rPr lang="en-US" dirty="0" smtClean="0"/>
+              <a:rPr lang="en-US" dirty="0"/>
               <a:t>Given the graph G=(V, E) and X is a vertex of G. </a:t>
             </a:r>
           </a:p>
           <a:p>
             <a:r>
-              <a:rPr lang="en-US" dirty="0" smtClean="0"/>
+              <a:rPr lang="en-US" dirty="0"/>
               <a:t>Suppose there exists at least one Hamilton cycle for the graph.</a:t>
             </a:r>
           </a:p>
           <a:p>
             <a:r>
-              <a:rPr lang="en-US" dirty="0" smtClean="0"/>
+              <a:rPr lang="en-US" dirty="0"/>
               <a:t>The following is a backtracking algorithm for finding one Hamilton cycle from the vertex X.</a:t>
             </a:r>
-            <a:endParaRPr lang="en-US" dirty="0"/>
           </a:p>
         </p:txBody>
       </p:sp>
@@ -9638,13 +9349,6 @@
   <p:clrMapOvr>
     <a:masterClrMapping/>
   </p:clrMapOvr>
-  <p:timing>
-    <p:tnLst>
-      <p:par>
-        <p:cTn xmlns:p14="http://schemas.microsoft.com/office/powerpoint/2010/main" id="1" dur="indefinite" restart="never" nodeType="tmRoot"/>
-      </p:par>
-    </p:tnLst>
-  </p:timing>
 </p:sld>
 </file>
 
@@ -9681,10 +9385,9 @@
           <a:lstStyle/>
           <a:p>
             <a:r>
-              <a:rPr lang="en-US" dirty="0" smtClean="0"/>
+              <a:rPr lang="en-US" dirty="0"/>
               <a:t>Example</a:t>
             </a:r>
-            <a:endParaRPr lang="en-US" dirty="0"/>
           </a:p>
         </p:txBody>
       </p:sp>
@@ -9727,13 +9430,6 @@
   <p:clrMapOvr>
     <a:masterClrMapping/>
   </p:clrMapOvr>
-  <p:timing>
-    <p:tnLst>
-      <p:par>
-        <p:cTn xmlns:p14="http://schemas.microsoft.com/office/powerpoint/2010/main" id="1" dur="indefinite" restart="never" nodeType="tmRoot"/>
-      </p:par>
-    </p:tnLst>
-  </p:timing>
 </p:sld>
 </file>
 
@@ -9770,10 +9466,9 @@
           <a:lstStyle/>
           <a:p>
             <a:r>
-              <a:rPr lang="en-US" dirty="0" smtClean="0"/>
+              <a:rPr lang="en-US" dirty="0"/>
               <a:t>Graph Coloring</a:t>
             </a:r>
-            <a:endParaRPr lang="en-US" dirty="0"/>
           </a:p>
         </p:txBody>
       </p:sp>
@@ -9806,13 +9501,6 @@
   <p:clrMapOvr>
     <a:masterClrMapping/>
   </p:clrMapOvr>
-  <p:timing>
-    <p:tnLst>
-      <p:par>
-        <p:cTn xmlns:p14="http://schemas.microsoft.com/office/powerpoint/2010/main" id="1" dur="indefinite" restart="never" nodeType="tmRoot"/>
-      </p:par>
-    </p:tnLst>
-  </p:timing>
 </p:sld>
 </file>
 
@@ -9849,10 +9537,9 @@
           <a:lstStyle/>
           <a:p>
             <a:r>
-              <a:rPr lang="en-US" dirty="0" smtClean="0"/>
+              <a:rPr lang="en-US" dirty="0"/>
               <a:t>Graph Coloring</a:t>
             </a:r>
-            <a:endParaRPr lang="en-US" dirty="0"/>
           </a:p>
         </p:txBody>
       </p:sp>
@@ -9872,38 +9559,37 @@
           <a:lstStyle/>
           <a:p>
             <a:r>
-              <a:rPr lang="en-US" dirty="0" smtClean="0"/>
+              <a:rPr lang="en-US" dirty="0"/>
               <a:t>In graph theory, graph coloring is a way of coloring the vertices of a graph such that no two adjacent vertices share the same color.</a:t>
             </a:r>
           </a:p>
           <a:p>
             <a:r>
-              <a:rPr lang="en-US" dirty="0" smtClean="0"/>
+              <a:rPr lang="en-US" dirty="0"/>
               <a:t>If the chromatic number of graph G is denoted by X(G).</a:t>
             </a:r>
           </a:p>
           <a:p>
             <a:pPr lvl="1"/>
             <a:r>
-              <a:rPr lang="en-US" dirty="0" smtClean="0"/>
+              <a:rPr lang="en-US" dirty="0"/>
               <a:t>Graph for which k=X(G) is called k-colorable.</a:t>
             </a:r>
           </a:p>
           <a:p>
             <a:pPr lvl="1"/>
             <a:r>
-              <a:rPr lang="en-US" dirty="0" smtClean="0"/>
+              <a:rPr lang="en-US" dirty="0"/>
               <a:t>Chromatic number of a graph is the minimum number of colors one can use to color the vertices of the graph so that </a:t>
             </a:r>
             <a:r>
-              <a:rPr lang="en-US" b="1" dirty="0" smtClean="0"/>
+              <a:rPr lang="en-US" b="1" dirty="0"/>
               <a:t>no</a:t>
             </a:r>
             <a:r>
-              <a:rPr lang="en-US" dirty="0" smtClean="0"/>
+              <a:rPr lang="en-US" dirty="0"/>
               <a:t> two adjacent vertices have the same color.</a:t>
             </a:r>
-            <a:endParaRPr lang="en-US" dirty="0"/>
           </a:p>
         </p:txBody>
       </p:sp>
@@ -9917,13 +9603,6 @@
   <p:clrMapOvr>
     <a:masterClrMapping/>
   </p:clrMapOvr>
-  <p:timing>
-    <p:tnLst>
-      <p:par>
-        <p:cTn xmlns:p14="http://schemas.microsoft.com/office/powerpoint/2010/main" id="1" dur="indefinite" restart="never" nodeType="tmRoot"/>
-      </p:par>
-    </p:tnLst>
-  </p:timing>
 </p:sld>
 </file>
 
@@ -9960,10 +9639,9 @@
           <a:lstStyle/>
           <a:p>
             <a:r>
-              <a:rPr lang="en-US" dirty="0" smtClean="0"/>
+              <a:rPr lang="en-US" dirty="0"/>
               <a:t>Graph coloring example</a:t>
             </a:r>
-            <a:endParaRPr lang="en-US" dirty="0"/>
           </a:p>
         </p:txBody>
       </p:sp>
@@ -10001,13 +9679,6 @@
   <p:clrMapOvr>
     <a:masterClrMapping/>
   </p:clrMapOvr>
-  <p:timing>
-    <p:tnLst>
-      <p:par>
-        <p:cTn xmlns:p14="http://schemas.microsoft.com/office/powerpoint/2010/main" id="1" dur="indefinite" restart="never" nodeType="tmRoot"/>
-      </p:par>
-    </p:tnLst>
-  </p:timing>
 </p:sld>
 </file>
 
@@ -10044,10 +9715,9 @@
           <a:lstStyle/>
           <a:p>
             <a:r>
-              <a:rPr lang="en-US" dirty="0" smtClean="0"/>
+              <a:rPr lang="en-US" dirty="0"/>
               <a:t>Sequential coloring</a:t>
             </a:r>
-            <a:endParaRPr lang="en-US" dirty="0"/>
           </a:p>
         </p:txBody>
       </p:sp>
@@ -10074,7 +9744,7 @@
           <a:lstStyle/>
           <a:p>
             <a:r>
-              <a:rPr lang="en-US" dirty="0" smtClean="0"/>
+              <a:rPr lang="en-US" dirty="0"/>
               <a:t>Establishes </a:t>
             </a:r>
           </a:p>
@@ -10082,33 +9752,28 @@
             <a:pPr lvl="1"/>
             <a:r>
               <a:rPr lang="en-US" dirty="0"/>
-              <a:t>A</a:t>
-            </a:r>
-            <a:r>
-              <a:rPr lang="en-US" dirty="0" smtClean="0"/>
-              <a:t> sequence of vertices and </a:t>
+              <a:t>A sequence of vertices and </a:t>
             </a:r>
           </a:p>
           <a:p>
             <a:pPr lvl="1"/>
             <a:r>
-              <a:rPr lang="en-US" dirty="0" smtClean="0"/>
+              <a:rPr lang="en-US" dirty="0"/>
               <a:t>A sequence of colors </a:t>
             </a:r>
           </a:p>
           <a:p>
             <a:r>
-              <a:rPr lang="en-US" dirty="0" smtClean="0"/>
+              <a:rPr lang="en-US" dirty="0"/>
               <a:t>And then </a:t>
             </a:r>
           </a:p>
           <a:p>
             <a:pPr lvl="1"/>
             <a:r>
-              <a:rPr lang="en-US" dirty="0" smtClean="0"/>
+              <a:rPr lang="en-US" dirty="0"/>
               <a:t>Color the next vertex with the lowest number possible.</a:t>
             </a:r>
-            <a:endParaRPr lang="en-US" dirty="0"/>
           </a:p>
         </p:txBody>
       </p:sp>
@@ -10243,13 +9908,6 @@
   <p:clrMapOvr>
     <a:masterClrMapping/>
   </p:clrMapOvr>
-  <p:timing>
-    <p:tnLst>
-      <p:par>
-        <p:cTn xmlns:p14="http://schemas.microsoft.com/office/powerpoint/2010/main" id="1" dur="indefinite" restart="never" nodeType="tmRoot"/>
-      </p:par>
-    </p:tnLst>
-  </p:timing>
 </p:sld>
 </file>
 
@@ -10286,10 +9944,9 @@
           <a:lstStyle/>
           <a:p>
             <a:r>
-              <a:rPr lang="en-US" dirty="0" smtClean="0"/>
+              <a:rPr lang="en-US" dirty="0"/>
               <a:t>Largest first</a:t>
             </a:r>
-            <a:endParaRPr lang="en-US" dirty="0"/>
           </a:p>
         </p:txBody>
       </p:sp>
@@ -10309,19 +9966,19 @@
           <a:lstStyle/>
           <a:p>
             <a:r>
-              <a:rPr lang="en-US" dirty="0" smtClean="0"/>
+              <a:rPr lang="en-US" dirty="0"/>
               <a:t>The higher degree a node has, the higher possibility it would be conflicted, so we should color it first.</a:t>
             </a:r>
           </a:p>
           <a:p>
             <a:r>
-              <a:rPr lang="en-US" dirty="0" smtClean="0"/>
+              <a:rPr lang="en-US" dirty="0"/>
               <a:t>Vertices should be organized so that vertices with high degrees should be placed at the beginning of the sequence</a:t>
             </a:r>
           </a:p>
           <a:p>
             <a:r>
-              <a:rPr lang="en-US" dirty="0" smtClean="0"/>
+              <a:rPr lang="en-US" dirty="0"/>
               <a:t>This is the largest first version of the algorithm</a:t>
             </a:r>
           </a:p>
@@ -10337,13 +9994,6 @@
   <p:clrMapOvr>
     <a:masterClrMapping/>
   </p:clrMapOvr>
-  <p:timing>
-    <p:tnLst>
-      <p:par>
-        <p:cTn xmlns:p14="http://schemas.microsoft.com/office/powerpoint/2010/main" id="1" dur="indefinite" restart="never" nodeType="tmRoot"/>
-      </p:par>
-    </p:tnLst>
-  </p:timing>
 </p:sld>
 </file>
 
@@ -10380,10 +10030,9 @@
           <a:lstStyle/>
           <a:p>
             <a:r>
-              <a:rPr lang="en-US" dirty="0" smtClean="0"/>
+              <a:rPr lang="en-US" dirty="0"/>
               <a:t>Bellman-Ford Algorithm</a:t>
             </a:r>
-            <a:endParaRPr lang="en-US" dirty="0"/>
           </a:p>
         </p:txBody>
       </p:sp>
@@ -10416,13 +10065,6 @@
   <p:clrMapOvr>
     <a:masterClrMapping/>
   </p:clrMapOvr>
-  <p:timing>
-    <p:tnLst>
-      <p:par>
-        <p:cTn xmlns:p14="http://schemas.microsoft.com/office/powerpoint/2010/main" id="1" dur="indefinite" restart="never" nodeType="tmRoot"/>
-      </p:par>
-    </p:tnLst>
-  </p:timing>
 </p:sld>
 </file>
 
@@ -10459,10 +10101,9 @@
           <a:lstStyle/>
           <a:p>
             <a:r>
-              <a:rPr lang="en-US" dirty="0" smtClean="0"/>
+              <a:rPr lang="en-US" dirty="0"/>
               <a:t>Example</a:t>
             </a:r>
-            <a:endParaRPr lang="en-US" dirty="0"/>
           </a:p>
         </p:txBody>
       </p:sp>
@@ -10518,18 +10159,13 @@
           <a:lstStyle/>
           <a:p>
             <a:r>
-              <a:rPr lang="en-US" dirty="0" smtClean="0">
+              <a:rPr lang="en-US" dirty="0">
                 <a:solidFill>
                   <a:srgbClr val="FF0000"/>
                 </a:solidFill>
               </a:rPr>
               <a:t>Sequential</a:t>
             </a:r>
-            <a:endParaRPr lang="en-US" dirty="0">
-              <a:solidFill>
-                <a:srgbClr val="FF0000"/>
-              </a:solidFill>
-            </a:endParaRPr>
           </a:p>
         </p:txBody>
       </p:sp>
@@ -10556,18 +10192,13 @@
           <a:lstStyle/>
           <a:p>
             <a:r>
-              <a:rPr lang="en-US" dirty="0" smtClean="0">
+              <a:rPr lang="en-US" dirty="0">
                 <a:solidFill>
                   <a:srgbClr val="FF0000"/>
                 </a:solidFill>
               </a:rPr>
               <a:t>Largest first</a:t>
             </a:r>
-            <a:endParaRPr lang="en-US" dirty="0">
-              <a:solidFill>
-                <a:srgbClr val="FF0000"/>
-              </a:solidFill>
-            </a:endParaRPr>
           </a:p>
         </p:txBody>
       </p:sp>
@@ -10581,13 +10212,6 @@
   <p:clrMapOvr>
     <a:masterClrMapping/>
   </p:clrMapOvr>
-  <p:timing>
-    <p:tnLst>
-      <p:par>
-        <p:cTn xmlns:p14="http://schemas.microsoft.com/office/powerpoint/2010/main" id="1" dur="indefinite" restart="never" nodeType="tmRoot"/>
-      </p:par>
-    </p:tnLst>
-  </p:timing>
 </p:sld>
 </file>
 
@@ -10622,14 +10246,14 @@
           <a:noFill/>
           <a:extLst>
             <a:ext uri="{909E8E84-426E-40dd-AFC4-6F175D3DCCD1}">
-              <a14:hiddenFill xmlns:a14="http://schemas.microsoft.com/office/drawing/2010/main">
+              <a14:hiddenFill xmlns:a14="http://schemas.microsoft.com/office/drawing/2010/main" xmlns="">
                 <a:solidFill>
                   <a:srgbClr val="FFFFFF"/>
                 </a:solidFill>
               </a14:hiddenFill>
             </a:ext>
             <a:ext uri="{91240B29-F687-4f45-9708-019B960494DF}">
-              <a14:hiddenLine xmlns:a14="http://schemas.microsoft.com/office/drawing/2010/main" w="9525">
+              <a14:hiddenLine xmlns:a14="http://schemas.microsoft.com/office/drawing/2010/main" xmlns="" w="9525">
                 <a:solidFill>
                   <a:srgbClr val="000000"/>
                 </a:solidFill>
@@ -10639,7 +10263,7 @@
               </a14:hiddenLine>
             </a:ext>
             <a:ext uri="{FAA26D3D-D897-4be2-8F04-BA451C77F1D7}">
-              <ma14:placeholderFlag xmlns:ma14="http://schemas.microsoft.com/office/mac/drawingml/2011/main" val="1"/>
+              <ma14:placeholderFlag xmlns:ma14="http://schemas.microsoft.com/office/mac/drawingml/2011/main" xmlns="" val="1"/>
             </a:ext>
           </a:extLst>
         </p:spPr>
@@ -10653,14 +10277,11 @@
           <a:p>
             <a:pPr eaLnBrk="1" hangingPunct="1"/>
             <a:r>
-              <a:rPr lang="en-US" dirty="0" smtClean="0">
+              <a:rPr lang="en-US" dirty="0">
                 <a:latin typeface="Calibri" charset="0"/>
               </a:rPr>
               <a:t>Summaries</a:t>
             </a:r>
-            <a:endParaRPr lang="en-US" dirty="0">
-              <a:latin typeface="Calibri" charset="0"/>
-            </a:endParaRPr>
           </a:p>
         </p:txBody>
       </p:sp>
@@ -10678,14 +10299,14 @@
           <a:noFill/>
           <a:extLst>
             <a:ext uri="{909E8E84-426E-40dd-AFC4-6F175D3DCCD1}">
-              <a14:hiddenFill xmlns:a14="http://schemas.microsoft.com/office/drawing/2010/main">
+              <a14:hiddenFill xmlns:a14="http://schemas.microsoft.com/office/drawing/2010/main" xmlns="">
                 <a:solidFill>
                   <a:srgbClr val="FFFFFF"/>
                 </a:solidFill>
               </a14:hiddenFill>
             </a:ext>
             <a:ext uri="{91240B29-F687-4f45-9708-019B960494DF}">
-              <a14:hiddenLine xmlns:a14="http://schemas.microsoft.com/office/drawing/2010/main" w="9525">
+              <a14:hiddenLine xmlns:a14="http://schemas.microsoft.com/office/drawing/2010/main" xmlns="" w="9525">
                 <a:solidFill>
                   <a:srgbClr val="000000"/>
                 </a:solidFill>
@@ -10695,7 +10316,7 @@
               </a14:hiddenLine>
             </a:ext>
             <a:ext uri="{FAA26D3D-D897-4be2-8F04-BA451C77F1D7}">
-              <ma14:placeholderFlag xmlns:ma14="http://schemas.microsoft.com/office/mac/drawingml/2011/main" val="1"/>
+              <ma14:placeholderFlag xmlns:ma14="http://schemas.microsoft.com/office/mac/drawingml/2011/main" xmlns="" val="1"/>
             </a:ext>
           </a:extLst>
         </p:spPr>
@@ -10868,13 +10489,6 @@
   <p:clrMapOvr>
     <a:masterClrMapping/>
   </p:clrMapOvr>
-  <p:timing>
-    <p:tnLst>
-      <p:par>
-        <p:cTn xmlns:p14="http://schemas.microsoft.com/office/powerpoint/2010/main" id="1" dur="indefinite" restart="never" nodeType="tmRoot"/>
-      </p:par>
-    </p:tnLst>
-  </p:timing>
 </p:sld>
 </file>
 
@@ -10911,10 +10525,9 @@
           <a:lstStyle/>
           <a:p>
             <a:r>
-              <a:rPr lang="en-US" dirty="0" smtClean="0"/>
+              <a:rPr lang="en-US" dirty="0"/>
               <a:t>Exercises</a:t>
             </a:r>
-            <a:endParaRPr lang="en-US" dirty="0"/>
           </a:p>
         </p:txBody>
       </p:sp>
@@ -10994,10 +10607,9 @@
           <a:p>
             <a:pPr algn="ctr"/>
             <a:r>
-              <a:rPr lang="en-US" dirty="0" smtClean="0"/>
+              <a:rPr lang="en-US" dirty="0"/>
               <a:t>5</a:t>
             </a:r>
-            <a:endParaRPr lang="en-US" dirty="0"/>
           </a:p>
         </p:txBody>
       </p:sp>
@@ -11118,10 +10730,9 @@
           <a:p>
             <a:pPr algn="ctr"/>
             <a:r>
-              <a:rPr lang="en-US" dirty="0" smtClean="0"/>
+              <a:rPr lang="en-US" dirty="0"/>
               <a:t>2</a:t>
             </a:r>
-            <a:endParaRPr lang="en-US" dirty="0"/>
           </a:p>
         </p:txBody>
       </p:sp>
@@ -11379,10 +10990,9 @@
           <a:lstStyle/>
           <a:p>
             <a:r>
-              <a:rPr lang="en-US" dirty="0" smtClean="0"/>
+              <a:rPr lang="en-US" dirty="0"/>
               <a:t>1</a:t>
             </a:r>
-            <a:endParaRPr lang="en-US" dirty="0"/>
           </a:p>
         </p:txBody>
       </p:sp>
@@ -11409,10 +11019,9 @@
           <a:lstStyle/>
           <a:p>
             <a:r>
-              <a:rPr lang="en-US" dirty="0" smtClean="0"/>
+              <a:rPr lang="en-US" dirty="0"/>
               <a:t>4</a:t>
             </a:r>
-            <a:endParaRPr lang="en-US" dirty="0"/>
           </a:p>
         </p:txBody>
       </p:sp>
@@ -11439,10 +11048,9 @@
           <a:lstStyle/>
           <a:p>
             <a:r>
-              <a:rPr lang="en-US" dirty="0" smtClean="0"/>
+              <a:rPr lang="en-US" dirty="0"/>
               <a:t>6</a:t>
             </a:r>
-            <a:endParaRPr lang="en-US" dirty="0"/>
           </a:p>
         </p:txBody>
       </p:sp>
@@ -11527,10 +11135,9 @@
           <a:lstStyle/>
           <a:p>
             <a:r>
-              <a:rPr lang="en-US" dirty="0" smtClean="0"/>
+              <a:rPr lang="en-US" dirty="0"/>
               <a:t>1</a:t>
             </a:r>
-            <a:endParaRPr lang="en-US" dirty="0"/>
           </a:p>
         </p:txBody>
       </p:sp>
@@ -11557,10 +11164,9 @@
           <a:lstStyle/>
           <a:p>
             <a:r>
-              <a:rPr lang="en-US" dirty="0" smtClean="0"/>
+              <a:rPr lang="en-US" dirty="0"/>
               <a:t>8</a:t>
             </a:r>
-            <a:endParaRPr lang="en-US" dirty="0"/>
           </a:p>
         </p:txBody>
       </p:sp>
@@ -11599,10 +11205,9 @@
           <a:p>
             <a:pPr algn="ctr"/>
             <a:r>
-              <a:rPr lang="en-US" dirty="0" smtClean="0"/>
+              <a:rPr lang="en-US" dirty="0"/>
               <a:t>6</a:t>
             </a:r>
-            <a:endParaRPr lang="en-US" dirty="0"/>
           </a:p>
         </p:txBody>
       </p:sp>
@@ -11662,10 +11267,9 @@
           <a:lstStyle/>
           <a:p>
             <a:r>
-              <a:rPr lang="en-US" dirty="0" smtClean="0"/>
+              <a:rPr lang="en-US" dirty="0"/>
               <a:t>9</a:t>
             </a:r>
-            <a:endParaRPr lang="en-US" dirty="0"/>
           </a:p>
         </p:txBody>
       </p:sp>
@@ -11725,10 +11329,9 @@
           <a:lstStyle/>
           <a:p>
             <a:r>
-              <a:rPr lang="en-US" dirty="0" smtClean="0"/>
+              <a:rPr lang="en-US" dirty="0"/>
               <a:t>7</a:t>
             </a:r>
-            <a:endParaRPr lang="en-US" dirty="0"/>
           </a:p>
         </p:txBody>
       </p:sp>
@@ -11808,10 +11411,9 @@
           <a:p>
             <a:pPr algn="ctr"/>
             <a:r>
-              <a:rPr lang="en-US" dirty="0" smtClean="0"/>
+              <a:rPr lang="en-US" dirty="0"/>
               <a:t>5</a:t>
             </a:r>
-            <a:endParaRPr lang="en-US" dirty="0"/>
           </a:p>
         </p:txBody>
       </p:sp>
@@ -11932,10 +11534,9 @@
           <a:p>
             <a:pPr algn="ctr"/>
             <a:r>
-              <a:rPr lang="en-US" dirty="0" smtClean="0"/>
+              <a:rPr lang="en-US" dirty="0"/>
               <a:t>2</a:t>
             </a:r>
-            <a:endParaRPr lang="en-US" dirty="0"/>
           </a:p>
         </p:txBody>
       </p:sp>
@@ -12205,10 +11806,9 @@
           <a:p>
             <a:pPr algn="ctr"/>
             <a:r>
-              <a:rPr lang="en-US" dirty="0" smtClean="0"/>
+              <a:rPr lang="en-US" dirty="0"/>
               <a:t>6</a:t>
             </a:r>
-            <a:endParaRPr lang="en-US" dirty="0"/>
           </a:p>
         </p:txBody>
       </p:sp>
@@ -12301,13 +11901,13 @@
           <a:lstStyle/>
           <a:p>
             <a:r>
-              <a:rPr lang="en-US" dirty="0" smtClean="0"/>
+              <a:rPr lang="en-US" dirty="0"/>
               <a:t>Find Minimum Spanning Tree</a:t>
             </a:r>
           </a:p>
           <a:p>
             <a:r>
-              <a:rPr lang="en-US" dirty="0" smtClean="0"/>
+              <a:rPr lang="en-US" dirty="0"/>
               <a:t>Using</a:t>
             </a:r>
           </a:p>
@@ -12317,10 +11917,10 @@
               <a:buChar char="-"/>
             </a:pPr>
             <a:r>
-              <a:rPr lang="en-US" dirty="0" err="1" smtClean="0"/>
+              <a:rPr lang="en-US" dirty="0" err="1"/>
               <a:t>Kruskal</a:t>
             </a:r>
-            <a:endParaRPr lang="en-US" dirty="0" smtClean="0"/>
+            <a:endParaRPr lang="en-US" dirty="0"/>
           </a:p>
           <a:p>
             <a:pPr marL="285750" indent="-285750">
@@ -12328,7 +11928,7 @@
               <a:buChar char="-"/>
             </a:pPr>
             <a:r>
-              <a:rPr lang="en-US" dirty="0" err="1" smtClean="0"/>
+              <a:rPr lang="en-US" dirty="0" err="1"/>
               <a:t>Dijkstra</a:t>
             </a:r>
             <a:endParaRPr lang="en-US" dirty="0"/>
@@ -12358,13 +11958,13 @@
           <a:lstStyle/>
           <a:p>
             <a:r>
-              <a:rPr lang="en-US" dirty="0" smtClean="0"/>
+              <a:rPr lang="en-US" dirty="0"/>
               <a:t>Find Minimum Number of Colors</a:t>
             </a:r>
           </a:p>
           <a:p>
             <a:r>
-              <a:rPr lang="en-US" dirty="0" smtClean="0"/>
+              <a:rPr lang="en-US" dirty="0"/>
               <a:t>Using</a:t>
             </a:r>
           </a:p>
@@ -12374,7 +11974,7 @@
               <a:buChar char="-"/>
             </a:pPr>
             <a:r>
-              <a:rPr lang="en-US" dirty="0" smtClean="0"/>
+              <a:rPr lang="en-US" dirty="0"/>
               <a:t>Sequential approach</a:t>
             </a:r>
           </a:p>
@@ -12384,7 +11984,7 @@
               <a:buChar char="-"/>
             </a:pPr>
             <a:r>
-              <a:rPr lang="en-US" dirty="0" smtClean="0"/>
+              <a:rPr lang="en-US" dirty="0"/>
               <a:t>Largest first approach</a:t>
             </a:r>
           </a:p>
@@ -12400,13 +12000,6 @@
   <p:clrMapOvr>
     <a:masterClrMapping/>
   </p:clrMapOvr>
-  <p:timing>
-    <p:tnLst>
-      <p:par>
-        <p:cTn xmlns:p14="http://schemas.microsoft.com/office/powerpoint/2010/main" id="1" dur="indefinite" restart="never" nodeType="tmRoot"/>
-      </p:par>
-    </p:tnLst>
-  </p:timing>
 </p:sld>
 </file>
 
@@ -12492,10 +12085,9 @@
           <a:lstStyle/>
           <a:p>
             <a:r>
-              <a:rPr lang="en-US" dirty="0" smtClean="0"/>
+              <a:rPr lang="en-US" dirty="0"/>
               <a:t>Negative weight cycles</a:t>
             </a:r>
-            <a:endParaRPr lang="en-US" dirty="0"/>
           </a:p>
         </p:txBody>
       </p:sp>
@@ -12515,30 +12107,29 @@
           <a:lstStyle/>
           <a:p>
             <a:r>
-              <a:rPr lang="en-US" dirty="0" smtClean="0"/>
+              <a:rPr lang="en-US" dirty="0"/>
               <a:t>Recall: If a graph G=(V, E) contains negative weight cycle, then some shortest paths may not exist.</a:t>
             </a:r>
           </a:p>
           <a:p>
             <a:r>
-              <a:rPr lang="en-US" dirty="0" smtClean="0"/>
+              <a:rPr lang="en-US" dirty="0"/>
               <a:t>Bellman-Ford algorithm: </a:t>
             </a:r>
           </a:p>
           <a:p>
             <a:pPr lvl="1"/>
             <a:r>
-              <a:rPr lang="en-US" dirty="0" smtClean="0"/>
+              <a:rPr lang="en-US" dirty="0"/>
               <a:t>Find all shortest-path lengths from a source s in V to al v in V</a:t>
             </a:r>
           </a:p>
           <a:p>
             <a:pPr lvl="1"/>
             <a:r>
-              <a:rPr lang="en-US" dirty="0" smtClean="0"/>
+              <a:rPr lang="en-US" dirty="0"/>
               <a:t>Or determines if there’s a negative-weight cycle</a:t>
             </a:r>
-            <a:endParaRPr lang="en-US" dirty="0"/>
           </a:p>
         </p:txBody>
       </p:sp>
@@ -12581,13 +12172,6 @@
   <p:clrMapOvr>
     <a:masterClrMapping/>
   </p:clrMapOvr>
-  <p:timing>
-    <p:tnLst>
-      <p:par>
-        <p:cTn xmlns:p14="http://schemas.microsoft.com/office/powerpoint/2010/main" id="1" dur="indefinite" restart="never" nodeType="tmRoot"/>
-      </p:par>
-    </p:tnLst>
-  </p:timing>
 </p:sld>
 </file>
 
@@ -12624,10 +12208,9 @@
           <a:lstStyle/>
           <a:p>
             <a:r>
-              <a:rPr lang="en-US" dirty="0" smtClean="0"/>
+              <a:rPr lang="en-US" dirty="0"/>
               <a:t>Bellman-Ford algorithm</a:t>
             </a:r>
-            <a:endParaRPr lang="en-US" dirty="0"/>
           </a:p>
         </p:txBody>
       </p:sp>
@@ -12719,11 +12302,7 @@
           <a:p>
             <a:r>
               <a:rPr lang="en-US" dirty="0"/>
-              <a:t>			p[v]=</a:t>
-            </a:r>
-            <a:r>
-              <a:rPr lang="en-US" dirty="0" smtClean="0"/>
-              <a:t>u</a:t>
+              <a:t>			p[v]=u</a:t>
             </a:r>
           </a:p>
           <a:p>
@@ -12818,10 +12397,9 @@
           <a:lstStyle/>
           <a:p>
             <a:r>
-              <a:rPr lang="en-US" dirty="0" smtClean="0"/>
+              <a:rPr lang="en-US" dirty="0"/>
               <a:t>Initialization</a:t>
             </a:r>
-            <a:endParaRPr lang="en-US" dirty="0"/>
           </a:p>
         </p:txBody>
       </p:sp>
@@ -12886,10 +12464,9 @@
           <a:lstStyle/>
           <a:p>
             <a:r>
-              <a:rPr lang="en-US" dirty="0" smtClean="0"/>
+              <a:rPr lang="en-US" dirty="0"/>
               <a:t>Relaxation</a:t>
             </a:r>
-            <a:endParaRPr lang="en-US" dirty="0"/>
           </a:p>
         </p:txBody>
       </p:sp>
@@ -12903,13 +12480,6 @@
   <p:clrMapOvr>
     <a:masterClrMapping/>
   </p:clrMapOvr>
-  <p:timing>
-    <p:tnLst>
-      <p:par>
-        <p:cTn xmlns:p14="http://schemas.microsoft.com/office/powerpoint/2010/main" id="1" dur="indefinite" restart="never" nodeType="tmRoot"/>
-      </p:par>
-    </p:tnLst>
-  </p:timing>
 </p:sld>
 </file>
 
@@ -12946,10 +12516,9 @@
           <a:lstStyle/>
           <a:p>
             <a:r>
-              <a:rPr lang="en-US" dirty="0" smtClean="0"/>
+              <a:rPr lang="en-US" dirty="0"/>
               <a:t>Bellman-Ford Algorithm</a:t>
             </a:r>
-            <a:endParaRPr lang="en-US" dirty="0"/>
           </a:p>
         </p:txBody>
       </p:sp>
@@ -12988,10 +12557,9 @@
           <a:p>
             <a:pPr algn="ctr"/>
             <a:r>
-              <a:rPr lang="en-US" dirty="0" smtClean="0"/>
+              <a:rPr lang="en-US" dirty="0"/>
               <a:t>E</a:t>
             </a:r>
-            <a:endParaRPr lang="en-US" dirty="0"/>
           </a:p>
         </p:txBody>
       </p:sp>
@@ -13030,10 +12598,9 @@
           <a:p>
             <a:pPr algn="ctr"/>
             <a:r>
-              <a:rPr lang="en-US" dirty="0" smtClean="0"/>
+              <a:rPr lang="en-US" dirty="0"/>
               <a:t>D</a:t>
             </a:r>
-            <a:endParaRPr lang="en-US" dirty="0"/>
           </a:p>
         </p:txBody>
       </p:sp>
@@ -13072,10 +12639,9 @@
           <a:p>
             <a:pPr algn="ctr"/>
             <a:r>
-              <a:rPr lang="en-US" dirty="0" smtClean="0"/>
+              <a:rPr lang="en-US" dirty="0"/>
               <a:t>C</a:t>
             </a:r>
-            <a:endParaRPr lang="en-US" dirty="0"/>
           </a:p>
         </p:txBody>
       </p:sp>
@@ -13114,10 +12680,9 @@
           <a:p>
             <a:pPr algn="ctr"/>
             <a:r>
-              <a:rPr lang="en-US" dirty="0" smtClean="0"/>
+              <a:rPr lang="en-US" dirty="0"/>
               <a:t>B</a:t>
             </a:r>
-            <a:endParaRPr lang="en-US" dirty="0"/>
           </a:p>
         </p:txBody>
       </p:sp>
@@ -13156,10 +12721,9 @@
           <a:p>
             <a:pPr algn="ctr"/>
             <a:r>
-              <a:rPr lang="en-US" dirty="0" smtClean="0"/>
+              <a:rPr lang="en-US" dirty="0"/>
               <a:t>A</a:t>
             </a:r>
-            <a:endParaRPr lang="en-US" dirty="0"/>
           </a:p>
         </p:txBody>
       </p:sp>
@@ -13675,10 +13239,9 @@
           <a:lstStyle/>
           <a:p>
             <a:r>
-              <a:rPr lang="en-US" dirty="0" smtClean="0"/>
+              <a:rPr lang="en-US" dirty="0"/>
               <a:t>-3</a:t>
             </a:r>
-            <a:endParaRPr lang="en-US" dirty="0"/>
           </a:p>
         </p:txBody>
       </p:sp>
@@ -13763,10 +13326,9 @@
           <a:lstStyle/>
           <a:p>
             <a:r>
-              <a:rPr lang="en-US" dirty="0" smtClean="0"/>
+              <a:rPr lang="en-US" dirty="0"/>
               <a:t>-4</a:t>
             </a:r>
-            <a:endParaRPr lang="en-US" dirty="0"/>
           </a:p>
         </p:txBody>
       </p:sp>
@@ -13822,10 +13384,9 @@
           <a:lstStyle/>
           <a:p>
             <a:r>
-              <a:rPr lang="en-US" dirty="0" smtClean="0"/>
+              <a:rPr lang="en-US" dirty="0"/>
               <a:t>-3</a:t>
             </a:r>
-            <a:endParaRPr lang="en-US" dirty="0"/>
           </a:p>
         </p:txBody>
       </p:sp>
@@ -13852,10 +13413,9 @@
           <a:lstStyle/>
           <a:p>
             <a:r>
-              <a:rPr lang="en-US" dirty="0" smtClean="0"/>
+              <a:rPr lang="en-US" dirty="0"/>
               <a:t>3</a:t>
             </a:r>
-            <a:endParaRPr lang="en-US" dirty="0"/>
           </a:p>
         </p:txBody>
       </p:sp>
@@ -13882,10 +13442,9 @@
           <a:lstStyle/>
           <a:p>
             <a:r>
-              <a:rPr lang="en-US" dirty="0" smtClean="0"/>
+              <a:rPr lang="en-US" dirty="0"/>
               <a:t>-2</a:t>
             </a:r>
-            <a:endParaRPr lang="en-US" dirty="0"/>
           </a:p>
         </p:txBody>
       </p:sp>
@@ -13912,10 +13471,9 @@
           <a:lstStyle/>
           <a:p>
             <a:r>
-              <a:rPr lang="en-US" dirty="0" smtClean="0"/>
+              <a:rPr lang="en-US" dirty="0"/>
               <a:t>-1</a:t>
             </a:r>
-            <a:endParaRPr lang="en-US" dirty="0"/>
           </a:p>
         </p:txBody>
       </p:sp>
@@ -13942,10 +13500,9 @@
           <a:lstStyle/>
           <a:p>
             <a:r>
-              <a:rPr lang="en-US" dirty="0" smtClean="0"/>
+              <a:rPr lang="en-US" dirty="0"/>
               <a:t>2</a:t>
             </a:r>
-            <a:endParaRPr lang="en-US" dirty="0"/>
           </a:p>
         </p:txBody>
       </p:sp>
@@ -13974,13 +13531,55 @@
                 <a:tableStyleId>{5C22544A-7EE6-4342-B048-85BDC9FD1C3A}</a:tableStyleId>
               </a:tblPr>
               <a:tblGrid>
-                <a:gridCol w="805543"/>
-                <a:gridCol w="805543"/>
-                <a:gridCol w="805543"/>
-                <a:gridCol w="805543"/>
-                <a:gridCol w="805543"/>
-                <a:gridCol w="805543"/>
-                <a:gridCol w="805543"/>
+                <a:gridCol w="805543">
+                  <a:extLst>
+                    <a:ext uri="{9D8B030D-6E8A-4147-A177-3AD203B41FA5}">
+                      <a16:colId xmlns:a16="http://schemas.microsoft.com/office/drawing/2014/main" val="20000"/>
+                    </a:ext>
+                  </a:extLst>
+                </a:gridCol>
+                <a:gridCol w="805543">
+                  <a:extLst>
+                    <a:ext uri="{9D8B030D-6E8A-4147-A177-3AD203B41FA5}">
+                      <a16:colId xmlns:a16="http://schemas.microsoft.com/office/drawing/2014/main" val="20001"/>
+                    </a:ext>
+                  </a:extLst>
+                </a:gridCol>
+                <a:gridCol w="805543">
+                  <a:extLst>
+                    <a:ext uri="{9D8B030D-6E8A-4147-A177-3AD203B41FA5}">
+                      <a16:colId xmlns:a16="http://schemas.microsoft.com/office/drawing/2014/main" val="20002"/>
+                    </a:ext>
+                  </a:extLst>
+                </a:gridCol>
+                <a:gridCol w="805543">
+                  <a:extLst>
+                    <a:ext uri="{9D8B030D-6E8A-4147-A177-3AD203B41FA5}">
+                      <a16:colId xmlns:a16="http://schemas.microsoft.com/office/drawing/2014/main" val="20003"/>
+                    </a:ext>
+                  </a:extLst>
+                </a:gridCol>
+                <a:gridCol w="805543">
+                  <a:extLst>
+                    <a:ext uri="{9D8B030D-6E8A-4147-A177-3AD203B41FA5}">
+                      <a16:colId xmlns:a16="http://schemas.microsoft.com/office/drawing/2014/main" val="20004"/>
+                    </a:ext>
+                  </a:extLst>
+                </a:gridCol>
+                <a:gridCol w="805543">
+                  <a:extLst>
+                    <a:ext uri="{9D8B030D-6E8A-4147-A177-3AD203B41FA5}">
+                      <a16:colId xmlns:a16="http://schemas.microsoft.com/office/drawing/2014/main" val="20005"/>
+                    </a:ext>
+                  </a:extLst>
+                </a:gridCol>
+                <a:gridCol w="805543">
+                  <a:extLst>
+                    <a:ext uri="{9D8B030D-6E8A-4147-A177-3AD203B41FA5}">
+                      <a16:colId xmlns:a16="http://schemas.microsoft.com/office/drawing/2014/main" val="20006"/>
+                    </a:ext>
+                  </a:extLst>
+                </a:gridCol>
               </a:tblGrid>
               <a:tr h="370840">
                 <a:tc>
@@ -13999,10 +13598,9 @@
                     <a:lstStyle/>
                     <a:p>
                       <a:r>
-                        <a:rPr lang="en-US" dirty="0" smtClean="0"/>
+                        <a:rPr lang="en-US" dirty="0"/>
                         <a:t>S</a:t>
                       </a:r>
-                      <a:endParaRPr lang="en-US" dirty="0"/>
                     </a:p>
                   </a:txBody>
                   <a:tcPr/>
@@ -14013,10 +13611,9 @@
                     <a:lstStyle/>
                     <a:p>
                       <a:r>
-                        <a:rPr lang="en-US" dirty="0" smtClean="0"/>
+                        <a:rPr lang="en-US" dirty="0"/>
                         <a:t>A</a:t>
                       </a:r>
-                      <a:endParaRPr lang="en-US" dirty="0"/>
                     </a:p>
                   </a:txBody>
                   <a:tcPr/>
@@ -14027,10 +13624,9 @@
                     <a:lstStyle/>
                     <a:p>
                       <a:r>
-                        <a:rPr lang="en-US" dirty="0" smtClean="0"/>
+                        <a:rPr lang="en-US" dirty="0"/>
                         <a:t>B</a:t>
                       </a:r>
-                      <a:endParaRPr lang="en-US" dirty="0"/>
                     </a:p>
                   </a:txBody>
                   <a:tcPr/>
@@ -14041,10 +13637,9 @@
                     <a:lstStyle/>
                     <a:p>
                       <a:r>
-                        <a:rPr lang="en-US" dirty="0" smtClean="0"/>
+                        <a:rPr lang="en-US" dirty="0"/>
                         <a:t>C</a:t>
                       </a:r>
-                      <a:endParaRPr lang="en-US" dirty="0"/>
                     </a:p>
                   </a:txBody>
                   <a:tcPr/>
@@ -14055,10 +13650,9 @@
                     <a:lstStyle/>
                     <a:p>
                       <a:r>
-                        <a:rPr lang="en-US" dirty="0" smtClean="0"/>
+                        <a:rPr lang="en-US" dirty="0"/>
                         <a:t>D</a:t>
                       </a:r>
-                      <a:endParaRPr lang="en-US" dirty="0"/>
                     </a:p>
                   </a:txBody>
                   <a:tcPr/>
@@ -14069,14 +13663,18 @@
                     <a:lstStyle/>
                     <a:p>
                       <a:r>
-                        <a:rPr lang="en-US" dirty="0" smtClean="0"/>
+                        <a:rPr lang="en-US" dirty="0"/>
                         <a:t>E</a:t>
                       </a:r>
-                      <a:endParaRPr lang="en-US" dirty="0"/>
                     </a:p>
                   </a:txBody>
                   <a:tcPr/>
                 </a:tc>
+                <a:extLst>
+                  <a:ext uri="{0D108BD9-81ED-4DB2-BD59-A6C34878D82A}">
+                    <a16:rowId xmlns:a16="http://schemas.microsoft.com/office/drawing/2014/main" val="10000"/>
+                  </a:ext>
+                </a:extLst>
               </a:tr>
               <a:tr h="370840">
                 <a:tc>
@@ -14085,10 +13683,9 @@
                     <a:lstStyle/>
                     <a:p>
                       <a:r>
-                        <a:rPr lang="en-US" dirty="0" smtClean="0"/>
+                        <a:rPr lang="en-US" dirty="0"/>
                         <a:t>0</a:t>
                       </a:r>
-                      <a:endParaRPr lang="en-US" dirty="0"/>
                     </a:p>
                   </a:txBody>
                   <a:tcPr/>
@@ -14099,10 +13696,9 @@
                     <a:lstStyle/>
                     <a:p>
                       <a:r>
-                        <a:rPr lang="en-US" dirty="0" smtClean="0"/>
+                        <a:rPr lang="en-US" dirty="0"/>
                         <a:t>0</a:t>
                       </a:r>
-                      <a:endParaRPr lang="en-US" dirty="0"/>
                     </a:p>
                   </a:txBody>
                   <a:tcPr/>
@@ -14113,7 +13709,7 @@
                     <a:lstStyle/>
                     <a:p>
                       <a:r>
-                        <a:rPr lang="en-US" dirty="0" err="1" smtClean="0"/>
+                        <a:rPr lang="en-US" dirty="0" err="1"/>
                         <a:t>inf</a:t>
                       </a:r>
                       <a:endParaRPr lang="en-US" dirty="0"/>
@@ -14127,7 +13723,7 @@
                     <a:lstStyle/>
                     <a:p>
                       <a:r>
-                        <a:rPr lang="en-US" dirty="0" err="1" smtClean="0"/>
+                        <a:rPr lang="en-US" dirty="0" err="1"/>
                         <a:t>inf</a:t>
                       </a:r>
                       <a:endParaRPr lang="en-US" dirty="0"/>
@@ -14141,7 +13737,7 @@
                     <a:lstStyle/>
                     <a:p>
                       <a:r>
-                        <a:rPr lang="en-US" dirty="0" err="1" smtClean="0"/>
+                        <a:rPr lang="en-US" dirty="0" err="1"/>
                         <a:t>inf</a:t>
                       </a:r>
                       <a:endParaRPr lang="en-US" dirty="0"/>
@@ -14155,7 +13751,7 @@
                     <a:lstStyle/>
                     <a:p>
                       <a:r>
-                        <a:rPr lang="en-US" dirty="0" err="1" smtClean="0"/>
+                        <a:rPr lang="en-US" dirty="0" err="1"/>
                         <a:t>inf</a:t>
                       </a:r>
                       <a:endParaRPr lang="en-US" dirty="0"/>
@@ -14169,7 +13765,7 @@
                     <a:lstStyle/>
                     <a:p>
                       <a:r>
-                        <a:rPr lang="en-US" dirty="0" err="1" smtClean="0"/>
+                        <a:rPr lang="en-US" dirty="0" err="1"/>
                         <a:t>inf</a:t>
                       </a:r>
                       <a:endParaRPr lang="en-US" dirty="0"/>
@@ -14177,6 +13773,11 @@
                   </a:txBody>
                   <a:tcPr/>
                 </a:tc>
+                <a:extLst>
+                  <a:ext uri="{0D108BD9-81ED-4DB2-BD59-A6C34878D82A}">
+                    <a16:rowId xmlns:a16="http://schemas.microsoft.com/office/drawing/2014/main" val="10001"/>
+                  </a:ext>
+                </a:extLst>
               </a:tr>
               <a:tr h="370840">
                 <a:tc>
@@ -14185,10 +13786,9 @@
                     <a:lstStyle/>
                     <a:p>
                       <a:r>
-                        <a:rPr lang="en-US" dirty="0" smtClean="0"/>
+                        <a:rPr lang="en-US" dirty="0"/>
                         <a:t>1</a:t>
                       </a:r>
-                      <a:endParaRPr lang="en-US" dirty="0"/>
                     </a:p>
                   </a:txBody>
                   <a:tcPr/>
@@ -14199,10 +13799,9 @@
                     <a:lstStyle/>
                     <a:p>
                       <a:r>
-                        <a:rPr lang="en-US" dirty="0" smtClean="0"/>
+                        <a:rPr lang="en-US" dirty="0"/>
                         <a:t>0</a:t>
                       </a:r>
-                      <a:endParaRPr lang="en-US" dirty="0"/>
                     </a:p>
                   </a:txBody>
                   <a:tcPr/>
@@ -14213,10 +13812,9 @@
                     <a:lstStyle/>
                     <a:p>
                       <a:r>
-                        <a:rPr lang="en-US" dirty="0" smtClean="0"/>
+                        <a:rPr lang="en-US" dirty="0"/>
                         <a:t>-4(S)</a:t>
                       </a:r>
-                      <a:endParaRPr lang="en-US" dirty="0"/>
                     </a:p>
                   </a:txBody>
                   <a:tcPr/>
@@ -14227,7 +13825,7 @@
                     <a:lstStyle/>
                     <a:p>
                       <a:r>
-                        <a:rPr lang="en-US" dirty="0" err="1" smtClean="0"/>
+                        <a:rPr lang="en-US" dirty="0" err="1"/>
                         <a:t>inf</a:t>
                       </a:r>
                       <a:endParaRPr lang="en-US" dirty="0"/>
@@ -14241,7 +13839,7 @@
                     <a:lstStyle/>
                     <a:p>
                       <a:r>
-                        <a:rPr lang="en-US" dirty="0" err="1" smtClean="0"/>
+                        <a:rPr lang="en-US" dirty="0" err="1"/>
                         <a:t>inf</a:t>
                       </a:r>
                       <a:endParaRPr lang="en-US" dirty="0"/>
@@ -14255,7 +13853,7 @@
                     <a:lstStyle/>
                     <a:p>
                       <a:r>
-                        <a:rPr lang="en-US" dirty="0" err="1" smtClean="0"/>
+                        <a:rPr lang="en-US" dirty="0" err="1"/>
                         <a:t>inf</a:t>
                       </a:r>
                       <a:endParaRPr lang="en-US" dirty="0"/>
@@ -14269,14 +13867,18 @@
                     <a:lstStyle/>
                     <a:p>
                       <a:r>
-                        <a:rPr lang="en-US" dirty="0" smtClean="0"/>
+                        <a:rPr lang="en-US" dirty="0"/>
                         <a:t>-3(S)</a:t>
                       </a:r>
-                      <a:endParaRPr lang="en-US" dirty="0"/>
                     </a:p>
                   </a:txBody>
                   <a:tcPr/>
                 </a:tc>
+                <a:extLst>
+                  <a:ext uri="{0D108BD9-81ED-4DB2-BD59-A6C34878D82A}">
+                    <a16:rowId xmlns:a16="http://schemas.microsoft.com/office/drawing/2014/main" val="10002"/>
+                  </a:ext>
+                </a:extLst>
               </a:tr>
               <a:tr h="370840">
                 <a:tc>
@@ -14285,10 +13887,9 @@
                     <a:lstStyle/>
                     <a:p>
                       <a:r>
-                        <a:rPr lang="en-US" dirty="0" smtClean="0"/>
+                        <a:rPr lang="en-US" dirty="0"/>
                         <a:t>2</a:t>
                       </a:r>
-                      <a:endParaRPr lang="en-US" dirty="0"/>
                     </a:p>
                   </a:txBody>
                   <a:tcPr/>
@@ -14299,10 +13900,9 @@
                     <a:lstStyle/>
                     <a:p>
                       <a:r>
-                        <a:rPr lang="en-US" dirty="0" smtClean="0"/>
+                        <a:rPr lang="en-US" dirty="0"/>
                         <a:t>0</a:t>
                       </a:r>
-                      <a:endParaRPr lang="en-US" dirty="0"/>
                     </a:p>
                   </a:txBody>
                   <a:tcPr/>
@@ -14313,10 +13913,9 @@
                     <a:lstStyle/>
                     <a:p>
                       <a:r>
-                        <a:rPr lang="en-US" dirty="0" smtClean="0"/>
+                        <a:rPr lang="en-US" dirty="0"/>
                         <a:t>-4(S)</a:t>
                       </a:r>
-                      <a:endParaRPr lang="en-US" dirty="0"/>
                     </a:p>
                   </a:txBody>
                   <a:tcPr/>
@@ -14327,7 +13926,7 @@
                     <a:lstStyle/>
                     <a:p>
                       <a:r>
-                        <a:rPr lang="en-US" dirty="0" err="1" smtClean="0"/>
+                        <a:rPr lang="en-US" dirty="0" err="1"/>
                         <a:t>inf</a:t>
                       </a:r>
                       <a:endParaRPr lang="en-US" dirty="0"/>
@@ -14341,10 +13940,9 @@
                     <a:lstStyle/>
                     <a:p>
                       <a:r>
-                        <a:rPr lang="en-US" dirty="0" smtClean="0"/>
+                        <a:rPr lang="en-US" dirty="0"/>
                         <a:t>-5(A)</a:t>
                       </a:r>
-                      <a:endParaRPr lang="en-US" dirty="0"/>
                     </a:p>
                   </a:txBody>
                   <a:tcPr/>
@@ -14355,10 +13953,9 @@
                     <a:lstStyle/>
                     <a:p>
                       <a:r>
-                        <a:rPr lang="en-US" dirty="0" smtClean="0"/>
+                        <a:rPr lang="en-US" dirty="0"/>
                         <a:t>-6(A)</a:t>
                       </a:r>
-                      <a:endParaRPr lang="en-US" dirty="0"/>
                     </a:p>
                   </a:txBody>
                   <a:tcPr/>
@@ -14369,14 +13966,18 @@
                     <a:lstStyle/>
                     <a:p>
                       <a:r>
-                        <a:rPr lang="en-US" dirty="0" smtClean="0"/>
+                        <a:rPr lang="en-US" dirty="0"/>
                         <a:t>-3(S)</a:t>
                       </a:r>
-                      <a:endParaRPr lang="en-US" dirty="0"/>
                     </a:p>
                   </a:txBody>
                   <a:tcPr/>
                 </a:tc>
+                <a:extLst>
+                  <a:ext uri="{0D108BD9-81ED-4DB2-BD59-A6C34878D82A}">
+                    <a16:rowId xmlns:a16="http://schemas.microsoft.com/office/drawing/2014/main" val="10003"/>
+                  </a:ext>
+                </a:extLst>
               </a:tr>
               <a:tr h="370840">
                 <a:tc>
@@ -14385,10 +13986,9 @@
                     <a:lstStyle/>
                     <a:p>
                       <a:r>
-                        <a:rPr lang="en-US" dirty="0" smtClean="0"/>
+                        <a:rPr lang="en-US" dirty="0"/>
                         <a:t>3</a:t>
                       </a:r>
-                      <a:endParaRPr lang="en-US" dirty="0"/>
                     </a:p>
                   </a:txBody>
                   <a:tcPr/>
@@ -14399,10 +13999,9 @@
                     <a:lstStyle/>
                     <a:p>
                       <a:r>
-                        <a:rPr lang="en-US" dirty="0" smtClean="0"/>
+                        <a:rPr lang="en-US" dirty="0"/>
                         <a:t>0</a:t>
                       </a:r>
-                      <a:endParaRPr lang="en-US" dirty="0"/>
                     </a:p>
                   </a:txBody>
                   <a:tcPr/>
@@ -14413,10 +14012,9 @@
                     <a:lstStyle/>
                     <a:p>
                       <a:r>
-                        <a:rPr lang="en-US" dirty="0" smtClean="0"/>
+                        <a:rPr lang="en-US" dirty="0"/>
                         <a:t>…</a:t>
                       </a:r>
-                      <a:endParaRPr lang="en-US" dirty="0"/>
                     </a:p>
                   </a:txBody>
                   <a:tcPr/>
@@ -14427,10 +14025,9 @@
                     <a:lstStyle/>
                     <a:p>
                       <a:r>
-                        <a:rPr lang="en-US" dirty="0" smtClean="0"/>
+                        <a:rPr lang="en-US" dirty="0"/>
                         <a:t>…</a:t>
                       </a:r>
-                      <a:endParaRPr lang="en-US" dirty="0"/>
                     </a:p>
                   </a:txBody>
                   <a:tcPr/>
@@ -14441,10 +14038,9 @@
                     <a:lstStyle/>
                     <a:p>
                       <a:r>
-                        <a:rPr lang="en-US" dirty="0" smtClean="0"/>
+                        <a:rPr lang="en-US" dirty="0"/>
                         <a:t>…</a:t>
                       </a:r>
-                      <a:endParaRPr lang="en-US" dirty="0"/>
                     </a:p>
                   </a:txBody>
                   <a:tcPr/>
@@ -14455,10 +14051,9 @@
                     <a:lstStyle/>
                     <a:p>
                       <a:r>
-                        <a:rPr lang="en-US" dirty="0" smtClean="0"/>
+                        <a:rPr lang="en-US" dirty="0"/>
                         <a:t>…</a:t>
                       </a:r>
-                      <a:endParaRPr lang="en-US" dirty="0"/>
                     </a:p>
                   </a:txBody>
                   <a:tcPr/>
@@ -14469,14 +14064,18 @@
                     <a:lstStyle/>
                     <a:p>
                       <a:r>
-                        <a:rPr lang="en-US" dirty="0" smtClean="0"/>
+                        <a:rPr lang="en-US" dirty="0"/>
                         <a:t>…</a:t>
                       </a:r>
-                      <a:endParaRPr lang="en-US" dirty="0"/>
                     </a:p>
                   </a:txBody>
                   <a:tcPr/>
                 </a:tc>
+                <a:extLst>
+                  <a:ext uri="{0D108BD9-81ED-4DB2-BD59-A6C34878D82A}">
+                    <a16:rowId xmlns:a16="http://schemas.microsoft.com/office/drawing/2014/main" val="10004"/>
+                  </a:ext>
+                </a:extLst>
               </a:tr>
               <a:tr h="370840">
                 <a:tc>
@@ -14485,10 +14084,9 @@
                     <a:lstStyle/>
                     <a:p>
                       <a:r>
-                        <a:rPr lang="en-US" dirty="0" smtClean="0"/>
+                        <a:rPr lang="en-US" dirty="0"/>
                         <a:t>4</a:t>
                       </a:r>
-                      <a:endParaRPr lang="en-US" dirty="0"/>
                     </a:p>
                   </a:txBody>
                   <a:tcPr/>
@@ -14499,10 +14097,9 @@
                     <a:lstStyle/>
                     <a:p>
                       <a:r>
-                        <a:rPr lang="en-US" dirty="0" smtClean="0"/>
+                        <a:rPr lang="en-US" dirty="0"/>
                         <a:t>0</a:t>
                       </a:r>
-                      <a:endParaRPr lang="en-US" dirty="0"/>
                     </a:p>
                   </a:txBody>
                   <a:tcPr/>
@@ -14557,6 +14154,11 @@
                   </a:txBody>
                   <a:tcPr/>
                 </a:tc>
+                <a:extLst>
+                  <a:ext uri="{0D108BD9-81ED-4DB2-BD59-A6C34878D82A}">
+                    <a16:rowId xmlns:a16="http://schemas.microsoft.com/office/drawing/2014/main" val="10005"/>
+                  </a:ext>
+                </a:extLst>
               </a:tr>
               <a:tr h="370840">
                 <a:tc>
@@ -14565,10 +14167,9 @@
                     <a:lstStyle/>
                     <a:p>
                       <a:r>
-                        <a:rPr lang="en-US" dirty="0" smtClean="0"/>
+                        <a:rPr lang="en-US" dirty="0"/>
                         <a:t>5</a:t>
                       </a:r>
-                      <a:endParaRPr lang="en-US" dirty="0"/>
                     </a:p>
                   </a:txBody>
                   <a:tcPr/>
@@ -14579,10 +14180,9 @@
                     <a:lstStyle/>
                     <a:p>
                       <a:r>
-                        <a:rPr lang="en-US" dirty="0" smtClean="0"/>
+                        <a:rPr lang="en-US" dirty="0"/>
                         <a:t>0</a:t>
                       </a:r>
-                      <a:endParaRPr lang="en-US" dirty="0"/>
                     </a:p>
                   </a:txBody>
                   <a:tcPr/>
@@ -14637,6 +14237,11 @@
                   </a:txBody>
                   <a:tcPr/>
                 </a:tc>
+                <a:extLst>
+                  <a:ext uri="{0D108BD9-81ED-4DB2-BD59-A6C34878D82A}">
+                    <a16:rowId xmlns:a16="http://schemas.microsoft.com/office/drawing/2014/main" val="10006"/>
+                  </a:ext>
+                </a:extLst>
               </a:tr>
               <a:tr h="370840">
                 <a:tc>
@@ -14645,10 +14250,9 @@
                     <a:lstStyle/>
                     <a:p>
                       <a:r>
-                        <a:rPr lang="en-US" dirty="0" smtClean="0"/>
+                        <a:rPr lang="en-US" dirty="0"/>
                         <a:t>6</a:t>
                       </a:r>
-                      <a:endParaRPr lang="en-US" dirty="0"/>
                     </a:p>
                   </a:txBody>
                   <a:tcPr/>
@@ -14659,10 +14263,9 @@
                     <a:lstStyle/>
                     <a:p>
                       <a:r>
-                        <a:rPr lang="en-US" dirty="0" smtClean="0"/>
+                        <a:rPr lang="en-US" dirty="0"/>
                         <a:t>0</a:t>
                       </a:r>
-                      <a:endParaRPr lang="en-US" dirty="0"/>
                     </a:p>
                   </a:txBody>
                   <a:tcPr/>
@@ -14717,6 +14320,11 @@
                   </a:txBody>
                   <a:tcPr/>
                 </a:tc>
+                <a:extLst>
+                  <a:ext uri="{0D108BD9-81ED-4DB2-BD59-A6C34878D82A}">
+                    <a16:rowId xmlns:a16="http://schemas.microsoft.com/office/drawing/2014/main" val="10007"/>
+                  </a:ext>
+                </a:extLst>
               </a:tr>
             </a:tbl>
           </a:graphicData>
@@ -14744,7 +14352,7 @@
           <a:graphicData uri="http://schemas.openxmlformats.org/presentationml/2006/ole">
             <mc:AlternateContent xmlns:mc="http://schemas.openxmlformats.org/markup-compatibility/2006">
               <mc:Choice xmlns:v="urn:schemas-microsoft-com:vml" Requires="v">
-                <p:oleObj spid="_x0000_s1239" name="Equation" r:id="rId3" imgW="3213100" imgH="469900" progId="Equation.3">
+                <p:oleObj spid="_x0000_s1240" name="Equation" r:id="rId3" imgW="3213100" imgH="469900" progId="Equation.3">
                   <p:embed/>
                 </p:oleObj>
               </mc:Choice>
@@ -14797,13 +14405,6 @@
   <p:clrMapOvr>
     <a:masterClrMapping/>
   </p:clrMapOvr>
-  <p:timing>
-    <p:tnLst>
-      <p:par>
-        <p:cTn xmlns:p14="http://schemas.microsoft.com/office/powerpoint/2010/main" id="1" dur="indefinite" restart="never" nodeType="tmRoot"/>
-      </p:par>
-    </p:tnLst>
-  </p:timing>
 </p:sld>
 </file>
 
@@ -14840,10 +14441,9 @@
           <a:lstStyle/>
           <a:p>
             <a:r>
-              <a:rPr lang="en-US" dirty="0" smtClean="0"/>
+              <a:rPr lang="en-US" dirty="0"/>
               <a:t>Example</a:t>
             </a:r>
-            <a:endParaRPr lang="en-US" dirty="0"/>
           </a:p>
         </p:txBody>
       </p:sp>
@@ -14886,13 +14486,6 @@
   <p:clrMapOvr>
     <a:masterClrMapping/>
   </p:clrMapOvr>
-  <p:timing>
-    <p:tnLst>
-      <p:par>
-        <p:cTn xmlns:p14="http://schemas.microsoft.com/office/powerpoint/2010/main" id="1" dur="indefinite" restart="never" nodeType="tmRoot"/>
-      </p:par>
-    </p:tnLst>
-  </p:timing>
 </p:sld>
 </file>
 
@@ -14915,51 +14508,49 @@
       </p:grpSpPr>
       <p:sp>
         <p:nvSpPr>
-          <p:cNvPr id="4" name="Title 3"/>
-          <p:cNvSpPr>
-            <a:spLocks noGrp="1"/>
-          </p:cNvSpPr>
-          <p:nvPr>
-            <p:ph type="title"/>
-          </p:nvPr>
-        </p:nvSpPr>
-        <p:spPr/>
-        <p:txBody>
-          <a:bodyPr/>
+          <p:cNvPr id="6" name="Rectangle 5"/>
+          <p:cNvSpPr/>
+          <p:nvPr/>
+        </p:nvSpPr>
+        <p:spPr>
+          <a:xfrm rot="19831809">
+            <a:off x="2027568" y="3081278"/>
+            <a:ext cx="4955459" cy="923330"/>
+          </a:xfrm>
+          <a:prstGeom prst="rect">
+            <a:avLst/>
+          </a:prstGeom>
+          <a:noFill/>
+        </p:spPr>
+        <p:txBody>
+          <a:bodyPr wrap="none" lIns="91440" tIns="45720" rIns="91440" bIns="45720">
+            <a:spAutoFit/>
+          </a:bodyPr>
           <a:lstStyle/>
           <a:p>
-            <a:r>
-              <a:rPr lang="en-US" dirty="0" smtClean="0">
+            <a:pPr algn="ctr"/>
+            <a:r>
+              <a:rPr lang="en-US" sz="5400" b="1" cap="none" spc="0" dirty="0">
+                <a:ln w="9525">
+                  <a:solidFill>
+                    <a:schemeClr val="bg1"/>
+                  </a:solidFill>
+                  <a:prstDash val="solid"/>
+                </a:ln>
                 <a:solidFill>
-                  <a:srgbClr val="FF0000"/>
+                  <a:schemeClr val="accent5"/>
                 </a:solidFill>
+                <a:effectLst>
+                  <a:outerShdw blurRad="12700" dist="38100" dir="2700000" algn="tl" rotWithShape="0">
+                    <a:schemeClr val="accent5">
+                      <a:lumMod val="60000"/>
+                      <a:lumOff val="40000"/>
+                    </a:schemeClr>
+                  </a:outerShdw>
+                </a:effectLst>
               </a:rPr>
-              <a:t>Spanning Trees</a:t>
-            </a:r>
-            <a:endParaRPr lang="en-US" dirty="0">
-              <a:solidFill>
-                <a:srgbClr val="FF0000"/>
-              </a:solidFill>
-            </a:endParaRPr>
-          </a:p>
-        </p:txBody>
-      </p:sp>
-      <p:sp>
-        <p:nvSpPr>
-          <p:cNvPr id="5" name="Text Placeholder 4"/>
-          <p:cNvSpPr>
-            <a:spLocks noGrp="1"/>
-          </p:cNvSpPr>
-          <p:nvPr>
-            <p:ph type="body" idx="1"/>
-          </p:nvPr>
-        </p:nvSpPr>
-        <p:spPr/>
-        <p:txBody>
-          <a:bodyPr/>
-          <a:lstStyle/>
-          <a:p>
-            <a:endParaRPr lang="en-US"/>
+              <a:t>Spanning Tree</a:t>
+            </a:r>
           </a:p>
         </p:txBody>
       </p:sp>
@@ -14973,13 +14564,6 @@
   <p:clrMapOvr>
     <a:masterClrMapping/>
   </p:clrMapOvr>
-  <p:timing>
-    <p:tnLst>
-      <p:par>
-        <p:cTn xmlns:p14="http://schemas.microsoft.com/office/powerpoint/2010/main" id="1" dur="indefinite" restart="never" nodeType="tmRoot"/>
-      </p:par>
-    </p:tnLst>
-  </p:timing>
 </p:sld>
 </file>
 

--- a/dsa2017-java-online/handouts/data-day07-graph/Lecture 12 - Chapter 08 - Graphs - Part 2.pptx
+++ b/dsa2017-java-online/handouts/data-day07-graph/Lecture 12 - Chapter 08 - Graphs - Part 2.pptx
@@ -5,52 +5,51 @@
     <p:sldMasterId id="2147483648" r:id="rId1"/>
   </p:sldMasterIdLst>
   <p:notesMasterIdLst>
-    <p:notesMasterId r:id="rId45"/>
+    <p:notesMasterId r:id="rId44"/>
   </p:notesMasterIdLst>
   <p:sldIdLst>
     <p:sldId id="279" r:id="rId2"/>
     <p:sldId id="280" r:id="rId3"/>
-    <p:sldId id="281" r:id="rId4"/>
-    <p:sldId id="284" r:id="rId5"/>
-    <p:sldId id="285" r:id="rId6"/>
-    <p:sldId id="286" r:id="rId7"/>
-    <p:sldId id="289" r:id="rId8"/>
-    <p:sldId id="288" r:id="rId9"/>
-    <p:sldId id="290" r:id="rId10"/>
-    <p:sldId id="291" r:id="rId11"/>
-    <p:sldId id="293" r:id="rId12"/>
-    <p:sldId id="292" r:id="rId13"/>
-    <p:sldId id="294" r:id="rId14"/>
-    <p:sldId id="295" r:id="rId15"/>
-    <p:sldId id="296" r:id="rId16"/>
-    <p:sldId id="299" r:id="rId17"/>
-    <p:sldId id="297" r:id="rId18"/>
-    <p:sldId id="300" r:id="rId19"/>
-    <p:sldId id="306" r:id="rId20"/>
-    <p:sldId id="301" r:id="rId21"/>
-    <p:sldId id="303" r:id="rId22"/>
-    <p:sldId id="307" r:id="rId23"/>
-    <p:sldId id="308" r:id="rId24"/>
-    <p:sldId id="309" r:id="rId25"/>
-    <p:sldId id="310" r:id="rId26"/>
-    <p:sldId id="311" r:id="rId27"/>
-    <p:sldId id="312" r:id="rId28"/>
-    <p:sldId id="314" r:id="rId29"/>
-    <p:sldId id="315" r:id="rId30"/>
-    <p:sldId id="302" r:id="rId31"/>
-    <p:sldId id="313" r:id="rId32"/>
-    <p:sldId id="316" r:id="rId33"/>
-    <p:sldId id="317" r:id="rId34"/>
-    <p:sldId id="318" r:id="rId35"/>
-    <p:sldId id="319" r:id="rId36"/>
-    <p:sldId id="320" r:id="rId37"/>
-    <p:sldId id="321" r:id="rId38"/>
-    <p:sldId id="322" r:id="rId39"/>
-    <p:sldId id="324" r:id="rId40"/>
-    <p:sldId id="323" r:id="rId41"/>
-    <p:sldId id="283" r:id="rId42"/>
-    <p:sldId id="325" r:id="rId43"/>
-    <p:sldId id="326" r:id="rId44"/>
+    <p:sldId id="284" r:id="rId4"/>
+    <p:sldId id="285" r:id="rId5"/>
+    <p:sldId id="286" r:id="rId6"/>
+    <p:sldId id="289" r:id="rId7"/>
+    <p:sldId id="288" r:id="rId8"/>
+    <p:sldId id="290" r:id="rId9"/>
+    <p:sldId id="291" r:id="rId10"/>
+    <p:sldId id="293" r:id="rId11"/>
+    <p:sldId id="292" r:id="rId12"/>
+    <p:sldId id="294" r:id="rId13"/>
+    <p:sldId id="295" r:id="rId14"/>
+    <p:sldId id="296" r:id="rId15"/>
+    <p:sldId id="299" r:id="rId16"/>
+    <p:sldId id="297" r:id="rId17"/>
+    <p:sldId id="300" r:id="rId18"/>
+    <p:sldId id="306" r:id="rId19"/>
+    <p:sldId id="301" r:id="rId20"/>
+    <p:sldId id="303" r:id="rId21"/>
+    <p:sldId id="307" r:id="rId22"/>
+    <p:sldId id="308" r:id="rId23"/>
+    <p:sldId id="309" r:id="rId24"/>
+    <p:sldId id="310" r:id="rId25"/>
+    <p:sldId id="311" r:id="rId26"/>
+    <p:sldId id="312" r:id="rId27"/>
+    <p:sldId id="314" r:id="rId28"/>
+    <p:sldId id="315" r:id="rId29"/>
+    <p:sldId id="302" r:id="rId30"/>
+    <p:sldId id="313" r:id="rId31"/>
+    <p:sldId id="316" r:id="rId32"/>
+    <p:sldId id="317" r:id="rId33"/>
+    <p:sldId id="318" r:id="rId34"/>
+    <p:sldId id="319" r:id="rId35"/>
+    <p:sldId id="320" r:id="rId36"/>
+    <p:sldId id="321" r:id="rId37"/>
+    <p:sldId id="322" r:id="rId38"/>
+    <p:sldId id="324" r:id="rId39"/>
+    <p:sldId id="323" r:id="rId40"/>
+    <p:sldId id="283" r:id="rId41"/>
+    <p:sldId id="325" r:id="rId42"/>
+    <p:sldId id="326" r:id="rId43"/>
   </p:sldIdLst>
   <p:sldSz cx="9144000" cy="6858000" type="screen4x3"/>
   <p:notesSz cx="6858000" cy="9144000"/>
@@ -284,7 +283,7 @@
           <a:p>
             <a:fld id="{912909EE-3318-2B49-BBCA-50C0EA6484E2}" type="datetimeFigureOut">
               <a:rPr lang="en-US" smtClean="0"/>
-              <a:t>27-May-17</a:t>
+              <a:t>28-May-17</a:t>
             </a:fld>
             <a:endParaRPr lang="en-US"/>
           </a:p>
@@ -808,7 +807,7 @@
           <a:p>
             <a:fld id="{F94E58F1-43C4-3C4A-9C38-277D97C748C3}" type="slidenum">
               <a:rPr lang="en-US" smtClean="0"/>
-              <a:t>32</a:t>
+              <a:t>31</a:t>
             </a:fld>
             <a:endParaRPr lang="en-US"/>
           </a:p>
@@ -904,7 +903,7 @@
           <a:p>
             <a:fld id="{0F700D64-C8A8-F44C-A3D6-898140BB9211}" type="slidenum">
               <a:rPr lang="en-US" smtClean="0"/>
-              <a:t>41</a:t>
+              <a:t>40</a:t>
             </a:fld>
             <a:endParaRPr lang="en-US"/>
           </a:p>
@@ -975,14 +974,14 @@
           </a:ln>
           <a:extLst>
             <a:ext uri="{909E8E84-426E-40dd-AFC4-6F175D3DCCD1}">
-              <a14:hiddenFill xmlns:a14="http://schemas.microsoft.com/office/drawing/2010/main" xmlns="">
+              <a14:hiddenFill xmlns="" xmlns:a14="http://schemas.microsoft.com/office/drawing/2010/main">
                 <a:solidFill>
                   <a:srgbClr val="FFFFFF"/>
                 </a:solidFill>
               </a14:hiddenFill>
             </a:ext>
             <a:ext uri="{91240B29-F687-4f45-9708-019B960494DF}">
-              <a14:hiddenLine xmlns:a14="http://schemas.microsoft.com/office/drawing/2010/main" xmlns="" w="9525">
+              <a14:hiddenLine xmlns="" xmlns:a14="http://schemas.microsoft.com/office/drawing/2010/main" w="9525">
                 <a:solidFill>
                   <a:srgbClr val="000000"/>
                 </a:solidFill>
@@ -3955,14 +3954,14 @@
           </a:ln>
           <a:extLst>
             <a:ext uri="{909E8E84-426E-40dd-AFC4-6F175D3DCCD1}">
-              <a14:hiddenFill xmlns:a14="http://schemas.microsoft.com/office/drawing/2010/main" xmlns="">
+              <a14:hiddenFill xmlns="" xmlns:a14="http://schemas.microsoft.com/office/drawing/2010/main">
                 <a:solidFill>
                   <a:srgbClr val="FFFFFF"/>
                 </a:solidFill>
               </a14:hiddenFill>
             </a:ext>
             <a:ext uri="{91240B29-F687-4f45-9708-019B960494DF}">
-              <a14:hiddenLine xmlns:a14="http://schemas.microsoft.com/office/drawing/2010/main" xmlns="" w="9525">
+              <a14:hiddenLine xmlns="" xmlns:a14="http://schemas.microsoft.com/office/drawing/2010/main" w="9525">
                 <a:solidFill>
                   <a:srgbClr val="000000"/>
                 </a:solidFill>
@@ -4415,14 +4414,14 @@
           <a:noFill/>
           <a:extLst>
             <a:ext uri="{909E8E84-426E-40dd-AFC4-6F175D3DCCD1}">
-              <a14:hiddenFill xmlns:a14="http://schemas.microsoft.com/office/drawing/2010/main" xmlns="">
+              <a14:hiddenFill xmlns="" xmlns:a14="http://schemas.microsoft.com/office/drawing/2010/main">
                 <a:solidFill>
                   <a:srgbClr val="FFFFFF"/>
                 </a:solidFill>
               </a14:hiddenFill>
             </a:ext>
             <a:ext uri="{91240B29-F687-4f45-9708-019B960494DF}">
-              <a14:hiddenLine xmlns:a14="http://schemas.microsoft.com/office/drawing/2010/main" xmlns="" w="9525">
+              <a14:hiddenLine xmlns="" xmlns:a14="http://schemas.microsoft.com/office/drawing/2010/main" w="9525">
                 <a:solidFill>
                   <a:srgbClr val="000000"/>
                 </a:solidFill>
@@ -4432,7 +4431,7 @@
               </a14:hiddenLine>
             </a:ext>
             <a:ext uri="{FAA26D3D-D897-4be2-8F04-BA451C77F1D7}">
-              <ma14:placeholderFlag xmlns:ma14="http://schemas.microsoft.com/office/mac/drawingml/2011/main" xmlns="" val="1"/>
+              <ma14:placeholderFlag xmlns="" xmlns:ma14="http://schemas.microsoft.com/office/mac/drawingml/2011/main" val="1"/>
             </a:ext>
           </a:extLst>
         </p:spPr>
@@ -4519,7 +4518,7 @@
       </p:grpSpPr>
       <p:sp>
         <p:nvSpPr>
-          <p:cNvPr id="4" name="Title 3"/>
+          <p:cNvPr id="2" name="Title 1"/>
           <p:cNvSpPr>
             <a:spLocks noGrp="1"/>
           </p:cNvSpPr>
@@ -4534,14 +4533,43 @@
           <a:p>
             <a:r>
               <a:rPr lang="en-US" dirty="0"/>
-              <a:t>Definition</a:t>
-            </a:r>
-          </a:p>
-        </p:txBody>
-      </p:sp>
-      <p:sp>
-        <p:nvSpPr>
-          <p:cNvPr id="5" name="Content Placeholder 4"/>
+              <a:t>Example</a:t>
+            </a:r>
+          </a:p>
+        </p:txBody>
+      </p:sp>
+      <p:pic>
+        <p:nvPicPr>
+          <p:cNvPr id="4" name="Picture 3"/>
+          <p:cNvPicPr>
+            <a:picLocks noChangeAspect="1"/>
+          </p:cNvPicPr>
+          <p:nvPr/>
+        </p:nvPicPr>
+        <p:blipFill>
+          <a:blip r:embed="rId2"/>
+          <a:stretch>
+            <a:fillRect/>
+          </a:stretch>
+        </p:blipFill>
+        <p:spPr>
+          <a:xfrm>
+            <a:off x="0" y="4343400"/>
+            <a:ext cx="9144000" cy="2464008"/>
+          </a:xfrm>
+          <a:prstGeom prst="rect">
+            <a:avLst/>
+          </a:prstGeom>
+          <a:ln>
+            <a:solidFill>
+              <a:srgbClr val="C0504D"/>
+            </a:solidFill>
+          </a:ln>
+        </p:spPr>
+      </p:pic>
+      <p:sp>
+        <p:nvSpPr>
+          <p:cNvPr id="6" name="Content Placeholder 5"/>
           <p:cNvSpPr>
             <a:spLocks noGrp="1"/>
           </p:cNvSpPr>
@@ -4552,25 +4580,85 @@
         <p:spPr>
           <a:xfrm>
             <a:off x="76200" y="1066800"/>
-            <a:ext cx="8915400" cy="2590800"/>
+            <a:ext cx="8915400" cy="3276600"/>
           </a:xfrm>
         </p:spPr>
         <p:txBody>
           <a:bodyPr>
-            <a:normAutofit/>
+            <a:normAutofit fontScale="85000" lnSpcReduction="20000"/>
           </a:bodyPr>
           <a:lstStyle/>
           <a:p>
-            <a:r>
-              <a:rPr lang="en-US" dirty="0"/>
-              <a:t>Spanning tree is a tree in which</a:t>
+            <a:pPr marL="342900" lvl="1" indent="-342900">
+              <a:buFont typeface="Arial" charset="0"/>
+              <a:buChar char="•"/>
+            </a:pPr>
+            <a:r>
+              <a:rPr lang="en-US" dirty="0"/>
+              <a:t>Example, there is a graph (Fig. a) representing airlines among 7 cities</a:t>
+            </a:r>
+          </a:p>
+          <a:p>
+            <a:pPr marL="342900" lvl="1" indent="-342900">
+              <a:buFont typeface="Arial" charset="0"/>
+              <a:buChar char="•"/>
+            </a:pPr>
+            <a:r>
+              <a:rPr lang="en-US" dirty="0"/>
+              <a:t>For some reasons, it’s forced to close several lines</a:t>
+            </a:r>
+          </a:p>
+          <a:p>
+            <a:pPr marL="742950" lvl="2" indent="-342900"/>
+            <a:r>
+              <a:rPr lang="en-US" dirty="0"/>
+              <a:t>Still there must be a connection (direct/indirect) any two (Fig. b, c, d)</a:t>
+            </a:r>
+          </a:p>
+          <a:p>
+            <a:pPr marL="742950" lvl="2" indent="-342900"/>
+            <a:r>
+              <a:rPr lang="en-US" dirty="0"/>
+              <a:t>Close as many as possible (Fig. c, d)</a:t>
+            </a:r>
+          </a:p>
+          <a:p>
+            <a:r>
+              <a:rPr lang="en-US" dirty="0">
+                <a:solidFill>
+                  <a:srgbClr val="FF0000"/>
+                </a:solidFill>
+              </a:rPr>
+              <a:t>The minimum number of such connections form a tree</a:t>
             </a:r>
           </a:p>
           <a:p>
             <a:pPr lvl="1"/>
             <a:r>
               <a:rPr lang="en-US" dirty="0"/>
-              <a:t>There is an algorithm that guarantees generating a tree (or a forest, set of trees) that includes or spans over all vertices of the original graph</a:t>
+              <a:t>Coz, alternate paths arise as a result of cycles in the graph</a:t>
+            </a:r>
+          </a:p>
+          <a:p>
+            <a:pPr lvl="1"/>
+            <a:r>
+              <a:rPr lang="en-US" dirty="0"/>
+              <a:t>Spanning tree is by product of </a:t>
+            </a:r>
+            <a:r>
+              <a:rPr lang="en-US" dirty="0" err="1"/>
+              <a:t>depthFirstSearch</a:t>
+            </a:r>
+            <a:r>
+              <a:rPr lang="en-US" dirty="0"/>
+              <a:t>()</a:t>
+            </a:r>
+          </a:p>
+          <a:p>
+            <a:pPr lvl="1"/>
+            <a:r>
+              <a:rPr lang="en-US" dirty="0"/>
+              <a:t>We can create different spanning trees for a graph (c, d)</a:t>
             </a:r>
           </a:p>
         </p:txBody>
@@ -4578,7 +4666,7 @@
     </p:spTree>
     <p:extLst>
       <p:ext uri="{BB962C8B-B14F-4D97-AF65-F5344CB8AC3E}">
-        <p14:creationId xmlns:p14="http://schemas.microsoft.com/office/powerpoint/2010/main" val="2921429768"/>
+        <p14:creationId xmlns:p14="http://schemas.microsoft.com/office/powerpoint/2010/main" val="2916674015"/>
       </p:ext>
     </p:extLst>
   </p:cSld>
@@ -4622,43 +4710,14 @@
           <a:p>
             <a:r>
               <a:rPr lang="en-US" dirty="0"/>
-              <a:t>Example</a:t>
-            </a:r>
-          </a:p>
-        </p:txBody>
-      </p:sp>
-      <p:pic>
-        <p:nvPicPr>
-          <p:cNvPr id="4" name="Picture 3"/>
-          <p:cNvPicPr>
-            <a:picLocks noChangeAspect="1"/>
-          </p:cNvPicPr>
-          <p:nvPr/>
-        </p:nvPicPr>
-        <p:blipFill>
-          <a:blip r:embed="rId2"/>
-          <a:stretch>
-            <a:fillRect/>
-          </a:stretch>
-        </p:blipFill>
-        <p:spPr>
-          <a:xfrm>
-            <a:off x="0" y="4343400"/>
-            <a:ext cx="9144000" cy="2464008"/>
-          </a:xfrm>
-          <a:prstGeom prst="rect">
-            <a:avLst/>
-          </a:prstGeom>
-          <a:ln>
-            <a:solidFill>
-              <a:srgbClr val="C0504D"/>
-            </a:solidFill>
-          </a:ln>
-        </p:spPr>
-      </p:pic>
-      <p:sp>
-        <p:nvSpPr>
-          <p:cNvPr id="6" name="Content Placeholder 5"/>
+              <a:t>Minimum spanning tree</a:t>
+            </a:r>
+          </a:p>
+        </p:txBody>
+      </p:sp>
+      <p:sp>
+        <p:nvSpPr>
+          <p:cNvPr id="3" name="Content Placeholder 2"/>
           <p:cNvSpPr>
             <a:spLocks noGrp="1"/>
           </p:cNvSpPr>
@@ -4666,88 +4725,68 @@
             <p:ph idx="1"/>
           </p:nvPr>
         </p:nvSpPr>
-        <p:spPr>
-          <a:xfrm>
-            <a:off x="76200" y="1066800"/>
-            <a:ext cx="8915400" cy="3276600"/>
-          </a:xfrm>
-        </p:spPr>
+        <p:spPr/>
         <p:txBody>
           <a:bodyPr>
-            <a:normAutofit fontScale="85000" lnSpcReduction="20000"/>
+            <a:normAutofit fontScale="92500" lnSpcReduction="10000"/>
           </a:bodyPr>
           <a:lstStyle/>
           <a:p>
-            <a:pPr marL="342900" lvl="1" indent="-342900">
-              <a:buFont typeface="Arial" charset="0"/>
-              <a:buChar char="•"/>
-            </a:pPr>
-            <a:r>
-              <a:rPr lang="en-US" dirty="0"/>
-              <a:t>Example, there is a graph (Fig. a) representing airlines among 7 cities</a:t>
-            </a:r>
-          </a:p>
-          <a:p>
-            <a:pPr marL="342900" lvl="1" indent="-342900">
-              <a:buFont typeface="Arial" charset="0"/>
-              <a:buChar char="•"/>
-            </a:pPr>
-            <a:r>
-              <a:rPr lang="en-US" dirty="0"/>
-              <a:t>For some reasons, it’s forced to close several lines</a:t>
-            </a:r>
-          </a:p>
-          <a:p>
-            <a:pPr marL="742950" lvl="2" indent="-342900"/>
-            <a:r>
-              <a:rPr lang="en-US" dirty="0"/>
-              <a:t>Still there must be a connection (direct/indirect) any two (Fig. b, c, d)</a:t>
-            </a:r>
-          </a:p>
-          <a:p>
-            <a:pPr marL="742950" lvl="2" indent="-342900"/>
-            <a:r>
-              <a:rPr lang="en-US" dirty="0"/>
-              <a:t>Close as many as possible (Fig. c, d)</a:t>
-            </a:r>
-          </a:p>
-          <a:p>
+            <a:r>
+              <a:rPr lang="en-US" dirty="0"/>
+              <a:t>Example above, cannot get better than 6 edges</a:t>
+            </a:r>
+          </a:p>
+          <a:p>
+            <a:r>
+              <a:rPr lang="en-US" dirty="0"/>
+              <a:t>The solution to this problem is not optimal</a:t>
+            </a:r>
+          </a:p>
+          <a:p>
+            <a:pPr lvl="1"/>
+            <a:r>
+              <a:rPr lang="en-US" dirty="0"/>
+              <a:t>Distances between cities have not been taken into account</a:t>
+            </a:r>
+          </a:p>
+          <a:p>
+            <a:r>
+              <a:rPr lang="en-US" dirty="0"/>
+              <a:t>We can use cost of these connections to choose the best, guaranteeing the optimum cost</a:t>
+            </a:r>
+          </a:p>
+          <a:p>
+            <a:r>
+              <a:rPr lang="en-US" dirty="0"/>
+              <a:t>Can be done by having minimum short distances for six (example above) connections</a:t>
+            </a:r>
+          </a:p>
+          <a:p>
+            <a:r>
+              <a:rPr lang="en-US" dirty="0"/>
+              <a:t>So now the problem is called </a:t>
+            </a:r>
             <a:r>
               <a:rPr lang="en-US" dirty="0">
                 <a:solidFill>
                   <a:srgbClr val="FF0000"/>
                 </a:solidFill>
               </a:rPr>
-              <a:t>The minimum number of such connections form a tree</a:t>
+              <a:t>Minimum Spanning Tree</a:t>
             </a:r>
           </a:p>
           <a:p>
             <a:pPr lvl="1"/>
             <a:r>
               <a:rPr lang="en-US" dirty="0"/>
-              <a:t>Coz, alternate paths arise as a result of cycles in the graph</a:t>
-            </a:r>
-          </a:p>
-          <a:p>
-            <a:pPr lvl="1"/>
-            <a:r>
-              <a:rPr lang="en-US" dirty="0"/>
-              <a:t>Spanning tree is by product of </a:t>
-            </a:r>
-            <a:r>
-              <a:rPr lang="en-US" dirty="0" err="1"/>
-              <a:t>depthFirstSearch</a:t>
-            </a:r>
-            <a:r>
-              <a:rPr lang="en-US" dirty="0"/>
-              <a:t>()</a:t>
-            </a:r>
-          </a:p>
-          <a:p>
-            <a:pPr lvl="1"/>
-            <a:r>
-              <a:rPr lang="en-US" dirty="0"/>
-              <a:t>We can create different spanning trees for a graph (c, d)</a:t>
+              <a:t>Spanning tree with sum of the weights is minimal.</a:t>
+            </a:r>
+          </a:p>
+          <a:p>
+            <a:r>
+              <a:rPr lang="en-US" dirty="0"/>
+              <a:t>In a simple graph with weight =1, every spanning tree is a minimum spanning tree</a:t>
             </a:r>
           </a:p>
         </p:txBody>
@@ -4755,7 +4794,7 @@
     </p:spTree>
     <p:extLst>
       <p:ext uri="{BB962C8B-B14F-4D97-AF65-F5344CB8AC3E}">
-        <p14:creationId xmlns:p14="http://schemas.microsoft.com/office/powerpoint/2010/main" val="2916674015"/>
+        <p14:creationId xmlns:p14="http://schemas.microsoft.com/office/powerpoint/2010/main" val="3723182821"/>
       </p:ext>
     </p:extLst>
   </p:cSld>
@@ -4816,45 +4855,18 @@
         </p:nvSpPr>
         <p:spPr/>
         <p:txBody>
-          <a:bodyPr>
-            <a:normAutofit fontScale="92500" lnSpcReduction="10000"/>
-          </a:bodyPr>
+          <a:bodyPr/>
           <a:lstStyle/>
           <a:p>
             <a:r>
               <a:rPr lang="en-US" dirty="0"/>
-              <a:t>Example above, cannot get better than 6 edges</a:t>
-            </a:r>
-          </a:p>
-          <a:p>
-            <a:r>
-              <a:rPr lang="en-US" dirty="0"/>
-              <a:t>The solution to this problem is not optimal</a:t>
-            </a:r>
-          </a:p>
-          <a:p>
-            <a:pPr lvl="1"/>
-            <a:r>
-              <a:rPr lang="en-US" dirty="0"/>
-              <a:t>Distances between cities have not been taken into account</a:t>
-            </a:r>
-          </a:p>
-          <a:p>
-            <a:r>
-              <a:rPr lang="en-US" dirty="0"/>
-              <a:t>We can use cost of these connections to choose the best, guaranteeing the optimum cost</a:t>
-            </a:r>
-          </a:p>
-          <a:p>
-            <a:r>
-              <a:rPr lang="en-US" dirty="0"/>
-              <a:t>Can be done by having minimum short distances for six (example above) connections</a:t>
-            </a:r>
-          </a:p>
-          <a:p>
-            <a:r>
-              <a:rPr lang="en-US" dirty="0"/>
-              <a:t>So now the problem is called </a:t>
+              <a:t>Minimum spanning tree problem has many solutions</a:t>
+            </a:r>
+          </a:p>
+          <a:p>
+            <a:r>
+              <a:rPr lang="en-US" dirty="0"/>
+              <a:t>A popular one is from </a:t>
             </a:r>
             <a:r>
               <a:rPr lang="en-US" dirty="0">
@@ -4862,20 +4874,96 @@
                   <a:srgbClr val="FF0000"/>
                 </a:solidFill>
               </a:rPr>
-              <a:t>Minimum Spanning Tree</a:t>
+              <a:t>Joseph </a:t>
+            </a:r>
+            <a:r>
+              <a:rPr lang="en-US" dirty="0" err="1">
+                <a:solidFill>
+                  <a:srgbClr val="FF0000"/>
+                </a:solidFill>
+              </a:rPr>
+              <a:t>Kruskal</a:t>
+            </a:r>
+            <a:r>
+              <a:rPr lang="en-US" dirty="0"/>
+              <a:t>.</a:t>
             </a:r>
           </a:p>
           <a:p>
             <a:pPr lvl="1"/>
             <a:r>
               <a:rPr lang="en-US" dirty="0"/>
-              <a:t>Spanning tree with sum of the weights is minimal.</a:t>
-            </a:r>
-          </a:p>
-          <a:p>
-            <a:r>
-              <a:rPr lang="en-US" dirty="0"/>
-              <a:t>In a simple graph with weight =1, every spanning tree is a minimum spanning tree</a:t>
+              <a:t>All </a:t>
+            </a:r>
+            <a:r>
+              <a:rPr lang="en-US" dirty="0">
+                <a:solidFill>
+                  <a:srgbClr val="FF0000"/>
+                </a:solidFill>
+              </a:rPr>
+              <a:t>edges are ordered </a:t>
+            </a:r>
+            <a:r>
+              <a:rPr lang="en-US" dirty="0"/>
+              <a:t>by weight</a:t>
+            </a:r>
+          </a:p>
+          <a:p>
+            <a:pPr lvl="1"/>
+            <a:r>
+              <a:rPr lang="en-US" dirty="0">
+                <a:solidFill>
+                  <a:srgbClr val="FF0000"/>
+                </a:solidFill>
+              </a:rPr>
+              <a:t>Each edge in this ordered </a:t>
+            </a:r>
+            <a:r>
+              <a:rPr lang="en-US" dirty="0"/>
+              <a:t>sequence </a:t>
+            </a:r>
+            <a:r>
+              <a:rPr lang="en-US" dirty="0">
+                <a:solidFill>
+                  <a:srgbClr val="FF0000"/>
+                </a:solidFill>
+              </a:rPr>
+              <a:t>is checked </a:t>
+            </a:r>
+            <a:r>
+              <a:rPr lang="en-US" dirty="0"/>
+              <a:t>to see whether it can be considered part of the tree under construction</a:t>
+            </a:r>
+          </a:p>
+          <a:p>
+            <a:pPr lvl="1"/>
+            <a:r>
+              <a:rPr lang="en-US" dirty="0"/>
+              <a:t>It’s </a:t>
+            </a:r>
+            <a:r>
+              <a:rPr lang="en-US" dirty="0">
+                <a:solidFill>
+                  <a:srgbClr val="FF0000"/>
+                </a:solidFill>
+              </a:rPr>
+              <a:t>added</a:t>
+            </a:r>
+            <a:r>
+              <a:rPr lang="en-US" dirty="0"/>
+              <a:t> to the tree </a:t>
+            </a:r>
+            <a:r>
+              <a:rPr lang="en-US" dirty="0">
+                <a:solidFill>
+                  <a:srgbClr val="FF0000"/>
+                </a:solidFill>
+              </a:rPr>
+              <a:t>if no cycle arises </a:t>
+            </a:r>
+            <a:r>
+              <a:rPr lang="en-US" dirty="0"/>
+              <a:t>after inclusion.</a:t>
             </a:r>
           </a:p>
         </p:txBody>
@@ -4883,7 +4971,7 @@
     </p:spTree>
     <p:extLst>
       <p:ext uri="{BB962C8B-B14F-4D97-AF65-F5344CB8AC3E}">
-        <p14:creationId xmlns:p14="http://schemas.microsoft.com/office/powerpoint/2010/main" val="3723182821"/>
+        <p14:creationId xmlns:p14="http://schemas.microsoft.com/office/powerpoint/2010/main" val="465324704"/>
       </p:ext>
     </p:extLst>
   </p:cSld>
@@ -4927,140 +5015,52 @@
           <a:p>
             <a:r>
               <a:rPr lang="en-US" dirty="0"/>
-              <a:t>Minimum spanning tree</a:t>
-            </a:r>
-          </a:p>
-        </p:txBody>
-      </p:sp>
-      <p:sp>
-        <p:nvSpPr>
-          <p:cNvPr id="3" name="Content Placeholder 2"/>
-          <p:cNvSpPr>
-            <a:spLocks noGrp="1"/>
-          </p:cNvSpPr>
-          <p:nvPr>
-            <p:ph idx="1"/>
-          </p:nvPr>
-        </p:nvSpPr>
-        <p:spPr/>
-        <p:txBody>
-          <a:bodyPr/>
-          <a:lstStyle/>
-          <a:p>
-            <a:r>
-              <a:rPr lang="en-US" dirty="0"/>
-              <a:t>Minimum spanning tree problem has many solutions</a:t>
-            </a:r>
-          </a:p>
-          <a:p>
-            <a:r>
-              <a:rPr lang="en-US" dirty="0"/>
-              <a:t>A popular one is from </a:t>
-            </a:r>
-            <a:r>
-              <a:rPr lang="en-US" dirty="0">
-                <a:solidFill>
-                  <a:srgbClr val="FF0000"/>
-                </a:solidFill>
-              </a:rPr>
               <a:t>Joseph </a:t>
             </a:r>
             <a:r>
-              <a:rPr lang="en-US" dirty="0" err="1">
-                <a:solidFill>
-                  <a:srgbClr val="FF0000"/>
-                </a:solidFill>
-              </a:rPr>
+              <a:rPr lang="en-US" dirty="0" err="1"/>
               <a:t>Kruskal</a:t>
             </a:r>
             <a:r>
               <a:rPr lang="en-US" dirty="0"/>
-              <a:t>.</a:t>
-            </a:r>
-          </a:p>
-          <a:p>
-            <a:pPr lvl="1"/>
-            <a:r>
-              <a:rPr lang="en-US" dirty="0"/>
-              <a:t>All </a:t>
-            </a:r>
-            <a:r>
-              <a:rPr lang="en-US" dirty="0">
-                <a:solidFill>
-                  <a:srgbClr val="FF0000"/>
-                </a:solidFill>
-              </a:rPr>
-              <a:t>edges are ordered </a:t>
-            </a:r>
-            <a:r>
-              <a:rPr lang="en-US" dirty="0"/>
-              <a:t>by weight</a:t>
-            </a:r>
-          </a:p>
-          <a:p>
-            <a:pPr lvl="1"/>
-            <a:r>
-              <a:rPr lang="en-US" dirty="0">
-                <a:solidFill>
-                  <a:srgbClr val="FF0000"/>
-                </a:solidFill>
-              </a:rPr>
-              <a:t>Each edge in this ordered </a:t>
-            </a:r>
-            <a:r>
-              <a:rPr lang="en-US" dirty="0"/>
-              <a:t>sequence </a:t>
-            </a:r>
-            <a:r>
-              <a:rPr lang="en-US" dirty="0">
-                <a:solidFill>
-                  <a:srgbClr val="FF0000"/>
-                </a:solidFill>
-              </a:rPr>
-              <a:t>is checked </a:t>
-            </a:r>
-            <a:r>
-              <a:rPr lang="en-US" dirty="0"/>
-              <a:t>to see whether it can be considered part of the tree under construction</a:t>
-            </a:r>
-          </a:p>
-          <a:p>
-            <a:pPr lvl="1"/>
-            <a:r>
-              <a:rPr lang="en-US" dirty="0"/>
-              <a:t>It’s </a:t>
-            </a:r>
-            <a:r>
-              <a:rPr lang="en-US" dirty="0">
-                <a:solidFill>
-                  <a:srgbClr val="FF0000"/>
-                </a:solidFill>
-              </a:rPr>
-              <a:t>added</a:t>
-            </a:r>
-            <a:r>
-              <a:rPr lang="en-US" dirty="0"/>
-              <a:t> to the tree </a:t>
-            </a:r>
-            <a:r>
-              <a:rPr lang="en-US" dirty="0">
-                <a:solidFill>
-                  <a:srgbClr val="FF0000"/>
-                </a:solidFill>
-              </a:rPr>
-              <a:t>if no cycle arises </a:t>
-            </a:r>
-            <a:r>
-              <a:rPr lang="en-US" dirty="0"/>
-              <a:t>after inclusion.</a:t>
-            </a:r>
-          </a:p>
-        </p:txBody>
-      </p:sp>
+              <a:t> Algorithm</a:t>
+            </a:r>
+          </a:p>
+        </p:txBody>
+      </p:sp>
+      <p:pic>
+        <p:nvPicPr>
+          <p:cNvPr id="4" name="Picture 3"/>
+          <p:cNvPicPr>
+            <a:picLocks noChangeAspect="1"/>
+          </p:cNvPicPr>
+          <p:nvPr/>
+        </p:nvPicPr>
+        <p:blipFill>
+          <a:blip r:embed="rId2"/>
+          <a:stretch>
+            <a:fillRect/>
+          </a:stretch>
+        </p:blipFill>
+        <p:spPr>
+          <a:xfrm>
+            <a:off x="228600" y="914400"/>
+            <a:ext cx="8686800" cy="2349500"/>
+          </a:xfrm>
+          <a:prstGeom prst="rect">
+            <a:avLst/>
+          </a:prstGeom>
+          <a:ln>
+            <a:solidFill>
+              <a:srgbClr val="C0504D"/>
+            </a:solidFill>
+          </a:ln>
+        </p:spPr>
+      </p:pic>
     </p:spTree>
     <p:extLst>
       <p:ext uri="{BB962C8B-B14F-4D97-AF65-F5344CB8AC3E}">
-        <p14:creationId xmlns:p14="http://schemas.microsoft.com/office/powerpoint/2010/main" val="465324704"/>
+        <p14:creationId xmlns:p14="http://schemas.microsoft.com/office/powerpoint/2010/main" val="60574860"/>
       </p:ext>
     </p:extLst>
   </p:cSld>
@@ -5112,7 +5112,7 @@
             </a:r>
             <a:r>
               <a:rPr lang="en-US" dirty="0"/>
-              <a:t> Algorithm</a:t>
+              <a:t> Algorithm Example</a:t>
             </a:r>
           </a:p>
         </p:txBody>
@@ -5133,23 +5133,18 @@
         </p:blipFill>
         <p:spPr>
           <a:xfrm>
-            <a:off x="228600" y="914400"/>
-            <a:ext cx="8686800" cy="2349500"/>
+            <a:off x="0" y="838200"/>
+            <a:ext cx="9144000" cy="6019800"/>
           </a:xfrm>
           <a:prstGeom prst="rect">
             <a:avLst/>
           </a:prstGeom>
-          <a:ln>
-            <a:solidFill>
-              <a:srgbClr val="C0504D"/>
-            </a:solidFill>
-          </a:ln>
         </p:spPr>
       </p:pic>
     </p:spTree>
     <p:extLst>
       <p:ext uri="{BB962C8B-B14F-4D97-AF65-F5344CB8AC3E}">
-        <p14:creationId xmlns:p14="http://schemas.microsoft.com/office/powerpoint/2010/main" val="60574860"/>
+        <p14:creationId xmlns:p14="http://schemas.microsoft.com/office/powerpoint/2010/main" val="1794143877"/>
       </p:ext>
     </p:extLst>
   </p:cSld>
@@ -5188,20 +5183,107 @@
         </p:nvSpPr>
         <p:spPr/>
         <p:txBody>
-          <a:bodyPr/>
+          <a:bodyPr>
+            <a:normAutofit/>
+          </a:bodyPr>
           <a:lstStyle/>
           <a:p>
             <a:r>
-              <a:rPr lang="en-US" dirty="0"/>
-              <a:t>Joseph </a:t>
-            </a:r>
-            <a:r>
               <a:rPr lang="en-US" dirty="0" err="1"/>
-              <a:t>Kruskal</a:t>
-            </a:r>
-            <a:r>
-              <a:rPr lang="en-US" dirty="0"/>
-              <a:t> Algorithm Example</a:t>
+              <a:t>Dijkstra</a:t>
+            </a:r>
+            <a:r>
+              <a:rPr lang="en-US" dirty="0"/>
+              <a:t> Algorithm</a:t>
+            </a:r>
+          </a:p>
+        </p:txBody>
+      </p:sp>
+      <p:sp>
+        <p:nvSpPr>
+          <p:cNvPr id="3" name="Content Placeholder 2"/>
+          <p:cNvSpPr>
+            <a:spLocks noGrp="1"/>
+          </p:cNvSpPr>
+          <p:nvPr>
+            <p:ph idx="1"/>
+          </p:nvPr>
+        </p:nvSpPr>
+        <p:spPr>
+          <a:xfrm>
+            <a:off x="76200" y="1066800"/>
+            <a:ext cx="8915400" cy="2590800"/>
+          </a:xfrm>
+        </p:spPr>
+        <p:txBody>
+          <a:bodyPr>
+            <a:normAutofit lnSpcReduction="10000"/>
+          </a:bodyPr>
+          <a:lstStyle/>
+          <a:p>
+            <a:r>
+              <a:rPr lang="en-US" dirty="0" err="1"/>
+              <a:t>Kruskal’s</a:t>
+            </a:r>
+            <a:r>
+              <a:rPr lang="en-US" dirty="0"/>
+              <a:t> </a:t>
+            </a:r>
+            <a:r>
+              <a:rPr lang="en-US" dirty="0" err="1"/>
+              <a:t>algo</a:t>
+            </a:r>
+            <a:r>
+              <a:rPr lang="en-US" dirty="0"/>
+              <a:t> requires edges to be ordered first</a:t>
+            </a:r>
+          </a:p>
+          <a:p>
+            <a:r>
+              <a:rPr lang="en-US" dirty="0" err="1"/>
+              <a:t>Dijkstra</a:t>
+            </a:r>
+            <a:r>
+              <a:rPr lang="en-US" dirty="0"/>
+              <a:t> (1960) and independently Robert </a:t>
+            </a:r>
+            <a:r>
+              <a:rPr lang="en-US" dirty="0" err="1"/>
+              <a:t>Kalaba</a:t>
+            </a:r>
+            <a:endParaRPr lang="en-US" dirty="0"/>
+          </a:p>
+          <a:p>
+            <a:pPr lvl="1"/>
+            <a:r>
+              <a:rPr lang="en-US" dirty="0"/>
+              <a:t>Tree is expanded by adding to it edges one by one</a:t>
+            </a:r>
+          </a:p>
+          <a:p>
+            <a:pPr lvl="1"/>
+            <a:r>
+              <a:rPr lang="en-US" dirty="0"/>
+              <a:t>Once a cycle is detected</a:t>
+            </a:r>
+          </a:p>
+          <a:p>
+            <a:pPr lvl="2"/>
+            <a:r>
+              <a:rPr lang="en-US" dirty="0"/>
+              <a:t>Edge in this cycle with </a:t>
+            </a:r>
+            <a:r>
+              <a:rPr lang="en-US" b="1" dirty="0">
+                <a:solidFill>
+                  <a:srgbClr val="FF0000"/>
+                </a:solidFill>
+              </a:rPr>
+              <a:t>maximum weight </a:t>
+            </a:r>
+            <a:r>
+              <a:rPr lang="en-US" dirty="0"/>
+              <a:t>is discarded</a:t>
             </a:r>
           </a:p>
         </p:txBody>
@@ -5222,18 +5304,23 @@
         </p:blipFill>
         <p:spPr>
           <a:xfrm>
-            <a:off x="0" y="838200"/>
-            <a:ext cx="9144000" cy="6019800"/>
+            <a:off x="1280886" y="3657600"/>
+            <a:ext cx="7024914" cy="2133600"/>
           </a:xfrm>
           <a:prstGeom prst="rect">
             <a:avLst/>
           </a:prstGeom>
+          <a:ln>
+            <a:solidFill>
+              <a:srgbClr val="C0504D"/>
+            </a:solidFill>
+          </a:ln>
         </p:spPr>
       </p:pic>
     </p:spTree>
     <p:extLst>
       <p:ext uri="{BB962C8B-B14F-4D97-AF65-F5344CB8AC3E}">
-        <p14:creationId xmlns:p14="http://schemas.microsoft.com/office/powerpoint/2010/main" val="1794143877"/>
+        <p14:creationId xmlns:p14="http://schemas.microsoft.com/office/powerpoint/2010/main" val="1955966554"/>
       </p:ext>
     </p:extLst>
   </p:cSld>
@@ -5272,9 +5359,7 @@
         </p:nvSpPr>
         <p:spPr/>
         <p:txBody>
-          <a:bodyPr>
-            <a:normAutofit/>
-          </a:bodyPr>
+          <a:bodyPr/>
           <a:lstStyle/>
           <a:p>
             <a:r>
@@ -5283,103 +5368,14 @@
             </a:r>
             <a:r>
               <a:rPr lang="en-US" dirty="0"/>
-              <a:t> Algorithm</a:t>
-            </a:r>
-          </a:p>
-        </p:txBody>
-      </p:sp>
-      <p:sp>
-        <p:nvSpPr>
-          <p:cNvPr id="3" name="Content Placeholder 2"/>
-          <p:cNvSpPr>
-            <a:spLocks noGrp="1"/>
-          </p:cNvSpPr>
-          <p:nvPr>
-            <p:ph idx="1"/>
-          </p:nvPr>
-        </p:nvSpPr>
-        <p:spPr>
-          <a:xfrm>
-            <a:off x="76200" y="1066800"/>
-            <a:ext cx="8915400" cy="2590800"/>
-          </a:xfrm>
-        </p:spPr>
-        <p:txBody>
-          <a:bodyPr>
-            <a:normAutofit lnSpcReduction="10000"/>
-          </a:bodyPr>
-          <a:lstStyle/>
-          <a:p>
-            <a:r>
-              <a:rPr lang="en-US" dirty="0" err="1"/>
-              <a:t>Kruskal’s</a:t>
-            </a:r>
-            <a:r>
-              <a:rPr lang="en-US" dirty="0"/>
-              <a:t> </a:t>
-            </a:r>
-            <a:r>
-              <a:rPr lang="en-US" dirty="0" err="1"/>
-              <a:t>algo</a:t>
-            </a:r>
-            <a:r>
-              <a:rPr lang="en-US" dirty="0"/>
-              <a:t> requires edges to be ordered first</a:t>
-            </a:r>
-          </a:p>
-          <a:p>
-            <a:r>
-              <a:rPr lang="en-US" dirty="0" err="1"/>
-              <a:t>Dijkstra</a:t>
-            </a:r>
-            <a:r>
-              <a:rPr lang="en-US" dirty="0"/>
-              <a:t> (1960) and independently Robert </a:t>
-            </a:r>
-            <a:r>
-              <a:rPr lang="en-US" dirty="0" err="1"/>
-              <a:t>Kalaba</a:t>
-            </a:r>
-            <a:endParaRPr lang="en-US" dirty="0"/>
-          </a:p>
-          <a:p>
-            <a:pPr lvl="1"/>
-            <a:r>
-              <a:rPr lang="en-US" dirty="0"/>
-              <a:t>Tree is expanded by adding to it edges one by one</a:t>
-            </a:r>
-          </a:p>
-          <a:p>
-            <a:pPr lvl="1"/>
-            <a:r>
-              <a:rPr lang="en-US" dirty="0"/>
-              <a:t>Once a cycle is detected</a:t>
-            </a:r>
-          </a:p>
-          <a:p>
-            <a:pPr lvl="2"/>
-            <a:r>
-              <a:rPr lang="en-US" dirty="0"/>
-              <a:t>Edge in this cycle with </a:t>
-            </a:r>
-            <a:r>
-              <a:rPr lang="en-US" b="1" dirty="0">
-                <a:solidFill>
-                  <a:srgbClr val="FF0000"/>
-                </a:solidFill>
-              </a:rPr>
-              <a:t>maximum weight </a:t>
-            </a:r>
-            <a:r>
-              <a:rPr lang="en-US" dirty="0"/>
-              <a:t>is discarded</a:t>
+              <a:t> Algorithm Example</a:t>
             </a:r>
           </a:p>
         </p:txBody>
       </p:sp>
       <p:pic>
         <p:nvPicPr>
-          <p:cNvPr id="4" name="Picture 3"/>
+          <p:cNvPr id="5" name="Picture 4"/>
           <p:cNvPicPr>
             <a:picLocks noChangeAspect="1"/>
           </p:cNvPicPr>
@@ -5393,23 +5389,18 @@
         </p:blipFill>
         <p:spPr>
           <a:xfrm>
-            <a:off x="1280886" y="3657600"/>
-            <a:ext cx="7024914" cy="2133600"/>
+            <a:off x="0" y="838199"/>
+            <a:ext cx="9144000" cy="6019801"/>
           </a:xfrm>
           <a:prstGeom prst="rect">
             <a:avLst/>
           </a:prstGeom>
-          <a:ln>
-            <a:solidFill>
-              <a:srgbClr val="C0504D"/>
-            </a:solidFill>
-          </a:ln>
         </p:spPr>
       </p:pic>
     </p:spTree>
     <p:extLst>
       <p:ext uri="{BB962C8B-B14F-4D97-AF65-F5344CB8AC3E}">
-        <p14:creationId xmlns:p14="http://schemas.microsoft.com/office/powerpoint/2010/main" val="1955966554"/>
+        <p14:creationId xmlns:p14="http://schemas.microsoft.com/office/powerpoint/2010/main" val="3705545126"/>
       </p:ext>
     </p:extLst>
   </p:cSld>
@@ -5438,7 +5429,7 @@
       </p:grpSpPr>
       <p:sp>
         <p:nvSpPr>
-          <p:cNvPr id="2" name="Title 1"/>
+          <p:cNvPr id="4" name="Title 3"/>
           <p:cNvSpPr>
             <a:spLocks noGrp="1"/>
           </p:cNvSpPr>
@@ -5453,43 +5444,38 @@
           <a:p>
             <a:r>
               <a:rPr lang="en-US" dirty="0" err="1"/>
-              <a:t>Dijkstra</a:t>
-            </a:r>
-            <a:r>
-              <a:rPr lang="en-US" dirty="0"/>
-              <a:t> Algorithm Example</a:t>
-            </a:r>
-          </a:p>
-        </p:txBody>
-      </p:sp>
-      <p:pic>
-        <p:nvPicPr>
-          <p:cNvPr id="5" name="Picture 4"/>
-          <p:cNvPicPr>
-            <a:picLocks noChangeAspect="1"/>
-          </p:cNvPicPr>
-          <p:nvPr/>
-        </p:nvPicPr>
-        <p:blipFill>
-          <a:blip r:embed="rId2"/>
-          <a:stretch>
-            <a:fillRect/>
-          </a:stretch>
-        </p:blipFill>
-        <p:spPr>
-          <a:xfrm>
-            <a:off x="0" y="838199"/>
-            <a:ext cx="9144000" cy="6019801"/>
-          </a:xfrm>
-          <a:prstGeom prst="rect">
-            <a:avLst/>
-          </a:prstGeom>
-        </p:spPr>
-      </p:pic>
+              <a:t>Eulerian</a:t>
+            </a:r>
+            <a:r>
+              <a:rPr lang="en-US" dirty="0"/>
+              <a:t> and Hamiltonian Graphs</a:t>
+            </a:r>
+          </a:p>
+        </p:txBody>
+      </p:sp>
+      <p:sp>
+        <p:nvSpPr>
+          <p:cNvPr id="5" name="Text Placeholder 4"/>
+          <p:cNvSpPr>
+            <a:spLocks noGrp="1"/>
+          </p:cNvSpPr>
+          <p:nvPr>
+            <p:ph type="body" idx="1"/>
+          </p:nvPr>
+        </p:nvSpPr>
+        <p:spPr/>
+        <p:txBody>
+          <a:bodyPr/>
+          <a:lstStyle/>
+          <a:p>
+            <a:endParaRPr lang="en-US"/>
+          </a:p>
+        </p:txBody>
+      </p:sp>
     </p:spTree>
     <p:extLst>
       <p:ext uri="{BB962C8B-B14F-4D97-AF65-F5344CB8AC3E}">
-        <p14:creationId xmlns:p14="http://schemas.microsoft.com/office/powerpoint/2010/main" val="3705545126"/>
+        <p14:creationId xmlns:p14="http://schemas.microsoft.com/office/powerpoint/2010/main" val="2565874058"/>
       </p:ext>
     </p:extLst>
   </p:cSld>
@@ -5532,24 +5518,20 @@
           <a:lstStyle/>
           <a:p>
             <a:r>
-              <a:rPr lang="en-US" dirty="0" err="1"/>
-              <a:t>Eulerian</a:t>
-            </a:r>
-            <a:r>
-              <a:rPr lang="en-US" dirty="0"/>
-              <a:t> and Hamiltonian Graphs</a:t>
-            </a:r>
-          </a:p>
-        </p:txBody>
-      </p:sp>
-      <p:sp>
-        <p:nvSpPr>
-          <p:cNvPr id="5" name="Text Placeholder 4"/>
+              <a:rPr lang="en-US" dirty="0"/>
+              <a:t>Terminologies</a:t>
+            </a:r>
+          </a:p>
+        </p:txBody>
+      </p:sp>
+      <p:sp>
+        <p:nvSpPr>
+          <p:cNvPr id="5" name="Content Placeholder 4"/>
           <p:cNvSpPr>
             <a:spLocks noGrp="1"/>
           </p:cNvSpPr>
           <p:nvPr>
-            <p:ph type="body" idx="1"/>
+            <p:ph idx="1"/>
           </p:nvPr>
         </p:nvSpPr>
         <p:spPr/>
@@ -5557,14 +5539,51 @@
           <a:bodyPr/>
           <a:lstStyle/>
           <a:p>
-            <a:endParaRPr lang="en-US"/>
+            <a:r>
+              <a:rPr lang="en-US" b="1" dirty="0"/>
+              <a:t>Euler path</a:t>
+            </a:r>
+            <a:r>
+              <a:rPr lang="en-US" dirty="0"/>
+              <a:t>: a path traversing all the edges of the graph exactly once</a:t>
+            </a:r>
+          </a:p>
+          <a:p>
+            <a:r>
+              <a:rPr lang="en-US" b="1" dirty="0"/>
+              <a:t>Euler cycle</a:t>
+            </a:r>
+            <a:r>
+              <a:rPr lang="en-US" dirty="0"/>
+              <a:t>: a cycle traversing all the edges of the graph exactly once</a:t>
+            </a:r>
+          </a:p>
+          <a:p>
+            <a:r>
+              <a:rPr lang="en-US" b="1" dirty="0"/>
+              <a:t>Hamilton path</a:t>
+            </a:r>
+            <a:r>
+              <a:rPr lang="en-US" dirty="0"/>
+              <a:t>: a path traversing all the vertices of the graph exactly once</a:t>
+            </a:r>
+          </a:p>
+          <a:p>
+            <a:r>
+              <a:rPr lang="en-US" b="1" dirty="0"/>
+              <a:t>Hamilton cycle</a:t>
+            </a:r>
+            <a:r>
+              <a:rPr lang="en-US" dirty="0"/>
+              <a:t>: a cycle traversing all vertices of the graph exactly once</a:t>
+            </a:r>
           </a:p>
         </p:txBody>
       </p:sp>
     </p:spTree>
     <p:extLst>
       <p:ext uri="{BB962C8B-B14F-4D97-AF65-F5344CB8AC3E}">
-        <p14:creationId xmlns:p14="http://schemas.microsoft.com/office/powerpoint/2010/main" val="2565874058"/>
+        <p14:creationId xmlns:p14="http://schemas.microsoft.com/office/powerpoint/2010/main" val="1538515971"/>
       </p:ext>
     </p:extLst>
   </p:cSld>
@@ -5593,7 +5612,7 @@
       </p:grpSpPr>
       <p:sp>
         <p:nvSpPr>
-          <p:cNvPr id="4" name="Title 3"/>
+          <p:cNvPr id="2" name="Title 1"/>
           <p:cNvSpPr>
             <a:spLocks noGrp="1"/>
           </p:cNvSpPr>
@@ -5607,20 +5626,24 @@
           <a:lstStyle/>
           <a:p>
             <a:r>
-              <a:rPr lang="en-US" dirty="0"/>
-              <a:t>Terminologies</a:t>
-            </a:r>
-          </a:p>
-        </p:txBody>
-      </p:sp>
-      <p:sp>
-        <p:nvSpPr>
-          <p:cNvPr id="5" name="Content Placeholder 4"/>
+              <a:rPr lang="en-US" dirty="0" err="1"/>
+              <a:t>Eulerian</a:t>
+            </a:r>
+            <a:r>
+              <a:rPr lang="en-US" dirty="0"/>
+              <a:t> Graphs</a:t>
+            </a:r>
+          </a:p>
+        </p:txBody>
+      </p:sp>
+      <p:sp>
+        <p:nvSpPr>
+          <p:cNvPr id="3" name="Text Placeholder 2"/>
           <p:cNvSpPr>
             <a:spLocks noGrp="1"/>
           </p:cNvSpPr>
           <p:nvPr>
-            <p:ph idx="1"/>
+            <p:ph type="body" idx="1"/>
           </p:nvPr>
         </p:nvSpPr>
         <p:spPr/>
@@ -5628,51 +5651,14 @@
           <a:bodyPr/>
           <a:lstStyle/>
           <a:p>
-            <a:r>
-              <a:rPr lang="en-US" b="1" dirty="0"/>
-              <a:t>Euler path</a:t>
-            </a:r>
-            <a:r>
-              <a:rPr lang="en-US" dirty="0"/>
-              <a:t>: a path traversing all the edges of the graph exactly once</a:t>
-            </a:r>
-          </a:p>
-          <a:p>
-            <a:r>
-              <a:rPr lang="en-US" b="1" dirty="0"/>
-              <a:t>Euler cycle</a:t>
-            </a:r>
-            <a:r>
-              <a:rPr lang="en-US" dirty="0"/>
-              <a:t>: a cycle traversing all the edges of the graph exactly once</a:t>
-            </a:r>
-          </a:p>
-          <a:p>
-            <a:r>
-              <a:rPr lang="en-US" b="1" dirty="0"/>
-              <a:t>Hamilton path</a:t>
-            </a:r>
-            <a:r>
-              <a:rPr lang="en-US" dirty="0"/>
-              <a:t>: a path traversing all the vertices of the graph exactly once</a:t>
-            </a:r>
-          </a:p>
-          <a:p>
-            <a:r>
-              <a:rPr lang="en-US" b="1" dirty="0"/>
-              <a:t>Hamilton cycle</a:t>
-            </a:r>
-            <a:r>
-              <a:rPr lang="en-US" dirty="0"/>
-              <a:t>: a cycle traversing all vertices of the graph exactly once</a:t>
-            </a:r>
+            <a:endParaRPr lang="en-US"/>
           </a:p>
         </p:txBody>
       </p:sp>
     </p:spTree>
     <p:extLst>
       <p:ext uri="{BB962C8B-B14F-4D97-AF65-F5344CB8AC3E}">
-        <p14:creationId xmlns:p14="http://schemas.microsoft.com/office/powerpoint/2010/main" val="1538515971"/>
+        <p14:creationId xmlns:p14="http://schemas.microsoft.com/office/powerpoint/2010/main" val="1464299298"/>
       </p:ext>
     </p:extLst>
   </p:cSld>
@@ -5713,14 +5699,14 @@
           <a:noFill/>
           <a:extLst>
             <a:ext uri="{909E8E84-426E-40dd-AFC4-6F175D3DCCD1}">
-              <a14:hiddenFill xmlns:a14="http://schemas.microsoft.com/office/drawing/2010/main" xmlns="">
+              <a14:hiddenFill xmlns="" xmlns:a14="http://schemas.microsoft.com/office/drawing/2010/main">
                 <a:solidFill>
                   <a:srgbClr val="FFFFFF"/>
                 </a:solidFill>
               </a14:hiddenFill>
             </a:ext>
             <a:ext uri="{91240B29-F687-4f45-9708-019B960494DF}">
-              <a14:hiddenLine xmlns:a14="http://schemas.microsoft.com/office/drawing/2010/main" xmlns="" w="9525">
+              <a14:hiddenLine xmlns="" xmlns:a14="http://schemas.microsoft.com/office/drawing/2010/main" w="9525">
                 <a:solidFill>
                   <a:srgbClr val="000000"/>
                 </a:solidFill>
@@ -5730,7 +5716,7 @@
               </a14:hiddenLine>
             </a:ext>
             <a:ext uri="{FAA26D3D-D897-4be2-8F04-BA451C77F1D7}">
-              <ma14:placeholderFlag xmlns:ma14="http://schemas.microsoft.com/office/mac/drawingml/2011/main" xmlns="" val="1"/>
+              <ma14:placeholderFlag xmlns="" xmlns:ma14="http://schemas.microsoft.com/office/mac/drawingml/2011/main" val="1"/>
             </a:ext>
           </a:extLst>
         </p:spPr>
@@ -5766,14 +5752,14 @@
           <a:noFill/>
           <a:extLst>
             <a:ext uri="{909E8E84-426E-40dd-AFC4-6F175D3DCCD1}">
-              <a14:hiddenFill xmlns:a14="http://schemas.microsoft.com/office/drawing/2010/main" xmlns="">
+              <a14:hiddenFill xmlns="" xmlns:a14="http://schemas.microsoft.com/office/drawing/2010/main">
                 <a:solidFill>
                   <a:srgbClr val="FFFFFF"/>
                 </a:solidFill>
               </a14:hiddenFill>
             </a:ext>
             <a:ext uri="{91240B29-F687-4f45-9708-019B960494DF}">
-              <a14:hiddenLine xmlns:a14="http://schemas.microsoft.com/office/drawing/2010/main" xmlns="" w="9525">
+              <a14:hiddenLine xmlns="" xmlns:a14="http://schemas.microsoft.com/office/drawing/2010/main" w="9525">
                 <a:solidFill>
                   <a:srgbClr val="000000"/>
                 </a:solidFill>
@@ -5783,7 +5769,7 @@
               </a14:hiddenLine>
             </a:ext>
             <a:ext uri="{FAA26D3D-D897-4be2-8F04-BA451C77F1D7}">
-              <ma14:placeholderFlag xmlns:ma14="http://schemas.microsoft.com/office/mac/drawingml/2011/main" xmlns="" val="1"/>
+              <ma14:placeholderFlag xmlns="" xmlns:ma14="http://schemas.microsoft.com/office/mac/drawingml/2011/main" val="1"/>
             </a:ext>
           </a:extLst>
         </p:spPr>
@@ -5978,7 +5964,7 @@
       </p:grpSpPr>
       <p:sp>
         <p:nvSpPr>
-          <p:cNvPr id="2" name="Title 1"/>
+          <p:cNvPr id="4" name="Title 3"/>
           <p:cNvSpPr>
             <a:spLocks noGrp="1"/>
           </p:cNvSpPr>
@@ -5992,39 +5978,1371 @@
           <a:lstStyle/>
           <a:p>
             <a:r>
-              <a:rPr lang="en-US" dirty="0" err="1"/>
-              <a:t>Eulerian</a:t>
-            </a:r>
-            <a:r>
-              <a:rPr lang="en-US" dirty="0"/>
-              <a:t> Graphs</a:t>
-            </a:r>
-          </a:p>
-        </p:txBody>
-      </p:sp>
-      <p:sp>
-        <p:nvSpPr>
-          <p:cNvPr id="3" name="Text Placeholder 2"/>
-          <p:cNvSpPr>
-            <a:spLocks noGrp="1"/>
-          </p:cNvSpPr>
-          <p:nvPr>
-            <p:ph type="body" idx="1"/>
-          </p:nvPr>
-        </p:nvSpPr>
-        <p:spPr/>
-        <p:txBody>
-          <a:bodyPr/>
+              <a:rPr lang="en-US" dirty="0"/>
+              <a:t>Examples</a:t>
+            </a:r>
+          </a:p>
+        </p:txBody>
+      </p:sp>
+      <p:pic>
+        <p:nvPicPr>
+          <p:cNvPr id="6" name="Picture 5"/>
+          <p:cNvPicPr>
+            <a:picLocks noChangeAspect="1"/>
+          </p:cNvPicPr>
+          <p:nvPr/>
+        </p:nvPicPr>
+        <p:blipFill>
+          <a:blip r:embed="rId2"/>
+          <a:stretch>
+            <a:fillRect/>
+          </a:stretch>
+        </p:blipFill>
+        <p:spPr>
+          <a:xfrm>
+            <a:off x="1524000" y="914400"/>
+            <a:ext cx="5943600" cy="2260600"/>
+          </a:xfrm>
+          <a:prstGeom prst="rect">
+            <a:avLst/>
+          </a:prstGeom>
+          <a:ln>
+            <a:solidFill>
+              <a:srgbClr val="C0504D"/>
+            </a:solidFill>
+          </a:ln>
+        </p:spPr>
+      </p:pic>
+      <p:sp>
+        <p:nvSpPr>
+          <p:cNvPr id="50" name="Oval 49"/>
+          <p:cNvSpPr/>
+          <p:nvPr/>
+        </p:nvSpPr>
+        <p:spPr>
+          <a:xfrm>
+            <a:off x="1828800" y="3810000"/>
+            <a:ext cx="152400" cy="152400"/>
+          </a:xfrm>
+          <a:prstGeom prst="ellipse">
+            <a:avLst/>
+          </a:prstGeom>
+        </p:spPr>
+        <p:style>
+          <a:lnRef idx="1">
+            <a:schemeClr val="accent1"/>
+          </a:lnRef>
+          <a:fillRef idx="3">
+            <a:schemeClr val="accent1"/>
+          </a:fillRef>
+          <a:effectRef idx="2">
+            <a:schemeClr val="accent1"/>
+          </a:effectRef>
+          <a:fontRef idx="minor">
+            <a:schemeClr val="lt1"/>
+          </a:fontRef>
+        </p:style>
+        <p:txBody>
+          <a:bodyPr rtlCol="0" anchor="ctr"/>
           <a:lstStyle/>
           <a:p>
+            <a:pPr algn="ctr"/>
             <a:endParaRPr lang="en-US"/>
           </a:p>
         </p:txBody>
       </p:sp>
+      <p:cxnSp>
+        <p:nvCxnSpPr>
+          <p:cNvPr id="51" name="Straight Connector 50"/>
+          <p:cNvCxnSpPr>
+            <a:stCxn id="50" idx="6"/>
+          </p:cNvCxnSpPr>
+          <p:nvPr/>
+        </p:nvCxnSpPr>
+        <p:spPr>
+          <a:xfrm>
+            <a:off x="1981200" y="3886200"/>
+            <a:ext cx="1371600" cy="0"/>
+          </a:xfrm>
+          <a:prstGeom prst="line">
+            <a:avLst/>
+          </a:prstGeom>
+        </p:spPr>
+        <p:style>
+          <a:lnRef idx="2">
+            <a:schemeClr val="accent1"/>
+          </a:lnRef>
+          <a:fillRef idx="0">
+            <a:schemeClr val="accent1"/>
+          </a:fillRef>
+          <a:effectRef idx="1">
+            <a:schemeClr val="accent1"/>
+          </a:effectRef>
+          <a:fontRef idx="minor">
+            <a:schemeClr val="tx1"/>
+          </a:fontRef>
+        </p:style>
+      </p:cxnSp>
+      <p:sp>
+        <p:nvSpPr>
+          <p:cNvPr id="52" name="Oval 51"/>
+          <p:cNvSpPr/>
+          <p:nvPr/>
+        </p:nvSpPr>
+        <p:spPr>
+          <a:xfrm>
+            <a:off x="3352800" y="3810000"/>
+            <a:ext cx="152400" cy="152400"/>
+          </a:xfrm>
+          <a:prstGeom prst="ellipse">
+            <a:avLst/>
+          </a:prstGeom>
+        </p:spPr>
+        <p:style>
+          <a:lnRef idx="1">
+            <a:schemeClr val="accent1"/>
+          </a:lnRef>
+          <a:fillRef idx="3">
+            <a:schemeClr val="accent1"/>
+          </a:fillRef>
+          <a:effectRef idx="2">
+            <a:schemeClr val="accent1"/>
+          </a:effectRef>
+          <a:fontRef idx="minor">
+            <a:schemeClr val="lt1"/>
+          </a:fontRef>
+        </p:style>
+        <p:txBody>
+          <a:bodyPr rtlCol="0" anchor="ctr"/>
+          <a:lstStyle/>
+          <a:p>
+            <a:pPr algn="ctr"/>
+            <a:endParaRPr lang="en-US"/>
+          </a:p>
+        </p:txBody>
+      </p:sp>
+      <p:sp>
+        <p:nvSpPr>
+          <p:cNvPr id="53" name="Oval 52"/>
+          <p:cNvSpPr/>
+          <p:nvPr/>
+        </p:nvSpPr>
+        <p:spPr>
+          <a:xfrm>
+            <a:off x="2590800" y="4648200"/>
+            <a:ext cx="152400" cy="152400"/>
+          </a:xfrm>
+          <a:prstGeom prst="ellipse">
+            <a:avLst/>
+          </a:prstGeom>
+        </p:spPr>
+        <p:style>
+          <a:lnRef idx="1">
+            <a:schemeClr val="accent1"/>
+          </a:lnRef>
+          <a:fillRef idx="3">
+            <a:schemeClr val="accent1"/>
+          </a:fillRef>
+          <a:effectRef idx="2">
+            <a:schemeClr val="accent1"/>
+          </a:effectRef>
+          <a:fontRef idx="minor">
+            <a:schemeClr val="lt1"/>
+          </a:fontRef>
+        </p:style>
+        <p:txBody>
+          <a:bodyPr rtlCol="0" anchor="ctr"/>
+          <a:lstStyle/>
+          <a:p>
+            <a:pPr algn="ctr"/>
+            <a:endParaRPr lang="en-US"/>
+          </a:p>
+        </p:txBody>
+      </p:sp>
+      <p:sp>
+        <p:nvSpPr>
+          <p:cNvPr id="54" name="Oval 53"/>
+          <p:cNvSpPr/>
+          <p:nvPr/>
+        </p:nvSpPr>
+        <p:spPr>
+          <a:xfrm>
+            <a:off x="1905000" y="5486400"/>
+            <a:ext cx="152400" cy="152400"/>
+          </a:xfrm>
+          <a:prstGeom prst="ellipse">
+            <a:avLst/>
+          </a:prstGeom>
+        </p:spPr>
+        <p:style>
+          <a:lnRef idx="1">
+            <a:schemeClr val="accent1"/>
+          </a:lnRef>
+          <a:fillRef idx="3">
+            <a:schemeClr val="accent1"/>
+          </a:fillRef>
+          <a:effectRef idx="2">
+            <a:schemeClr val="accent1"/>
+          </a:effectRef>
+          <a:fontRef idx="minor">
+            <a:schemeClr val="lt1"/>
+          </a:fontRef>
+        </p:style>
+        <p:txBody>
+          <a:bodyPr rtlCol="0" anchor="ctr"/>
+          <a:lstStyle/>
+          <a:p>
+            <a:pPr algn="ctr"/>
+            <a:endParaRPr lang="en-US"/>
+          </a:p>
+        </p:txBody>
+      </p:sp>
+      <p:cxnSp>
+        <p:nvCxnSpPr>
+          <p:cNvPr id="55" name="Straight Connector 54"/>
+          <p:cNvCxnSpPr>
+            <a:stCxn id="54" idx="6"/>
+          </p:cNvCxnSpPr>
+          <p:nvPr/>
+        </p:nvCxnSpPr>
+        <p:spPr>
+          <a:xfrm>
+            <a:off x="2057400" y="5562600"/>
+            <a:ext cx="1371600" cy="0"/>
+          </a:xfrm>
+          <a:prstGeom prst="line">
+            <a:avLst/>
+          </a:prstGeom>
+        </p:spPr>
+        <p:style>
+          <a:lnRef idx="2">
+            <a:schemeClr val="accent1"/>
+          </a:lnRef>
+          <a:fillRef idx="0">
+            <a:schemeClr val="accent1"/>
+          </a:fillRef>
+          <a:effectRef idx="1">
+            <a:schemeClr val="accent1"/>
+          </a:effectRef>
+          <a:fontRef idx="minor">
+            <a:schemeClr val="tx1"/>
+          </a:fontRef>
+        </p:style>
+      </p:cxnSp>
+      <p:sp>
+        <p:nvSpPr>
+          <p:cNvPr id="56" name="Oval 55"/>
+          <p:cNvSpPr/>
+          <p:nvPr/>
+        </p:nvSpPr>
+        <p:spPr>
+          <a:xfrm>
+            <a:off x="3429000" y="5486400"/>
+            <a:ext cx="152400" cy="152400"/>
+          </a:xfrm>
+          <a:prstGeom prst="ellipse">
+            <a:avLst/>
+          </a:prstGeom>
+        </p:spPr>
+        <p:style>
+          <a:lnRef idx="1">
+            <a:schemeClr val="accent1"/>
+          </a:lnRef>
+          <a:fillRef idx="3">
+            <a:schemeClr val="accent1"/>
+          </a:fillRef>
+          <a:effectRef idx="2">
+            <a:schemeClr val="accent1"/>
+          </a:effectRef>
+          <a:fontRef idx="minor">
+            <a:schemeClr val="lt1"/>
+          </a:fontRef>
+        </p:style>
+        <p:txBody>
+          <a:bodyPr rtlCol="0" anchor="ctr"/>
+          <a:lstStyle/>
+          <a:p>
+            <a:pPr algn="ctr"/>
+            <a:endParaRPr lang="en-US"/>
+          </a:p>
+        </p:txBody>
+      </p:sp>
+      <p:cxnSp>
+        <p:nvCxnSpPr>
+          <p:cNvPr id="57" name="Straight Connector 56"/>
+          <p:cNvCxnSpPr>
+            <a:stCxn id="52" idx="3"/>
+            <a:endCxn id="53" idx="7"/>
+          </p:cNvCxnSpPr>
+          <p:nvPr/>
+        </p:nvCxnSpPr>
+        <p:spPr>
+          <a:xfrm flipH="1">
+            <a:off x="2720882" y="3940082"/>
+            <a:ext cx="654236" cy="730436"/>
+          </a:xfrm>
+          <a:prstGeom prst="line">
+            <a:avLst/>
+          </a:prstGeom>
+        </p:spPr>
+        <p:style>
+          <a:lnRef idx="2">
+            <a:schemeClr val="accent1"/>
+          </a:lnRef>
+          <a:fillRef idx="0">
+            <a:schemeClr val="accent1"/>
+          </a:fillRef>
+          <a:effectRef idx="1">
+            <a:schemeClr val="accent1"/>
+          </a:effectRef>
+          <a:fontRef idx="minor">
+            <a:schemeClr val="tx1"/>
+          </a:fontRef>
+        </p:style>
+      </p:cxnSp>
+      <p:cxnSp>
+        <p:nvCxnSpPr>
+          <p:cNvPr id="58" name="Straight Connector 57"/>
+          <p:cNvCxnSpPr/>
+          <p:nvPr/>
+        </p:nvCxnSpPr>
+        <p:spPr>
+          <a:xfrm flipH="1">
+            <a:off x="1981200" y="4800600"/>
+            <a:ext cx="654236" cy="730436"/>
+          </a:xfrm>
+          <a:prstGeom prst="line">
+            <a:avLst/>
+          </a:prstGeom>
+        </p:spPr>
+        <p:style>
+          <a:lnRef idx="2">
+            <a:schemeClr val="accent1"/>
+          </a:lnRef>
+          <a:fillRef idx="0">
+            <a:schemeClr val="accent1"/>
+          </a:fillRef>
+          <a:effectRef idx="1">
+            <a:schemeClr val="accent1"/>
+          </a:effectRef>
+          <a:fontRef idx="minor">
+            <a:schemeClr val="tx1"/>
+          </a:fontRef>
+        </p:style>
+      </p:cxnSp>
+      <p:cxnSp>
+        <p:nvCxnSpPr>
+          <p:cNvPr id="59" name="Straight Connector 58"/>
+          <p:cNvCxnSpPr>
+            <a:stCxn id="50" idx="4"/>
+            <a:endCxn id="53" idx="1"/>
+          </p:cNvCxnSpPr>
+          <p:nvPr/>
+        </p:nvCxnSpPr>
+        <p:spPr>
+          <a:xfrm>
+            <a:off x="1905000" y="3962400"/>
+            <a:ext cx="708118" cy="708118"/>
+          </a:xfrm>
+          <a:prstGeom prst="line">
+            <a:avLst/>
+          </a:prstGeom>
+        </p:spPr>
+        <p:style>
+          <a:lnRef idx="2">
+            <a:schemeClr val="accent1"/>
+          </a:lnRef>
+          <a:fillRef idx="0">
+            <a:schemeClr val="accent1"/>
+          </a:fillRef>
+          <a:effectRef idx="1">
+            <a:schemeClr val="accent1"/>
+          </a:effectRef>
+          <a:fontRef idx="minor">
+            <a:schemeClr val="tx1"/>
+          </a:fontRef>
+        </p:style>
+      </p:cxnSp>
+      <p:cxnSp>
+        <p:nvCxnSpPr>
+          <p:cNvPr id="60" name="Straight Connector 59"/>
+          <p:cNvCxnSpPr>
+            <a:stCxn id="56" idx="1"/>
+            <a:endCxn id="53" idx="5"/>
+          </p:cNvCxnSpPr>
+          <p:nvPr/>
+        </p:nvCxnSpPr>
+        <p:spPr>
+          <a:xfrm flipH="1" flipV="1">
+            <a:off x="2720882" y="4778282"/>
+            <a:ext cx="730436" cy="730436"/>
+          </a:xfrm>
+          <a:prstGeom prst="line">
+            <a:avLst/>
+          </a:prstGeom>
+        </p:spPr>
+        <p:style>
+          <a:lnRef idx="2">
+            <a:schemeClr val="accent1"/>
+          </a:lnRef>
+          <a:fillRef idx="0">
+            <a:schemeClr val="accent1"/>
+          </a:fillRef>
+          <a:effectRef idx="1">
+            <a:schemeClr val="accent1"/>
+          </a:effectRef>
+          <a:fontRef idx="minor">
+            <a:schemeClr val="tx1"/>
+          </a:fontRef>
+        </p:style>
+      </p:cxnSp>
+      <p:cxnSp>
+        <p:nvCxnSpPr>
+          <p:cNvPr id="61" name="Straight Arrow Connector 60"/>
+          <p:cNvCxnSpPr/>
+          <p:nvPr/>
+        </p:nvCxnSpPr>
+        <p:spPr>
+          <a:xfrm flipV="1">
+            <a:off x="2895600" y="3962400"/>
+            <a:ext cx="685800" cy="762000"/>
+          </a:xfrm>
+          <a:prstGeom prst="straightConnector1">
+            <a:avLst/>
+          </a:prstGeom>
+          <a:ln>
+            <a:solidFill>
+              <a:srgbClr val="C0504D"/>
+            </a:solidFill>
+            <a:tailEnd type="arrow"/>
+          </a:ln>
+        </p:spPr>
+        <p:style>
+          <a:lnRef idx="2">
+            <a:schemeClr val="accent1"/>
+          </a:lnRef>
+          <a:fillRef idx="0">
+            <a:schemeClr val="accent1"/>
+          </a:fillRef>
+          <a:effectRef idx="1">
+            <a:schemeClr val="accent1"/>
+          </a:effectRef>
+          <a:fontRef idx="minor">
+            <a:schemeClr val="tx1"/>
+          </a:fontRef>
+        </p:style>
+      </p:cxnSp>
+      <p:cxnSp>
+        <p:nvCxnSpPr>
+          <p:cNvPr id="62" name="Straight Arrow Connector 61"/>
+          <p:cNvCxnSpPr/>
+          <p:nvPr/>
+        </p:nvCxnSpPr>
+        <p:spPr>
+          <a:xfrm flipH="1">
+            <a:off x="1828800" y="3733800"/>
+            <a:ext cx="1600200" cy="0"/>
+          </a:xfrm>
+          <a:prstGeom prst="straightConnector1">
+            <a:avLst/>
+          </a:prstGeom>
+          <a:ln>
+            <a:solidFill>
+              <a:srgbClr val="C0504D"/>
+            </a:solidFill>
+            <a:tailEnd type="arrow"/>
+          </a:ln>
+        </p:spPr>
+        <p:style>
+          <a:lnRef idx="2">
+            <a:schemeClr val="accent1"/>
+          </a:lnRef>
+          <a:fillRef idx="0">
+            <a:schemeClr val="accent1"/>
+          </a:fillRef>
+          <a:effectRef idx="1">
+            <a:schemeClr val="accent1"/>
+          </a:effectRef>
+          <a:fontRef idx="minor">
+            <a:schemeClr val="tx1"/>
+          </a:fontRef>
+        </p:style>
+      </p:cxnSp>
+      <p:cxnSp>
+        <p:nvCxnSpPr>
+          <p:cNvPr id="63" name="Straight Arrow Connector 62"/>
+          <p:cNvCxnSpPr/>
+          <p:nvPr/>
+        </p:nvCxnSpPr>
+        <p:spPr>
+          <a:xfrm>
+            <a:off x="1676400" y="3962400"/>
+            <a:ext cx="762000" cy="838200"/>
+          </a:xfrm>
+          <a:prstGeom prst="straightConnector1">
+            <a:avLst/>
+          </a:prstGeom>
+          <a:ln>
+            <a:solidFill>
+              <a:srgbClr val="C0504D"/>
+            </a:solidFill>
+            <a:tailEnd type="arrow"/>
+          </a:ln>
+        </p:spPr>
+        <p:style>
+          <a:lnRef idx="2">
+            <a:schemeClr val="accent1"/>
+          </a:lnRef>
+          <a:fillRef idx="0">
+            <a:schemeClr val="accent1"/>
+          </a:fillRef>
+          <a:effectRef idx="1">
+            <a:schemeClr val="accent1"/>
+          </a:effectRef>
+          <a:fontRef idx="minor">
+            <a:schemeClr val="tx1"/>
+          </a:fontRef>
+        </p:style>
+      </p:cxnSp>
+      <p:cxnSp>
+        <p:nvCxnSpPr>
+          <p:cNvPr id="64" name="Straight Arrow Connector 63"/>
+          <p:cNvCxnSpPr/>
+          <p:nvPr/>
+        </p:nvCxnSpPr>
+        <p:spPr>
+          <a:xfrm flipH="1">
+            <a:off x="1752600" y="4800600"/>
+            <a:ext cx="685800" cy="685800"/>
+          </a:xfrm>
+          <a:prstGeom prst="straightConnector1">
+            <a:avLst/>
+          </a:prstGeom>
+          <a:ln>
+            <a:solidFill>
+              <a:srgbClr val="C0504D"/>
+            </a:solidFill>
+            <a:tailEnd type="arrow"/>
+          </a:ln>
+        </p:spPr>
+        <p:style>
+          <a:lnRef idx="2">
+            <a:schemeClr val="accent1"/>
+          </a:lnRef>
+          <a:fillRef idx="0">
+            <a:schemeClr val="accent1"/>
+          </a:fillRef>
+          <a:effectRef idx="1">
+            <a:schemeClr val="accent1"/>
+          </a:effectRef>
+          <a:fontRef idx="minor">
+            <a:schemeClr val="tx1"/>
+          </a:fontRef>
+        </p:style>
+      </p:cxnSp>
+      <p:cxnSp>
+        <p:nvCxnSpPr>
+          <p:cNvPr id="65" name="Straight Arrow Connector 64"/>
+          <p:cNvCxnSpPr/>
+          <p:nvPr/>
+        </p:nvCxnSpPr>
+        <p:spPr>
+          <a:xfrm>
+            <a:off x="1905000" y="5791200"/>
+            <a:ext cx="1676400" cy="0"/>
+          </a:xfrm>
+          <a:prstGeom prst="straightConnector1">
+            <a:avLst/>
+          </a:prstGeom>
+          <a:ln>
+            <a:solidFill>
+              <a:srgbClr val="C0504D"/>
+            </a:solidFill>
+            <a:tailEnd type="arrow"/>
+          </a:ln>
+        </p:spPr>
+        <p:style>
+          <a:lnRef idx="2">
+            <a:schemeClr val="accent1"/>
+          </a:lnRef>
+          <a:fillRef idx="0">
+            <a:schemeClr val="accent1"/>
+          </a:fillRef>
+          <a:effectRef idx="1">
+            <a:schemeClr val="accent1"/>
+          </a:effectRef>
+          <a:fontRef idx="minor">
+            <a:schemeClr val="tx1"/>
+          </a:fontRef>
+        </p:style>
+      </p:cxnSp>
+      <p:cxnSp>
+        <p:nvCxnSpPr>
+          <p:cNvPr id="66" name="Straight Arrow Connector 65"/>
+          <p:cNvCxnSpPr/>
+          <p:nvPr/>
+        </p:nvCxnSpPr>
+        <p:spPr>
+          <a:xfrm flipH="1" flipV="1">
+            <a:off x="2895600" y="4724400"/>
+            <a:ext cx="838200" cy="685800"/>
+          </a:xfrm>
+          <a:prstGeom prst="straightConnector1">
+            <a:avLst/>
+          </a:prstGeom>
+          <a:ln>
+            <a:solidFill>
+              <a:srgbClr val="C0504D"/>
+            </a:solidFill>
+            <a:tailEnd type="arrow"/>
+          </a:ln>
+        </p:spPr>
+        <p:style>
+          <a:lnRef idx="2">
+            <a:schemeClr val="accent1"/>
+          </a:lnRef>
+          <a:fillRef idx="0">
+            <a:schemeClr val="accent1"/>
+          </a:fillRef>
+          <a:effectRef idx="1">
+            <a:schemeClr val="accent1"/>
+          </a:effectRef>
+          <a:fontRef idx="minor">
+            <a:schemeClr val="tx1"/>
+          </a:fontRef>
+        </p:style>
+      </p:cxnSp>
+      <p:sp>
+        <p:nvSpPr>
+          <p:cNvPr id="67" name="Oval 66"/>
+          <p:cNvSpPr/>
+          <p:nvPr/>
+        </p:nvSpPr>
+        <p:spPr>
+          <a:xfrm>
+            <a:off x="5791200" y="3733800"/>
+            <a:ext cx="152400" cy="152400"/>
+          </a:xfrm>
+          <a:prstGeom prst="ellipse">
+            <a:avLst/>
+          </a:prstGeom>
+        </p:spPr>
+        <p:style>
+          <a:lnRef idx="1">
+            <a:schemeClr val="accent1"/>
+          </a:lnRef>
+          <a:fillRef idx="3">
+            <a:schemeClr val="accent1"/>
+          </a:fillRef>
+          <a:effectRef idx="2">
+            <a:schemeClr val="accent1"/>
+          </a:effectRef>
+          <a:fontRef idx="minor">
+            <a:schemeClr val="lt1"/>
+          </a:fontRef>
+        </p:style>
+        <p:txBody>
+          <a:bodyPr rtlCol="0" anchor="ctr"/>
+          <a:lstStyle/>
+          <a:p>
+            <a:pPr algn="ctr"/>
+            <a:endParaRPr lang="en-US"/>
+          </a:p>
+        </p:txBody>
+      </p:sp>
+      <p:cxnSp>
+        <p:nvCxnSpPr>
+          <p:cNvPr id="68" name="Straight Connector 67"/>
+          <p:cNvCxnSpPr>
+            <a:stCxn id="67" idx="6"/>
+          </p:cNvCxnSpPr>
+          <p:nvPr/>
+        </p:nvCxnSpPr>
+        <p:spPr>
+          <a:xfrm>
+            <a:off x="5943600" y="3810000"/>
+            <a:ext cx="1371600" cy="0"/>
+          </a:xfrm>
+          <a:prstGeom prst="line">
+            <a:avLst/>
+          </a:prstGeom>
+        </p:spPr>
+        <p:style>
+          <a:lnRef idx="2">
+            <a:schemeClr val="accent1"/>
+          </a:lnRef>
+          <a:fillRef idx="0">
+            <a:schemeClr val="accent1"/>
+          </a:fillRef>
+          <a:effectRef idx="1">
+            <a:schemeClr val="accent1"/>
+          </a:effectRef>
+          <a:fontRef idx="minor">
+            <a:schemeClr val="tx1"/>
+          </a:fontRef>
+        </p:style>
+      </p:cxnSp>
+      <p:sp>
+        <p:nvSpPr>
+          <p:cNvPr id="69" name="Oval 68"/>
+          <p:cNvSpPr/>
+          <p:nvPr/>
+        </p:nvSpPr>
+        <p:spPr>
+          <a:xfrm>
+            <a:off x="7315200" y="3733800"/>
+            <a:ext cx="152400" cy="152400"/>
+          </a:xfrm>
+          <a:prstGeom prst="ellipse">
+            <a:avLst/>
+          </a:prstGeom>
+        </p:spPr>
+        <p:style>
+          <a:lnRef idx="1">
+            <a:schemeClr val="accent1"/>
+          </a:lnRef>
+          <a:fillRef idx="3">
+            <a:schemeClr val="accent1"/>
+          </a:fillRef>
+          <a:effectRef idx="2">
+            <a:schemeClr val="accent1"/>
+          </a:effectRef>
+          <a:fontRef idx="minor">
+            <a:schemeClr val="lt1"/>
+          </a:fontRef>
+        </p:style>
+        <p:txBody>
+          <a:bodyPr rtlCol="0" anchor="ctr"/>
+          <a:lstStyle/>
+          <a:p>
+            <a:pPr algn="ctr"/>
+            <a:endParaRPr lang="en-US"/>
+          </a:p>
+        </p:txBody>
+      </p:sp>
+      <p:sp>
+        <p:nvSpPr>
+          <p:cNvPr id="70" name="Oval 69"/>
+          <p:cNvSpPr/>
+          <p:nvPr/>
+        </p:nvSpPr>
+        <p:spPr>
+          <a:xfrm>
+            <a:off x="5867400" y="5410200"/>
+            <a:ext cx="152400" cy="152400"/>
+          </a:xfrm>
+          <a:prstGeom prst="ellipse">
+            <a:avLst/>
+          </a:prstGeom>
+        </p:spPr>
+        <p:style>
+          <a:lnRef idx="1">
+            <a:schemeClr val="accent1"/>
+          </a:lnRef>
+          <a:fillRef idx="3">
+            <a:schemeClr val="accent1"/>
+          </a:fillRef>
+          <a:effectRef idx="2">
+            <a:schemeClr val="accent1"/>
+          </a:effectRef>
+          <a:fontRef idx="minor">
+            <a:schemeClr val="lt1"/>
+          </a:fontRef>
+        </p:style>
+        <p:txBody>
+          <a:bodyPr rtlCol="0" anchor="ctr"/>
+          <a:lstStyle/>
+          <a:p>
+            <a:pPr algn="ctr"/>
+            <a:endParaRPr lang="en-US"/>
+          </a:p>
+        </p:txBody>
+      </p:sp>
+      <p:cxnSp>
+        <p:nvCxnSpPr>
+          <p:cNvPr id="71" name="Straight Connector 70"/>
+          <p:cNvCxnSpPr>
+            <a:stCxn id="70" idx="6"/>
+          </p:cNvCxnSpPr>
+          <p:nvPr/>
+        </p:nvCxnSpPr>
+        <p:spPr>
+          <a:xfrm>
+            <a:off x="6019800" y="5486400"/>
+            <a:ext cx="1371600" cy="0"/>
+          </a:xfrm>
+          <a:prstGeom prst="line">
+            <a:avLst/>
+          </a:prstGeom>
+        </p:spPr>
+        <p:style>
+          <a:lnRef idx="2">
+            <a:schemeClr val="accent1"/>
+          </a:lnRef>
+          <a:fillRef idx="0">
+            <a:schemeClr val="accent1"/>
+          </a:fillRef>
+          <a:effectRef idx="1">
+            <a:schemeClr val="accent1"/>
+          </a:effectRef>
+          <a:fontRef idx="minor">
+            <a:schemeClr val="tx1"/>
+          </a:fontRef>
+        </p:style>
+      </p:cxnSp>
+      <p:sp>
+        <p:nvSpPr>
+          <p:cNvPr id="72" name="Oval 71"/>
+          <p:cNvSpPr/>
+          <p:nvPr/>
+        </p:nvSpPr>
+        <p:spPr>
+          <a:xfrm>
+            <a:off x="7391400" y="5410200"/>
+            <a:ext cx="152400" cy="152400"/>
+          </a:xfrm>
+          <a:prstGeom prst="ellipse">
+            <a:avLst/>
+          </a:prstGeom>
+        </p:spPr>
+        <p:style>
+          <a:lnRef idx="1">
+            <a:schemeClr val="accent1"/>
+          </a:lnRef>
+          <a:fillRef idx="3">
+            <a:schemeClr val="accent1"/>
+          </a:fillRef>
+          <a:effectRef idx="2">
+            <a:schemeClr val="accent1"/>
+          </a:effectRef>
+          <a:fontRef idx="minor">
+            <a:schemeClr val="lt1"/>
+          </a:fontRef>
+        </p:style>
+        <p:txBody>
+          <a:bodyPr rtlCol="0" anchor="ctr"/>
+          <a:lstStyle/>
+          <a:p>
+            <a:pPr algn="ctr"/>
+            <a:endParaRPr lang="en-US"/>
+          </a:p>
+        </p:txBody>
+      </p:sp>
+      <p:sp>
+        <p:nvSpPr>
+          <p:cNvPr id="73" name="Oval 72"/>
+          <p:cNvSpPr/>
+          <p:nvPr/>
+        </p:nvSpPr>
+        <p:spPr>
+          <a:xfrm>
+            <a:off x="5006882" y="4594318"/>
+            <a:ext cx="152400" cy="152400"/>
+          </a:xfrm>
+          <a:prstGeom prst="ellipse">
+            <a:avLst/>
+          </a:prstGeom>
+        </p:spPr>
+        <p:style>
+          <a:lnRef idx="1">
+            <a:schemeClr val="accent1"/>
+          </a:lnRef>
+          <a:fillRef idx="3">
+            <a:schemeClr val="accent1"/>
+          </a:fillRef>
+          <a:effectRef idx="2">
+            <a:schemeClr val="accent1"/>
+          </a:effectRef>
+          <a:fontRef idx="minor">
+            <a:schemeClr val="lt1"/>
+          </a:fontRef>
+        </p:style>
+        <p:txBody>
+          <a:bodyPr rtlCol="0" anchor="ctr"/>
+          <a:lstStyle/>
+          <a:p>
+            <a:pPr algn="ctr"/>
+            <a:endParaRPr lang="en-US"/>
+          </a:p>
+        </p:txBody>
+      </p:sp>
+      <p:cxnSp>
+        <p:nvCxnSpPr>
+          <p:cNvPr id="74" name="Straight Connector 73"/>
+          <p:cNvCxnSpPr>
+            <a:endCxn id="73" idx="7"/>
+          </p:cNvCxnSpPr>
+          <p:nvPr/>
+        </p:nvCxnSpPr>
+        <p:spPr>
+          <a:xfrm flipH="1">
+            <a:off x="5136964" y="3886200"/>
+            <a:ext cx="654236" cy="730436"/>
+          </a:xfrm>
+          <a:prstGeom prst="line">
+            <a:avLst/>
+          </a:prstGeom>
+        </p:spPr>
+        <p:style>
+          <a:lnRef idx="2">
+            <a:schemeClr val="accent1"/>
+          </a:lnRef>
+          <a:fillRef idx="0">
+            <a:schemeClr val="accent1"/>
+          </a:fillRef>
+          <a:effectRef idx="1">
+            <a:schemeClr val="accent1"/>
+          </a:effectRef>
+          <a:fontRef idx="minor">
+            <a:schemeClr val="tx1"/>
+          </a:fontRef>
+        </p:style>
+      </p:cxnSp>
+      <p:cxnSp>
+        <p:nvCxnSpPr>
+          <p:cNvPr id="75" name="Straight Connector 74"/>
+          <p:cNvCxnSpPr>
+            <a:endCxn id="73" idx="5"/>
+          </p:cNvCxnSpPr>
+          <p:nvPr/>
+        </p:nvCxnSpPr>
+        <p:spPr>
+          <a:xfrm flipH="1" flipV="1">
+            <a:off x="5136964" y="4724400"/>
+            <a:ext cx="730436" cy="730436"/>
+          </a:xfrm>
+          <a:prstGeom prst="line">
+            <a:avLst/>
+          </a:prstGeom>
+        </p:spPr>
+        <p:style>
+          <a:lnRef idx="2">
+            <a:schemeClr val="accent1"/>
+          </a:lnRef>
+          <a:fillRef idx="0">
+            <a:schemeClr val="accent1"/>
+          </a:fillRef>
+          <a:effectRef idx="1">
+            <a:schemeClr val="accent1"/>
+          </a:effectRef>
+          <a:fontRef idx="minor">
+            <a:schemeClr val="tx1"/>
+          </a:fontRef>
+        </p:style>
+      </p:cxnSp>
+      <p:cxnSp>
+        <p:nvCxnSpPr>
+          <p:cNvPr id="76" name="Straight Connector 75"/>
+          <p:cNvCxnSpPr>
+            <a:stCxn id="67" idx="4"/>
+            <a:endCxn id="70" idx="0"/>
+          </p:cNvCxnSpPr>
+          <p:nvPr/>
+        </p:nvCxnSpPr>
+        <p:spPr>
+          <a:xfrm>
+            <a:off x="5867400" y="3886200"/>
+            <a:ext cx="76200" cy="1524000"/>
+          </a:xfrm>
+          <a:prstGeom prst="line">
+            <a:avLst/>
+          </a:prstGeom>
+        </p:spPr>
+        <p:style>
+          <a:lnRef idx="2">
+            <a:schemeClr val="accent1"/>
+          </a:lnRef>
+          <a:fillRef idx="0">
+            <a:schemeClr val="accent1"/>
+          </a:fillRef>
+          <a:effectRef idx="1">
+            <a:schemeClr val="accent1"/>
+          </a:effectRef>
+          <a:fontRef idx="minor">
+            <a:schemeClr val="tx1"/>
+          </a:fontRef>
+        </p:style>
+      </p:cxnSp>
+      <p:cxnSp>
+        <p:nvCxnSpPr>
+          <p:cNvPr id="79" name="Straight Connector 78"/>
+          <p:cNvCxnSpPr>
+            <a:stCxn id="69" idx="4"/>
+            <a:endCxn id="72" idx="0"/>
+          </p:cNvCxnSpPr>
+          <p:nvPr/>
+        </p:nvCxnSpPr>
+        <p:spPr>
+          <a:xfrm>
+            <a:off x="7391400" y="3886200"/>
+            <a:ext cx="76200" cy="1524000"/>
+          </a:xfrm>
+          <a:prstGeom prst="line">
+            <a:avLst/>
+          </a:prstGeom>
+        </p:spPr>
+        <p:style>
+          <a:lnRef idx="2">
+            <a:schemeClr val="accent1"/>
+          </a:lnRef>
+          <a:fillRef idx="0">
+            <a:schemeClr val="accent1"/>
+          </a:fillRef>
+          <a:effectRef idx="1">
+            <a:schemeClr val="accent1"/>
+          </a:effectRef>
+          <a:fontRef idx="minor">
+            <a:schemeClr val="tx1"/>
+          </a:fontRef>
+        </p:style>
+      </p:cxnSp>
+      <p:cxnSp>
+        <p:nvCxnSpPr>
+          <p:cNvPr id="82" name="Straight Connector 81"/>
+          <p:cNvCxnSpPr>
+            <a:stCxn id="69" idx="3"/>
+            <a:endCxn id="70" idx="6"/>
+          </p:cNvCxnSpPr>
+          <p:nvPr/>
+        </p:nvCxnSpPr>
+        <p:spPr>
+          <a:xfrm flipH="1">
+            <a:off x="6019800" y="3863882"/>
+            <a:ext cx="1317718" cy="1622518"/>
+          </a:xfrm>
+          <a:prstGeom prst="line">
+            <a:avLst/>
+          </a:prstGeom>
+        </p:spPr>
+        <p:style>
+          <a:lnRef idx="2">
+            <a:schemeClr val="accent1"/>
+          </a:lnRef>
+          <a:fillRef idx="0">
+            <a:schemeClr val="accent1"/>
+          </a:fillRef>
+          <a:effectRef idx="1">
+            <a:schemeClr val="accent1"/>
+          </a:effectRef>
+          <a:fontRef idx="minor">
+            <a:schemeClr val="tx1"/>
+          </a:fontRef>
+        </p:style>
+      </p:cxnSp>
+      <p:cxnSp>
+        <p:nvCxnSpPr>
+          <p:cNvPr id="85" name="Straight Arrow Connector 84"/>
+          <p:cNvCxnSpPr/>
+          <p:nvPr/>
+        </p:nvCxnSpPr>
+        <p:spPr>
+          <a:xfrm flipH="1">
+            <a:off x="5791200" y="3657600"/>
+            <a:ext cx="1600200" cy="0"/>
+          </a:xfrm>
+          <a:prstGeom prst="straightConnector1">
+            <a:avLst/>
+          </a:prstGeom>
+          <a:ln>
+            <a:solidFill>
+              <a:srgbClr val="C0504D"/>
+            </a:solidFill>
+            <a:tailEnd type="arrow"/>
+          </a:ln>
+        </p:spPr>
+        <p:style>
+          <a:lnRef idx="2">
+            <a:schemeClr val="accent1"/>
+          </a:lnRef>
+          <a:fillRef idx="0">
+            <a:schemeClr val="accent1"/>
+          </a:fillRef>
+          <a:effectRef idx="1">
+            <a:schemeClr val="accent1"/>
+          </a:effectRef>
+          <a:fontRef idx="minor">
+            <a:schemeClr val="tx1"/>
+          </a:fontRef>
+        </p:style>
+      </p:cxnSp>
+      <p:cxnSp>
+        <p:nvCxnSpPr>
+          <p:cNvPr id="86" name="Straight Arrow Connector 85"/>
+          <p:cNvCxnSpPr/>
+          <p:nvPr/>
+        </p:nvCxnSpPr>
+        <p:spPr>
+          <a:xfrm>
+            <a:off x="5867400" y="5638800"/>
+            <a:ext cx="1676400" cy="0"/>
+          </a:xfrm>
+          <a:prstGeom prst="straightConnector1">
+            <a:avLst/>
+          </a:prstGeom>
+          <a:ln>
+            <a:solidFill>
+              <a:srgbClr val="C0504D"/>
+            </a:solidFill>
+            <a:tailEnd type="arrow"/>
+          </a:ln>
+        </p:spPr>
+        <p:style>
+          <a:lnRef idx="2">
+            <a:schemeClr val="accent1"/>
+          </a:lnRef>
+          <a:fillRef idx="0">
+            <a:schemeClr val="accent1"/>
+          </a:fillRef>
+          <a:effectRef idx="1">
+            <a:schemeClr val="accent1"/>
+          </a:effectRef>
+          <a:fontRef idx="minor">
+            <a:schemeClr val="tx1"/>
+          </a:fontRef>
+        </p:style>
+      </p:cxnSp>
+      <p:sp>
+        <p:nvSpPr>
+          <p:cNvPr id="87" name="TextBox 86"/>
+          <p:cNvSpPr txBox="1"/>
+          <p:nvPr/>
+        </p:nvSpPr>
+        <p:spPr>
+          <a:xfrm>
+            <a:off x="3200400" y="4191000"/>
+            <a:ext cx="313044" cy="369332"/>
+          </a:xfrm>
+          <a:prstGeom prst="rect">
+            <a:avLst/>
+          </a:prstGeom>
+          <a:noFill/>
+        </p:spPr>
+        <p:txBody>
+          <a:bodyPr wrap="none" rtlCol="0">
+            <a:spAutoFit/>
+          </a:bodyPr>
+          <a:lstStyle/>
+          <a:p>
+            <a:r>
+              <a:rPr lang="en-US" dirty="0"/>
+              <a:t>1</a:t>
+            </a:r>
+          </a:p>
+        </p:txBody>
+      </p:sp>
+      <p:sp>
+        <p:nvSpPr>
+          <p:cNvPr id="88" name="TextBox 87"/>
+          <p:cNvSpPr txBox="1"/>
+          <p:nvPr/>
+        </p:nvSpPr>
+        <p:spPr>
+          <a:xfrm>
+            <a:off x="6392556" y="3352800"/>
+            <a:ext cx="313044" cy="369332"/>
+          </a:xfrm>
+          <a:prstGeom prst="rect">
+            <a:avLst/>
+          </a:prstGeom>
+          <a:noFill/>
+        </p:spPr>
+        <p:txBody>
+          <a:bodyPr wrap="none" rtlCol="0">
+            <a:spAutoFit/>
+          </a:bodyPr>
+          <a:lstStyle/>
+          <a:p>
+            <a:r>
+              <a:rPr lang="en-US" dirty="0"/>
+              <a:t>1</a:t>
+            </a:r>
+          </a:p>
+        </p:txBody>
+      </p:sp>
+      <p:cxnSp>
+        <p:nvCxnSpPr>
+          <p:cNvPr id="89" name="Straight Arrow Connector 88"/>
+          <p:cNvCxnSpPr/>
+          <p:nvPr/>
+        </p:nvCxnSpPr>
+        <p:spPr>
+          <a:xfrm>
+            <a:off x="5791200" y="4038600"/>
+            <a:ext cx="0" cy="1219200"/>
+          </a:xfrm>
+          <a:prstGeom prst="straightConnector1">
+            <a:avLst/>
+          </a:prstGeom>
+          <a:ln>
+            <a:solidFill>
+              <a:srgbClr val="C0504D"/>
+            </a:solidFill>
+            <a:tailEnd type="arrow"/>
+          </a:ln>
+        </p:spPr>
+        <p:style>
+          <a:lnRef idx="2">
+            <a:schemeClr val="accent1"/>
+          </a:lnRef>
+          <a:fillRef idx="0">
+            <a:schemeClr val="accent1"/>
+          </a:fillRef>
+          <a:effectRef idx="1">
+            <a:schemeClr val="accent1"/>
+          </a:effectRef>
+          <a:fontRef idx="minor">
+            <a:schemeClr val="tx1"/>
+          </a:fontRef>
+        </p:style>
+      </p:cxnSp>
+      <p:cxnSp>
+        <p:nvCxnSpPr>
+          <p:cNvPr id="92" name="Straight Arrow Connector 91"/>
+          <p:cNvCxnSpPr/>
+          <p:nvPr/>
+        </p:nvCxnSpPr>
+        <p:spPr>
+          <a:xfrm flipH="1" flipV="1">
+            <a:off x="7620000" y="3810000"/>
+            <a:ext cx="76200" cy="1676400"/>
+          </a:xfrm>
+          <a:prstGeom prst="straightConnector1">
+            <a:avLst/>
+          </a:prstGeom>
+          <a:ln>
+            <a:solidFill>
+              <a:srgbClr val="C0504D"/>
+            </a:solidFill>
+            <a:tailEnd type="arrow"/>
+          </a:ln>
+        </p:spPr>
+        <p:style>
+          <a:lnRef idx="2">
+            <a:schemeClr val="accent1"/>
+          </a:lnRef>
+          <a:fillRef idx="0">
+            <a:schemeClr val="accent1"/>
+          </a:fillRef>
+          <a:effectRef idx="1">
+            <a:schemeClr val="accent1"/>
+          </a:effectRef>
+          <a:fontRef idx="minor">
+            <a:schemeClr val="tx1"/>
+          </a:fontRef>
+        </p:style>
+      </p:cxnSp>
+      <p:cxnSp>
+        <p:nvCxnSpPr>
+          <p:cNvPr id="96" name="Straight Arrow Connector 95"/>
+          <p:cNvCxnSpPr/>
+          <p:nvPr/>
+        </p:nvCxnSpPr>
+        <p:spPr>
+          <a:xfrm flipH="1">
+            <a:off x="6096000" y="3962400"/>
+            <a:ext cx="990600" cy="1219200"/>
+          </a:xfrm>
+          <a:prstGeom prst="straightConnector1">
+            <a:avLst/>
+          </a:prstGeom>
+          <a:ln>
+            <a:solidFill>
+              <a:srgbClr val="C0504D"/>
+            </a:solidFill>
+            <a:tailEnd type="arrow"/>
+          </a:ln>
+        </p:spPr>
+        <p:style>
+          <a:lnRef idx="2">
+            <a:schemeClr val="accent1"/>
+          </a:lnRef>
+          <a:fillRef idx="0">
+            <a:schemeClr val="accent1"/>
+          </a:fillRef>
+          <a:effectRef idx="1">
+            <a:schemeClr val="accent1"/>
+          </a:effectRef>
+          <a:fontRef idx="minor">
+            <a:schemeClr val="tx1"/>
+          </a:fontRef>
+        </p:style>
+      </p:cxnSp>
+      <p:cxnSp>
+        <p:nvCxnSpPr>
+          <p:cNvPr id="99" name="Straight Arrow Connector 98"/>
+          <p:cNvCxnSpPr/>
+          <p:nvPr/>
+        </p:nvCxnSpPr>
+        <p:spPr>
+          <a:xfrm flipH="1" flipV="1">
+            <a:off x="4800600" y="4800600"/>
+            <a:ext cx="914400" cy="838200"/>
+          </a:xfrm>
+          <a:prstGeom prst="straightConnector1">
+            <a:avLst/>
+          </a:prstGeom>
+          <a:ln>
+            <a:solidFill>
+              <a:srgbClr val="C0504D"/>
+            </a:solidFill>
+            <a:tailEnd type="arrow"/>
+          </a:ln>
+        </p:spPr>
+        <p:style>
+          <a:lnRef idx="2">
+            <a:schemeClr val="accent1"/>
+          </a:lnRef>
+          <a:fillRef idx="0">
+            <a:schemeClr val="accent1"/>
+          </a:fillRef>
+          <a:effectRef idx="1">
+            <a:schemeClr val="accent1"/>
+          </a:effectRef>
+          <a:fontRef idx="minor">
+            <a:schemeClr val="tx1"/>
+          </a:fontRef>
+        </p:style>
+      </p:cxnSp>
+      <p:cxnSp>
+        <p:nvCxnSpPr>
+          <p:cNvPr id="102" name="Straight Arrow Connector 101"/>
+          <p:cNvCxnSpPr/>
+          <p:nvPr/>
+        </p:nvCxnSpPr>
+        <p:spPr>
+          <a:xfrm flipV="1">
+            <a:off x="4800600" y="3657600"/>
+            <a:ext cx="838200" cy="914400"/>
+          </a:xfrm>
+          <a:prstGeom prst="straightConnector1">
+            <a:avLst/>
+          </a:prstGeom>
+          <a:ln>
+            <a:solidFill>
+              <a:srgbClr val="C0504D"/>
+            </a:solidFill>
+            <a:tailEnd type="arrow"/>
+          </a:ln>
+        </p:spPr>
+        <p:style>
+          <a:lnRef idx="2">
+            <a:schemeClr val="accent1"/>
+          </a:lnRef>
+          <a:fillRef idx="0">
+            <a:schemeClr val="accent1"/>
+          </a:fillRef>
+          <a:effectRef idx="1">
+            <a:schemeClr val="accent1"/>
+          </a:effectRef>
+          <a:fontRef idx="minor">
+            <a:schemeClr val="tx1"/>
+          </a:fontRef>
+        </p:style>
+      </p:cxnSp>
     </p:spTree>
     <p:extLst>
       <p:ext uri="{BB962C8B-B14F-4D97-AF65-F5344CB8AC3E}">
-        <p14:creationId xmlns:p14="http://schemas.microsoft.com/office/powerpoint/2010/main" val="1464299298"/>
+        <p14:creationId xmlns:p14="http://schemas.microsoft.com/office/powerpoint/2010/main" val="3089704090"/>
       </p:ext>
     </p:extLst>
   </p:cSld>
@@ -6053,7 +7371,7 @@
       </p:grpSpPr>
       <p:sp>
         <p:nvSpPr>
-          <p:cNvPr id="4" name="Title 3"/>
+          <p:cNvPr id="2" name="Title 1"/>
           <p:cNvSpPr>
             <a:spLocks noGrp="1"/>
           </p:cNvSpPr>
@@ -6075,7 +7393,7 @@
       </p:sp>
       <p:pic>
         <p:nvPicPr>
-          <p:cNvPr id="6" name="Picture 5"/>
+          <p:cNvPr id="4" name="Picture 3"/>
           <p:cNvPicPr>
             <a:picLocks noChangeAspect="1"/>
           </p:cNvPicPr>
@@ -6089,8 +7407,8 @@
         </p:blipFill>
         <p:spPr>
           <a:xfrm>
-            <a:off x="1524000" y="914400"/>
-            <a:ext cx="5943600" cy="2260600"/>
+            <a:off x="762000" y="990600"/>
+            <a:ext cx="7622327" cy="4267200"/>
           </a:xfrm>
           <a:prstGeom prst="rect">
             <a:avLst/>
@@ -6102,1336 +7420,10 @@
           </a:ln>
         </p:spPr>
       </p:pic>
-      <p:sp>
-        <p:nvSpPr>
-          <p:cNvPr id="50" name="Oval 49"/>
-          <p:cNvSpPr/>
-          <p:nvPr/>
-        </p:nvSpPr>
-        <p:spPr>
-          <a:xfrm>
-            <a:off x="1828800" y="3810000"/>
-            <a:ext cx="152400" cy="152400"/>
-          </a:xfrm>
-          <a:prstGeom prst="ellipse">
-            <a:avLst/>
-          </a:prstGeom>
-        </p:spPr>
-        <p:style>
-          <a:lnRef idx="1">
-            <a:schemeClr val="accent1"/>
-          </a:lnRef>
-          <a:fillRef idx="3">
-            <a:schemeClr val="accent1"/>
-          </a:fillRef>
-          <a:effectRef idx="2">
-            <a:schemeClr val="accent1"/>
-          </a:effectRef>
-          <a:fontRef idx="minor">
-            <a:schemeClr val="lt1"/>
-          </a:fontRef>
-        </p:style>
-        <p:txBody>
-          <a:bodyPr rtlCol="0" anchor="ctr"/>
-          <a:lstStyle/>
-          <a:p>
-            <a:pPr algn="ctr"/>
-            <a:endParaRPr lang="en-US"/>
-          </a:p>
-        </p:txBody>
-      </p:sp>
-      <p:cxnSp>
-        <p:nvCxnSpPr>
-          <p:cNvPr id="51" name="Straight Connector 50"/>
-          <p:cNvCxnSpPr>
-            <a:stCxn id="50" idx="6"/>
-          </p:cNvCxnSpPr>
-          <p:nvPr/>
-        </p:nvCxnSpPr>
-        <p:spPr>
-          <a:xfrm>
-            <a:off x="1981200" y="3886200"/>
-            <a:ext cx="1371600" cy="0"/>
-          </a:xfrm>
-          <a:prstGeom prst="line">
-            <a:avLst/>
-          </a:prstGeom>
-        </p:spPr>
-        <p:style>
-          <a:lnRef idx="2">
-            <a:schemeClr val="accent1"/>
-          </a:lnRef>
-          <a:fillRef idx="0">
-            <a:schemeClr val="accent1"/>
-          </a:fillRef>
-          <a:effectRef idx="1">
-            <a:schemeClr val="accent1"/>
-          </a:effectRef>
-          <a:fontRef idx="minor">
-            <a:schemeClr val="tx1"/>
-          </a:fontRef>
-        </p:style>
-      </p:cxnSp>
-      <p:sp>
-        <p:nvSpPr>
-          <p:cNvPr id="52" name="Oval 51"/>
-          <p:cNvSpPr/>
-          <p:nvPr/>
-        </p:nvSpPr>
-        <p:spPr>
-          <a:xfrm>
-            <a:off x="3352800" y="3810000"/>
-            <a:ext cx="152400" cy="152400"/>
-          </a:xfrm>
-          <a:prstGeom prst="ellipse">
-            <a:avLst/>
-          </a:prstGeom>
-        </p:spPr>
-        <p:style>
-          <a:lnRef idx="1">
-            <a:schemeClr val="accent1"/>
-          </a:lnRef>
-          <a:fillRef idx="3">
-            <a:schemeClr val="accent1"/>
-          </a:fillRef>
-          <a:effectRef idx="2">
-            <a:schemeClr val="accent1"/>
-          </a:effectRef>
-          <a:fontRef idx="minor">
-            <a:schemeClr val="lt1"/>
-          </a:fontRef>
-        </p:style>
-        <p:txBody>
-          <a:bodyPr rtlCol="0" anchor="ctr"/>
-          <a:lstStyle/>
-          <a:p>
-            <a:pPr algn="ctr"/>
-            <a:endParaRPr lang="en-US"/>
-          </a:p>
-        </p:txBody>
-      </p:sp>
-      <p:sp>
-        <p:nvSpPr>
-          <p:cNvPr id="53" name="Oval 52"/>
-          <p:cNvSpPr/>
-          <p:nvPr/>
-        </p:nvSpPr>
-        <p:spPr>
-          <a:xfrm>
-            <a:off x="2590800" y="4648200"/>
-            <a:ext cx="152400" cy="152400"/>
-          </a:xfrm>
-          <a:prstGeom prst="ellipse">
-            <a:avLst/>
-          </a:prstGeom>
-        </p:spPr>
-        <p:style>
-          <a:lnRef idx="1">
-            <a:schemeClr val="accent1"/>
-          </a:lnRef>
-          <a:fillRef idx="3">
-            <a:schemeClr val="accent1"/>
-          </a:fillRef>
-          <a:effectRef idx="2">
-            <a:schemeClr val="accent1"/>
-          </a:effectRef>
-          <a:fontRef idx="minor">
-            <a:schemeClr val="lt1"/>
-          </a:fontRef>
-        </p:style>
-        <p:txBody>
-          <a:bodyPr rtlCol="0" anchor="ctr"/>
-          <a:lstStyle/>
-          <a:p>
-            <a:pPr algn="ctr"/>
-            <a:endParaRPr lang="en-US"/>
-          </a:p>
-        </p:txBody>
-      </p:sp>
-      <p:sp>
-        <p:nvSpPr>
-          <p:cNvPr id="54" name="Oval 53"/>
-          <p:cNvSpPr/>
-          <p:nvPr/>
-        </p:nvSpPr>
-        <p:spPr>
-          <a:xfrm>
-            <a:off x="1905000" y="5486400"/>
-            <a:ext cx="152400" cy="152400"/>
-          </a:xfrm>
-          <a:prstGeom prst="ellipse">
-            <a:avLst/>
-          </a:prstGeom>
-        </p:spPr>
-        <p:style>
-          <a:lnRef idx="1">
-            <a:schemeClr val="accent1"/>
-          </a:lnRef>
-          <a:fillRef idx="3">
-            <a:schemeClr val="accent1"/>
-          </a:fillRef>
-          <a:effectRef idx="2">
-            <a:schemeClr val="accent1"/>
-          </a:effectRef>
-          <a:fontRef idx="minor">
-            <a:schemeClr val="lt1"/>
-          </a:fontRef>
-        </p:style>
-        <p:txBody>
-          <a:bodyPr rtlCol="0" anchor="ctr"/>
-          <a:lstStyle/>
-          <a:p>
-            <a:pPr algn="ctr"/>
-            <a:endParaRPr lang="en-US"/>
-          </a:p>
-        </p:txBody>
-      </p:sp>
-      <p:cxnSp>
-        <p:nvCxnSpPr>
-          <p:cNvPr id="55" name="Straight Connector 54"/>
-          <p:cNvCxnSpPr>
-            <a:stCxn id="54" idx="6"/>
-          </p:cNvCxnSpPr>
-          <p:nvPr/>
-        </p:nvCxnSpPr>
-        <p:spPr>
-          <a:xfrm>
-            <a:off x="2057400" y="5562600"/>
-            <a:ext cx="1371600" cy="0"/>
-          </a:xfrm>
-          <a:prstGeom prst="line">
-            <a:avLst/>
-          </a:prstGeom>
-        </p:spPr>
-        <p:style>
-          <a:lnRef idx="2">
-            <a:schemeClr val="accent1"/>
-          </a:lnRef>
-          <a:fillRef idx="0">
-            <a:schemeClr val="accent1"/>
-          </a:fillRef>
-          <a:effectRef idx="1">
-            <a:schemeClr val="accent1"/>
-          </a:effectRef>
-          <a:fontRef idx="minor">
-            <a:schemeClr val="tx1"/>
-          </a:fontRef>
-        </p:style>
-      </p:cxnSp>
-      <p:sp>
-        <p:nvSpPr>
-          <p:cNvPr id="56" name="Oval 55"/>
-          <p:cNvSpPr/>
-          <p:nvPr/>
-        </p:nvSpPr>
-        <p:spPr>
-          <a:xfrm>
-            <a:off x="3429000" y="5486400"/>
-            <a:ext cx="152400" cy="152400"/>
-          </a:xfrm>
-          <a:prstGeom prst="ellipse">
-            <a:avLst/>
-          </a:prstGeom>
-        </p:spPr>
-        <p:style>
-          <a:lnRef idx="1">
-            <a:schemeClr val="accent1"/>
-          </a:lnRef>
-          <a:fillRef idx="3">
-            <a:schemeClr val="accent1"/>
-          </a:fillRef>
-          <a:effectRef idx="2">
-            <a:schemeClr val="accent1"/>
-          </a:effectRef>
-          <a:fontRef idx="minor">
-            <a:schemeClr val="lt1"/>
-          </a:fontRef>
-        </p:style>
-        <p:txBody>
-          <a:bodyPr rtlCol="0" anchor="ctr"/>
-          <a:lstStyle/>
-          <a:p>
-            <a:pPr algn="ctr"/>
-            <a:endParaRPr lang="en-US"/>
-          </a:p>
-        </p:txBody>
-      </p:sp>
-      <p:cxnSp>
-        <p:nvCxnSpPr>
-          <p:cNvPr id="57" name="Straight Connector 56"/>
-          <p:cNvCxnSpPr>
-            <a:stCxn id="52" idx="3"/>
-            <a:endCxn id="53" idx="7"/>
-          </p:cNvCxnSpPr>
-          <p:nvPr/>
-        </p:nvCxnSpPr>
-        <p:spPr>
-          <a:xfrm flipH="1">
-            <a:off x="2720882" y="3940082"/>
-            <a:ext cx="654236" cy="730436"/>
-          </a:xfrm>
-          <a:prstGeom prst="line">
-            <a:avLst/>
-          </a:prstGeom>
-        </p:spPr>
-        <p:style>
-          <a:lnRef idx="2">
-            <a:schemeClr val="accent1"/>
-          </a:lnRef>
-          <a:fillRef idx="0">
-            <a:schemeClr val="accent1"/>
-          </a:fillRef>
-          <a:effectRef idx="1">
-            <a:schemeClr val="accent1"/>
-          </a:effectRef>
-          <a:fontRef idx="minor">
-            <a:schemeClr val="tx1"/>
-          </a:fontRef>
-        </p:style>
-      </p:cxnSp>
-      <p:cxnSp>
-        <p:nvCxnSpPr>
-          <p:cNvPr id="58" name="Straight Connector 57"/>
-          <p:cNvCxnSpPr/>
-          <p:nvPr/>
-        </p:nvCxnSpPr>
-        <p:spPr>
-          <a:xfrm flipH="1">
-            <a:off x="1981200" y="4800600"/>
-            <a:ext cx="654236" cy="730436"/>
-          </a:xfrm>
-          <a:prstGeom prst="line">
-            <a:avLst/>
-          </a:prstGeom>
-        </p:spPr>
-        <p:style>
-          <a:lnRef idx="2">
-            <a:schemeClr val="accent1"/>
-          </a:lnRef>
-          <a:fillRef idx="0">
-            <a:schemeClr val="accent1"/>
-          </a:fillRef>
-          <a:effectRef idx="1">
-            <a:schemeClr val="accent1"/>
-          </a:effectRef>
-          <a:fontRef idx="minor">
-            <a:schemeClr val="tx1"/>
-          </a:fontRef>
-        </p:style>
-      </p:cxnSp>
-      <p:cxnSp>
-        <p:nvCxnSpPr>
-          <p:cNvPr id="59" name="Straight Connector 58"/>
-          <p:cNvCxnSpPr>
-            <a:stCxn id="50" idx="4"/>
-            <a:endCxn id="53" idx="1"/>
-          </p:cNvCxnSpPr>
-          <p:nvPr/>
-        </p:nvCxnSpPr>
-        <p:spPr>
-          <a:xfrm>
-            <a:off x="1905000" y="3962400"/>
-            <a:ext cx="708118" cy="708118"/>
-          </a:xfrm>
-          <a:prstGeom prst="line">
-            <a:avLst/>
-          </a:prstGeom>
-        </p:spPr>
-        <p:style>
-          <a:lnRef idx="2">
-            <a:schemeClr val="accent1"/>
-          </a:lnRef>
-          <a:fillRef idx="0">
-            <a:schemeClr val="accent1"/>
-          </a:fillRef>
-          <a:effectRef idx="1">
-            <a:schemeClr val="accent1"/>
-          </a:effectRef>
-          <a:fontRef idx="minor">
-            <a:schemeClr val="tx1"/>
-          </a:fontRef>
-        </p:style>
-      </p:cxnSp>
-      <p:cxnSp>
-        <p:nvCxnSpPr>
-          <p:cNvPr id="60" name="Straight Connector 59"/>
-          <p:cNvCxnSpPr>
-            <a:stCxn id="56" idx="1"/>
-            <a:endCxn id="53" idx="5"/>
-          </p:cNvCxnSpPr>
-          <p:nvPr/>
-        </p:nvCxnSpPr>
-        <p:spPr>
-          <a:xfrm flipH="1" flipV="1">
-            <a:off x="2720882" y="4778282"/>
-            <a:ext cx="730436" cy="730436"/>
-          </a:xfrm>
-          <a:prstGeom prst="line">
-            <a:avLst/>
-          </a:prstGeom>
-        </p:spPr>
-        <p:style>
-          <a:lnRef idx="2">
-            <a:schemeClr val="accent1"/>
-          </a:lnRef>
-          <a:fillRef idx="0">
-            <a:schemeClr val="accent1"/>
-          </a:fillRef>
-          <a:effectRef idx="1">
-            <a:schemeClr val="accent1"/>
-          </a:effectRef>
-          <a:fontRef idx="minor">
-            <a:schemeClr val="tx1"/>
-          </a:fontRef>
-        </p:style>
-      </p:cxnSp>
-      <p:cxnSp>
-        <p:nvCxnSpPr>
-          <p:cNvPr id="61" name="Straight Arrow Connector 60"/>
-          <p:cNvCxnSpPr/>
-          <p:nvPr/>
-        </p:nvCxnSpPr>
-        <p:spPr>
-          <a:xfrm flipV="1">
-            <a:off x="2895600" y="3962400"/>
-            <a:ext cx="685800" cy="762000"/>
-          </a:xfrm>
-          <a:prstGeom prst="straightConnector1">
-            <a:avLst/>
-          </a:prstGeom>
-          <a:ln>
-            <a:solidFill>
-              <a:srgbClr val="C0504D"/>
-            </a:solidFill>
-            <a:tailEnd type="arrow"/>
-          </a:ln>
-        </p:spPr>
-        <p:style>
-          <a:lnRef idx="2">
-            <a:schemeClr val="accent1"/>
-          </a:lnRef>
-          <a:fillRef idx="0">
-            <a:schemeClr val="accent1"/>
-          </a:fillRef>
-          <a:effectRef idx="1">
-            <a:schemeClr val="accent1"/>
-          </a:effectRef>
-          <a:fontRef idx="minor">
-            <a:schemeClr val="tx1"/>
-          </a:fontRef>
-        </p:style>
-      </p:cxnSp>
-      <p:cxnSp>
-        <p:nvCxnSpPr>
-          <p:cNvPr id="62" name="Straight Arrow Connector 61"/>
-          <p:cNvCxnSpPr/>
-          <p:nvPr/>
-        </p:nvCxnSpPr>
-        <p:spPr>
-          <a:xfrm flipH="1">
-            <a:off x="1828800" y="3733800"/>
-            <a:ext cx="1600200" cy="0"/>
-          </a:xfrm>
-          <a:prstGeom prst="straightConnector1">
-            <a:avLst/>
-          </a:prstGeom>
-          <a:ln>
-            <a:solidFill>
-              <a:srgbClr val="C0504D"/>
-            </a:solidFill>
-            <a:tailEnd type="arrow"/>
-          </a:ln>
-        </p:spPr>
-        <p:style>
-          <a:lnRef idx="2">
-            <a:schemeClr val="accent1"/>
-          </a:lnRef>
-          <a:fillRef idx="0">
-            <a:schemeClr val="accent1"/>
-          </a:fillRef>
-          <a:effectRef idx="1">
-            <a:schemeClr val="accent1"/>
-          </a:effectRef>
-          <a:fontRef idx="minor">
-            <a:schemeClr val="tx1"/>
-          </a:fontRef>
-        </p:style>
-      </p:cxnSp>
-      <p:cxnSp>
-        <p:nvCxnSpPr>
-          <p:cNvPr id="63" name="Straight Arrow Connector 62"/>
-          <p:cNvCxnSpPr/>
-          <p:nvPr/>
-        </p:nvCxnSpPr>
-        <p:spPr>
-          <a:xfrm>
-            <a:off x="1676400" y="3962400"/>
-            <a:ext cx="762000" cy="838200"/>
-          </a:xfrm>
-          <a:prstGeom prst="straightConnector1">
-            <a:avLst/>
-          </a:prstGeom>
-          <a:ln>
-            <a:solidFill>
-              <a:srgbClr val="C0504D"/>
-            </a:solidFill>
-            <a:tailEnd type="arrow"/>
-          </a:ln>
-        </p:spPr>
-        <p:style>
-          <a:lnRef idx="2">
-            <a:schemeClr val="accent1"/>
-          </a:lnRef>
-          <a:fillRef idx="0">
-            <a:schemeClr val="accent1"/>
-          </a:fillRef>
-          <a:effectRef idx="1">
-            <a:schemeClr val="accent1"/>
-          </a:effectRef>
-          <a:fontRef idx="minor">
-            <a:schemeClr val="tx1"/>
-          </a:fontRef>
-        </p:style>
-      </p:cxnSp>
-      <p:cxnSp>
-        <p:nvCxnSpPr>
-          <p:cNvPr id="64" name="Straight Arrow Connector 63"/>
-          <p:cNvCxnSpPr/>
-          <p:nvPr/>
-        </p:nvCxnSpPr>
-        <p:spPr>
-          <a:xfrm flipH="1">
-            <a:off x="1752600" y="4800600"/>
-            <a:ext cx="685800" cy="685800"/>
-          </a:xfrm>
-          <a:prstGeom prst="straightConnector1">
-            <a:avLst/>
-          </a:prstGeom>
-          <a:ln>
-            <a:solidFill>
-              <a:srgbClr val="C0504D"/>
-            </a:solidFill>
-            <a:tailEnd type="arrow"/>
-          </a:ln>
-        </p:spPr>
-        <p:style>
-          <a:lnRef idx="2">
-            <a:schemeClr val="accent1"/>
-          </a:lnRef>
-          <a:fillRef idx="0">
-            <a:schemeClr val="accent1"/>
-          </a:fillRef>
-          <a:effectRef idx="1">
-            <a:schemeClr val="accent1"/>
-          </a:effectRef>
-          <a:fontRef idx="minor">
-            <a:schemeClr val="tx1"/>
-          </a:fontRef>
-        </p:style>
-      </p:cxnSp>
-      <p:cxnSp>
-        <p:nvCxnSpPr>
-          <p:cNvPr id="65" name="Straight Arrow Connector 64"/>
-          <p:cNvCxnSpPr/>
-          <p:nvPr/>
-        </p:nvCxnSpPr>
-        <p:spPr>
-          <a:xfrm>
-            <a:off x="1905000" y="5791200"/>
-            <a:ext cx="1676400" cy="0"/>
-          </a:xfrm>
-          <a:prstGeom prst="straightConnector1">
-            <a:avLst/>
-          </a:prstGeom>
-          <a:ln>
-            <a:solidFill>
-              <a:srgbClr val="C0504D"/>
-            </a:solidFill>
-            <a:tailEnd type="arrow"/>
-          </a:ln>
-        </p:spPr>
-        <p:style>
-          <a:lnRef idx="2">
-            <a:schemeClr val="accent1"/>
-          </a:lnRef>
-          <a:fillRef idx="0">
-            <a:schemeClr val="accent1"/>
-          </a:fillRef>
-          <a:effectRef idx="1">
-            <a:schemeClr val="accent1"/>
-          </a:effectRef>
-          <a:fontRef idx="minor">
-            <a:schemeClr val="tx1"/>
-          </a:fontRef>
-        </p:style>
-      </p:cxnSp>
-      <p:cxnSp>
-        <p:nvCxnSpPr>
-          <p:cNvPr id="66" name="Straight Arrow Connector 65"/>
-          <p:cNvCxnSpPr/>
-          <p:nvPr/>
-        </p:nvCxnSpPr>
-        <p:spPr>
-          <a:xfrm flipH="1" flipV="1">
-            <a:off x="2895600" y="4724400"/>
-            <a:ext cx="838200" cy="685800"/>
-          </a:xfrm>
-          <a:prstGeom prst="straightConnector1">
-            <a:avLst/>
-          </a:prstGeom>
-          <a:ln>
-            <a:solidFill>
-              <a:srgbClr val="C0504D"/>
-            </a:solidFill>
-            <a:tailEnd type="arrow"/>
-          </a:ln>
-        </p:spPr>
-        <p:style>
-          <a:lnRef idx="2">
-            <a:schemeClr val="accent1"/>
-          </a:lnRef>
-          <a:fillRef idx="0">
-            <a:schemeClr val="accent1"/>
-          </a:fillRef>
-          <a:effectRef idx="1">
-            <a:schemeClr val="accent1"/>
-          </a:effectRef>
-          <a:fontRef idx="minor">
-            <a:schemeClr val="tx1"/>
-          </a:fontRef>
-        </p:style>
-      </p:cxnSp>
-      <p:sp>
-        <p:nvSpPr>
-          <p:cNvPr id="67" name="Oval 66"/>
-          <p:cNvSpPr/>
-          <p:nvPr/>
-        </p:nvSpPr>
-        <p:spPr>
-          <a:xfrm>
-            <a:off x="5791200" y="3733800"/>
-            <a:ext cx="152400" cy="152400"/>
-          </a:xfrm>
-          <a:prstGeom prst="ellipse">
-            <a:avLst/>
-          </a:prstGeom>
-        </p:spPr>
-        <p:style>
-          <a:lnRef idx="1">
-            <a:schemeClr val="accent1"/>
-          </a:lnRef>
-          <a:fillRef idx="3">
-            <a:schemeClr val="accent1"/>
-          </a:fillRef>
-          <a:effectRef idx="2">
-            <a:schemeClr val="accent1"/>
-          </a:effectRef>
-          <a:fontRef idx="minor">
-            <a:schemeClr val="lt1"/>
-          </a:fontRef>
-        </p:style>
-        <p:txBody>
-          <a:bodyPr rtlCol="0" anchor="ctr"/>
-          <a:lstStyle/>
-          <a:p>
-            <a:pPr algn="ctr"/>
-            <a:endParaRPr lang="en-US"/>
-          </a:p>
-        </p:txBody>
-      </p:sp>
-      <p:cxnSp>
-        <p:nvCxnSpPr>
-          <p:cNvPr id="68" name="Straight Connector 67"/>
-          <p:cNvCxnSpPr>
-            <a:stCxn id="67" idx="6"/>
-          </p:cNvCxnSpPr>
-          <p:nvPr/>
-        </p:nvCxnSpPr>
-        <p:spPr>
-          <a:xfrm>
-            <a:off x="5943600" y="3810000"/>
-            <a:ext cx="1371600" cy="0"/>
-          </a:xfrm>
-          <a:prstGeom prst="line">
-            <a:avLst/>
-          </a:prstGeom>
-        </p:spPr>
-        <p:style>
-          <a:lnRef idx="2">
-            <a:schemeClr val="accent1"/>
-          </a:lnRef>
-          <a:fillRef idx="0">
-            <a:schemeClr val="accent1"/>
-          </a:fillRef>
-          <a:effectRef idx="1">
-            <a:schemeClr val="accent1"/>
-          </a:effectRef>
-          <a:fontRef idx="minor">
-            <a:schemeClr val="tx1"/>
-          </a:fontRef>
-        </p:style>
-      </p:cxnSp>
-      <p:sp>
-        <p:nvSpPr>
-          <p:cNvPr id="69" name="Oval 68"/>
-          <p:cNvSpPr/>
-          <p:nvPr/>
-        </p:nvSpPr>
-        <p:spPr>
-          <a:xfrm>
-            <a:off x="7315200" y="3733800"/>
-            <a:ext cx="152400" cy="152400"/>
-          </a:xfrm>
-          <a:prstGeom prst="ellipse">
-            <a:avLst/>
-          </a:prstGeom>
-        </p:spPr>
-        <p:style>
-          <a:lnRef idx="1">
-            <a:schemeClr val="accent1"/>
-          </a:lnRef>
-          <a:fillRef idx="3">
-            <a:schemeClr val="accent1"/>
-          </a:fillRef>
-          <a:effectRef idx="2">
-            <a:schemeClr val="accent1"/>
-          </a:effectRef>
-          <a:fontRef idx="minor">
-            <a:schemeClr val="lt1"/>
-          </a:fontRef>
-        </p:style>
-        <p:txBody>
-          <a:bodyPr rtlCol="0" anchor="ctr"/>
-          <a:lstStyle/>
-          <a:p>
-            <a:pPr algn="ctr"/>
-            <a:endParaRPr lang="en-US"/>
-          </a:p>
-        </p:txBody>
-      </p:sp>
-      <p:sp>
-        <p:nvSpPr>
-          <p:cNvPr id="70" name="Oval 69"/>
-          <p:cNvSpPr/>
-          <p:nvPr/>
-        </p:nvSpPr>
-        <p:spPr>
-          <a:xfrm>
-            <a:off x="5867400" y="5410200"/>
-            <a:ext cx="152400" cy="152400"/>
-          </a:xfrm>
-          <a:prstGeom prst="ellipse">
-            <a:avLst/>
-          </a:prstGeom>
-        </p:spPr>
-        <p:style>
-          <a:lnRef idx="1">
-            <a:schemeClr val="accent1"/>
-          </a:lnRef>
-          <a:fillRef idx="3">
-            <a:schemeClr val="accent1"/>
-          </a:fillRef>
-          <a:effectRef idx="2">
-            <a:schemeClr val="accent1"/>
-          </a:effectRef>
-          <a:fontRef idx="minor">
-            <a:schemeClr val="lt1"/>
-          </a:fontRef>
-        </p:style>
-        <p:txBody>
-          <a:bodyPr rtlCol="0" anchor="ctr"/>
-          <a:lstStyle/>
-          <a:p>
-            <a:pPr algn="ctr"/>
-            <a:endParaRPr lang="en-US"/>
-          </a:p>
-        </p:txBody>
-      </p:sp>
-      <p:cxnSp>
-        <p:nvCxnSpPr>
-          <p:cNvPr id="71" name="Straight Connector 70"/>
-          <p:cNvCxnSpPr>
-            <a:stCxn id="70" idx="6"/>
-          </p:cNvCxnSpPr>
-          <p:nvPr/>
-        </p:nvCxnSpPr>
-        <p:spPr>
-          <a:xfrm>
-            <a:off x="6019800" y="5486400"/>
-            <a:ext cx="1371600" cy="0"/>
-          </a:xfrm>
-          <a:prstGeom prst="line">
-            <a:avLst/>
-          </a:prstGeom>
-        </p:spPr>
-        <p:style>
-          <a:lnRef idx="2">
-            <a:schemeClr val="accent1"/>
-          </a:lnRef>
-          <a:fillRef idx="0">
-            <a:schemeClr val="accent1"/>
-          </a:fillRef>
-          <a:effectRef idx="1">
-            <a:schemeClr val="accent1"/>
-          </a:effectRef>
-          <a:fontRef idx="minor">
-            <a:schemeClr val="tx1"/>
-          </a:fontRef>
-        </p:style>
-      </p:cxnSp>
-      <p:sp>
-        <p:nvSpPr>
-          <p:cNvPr id="72" name="Oval 71"/>
-          <p:cNvSpPr/>
-          <p:nvPr/>
-        </p:nvSpPr>
-        <p:spPr>
-          <a:xfrm>
-            <a:off x="7391400" y="5410200"/>
-            <a:ext cx="152400" cy="152400"/>
-          </a:xfrm>
-          <a:prstGeom prst="ellipse">
-            <a:avLst/>
-          </a:prstGeom>
-        </p:spPr>
-        <p:style>
-          <a:lnRef idx="1">
-            <a:schemeClr val="accent1"/>
-          </a:lnRef>
-          <a:fillRef idx="3">
-            <a:schemeClr val="accent1"/>
-          </a:fillRef>
-          <a:effectRef idx="2">
-            <a:schemeClr val="accent1"/>
-          </a:effectRef>
-          <a:fontRef idx="minor">
-            <a:schemeClr val="lt1"/>
-          </a:fontRef>
-        </p:style>
-        <p:txBody>
-          <a:bodyPr rtlCol="0" anchor="ctr"/>
-          <a:lstStyle/>
-          <a:p>
-            <a:pPr algn="ctr"/>
-            <a:endParaRPr lang="en-US"/>
-          </a:p>
-        </p:txBody>
-      </p:sp>
-      <p:sp>
-        <p:nvSpPr>
-          <p:cNvPr id="73" name="Oval 72"/>
-          <p:cNvSpPr/>
-          <p:nvPr/>
-        </p:nvSpPr>
-        <p:spPr>
-          <a:xfrm>
-            <a:off x="5006882" y="4594318"/>
-            <a:ext cx="152400" cy="152400"/>
-          </a:xfrm>
-          <a:prstGeom prst="ellipse">
-            <a:avLst/>
-          </a:prstGeom>
-        </p:spPr>
-        <p:style>
-          <a:lnRef idx="1">
-            <a:schemeClr val="accent1"/>
-          </a:lnRef>
-          <a:fillRef idx="3">
-            <a:schemeClr val="accent1"/>
-          </a:fillRef>
-          <a:effectRef idx="2">
-            <a:schemeClr val="accent1"/>
-          </a:effectRef>
-          <a:fontRef idx="minor">
-            <a:schemeClr val="lt1"/>
-          </a:fontRef>
-        </p:style>
-        <p:txBody>
-          <a:bodyPr rtlCol="0" anchor="ctr"/>
-          <a:lstStyle/>
-          <a:p>
-            <a:pPr algn="ctr"/>
-            <a:endParaRPr lang="en-US"/>
-          </a:p>
-        </p:txBody>
-      </p:sp>
-      <p:cxnSp>
-        <p:nvCxnSpPr>
-          <p:cNvPr id="74" name="Straight Connector 73"/>
-          <p:cNvCxnSpPr>
-            <a:endCxn id="73" idx="7"/>
-          </p:cNvCxnSpPr>
-          <p:nvPr/>
-        </p:nvCxnSpPr>
-        <p:spPr>
-          <a:xfrm flipH="1">
-            <a:off x="5136964" y="3886200"/>
-            <a:ext cx="654236" cy="730436"/>
-          </a:xfrm>
-          <a:prstGeom prst="line">
-            <a:avLst/>
-          </a:prstGeom>
-        </p:spPr>
-        <p:style>
-          <a:lnRef idx="2">
-            <a:schemeClr val="accent1"/>
-          </a:lnRef>
-          <a:fillRef idx="0">
-            <a:schemeClr val="accent1"/>
-          </a:fillRef>
-          <a:effectRef idx="1">
-            <a:schemeClr val="accent1"/>
-          </a:effectRef>
-          <a:fontRef idx="minor">
-            <a:schemeClr val="tx1"/>
-          </a:fontRef>
-        </p:style>
-      </p:cxnSp>
-      <p:cxnSp>
-        <p:nvCxnSpPr>
-          <p:cNvPr id="75" name="Straight Connector 74"/>
-          <p:cNvCxnSpPr>
-            <a:endCxn id="73" idx="5"/>
-          </p:cNvCxnSpPr>
-          <p:nvPr/>
-        </p:nvCxnSpPr>
-        <p:spPr>
-          <a:xfrm flipH="1" flipV="1">
-            <a:off x="5136964" y="4724400"/>
-            <a:ext cx="730436" cy="730436"/>
-          </a:xfrm>
-          <a:prstGeom prst="line">
-            <a:avLst/>
-          </a:prstGeom>
-        </p:spPr>
-        <p:style>
-          <a:lnRef idx="2">
-            <a:schemeClr val="accent1"/>
-          </a:lnRef>
-          <a:fillRef idx="0">
-            <a:schemeClr val="accent1"/>
-          </a:fillRef>
-          <a:effectRef idx="1">
-            <a:schemeClr val="accent1"/>
-          </a:effectRef>
-          <a:fontRef idx="minor">
-            <a:schemeClr val="tx1"/>
-          </a:fontRef>
-        </p:style>
-      </p:cxnSp>
-      <p:cxnSp>
-        <p:nvCxnSpPr>
-          <p:cNvPr id="76" name="Straight Connector 75"/>
-          <p:cNvCxnSpPr>
-            <a:stCxn id="67" idx="4"/>
-            <a:endCxn id="70" idx="0"/>
-          </p:cNvCxnSpPr>
-          <p:nvPr/>
-        </p:nvCxnSpPr>
-        <p:spPr>
-          <a:xfrm>
-            <a:off x="5867400" y="3886200"/>
-            <a:ext cx="76200" cy="1524000"/>
-          </a:xfrm>
-          <a:prstGeom prst="line">
-            <a:avLst/>
-          </a:prstGeom>
-        </p:spPr>
-        <p:style>
-          <a:lnRef idx="2">
-            <a:schemeClr val="accent1"/>
-          </a:lnRef>
-          <a:fillRef idx="0">
-            <a:schemeClr val="accent1"/>
-          </a:fillRef>
-          <a:effectRef idx="1">
-            <a:schemeClr val="accent1"/>
-          </a:effectRef>
-          <a:fontRef idx="minor">
-            <a:schemeClr val="tx1"/>
-          </a:fontRef>
-        </p:style>
-      </p:cxnSp>
-      <p:cxnSp>
-        <p:nvCxnSpPr>
-          <p:cNvPr id="79" name="Straight Connector 78"/>
-          <p:cNvCxnSpPr>
-            <a:stCxn id="69" idx="4"/>
-            <a:endCxn id="72" idx="0"/>
-          </p:cNvCxnSpPr>
-          <p:nvPr/>
-        </p:nvCxnSpPr>
-        <p:spPr>
-          <a:xfrm>
-            <a:off x="7391400" y="3886200"/>
-            <a:ext cx="76200" cy="1524000"/>
-          </a:xfrm>
-          <a:prstGeom prst="line">
-            <a:avLst/>
-          </a:prstGeom>
-        </p:spPr>
-        <p:style>
-          <a:lnRef idx="2">
-            <a:schemeClr val="accent1"/>
-          </a:lnRef>
-          <a:fillRef idx="0">
-            <a:schemeClr val="accent1"/>
-          </a:fillRef>
-          <a:effectRef idx="1">
-            <a:schemeClr val="accent1"/>
-          </a:effectRef>
-          <a:fontRef idx="minor">
-            <a:schemeClr val="tx1"/>
-          </a:fontRef>
-        </p:style>
-      </p:cxnSp>
-      <p:cxnSp>
-        <p:nvCxnSpPr>
-          <p:cNvPr id="82" name="Straight Connector 81"/>
-          <p:cNvCxnSpPr>
-            <a:stCxn id="69" idx="3"/>
-            <a:endCxn id="70" idx="6"/>
-          </p:cNvCxnSpPr>
-          <p:nvPr/>
-        </p:nvCxnSpPr>
-        <p:spPr>
-          <a:xfrm flipH="1">
-            <a:off x="6019800" y="3863882"/>
-            <a:ext cx="1317718" cy="1622518"/>
-          </a:xfrm>
-          <a:prstGeom prst="line">
-            <a:avLst/>
-          </a:prstGeom>
-        </p:spPr>
-        <p:style>
-          <a:lnRef idx="2">
-            <a:schemeClr val="accent1"/>
-          </a:lnRef>
-          <a:fillRef idx="0">
-            <a:schemeClr val="accent1"/>
-          </a:fillRef>
-          <a:effectRef idx="1">
-            <a:schemeClr val="accent1"/>
-          </a:effectRef>
-          <a:fontRef idx="minor">
-            <a:schemeClr val="tx1"/>
-          </a:fontRef>
-        </p:style>
-      </p:cxnSp>
-      <p:cxnSp>
-        <p:nvCxnSpPr>
-          <p:cNvPr id="85" name="Straight Arrow Connector 84"/>
-          <p:cNvCxnSpPr/>
-          <p:nvPr/>
-        </p:nvCxnSpPr>
-        <p:spPr>
-          <a:xfrm flipH="1">
-            <a:off x="5791200" y="3657600"/>
-            <a:ext cx="1600200" cy="0"/>
-          </a:xfrm>
-          <a:prstGeom prst="straightConnector1">
-            <a:avLst/>
-          </a:prstGeom>
-          <a:ln>
-            <a:solidFill>
-              <a:srgbClr val="C0504D"/>
-            </a:solidFill>
-            <a:tailEnd type="arrow"/>
-          </a:ln>
-        </p:spPr>
-        <p:style>
-          <a:lnRef idx="2">
-            <a:schemeClr val="accent1"/>
-          </a:lnRef>
-          <a:fillRef idx="0">
-            <a:schemeClr val="accent1"/>
-          </a:fillRef>
-          <a:effectRef idx="1">
-            <a:schemeClr val="accent1"/>
-          </a:effectRef>
-          <a:fontRef idx="minor">
-            <a:schemeClr val="tx1"/>
-          </a:fontRef>
-        </p:style>
-      </p:cxnSp>
-      <p:cxnSp>
-        <p:nvCxnSpPr>
-          <p:cNvPr id="86" name="Straight Arrow Connector 85"/>
-          <p:cNvCxnSpPr/>
-          <p:nvPr/>
-        </p:nvCxnSpPr>
-        <p:spPr>
-          <a:xfrm>
-            <a:off x="5867400" y="5638800"/>
-            <a:ext cx="1676400" cy="0"/>
-          </a:xfrm>
-          <a:prstGeom prst="straightConnector1">
-            <a:avLst/>
-          </a:prstGeom>
-          <a:ln>
-            <a:solidFill>
-              <a:srgbClr val="C0504D"/>
-            </a:solidFill>
-            <a:tailEnd type="arrow"/>
-          </a:ln>
-        </p:spPr>
-        <p:style>
-          <a:lnRef idx="2">
-            <a:schemeClr val="accent1"/>
-          </a:lnRef>
-          <a:fillRef idx="0">
-            <a:schemeClr val="accent1"/>
-          </a:fillRef>
-          <a:effectRef idx="1">
-            <a:schemeClr val="accent1"/>
-          </a:effectRef>
-          <a:fontRef idx="minor">
-            <a:schemeClr val="tx1"/>
-          </a:fontRef>
-        </p:style>
-      </p:cxnSp>
-      <p:sp>
-        <p:nvSpPr>
-          <p:cNvPr id="87" name="TextBox 86"/>
-          <p:cNvSpPr txBox="1"/>
-          <p:nvPr/>
-        </p:nvSpPr>
-        <p:spPr>
-          <a:xfrm>
-            <a:off x="3200400" y="4191000"/>
-            <a:ext cx="313044" cy="369332"/>
-          </a:xfrm>
-          <a:prstGeom prst="rect">
-            <a:avLst/>
-          </a:prstGeom>
-          <a:noFill/>
-        </p:spPr>
-        <p:txBody>
-          <a:bodyPr wrap="none" rtlCol="0">
-            <a:spAutoFit/>
-          </a:bodyPr>
-          <a:lstStyle/>
-          <a:p>
-            <a:r>
-              <a:rPr lang="en-US" dirty="0"/>
-              <a:t>1</a:t>
-            </a:r>
-          </a:p>
-        </p:txBody>
-      </p:sp>
-      <p:sp>
-        <p:nvSpPr>
-          <p:cNvPr id="88" name="TextBox 87"/>
-          <p:cNvSpPr txBox="1"/>
-          <p:nvPr/>
-        </p:nvSpPr>
-        <p:spPr>
-          <a:xfrm>
-            <a:off x="6392556" y="3352800"/>
-            <a:ext cx="313044" cy="369332"/>
-          </a:xfrm>
-          <a:prstGeom prst="rect">
-            <a:avLst/>
-          </a:prstGeom>
-          <a:noFill/>
-        </p:spPr>
-        <p:txBody>
-          <a:bodyPr wrap="none" rtlCol="0">
-            <a:spAutoFit/>
-          </a:bodyPr>
-          <a:lstStyle/>
-          <a:p>
-            <a:r>
-              <a:rPr lang="en-US" dirty="0"/>
-              <a:t>1</a:t>
-            </a:r>
-          </a:p>
-        </p:txBody>
-      </p:sp>
-      <p:cxnSp>
-        <p:nvCxnSpPr>
-          <p:cNvPr id="89" name="Straight Arrow Connector 88"/>
-          <p:cNvCxnSpPr/>
-          <p:nvPr/>
-        </p:nvCxnSpPr>
-        <p:spPr>
-          <a:xfrm>
-            <a:off x="5791200" y="4038600"/>
-            <a:ext cx="0" cy="1219200"/>
-          </a:xfrm>
-          <a:prstGeom prst="straightConnector1">
-            <a:avLst/>
-          </a:prstGeom>
-          <a:ln>
-            <a:solidFill>
-              <a:srgbClr val="C0504D"/>
-            </a:solidFill>
-            <a:tailEnd type="arrow"/>
-          </a:ln>
-        </p:spPr>
-        <p:style>
-          <a:lnRef idx="2">
-            <a:schemeClr val="accent1"/>
-          </a:lnRef>
-          <a:fillRef idx="0">
-            <a:schemeClr val="accent1"/>
-          </a:fillRef>
-          <a:effectRef idx="1">
-            <a:schemeClr val="accent1"/>
-          </a:effectRef>
-          <a:fontRef idx="minor">
-            <a:schemeClr val="tx1"/>
-          </a:fontRef>
-        </p:style>
-      </p:cxnSp>
-      <p:cxnSp>
-        <p:nvCxnSpPr>
-          <p:cNvPr id="92" name="Straight Arrow Connector 91"/>
-          <p:cNvCxnSpPr/>
-          <p:nvPr/>
-        </p:nvCxnSpPr>
-        <p:spPr>
-          <a:xfrm flipH="1" flipV="1">
-            <a:off x="7620000" y="3810000"/>
-            <a:ext cx="76200" cy="1676400"/>
-          </a:xfrm>
-          <a:prstGeom prst="straightConnector1">
-            <a:avLst/>
-          </a:prstGeom>
-          <a:ln>
-            <a:solidFill>
-              <a:srgbClr val="C0504D"/>
-            </a:solidFill>
-            <a:tailEnd type="arrow"/>
-          </a:ln>
-        </p:spPr>
-        <p:style>
-          <a:lnRef idx="2">
-            <a:schemeClr val="accent1"/>
-          </a:lnRef>
-          <a:fillRef idx="0">
-            <a:schemeClr val="accent1"/>
-          </a:fillRef>
-          <a:effectRef idx="1">
-            <a:schemeClr val="accent1"/>
-          </a:effectRef>
-          <a:fontRef idx="minor">
-            <a:schemeClr val="tx1"/>
-          </a:fontRef>
-        </p:style>
-      </p:cxnSp>
-      <p:cxnSp>
-        <p:nvCxnSpPr>
-          <p:cNvPr id="96" name="Straight Arrow Connector 95"/>
-          <p:cNvCxnSpPr/>
-          <p:nvPr/>
-        </p:nvCxnSpPr>
-        <p:spPr>
-          <a:xfrm flipH="1">
-            <a:off x="6096000" y="3962400"/>
-            <a:ext cx="990600" cy="1219200"/>
-          </a:xfrm>
-          <a:prstGeom prst="straightConnector1">
-            <a:avLst/>
-          </a:prstGeom>
-          <a:ln>
-            <a:solidFill>
-              <a:srgbClr val="C0504D"/>
-            </a:solidFill>
-            <a:tailEnd type="arrow"/>
-          </a:ln>
-        </p:spPr>
-        <p:style>
-          <a:lnRef idx="2">
-            <a:schemeClr val="accent1"/>
-          </a:lnRef>
-          <a:fillRef idx="0">
-            <a:schemeClr val="accent1"/>
-          </a:fillRef>
-          <a:effectRef idx="1">
-            <a:schemeClr val="accent1"/>
-          </a:effectRef>
-          <a:fontRef idx="minor">
-            <a:schemeClr val="tx1"/>
-          </a:fontRef>
-        </p:style>
-      </p:cxnSp>
-      <p:cxnSp>
-        <p:nvCxnSpPr>
-          <p:cNvPr id="99" name="Straight Arrow Connector 98"/>
-          <p:cNvCxnSpPr/>
-          <p:nvPr/>
-        </p:nvCxnSpPr>
-        <p:spPr>
-          <a:xfrm flipH="1" flipV="1">
-            <a:off x="4800600" y="4800600"/>
-            <a:ext cx="914400" cy="838200"/>
-          </a:xfrm>
-          <a:prstGeom prst="straightConnector1">
-            <a:avLst/>
-          </a:prstGeom>
-          <a:ln>
-            <a:solidFill>
-              <a:srgbClr val="C0504D"/>
-            </a:solidFill>
-            <a:tailEnd type="arrow"/>
-          </a:ln>
-        </p:spPr>
-        <p:style>
-          <a:lnRef idx="2">
-            <a:schemeClr val="accent1"/>
-          </a:lnRef>
-          <a:fillRef idx="0">
-            <a:schemeClr val="accent1"/>
-          </a:fillRef>
-          <a:effectRef idx="1">
-            <a:schemeClr val="accent1"/>
-          </a:effectRef>
-          <a:fontRef idx="minor">
-            <a:schemeClr val="tx1"/>
-          </a:fontRef>
-        </p:style>
-      </p:cxnSp>
-      <p:cxnSp>
-        <p:nvCxnSpPr>
-          <p:cNvPr id="102" name="Straight Arrow Connector 101"/>
-          <p:cNvCxnSpPr/>
-          <p:nvPr/>
-        </p:nvCxnSpPr>
-        <p:spPr>
-          <a:xfrm flipV="1">
-            <a:off x="4800600" y="3657600"/>
-            <a:ext cx="838200" cy="914400"/>
-          </a:xfrm>
-          <a:prstGeom prst="straightConnector1">
-            <a:avLst/>
-          </a:prstGeom>
-          <a:ln>
-            <a:solidFill>
-              <a:srgbClr val="C0504D"/>
-            </a:solidFill>
-            <a:tailEnd type="arrow"/>
-          </a:ln>
-        </p:spPr>
-        <p:style>
-          <a:lnRef idx="2">
-            <a:schemeClr val="accent1"/>
-          </a:lnRef>
-          <a:fillRef idx="0">
-            <a:schemeClr val="accent1"/>
-          </a:fillRef>
-          <a:effectRef idx="1">
-            <a:schemeClr val="accent1"/>
-          </a:effectRef>
-          <a:fontRef idx="minor">
-            <a:schemeClr val="tx1"/>
-          </a:fontRef>
-        </p:style>
-      </p:cxnSp>
     </p:spTree>
     <p:extLst>
       <p:ext uri="{BB962C8B-B14F-4D97-AF65-F5344CB8AC3E}">
-        <p14:creationId xmlns:p14="http://schemas.microsoft.com/office/powerpoint/2010/main" val="3089704090"/>
+        <p14:creationId xmlns:p14="http://schemas.microsoft.com/office/powerpoint/2010/main" val="3796966948"/>
       </p:ext>
     </p:extLst>
   </p:cSld>
@@ -7475,44 +7467,71 @@
           <a:p>
             <a:r>
               <a:rPr lang="en-US" dirty="0"/>
-              <a:t>Examples</a:t>
-            </a:r>
-          </a:p>
-        </p:txBody>
-      </p:sp>
-      <p:pic>
-        <p:nvPicPr>
-          <p:cNvPr id="4" name="Picture 3"/>
-          <p:cNvPicPr>
-            <a:picLocks noChangeAspect="1"/>
-          </p:cNvPicPr>
-          <p:nvPr/>
-        </p:nvPicPr>
-        <p:blipFill>
-          <a:blip r:embed="rId2"/>
-          <a:stretch>
-            <a:fillRect/>
-          </a:stretch>
-        </p:blipFill>
-        <p:spPr>
-          <a:xfrm>
-            <a:off x="762000" y="990600"/>
-            <a:ext cx="7622327" cy="4267200"/>
-          </a:xfrm>
-          <a:prstGeom prst="rect">
-            <a:avLst/>
-          </a:prstGeom>
-          <a:ln>
-            <a:solidFill>
-              <a:srgbClr val="C0504D"/>
-            </a:solidFill>
-          </a:ln>
-        </p:spPr>
-      </p:pic>
+              <a:t>Theorem 1: Sufficient condition</a:t>
+            </a:r>
+          </a:p>
+        </p:txBody>
+      </p:sp>
+      <p:sp>
+        <p:nvSpPr>
+          <p:cNvPr id="3" name="Content Placeholder 2"/>
+          <p:cNvSpPr>
+            <a:spLocks noGrp="1"/>
+          </p:cNvSpPr>
+          <p:nvPr>
+            <p:ph idx="1"/>
+          </p:nvPr>
+        </p:nvSpPr>
+        <p:spPr/>
+        <p:txBody>
+          <a:bodyPr/>
+          <a:lstStyle/>
+          <a:p>
+            <a:r>
+              <a:rPr lang="en-US" dirty="0"/>
+              <a:t>A connected </a:t>
+            </a:r>
+            <a:r>
+              <a:rPr lang="en-US" dirty="0" err="1"/>
+              <a:t>multigraph</a:t>
+            </a:r>
+            <a:r>
+              <a:rPr lang="en-US" dirty="0"/>
+              <a:t> has an Euler cycle if and only if each of its vertices has even degree</a:t>
+            </a:r>
+          </a:p>
+          <a:p>
+            <a:r>
+              <a:rPr lang="en-US" dirty="0"/>
+              <a:t>Proof sketch, PART 1 (Necessary condition):</a:t>
+            </a:r>
+          </a:p>
+          <a:p>
+            <a:pPr lvl="1"/>
+            <a:r>
+              <a:rPr lang="en-US" dirty="0"/>
+              <a:t>Assume the graph has an Euler cycle</a:t>
+            </a:r>
+          </a:p>
+          <a:p>
+            <a:pPr lvl="1"/>
+            <a:r>
+              <a:rPr lang="en-US" dirty="0"/>
+              <a:t>Observe that every time the cycle passes through a vertex, it contributes 2 to the vertex’s degree</a:t>
+            </a:r>
+          </a:p>
+          <a:p>
+            <a:r>
+              <a:rPr lang="en-US" dirty="0"/>
+              <a:t>Since the cycle enters via an edge incident with this vertex and leaves via another such edge.</a:t>
+            </a:r>
+          </a:p>
+        </p:txBody>
+      </p:sp>
     </p:spTree>
     <p:extLst>
       <p:ext uri="{BB962C8B-B14F-4D97-AF65-F5344CB8AC3E}">
-        <p14:creationId xmlns:p14="http://schemas.microsoft.com/office/powerpoint/2010/main" val="3796966948"/>
+        <p14:creationId xmlns:p14="http://schemas.microsoft.com/office/powerpoint/2010/main" val="1011214658"/>
       </p:ext>
     </p:extLst>
   </p:cSld>
@@ -7573,12 +7592,27 @@
         </p:nvSpPr>
         <p:spPr/>
         <p:txBody>
-          <a:bodyPr/>
+          <a:bodyPr>
+            <a:normAutofit fontScale="85000" lnSpcReduction="10000"/>
+          </a:bodyPr>
           <a:lstStyle/>
           <a:p>
             <a:r>
               <a:rPr lang="en-US" dirty="0"/>
-              <a:t>A connected </a:t>
+              <a:t>Proof Sketch, PART 2 (Sufficient condition):</a:t>
+            </a:r>
+          </a:p>
+          <a:p>
+            <a:r>
+              <a:rPr lang="en-US" dirty="0"/>
+              <a:t>Demonstrate an algorithm for finding Euler cycle in a graph where all vertices have even degrees</a:t>
+            </a:r>
+          </a:p>
+          <a:p>
+            <a:pPr lvl="1"/>
+            <a:r>
+              <a:rPr lang="en-US" dirty="0"/>
+              <a:t>Assume every vertex in a </a:t>
             </a:r>
             <a:r>
               <a:rPr lang="en-US" dirty="0" err="1"/>
@@ -7586,33 +7620,114 @@
             </a:r>
             <a:r>
               <a:rPr lang="en-US" dirty="0"/>
-              <a:t> has an Euler cycle if and only if each of its vertices has even degree</a:t>
-            </a:r>
-          </a:p>
-          <a:p>
-            <a:r>
-              <a:rPr lang="en-US" dirty="0"/>
-              <a:t>Proof sketch, PART 1 (Necessary condition):</a:t>
+              <a:t> G has even degree.</a:t>
             </a:r>
           </a:p>
           <a:p>
             <a:pPr lvl="1"/>
             <a:r>
-              <a:rPr lang="en-US" dirty="0"/>
-              <a:t>Assume the graph has an Euler cycle</a:t>
+              <a:rPr lang="en-US" dirty="0">
+                <a:solidFill>
+                  <a:srgbClr val="FF0000"/>
+                </a:solidFill>
+              </a:rPr>
+              <a:t>Start at </a:t>
+            </a:r>
+            <a:r>
+              <a:rPr lang="en-US" dirty="0"/>
+              <a:t>an arbitrary non-isolated </a:t>
+            </a:r>
+            <a:r>
+              <a:rPr lang="en-US" dirty="0">
+                <a:solidFill>
+                  <a:srgbClr val="FF0000"/>
+                </a:solidFill>
+              </a:rPr>
+              <a:t>vertex v0</a:t>
+            </a:r>
+            <a:r>
+              <a:rPr lang="en-US" dirty="0"/>
+              <a:t>, </a:t>
+            </a:r>
+            <a:r>
+              <a:rPr lang="en-US" dirty="0">
+                <a:solidFill>
+                  <a:srgbClr val="FF0000"/>
+                </a:solidFill>
+              </a:rPr>
+              <a:t>choose an arbitrary edge</a:t>
+            </a:r>
+            <a:r>
+              <a:rPr lang="en-US" dirty="0"/>
+              <a:t> (v0, v1)</a:t>
             </a:r>
           </a:p>
           <a:p>
             <a:pPr lvl="1"/>
             <a:r>
               <a:rPr lang="en-US" dirty="0"/>
-              <a:t>Observe that every time the cycle passes through a vertex, it contributes 2 to the vertex’s degree</a:t>
-            </a:r>
-          </a:p>
-          <a:p>
-            <a:r>
-              <a:rPr lang="en-US" dirty="0"/>
-              <a:t>Since the cycle enters via an edge incident with this vertex and leaves via another such edge.</a:t>
+              <a:t>Then choose an arbitrary unused edge from v1 and so on.</a:t>
+            </a:r>
+          </a:p>
+          <a:p>
+            <a:pPr lvl="1"/>
+            <a:r>
+              <a:rPr lang="en-US" dirty="0"/>
+              <a:t>After a finite number of steps the process will arrive at the starting vertex v0, yielding a cycle with distinct edges.</a:t>
+            </a:r>
+          </a:p>
+          <a:p>
+            <a:pPr lvl="1"/>
+            <a:r>
+              <a:rPr lang="en-US" dirty="0">
+                <a:solidFill>
+                  <a:srgbClr val="FF0000"/>
+                </a:solidFill>
+              </a:rPr>
+              <a:t>If</a:t>
+            </a:r>
+            <a:r>
+              <a:rPr lang="en-US" dirty="0"/>
+              <a:t> the cycle </a:t>
+            </a:r>
+            <a:r>
+              <a:rPr lang="en-US" dirty="0">
+                <a:solidFill>
+                  <a:srgbClr val="FF0000"/>
+                </a:solidFill>
+              </a:rPr>
+              <a:t>includes all edges </a:t>
+            </a:r>
+            <a:r>
+              <a:rPr lang="en-US" dirty="0"/>
+              <a:t>of G, this will be an </a:t>
+            </a:r>
+            <a:r>
+              <a:rPr lang="en-US" dirty="0">
+                <a:solidFill>
+                  <a:srgbClr val="FF0000"/>
+                </a:solidFill>
+              </a:rPr>
+              <a:t>Euler cycle</a:t>
+            </a:r>
+            <a:r>
+              <a:rPr lang="en-US" dirty="0"/>
+              <a:t>; </a:t>
+            </a:r>
+          </a:p>
+          <a:p>
+            <a:pPr lvl="1"/>
+            <a:r>
+              <a:rPr lang="en-US" dirty="0">
+                <a:solidFill>
+                  <a:srgbClr val="FF0000"/>
+                </a:solidFill>
+              </a:rPr>
+              <a:t>If not</a:t>
+            </a:r>
+            <a:r>
+              <a:rPr lang="en-US" dirty="0"/>
+              <a:t>, begin the procedure again from a vertex contained in this cycle and splice the two cycles together; continue until all edges are used.</a:t>
             </a:r>
           </a:p>
         </p:txBody>
@@ -7620,7 +7735,7 @@
     </p:spTree>
     <p:extLst>
       <p:ext uri="{BB962C8B-B14F-4D97-AF65-F5344CB8AC3E}">
-        <p14:creationId xmlns:p14="http://schemas.microsoft.com/office/powerpoint/2010/main" val="1011214658"/>
+        <p14:creationId xmlns:p14="http://schemas.microsoft.com/office/powerpoint/2010/main" val="1841427542"/>
       </p:ext>
     </p:extLst>
   </p:cSld>
@@ -7682,141 +7797,34 @@
         <p:spPr/>
         <p:txBody>
           <a:bodyPr>
-            <a:normAutofit fontScale="85000" lnSpcReduction="10000"/>
+            <a:normAutofit/>
           </a:bodyPr>
           <a:lstStyle/>
           <a:p>
             <a:r>
               <a:rPr lang="en-US" dirty="0"/>
-              <a:t>Proof Sketch, PART 2 (Sufficient condition):</a:t>
-            </a:r>
-          </a:p>
-          <a:p>
-            <a:r>
-              <a:rPr lang="en-US" dirty="0"/>
-              <a:t>Demonstrate an algorithm for finding Euler cycle in a graph where all vertices have even degrees</a:t>
+              <a:t>In the above procedure, once you entered a vertex v, </a:t>
             </a:r>
           </a:p>
           <a:p>
             <a:pPr lvl="1"/>
             <a:r>
               <a:rPr lang="en-US" dirty="0"/>
-              <a:t>Assume every vertex in a </a:t>
-            </a:r>
-            <a:r>
-              <a:rPr lang="en-US" dirty="0" err="1"/>
-              <a:t>multigraph</a:t>
-            </a:r>
-            <a:r>
-              <a:rPr lang="en-US" dirty="0"/>
-              <a:t> G has even degree.</a:t>
+              <a:t>There will always be another unused edge to exit v because v has an even degree.</a:t>
             </a:r>
           </a:p>
           <a:p>
             <a:pPr lvl="1"/>
             <a:r>
-              <a:rPr lang="en-US" dirty="0">
-                <a:solidFill>
-                  <a:srgbClr val="FF0000"/>
-                </a:solidFill>
-              </a:rPr>
-              <a:t>Start at </a:t>
-            </a:r>
-            <a:r>
-              <a:rPr lang="en-US" dirty="0"/>
-              <a:t>an arbitrary non-isolated </a:t>
-            </a:r>
-            <a:r>
-              <a:rPr lang="en-US" dirty="0">
-                <a:solidFill>
-                  <a:srgbClr val="FF0000"/>
-                </a:solidFill>
-              </a:rPr>
-              <a:t>vertex v0</a:t>
-            </a:r>
-            <a:r>
-              <a:rPr lang="en-US" dirty="0"/>
-              <a:t>, </a:t>
-            </a:r>
-            <a:r>
-              <a:rPr lang="en-US" dirty="0">
-                <a:solidFill>
-                  <a:srgbClr val="FF0000"/>
-                </a:solidFill>
-              </a:rPr>
-              <a:t>choose an arbitrary edge</a:t>
-            </a:r>
-            <a:r>
-              <a:rPr lang="en-US" dirty="0"/>
-              <a:t> (v0, v1)</a:t>
-            </a:r>
-          </a:p>
-          <a:p>
-            <a:pPr lvl="1"/>
-            <a:r>
-              <a:rPr lang="en-US" dirty="0"/>
-              <a:t>Then choose an arbitrary unused edge from v1 and so on.</a:t>
-            </a:r>
-          </a:p>
-          <a:p>
-            <a:pPr lvl="1"/>
-            <a:r>
-              <a:rPr lang="en-US" dirty="0"/>
-              <a:t>After a finite number of steps the process will arrive at the starting vertex v0, yielding a cycle with distinct edges.</a:t>
-            </a:r>
-          </a:p>
-          <a:p>
-            <a:pPr lvl="1"/>
-            <a:r>
-              <a:rPr lang="en-US" dirty="0">
-                <a:solidFill>
-                  <a:srgbClr val="FF0000"/>
-                </a:solidFill>
-              </a:rPr>
-              <a:t>If</a:t>
-            </a:r>
-            <a:r>
-              <a:rPr lang="en-US" dirty="0"/>
-              <a:t> the cycle </a:t>
-            </a:r>
-            <a:r>
-              <a:rPr lang="en-US" dirty="0">
-                <a:solidFill>
-                  <a:srgbClr val="FF0000"/>
-                </a:solidFill>
-              </a:rPr>
-              <a:t>includes all edges </a:t>
-            </a:r>
-            <a:r>
-              <a:rPr lang="en-US" dirty="0"/>
-              <a:t>of G, this will be an </a:t>
-            </a:r>
-            <a:r>
-              <a:rPr lang="en-US" dirty="0">
-                <a:solidFill>
-                  <a:srgbClr val="FF0000"/>
-                </a:solidFill>
-              </a:rPr>
-              <a:t>Euler cycle</a:t>
-            </a:r>
-            <a:r>
-              <a:rPr lang="en-US" dirty="0"/>
-              <a:t>; </a:t>
-            </a:r>
-          </a:p>
-          <a:p>
-            <a:pPr lvl="1"/>
-            <a:r>
-              <a:rPr lang="en-US" dirty="0">
-                <a:solidFill>
-                  <a:srgbClr val="FF0000"/>
-                </a:solidFill>
-              </a:rPr>
-              <a:t>If not</a:t>
-            </a:r>
-            <a:r>
-              <a:rPr lang="en-US" dirty="0"/>
-              <a:t>, begin the procedure again from a vertex contained in this cycle and splice the two cycles together; continue until all edges are used.</a:t>
+              <a:rPr lang="en-US" dirty="0"/>
+              <a:t>The only edge from which you may not be able to exit after entering it is v0</a:t>
+            </a:r>
+          </a:p>
+          <a:p>
+            <a:pPr lvl="2"/>
+            <a:r>
+              <a:rPr lang="en-US" dirty="0"/>
+              <a:t>But if you have reached v0, then you have already constructed a required cycle.</a:t>
             </a:r>
           </a:p>
         </p:txBody>
@@ -7824,7 +7832,7 @@
     </p:spTree>
     <p:extLst>
       <p:ext uri="{BB962C8B-B14F-4D97-AF65-F5344CB8AC3E}">
-        <p14:creationId xmlns:p14="http://schemas.microsoft.com/office/powerpoint/2010/main" val="1841427542"/>
+        <p14:creationId xmlns:p14="http://schemas.microsoft.com/office/powerpoint/2010/main" val="4247590495"/>
       </p:ext>
     </p:extLst>
   </p:cSld>
@@ -7863,12 +7871,14 @@
         </p:nvSpPr>
         <p:spPr/>
         <p:txBody>
-          <a:bodyPr/>
+          <a:bodyPr>
+            <a:normAutofit fontScale="90000"/>
+          </a:bodyPr>
           <a:lstStyle/>
           <a:p>
             <a:r>
               <a:rPr lang="en-US" dirty="0"/>
-              <a:t>Theorem 1: Sufficient condition</a:t>
+              <a:t>Procedure for constructing an Euler cycle</a:t>
             </a:r>
           </a:p>
         </p:txBody>
@@ -7883,37 +7893,155 @@
             <p:ph idx="1"/>
           </p:nvPr>
         </p:nvSpPr>
-        <p:spPr/>
-        <p:txBody>
-          <a:bodyPr>
-            <a:normAutofit/>
+        <p:spPr>
+          <a:xfrm>
+            <a:off x="76200" y="1066800"/>
+            <a:ext cx="8915400" cy="2286000"/>
+          </a:xfrm>
+        </p:spPr>
+        <p:txBody>
+          <a:bodyPr/>
+          <a:lstStyle/>
+          <a:p>
+            <a:r>
+              <a:rPr lang="en-US" dirty="0"/>
+              <a:t>Algorithm Euler(G)</a:t>
+            </a:r>
+          </a:p>
+          <a:p>
+            <a:r>
+              <a:rPr lang="en-US" b="1" dirty="0"/>
+              <a:t>Input</a:t>
+            </a:r>
+            <a:r>
+              <a:rPr lang="en-US" dirty="0"/>
+              <a:t>: Connected graph G with all vertices having en degrees</a:t>
+            </a:r>
+          </a:p>
+          <a:p>
+            <a:r>
+              <a:rPr lang="en-US" b="1" dirty="0"/>
+              <a:t>Output</a:t>
+            </a:r>
+            <a:r>
+              <a:rPr lang="en-US" dirty="0"/>
+              <a:t>: Euler cycle</a:t>
+            </a:r>
+          </a:p>
+        </p:txBody>
+      </p:sp>
+      <p:sp>
+        <p:nvSpPr>
+          <p:cNvPr id="5" name="TextBox 4"/>
+          <p:cNvSpPr txBox="1"/>
+          <p:nvPr/>
+        </p:nvSpPr>
+        <p:spPr>
+          <a:xfrm>
+            <a:off x="685800" y="3429000"/>
+            <a:ext cx="7622600" cy="2585323"/>
+          </a:xfrm>
+          <a:prstGeom prst="rect">
+            <a:avLst/>
+          </a:prstGeom>
+          <a:solidFill>
+            <a:schemeClr val="bg1"/>
+          </a:solidFill>
+          <a:ln>
+            <a:solidFill>
+              <a:srgbClr val="C0504D"/>
+            </a:solidFill>
+          </a:ln>
+        </p:spPr>
+        <p:txBody>
+          <a:bodyPr wrap="none" rtlCol="0">
+            <a:spAutoFit/>
           </a:bodyPr>
           <a:lstStyle/>
           <a:p>
             <a:r>
               <a:rPr lang="en-US" dirty="0"/>
-              <a:t>In the above procedure, once you entered a vertex v, </a:t>
-            </a:r>
-          </a:p>
-          <a:p>
-            <a:pPr lvl="1"/>
-            <a:r>
-              <a:rPr lang="en-US" dirty="0"/>
-              <a:t>There will always be another unused edge to exit v because v has an even degree.</a:t>
-            </a:r>
-          </a:p>
-          <a:p>
-            <a:pPr lvl="1"/>
-            <a:r>
-              <a:rPr lang="en-US" dirty="0"/>
-              <a:t>The only edge from which you may not be able to exit after entering it is v0</a:t>
-            </a:r>
-          </a:p>
-          <a:p>
-            <a:pPr lvl="2"/>
-            <a:r>
-              <a:rPr lang="en-US" dirty="0"/>
-              <a:t>But if you have reached v0, then you have already constructed a required cycle.</a:t>
+              <a:t>Construct a cycle in G</a:t>
+            </a:r>
+          </a:p>
+          <a:p>
+            <a:r>
+              <a:rPr lang="en-US" dirty="0"/>
+              <a:t>Remove all edges of cycle from G to get </a:t>
+            </a:r>
+            <a:r>
+              <a:rPr lang="en-US" dirty="0" err="1"/>
+              <a:t>subgraph</a:t>
+            </a:r>
+            <a:r>
+              <a:rPr lang="en-US" dirty="0"/>
+              <a:t> H</a:t>
+            </a:r>
+          </a:p>
+          <a:p>
+            <a:r>
+              <a:rPr lang="en-US" dirty="0"/>
+              <a:t>While H has edges</a:t>
+            </a:r>
+          </a:p>
+          <a:p>
+            <a:r>
+              <a:rPr lang="en-US" dirty="0"/>
+              <a:t>	find a non-isolated vertex v that is both in cycle and in H</a:t>
+            </a:r>
+          </a:p>
+          <a:p>
+            <a:r>
+              <a:rPr lang="en-US" dirty="0"/>
+              <a:t>	//The existence of such vertex is guaranteed by G’s connectivity</a:t>
+            </a:r>
+          </a:p>
+          <a:p>
+            <a:r>
+              <a:rPr lang="en-US" dirty="0"/>
+              <a:t>	construct </a:t>
+            </a:r>
+            <a:r>
+              <a:rPr lang="en-US" dirty="0" err="1"/>
+              <a:t>subcycle</a:t>
+            </a:r>
+            <a:r>
+              <a:rPr lang="en-US" dirty="0"/>
+              <a:t> in H</a:t>
+            </a:r>
+          </a:p>
+          <a:p>
+            <a:r>
+              <a:rPr lang="en-US" dirty="0"/>
+              <a:t>	splice </a:t>
+            </a:r>
+            <a:r>
+              <a:rPr lang="en-US" dirty="0" err="1"/>
+              <a:t>subcycle</a:t>
+            </a:r>
+            <a:r>
+              <a:rPr lang="en-US" dirty="0"/>
+              <a:t> into cycle at v</a:t>
+            </a:r>
+          </a:p>
+          <a:p>
+            <a:r>
+              <a:rPr lang="en-US" dirty="0"/>
+              <a:t>	remove all the edges of </a:t>
+            </a:r>
+            <a:r>
+              <a:rPr lang="en-US" dirty="0" err="1"/>
+              <a:t>subcycle</a:t>
+            </a:r>
+            <a:r>
+              <a:rPr lang="en-US" dirty="0"/>
+              <a:t> from H</a:t>
+            </a:r>
+          </a:p>
+          <a:p>
+            <a:r>
+              <a:rPr lang="en-US" dirty="0"/>
+              <a:t>return cycle</a:t>
             </a:r>
           </a:p>
         </p:txBody>
@@ -7921,7 +8049,7 @@
     </p:spTree>
     <p:extLst>
       <p:ext uri="{BB962C8B-B14F-4D97-AF65-F5344CB8AC3E}">
-        <p14:creationId xmlns:p14="http://schemas.microsoft.com/office/powerpoint/2010/main" val="4247590495"/>
+        <p14:creationId xmlns:p14="http://schemas.microsoft.com/office/powerpoint/2010/main" val="3034435095"/>
       </p:ext>
     </p:extLst>
   </p:cSld>
@@ -7960,185 +8088,49 @@
         </p:nvSpPr>
         <p:spPr/>
         <p:txBody>
-          <a:bodyPr>
-            <a:normAutofit fontScale="90000"/>
-          </a:bodyPr>
-          <a:lstStyle/>
-          <a:p>
-            <a:r>
-              <a:rPr lang="en-US" dirty="0"/>
-              <a:t>Procedure for constructing an Euler cycle</a:t>
-            </a:r>
-          </a:p>
-        </p:txBody>
-      </p:sp>
-      <p:sp>
-        <p:nvSpPr>
-          <p:cNvPr id="3" name="Content Placeholder 2"/>
-          <p:cNvSpPr>
-            <a:spLocks noGrp="1"/>
-          </p:cNvSpPr>
-          <p:nvPr>
-            <p:ph idx="1"/>
-          </p:nvPr>
-        </p:nvSpPr>
-        <p:spPr>
-          <a:xfrm>
-            <a:off x="76200" y="1066800"/>
-            <a:ext cx="8915400" cy="2286000"/>
-          </a:xfrm>
-        </p:spPr>
-        <p:txBody>
           <a:bodyPr/>
           <a:lstStyle/>
           <a:p>
             <a:r>
               <a:rPr lang="en-US" dirty="0"/>
-              <a:t>Algorithm Euler(G)</a:t>
-            </a:r>
-          </a:p>
-          <a:p>
-            <a:r>
-              <a:rPr lang="en-US" b="1" dirty="0"/>
-              <a:t>Input</a:t>
-            </a:r>
-            <a:r>
-              <a:rPr lang="en-US" dirty="0"/>
-              <a:t>: Connected graph G with all vertices having en degrees</a:t>
-            </a:r>
-          </a:p>
-          <a:p>
-            <a:r>
-              <a:rPr lang="en-US" b="1" dirty="0"/>
-              <a:t>Output</a:t>
-            </a:r>
-            <a:r>
-              <a:rPr lang="en-US" dirty="0"/>
-              <a:t>: Euler cycle</a:t>
-            </a:r>
-          </a:p>
-        </p:txBody>
-      </p:sp>
-      <p:sp>
-        <p:nvSpPr>
-          <p:cNvPr id="5" name="TextBox 4"/>
-          <p:cNvSpPr txBox="1"/>
+              <a:t>Example</a:t>
+            </a:r>
+          </a:p>
+        </p:txBody>
+      </p:sp>
+      <p:pic>
+        <p:nvPicPr>
+          <p:cNvPr id="4" name="Picture 3"/>
+          <p:cNvPicPr>
+            <a:picLocks noChangeAspect="1"/>
+          </p:cNvPicPr>
           <p:nvPr/>
-        </p:nvSpPr>
-        <p:spPr>
-          <a:xfrm>
-            <a:off x="685800" y="3429000"/>
-            <a:ext cx="7622600" cy="2585323"/>
+        </p:nvPicPr>
+        <p:blipFill>
+          <a:blip r:embed="rId2"/>
+          <a:stretch>
+            <a:fillRect/>
+          </a:stretch>
+        </p:blipFill>
+        <p:spPr>
+          <a:xfrm>
+            <a:off x="1066800" y="990600"/>
+            <a:ext cx="7048027" cy="4787900"/>
           </a:xfrm>
           <a:prstGeom prst="rect">
             <a:avLst/>
           </a:prstGeom>
-          <a:solidFill>
-            <a:schemeClr val="bg1"/>
-          </a:solidFill>
           <a:ln>
             <a:solidFill>
               <a:srgbClr val="C0504D"/>
             </a:solidFill>
           </a:ln>
         </p:spPr>
-        <p:txBody>
-          <a:bodyPr wrap="none" rtlCol="0">
-            <a:spAutoFit/>
-          </a:bodyPr>
-          <a:lstStyle/>
-          <a:p>
-            <a:r>
-              <a:rPr lang="en-US" dirty="0"/>
-              <a:t>Construct a cycle in G</a:t>
-            </a:r>
-          </a:p>
-          <a:p>
-            <a:r>
-              <a:rPr lang="en-US" dirty="0"/>
-              <a:t>Remove all edges of cycle from G to get </a:t>
-            </a:r>
-            <a:r>
-              <a:rPr lang="en-US" dirty="0" err="1"/>
-              <a:t>subgraph</a:t>
-            </a:r>
-            <a:r>
-              <a:rPr lang="en-US" dirty="0"/>
-              <a:t> H</a:t>
-            </a:r>
-          </a:p>
-          <a:p>
-            <a:r>
-              <a:rPr lang="en-US" dirty="0"/>
-              <a:t>While H has edges</a:t>
-            </a:r>
-          </a:p>
-          <a:p>
-            <a:r>
-              <a:rPr lang="en-US" dirty="0"/>
-              <a:t>	find a non-isolated vertex v that is both in cycle and in H</a:t>
-            </a:r>
-          </a:p>
-          <a:p>
-            <a:r>
-              <a:rPr lang="en-US" dirty="0"/>
-              <a:t>	//The existence of such vertex is guaranteed by G’s connectivity</a:t>
-            </a:r>
-          </a:p>
-          <a:p>
-            <a:r>
-              <a:rPr lang="en-US" dirty="0"/>
-              <a:t>	construct </a:t>
-            </a:r>
-            <a:r>
-              <a:rPr lang="en-US" dirty="0" err="1"/>
-              <a:t>subcycle</a:t>
-            </a:r>
-            <a:r>
-              <a:rPr lang="en-US" dirty="0"/>
-              <a:t> in H</a:t>
-            </a:r>
-          </a:p>
-          <a:p>
-            <a:r>
-              <a:rPr lang="en-US" dirty="0"/>
-              <a:t>	splice </a:t>
-            </a:r>
-            <a:r>
-              <a:rPr lang="en-US" dirty="0" err="1"/>
-              <a:t>subcycle</a:t>
-            </a:r>
-            <a:r>
-              <a:rPr lang="en-US" dirty="0"/>
-              <a:t> into cycle at v</a:t>
-            </a:r>
-          </a:p>
-          <a:p>
-            <a:r>
-              <a:rPr lang="en-US" dirty="0"/>
-              <a:t>	remove all the edges of </a:t>
-            </a:r>
-            <a:r>
-              <a:rPr lang="en-US" dirty="0" err="1"/>
-              <a:t>subcycle</a:t>
-            </a:r>
-            <a:r>
-              <a:rPr lang="en-US" dirty="0"/>
-              <a:t> from H</a:t>
-            </a:r>
-          </a:p>
-          <a:p>
-            <a:r>
-              <a:rPr lang="en-US" dirty="0"/>
-              <a:t>return cycle</a:t>
-            </a:r>
-          </a:p>
-        </p:txBody>
-      </p:sp>
+      </p:pic>
     </p:spTree>
     <p:extLst>
       <p:ext uri="{BB962C8B-B14F-4D97-AF65-F5344CB8AC3E}">
-        <p14:creationId xmlns:p14="http://schemas.microsoft.com/office/powerpoint/2010/main" val="3034435095"/>
+        <p14:creationId xmlns:p14="http://schemas.microsoft.com/office/powerpoint/2010/main" val="764881631"/>
       </p:ext>
     </p:extLst>
   </p:cSld>
@@ -8182,44 +8174,234 @@
           <a:p>
             <a:r>
               <a:rPr lang="en-US" dirty="0"/>
-              <a:t>Example</a:t>
-            </a:r>
-          </a:p>
-        </p:txBody>
-      </p:sp>
-      <p:pic>
-        <p:nvPicPr>
-          <p:cNvPr id="4" name="Picture 3"/>
-          <p:cNvPicPr>
-            <a:picLocks noChangeAspect="1"/>
-          </p:cNvPicPr>
+              <a:t>Algorithm for Euler cycle using Stack</a:t>
+            </a:r>
+          </a:p>
+        </p:txBody>
+      </p:sp>
+      <p:sp>
+        <p:nvSpPr>
+          <p:cNvPr id="3" name="Content Placeholder 2"/>
+          <p:cNvSpPr>
+            <a:spLocks noGrp="1"/>
+          </p:cNvSpPr>
+          <p:nvPr>
+            <p:ph idx="1"/>
+          </p:nvPr>
+        </p:nvSpPr>
+        <p:spPr>
+          <a:xfrm>
+            <a:off x="76200" y="1066800"/>
+            <a:ext cx="8915400" cy="1905000"/>
+          </a:xfrm>
+        </p:spPr>
+        <p:txBody>
+          <a:bodyPr>
+            <a:normAutofit fontScale="92500" lnSpcReduction="20000"/>
+          </a:bodyPr>
+          <a:lstStyle/>
+          <a:p>
+            <a:r>
+              <a:rPr lang="en-US" dirty="0"/>
+              <a:t>Algorithm Euler (G)</a:t>
+            </a:r>
+          </a:p>
+          <a:p>
+            <a:r>
+              <a:rPr lang="en-US" b="1" dirty="0"/>
+              <a:t>Input</a:t>
+            </a:r>
+            <a:r>
+              <a:rPr lang="en-US" dirty="0"/>
+              <a:t>: Connected graph G with all vertices having even degrees</a:t>
+            </a:r>
+          </a:p>
+          <a:p>
+            <a:r>
+              <a:rPr lang="en-US" b="1" dirty="0"/>
+              <a:t>Output</a:t>
+            </a:r>
+            <a:r>
+              <a:rPr lang="en-US" dirty="0"/>
+              <a:t>: Euler cycle</a:t>
+            </a:r>
+          </a:p>
+          <a:p>
+            <a:endParaRPr lang="en-US" dirty="0"/>
+          </a:p>
+        </p:txBody>
+      </p:sp>
+      <p:sp>
+        <p:nvSpPr>
+          <p:cNvPr id="4" name="TextBox 3"/>
+          <p:cNvSpPr txBox="1"/>
           <p:nvPr/>
-        </p:nvPicPr>
-        <p:blipFill>
-          <a:blip r:embed="rId2"/>
-          <a:stretch>
-            <a:fillRect/>
-          </a:stretch>
-        </p:blipFill>
-        <p:spPr>
-          <a:xfrm>
-            <a:off x="1066800" y="990600"/>
-            <a:ext cx="7048027" cy="4787900"/>
+        </p:nvSpPr>
+        <p:spPr>
+          <a:xfrm>
+            <a:off x="152400" y="2895600"/>
+            <a:ext cx="8839200" cy="3416320"/>
           </a:xfrm>
           <a:prstGeom prst="rect">
             <a:avLst/>
           </a:prstGeom>
+          <a:solidFill>
+            <a:srgbClr val="FFFFFF"/>
+          </a:solidFill>
           <a:ln>
             <a:solidFill>
               <a:srgbClr val="C0504D"/>
             </a:solidFill>
           </a:ln>
         </p:spPr>
-      </p:pic>
+        <p:txBody>
+          <a:bodyPr wrap="square" rtlCol="0">
+            <a:spAutoFit/>
+          </a:bodyPr>
+          <a:lstStyle/>
+          <a:p>
+            <a:r>
+              <a:rPr lang="en-US" dirty="0"/>
+              <a:t>declare a stack S of characters</a:t>
+            </a:r>
+          </a:p>
+          <a:p>
+            <a:r>
+              <a:rPr lang="en-US" dirty="0"/>
+              <a:t>declare empty array E (which will contain Euler cycle)</a:t>
+            </a:r>
+          </a:p>
+          <a:p>
+            <a:r>
+              <a:rPr lang="en-US" dirty="0"/>
+              <a:t>push the vertex X to S</a:t>
+            </a:r>
+          </a:p>
+          <a:p>
+            <a:r>
+              <a:rPr lang="en-US" dirty="0"/>
+              <a:t>while (S is not empty){</a:t>
+            </a:r>
+          </a:p>
+          <a:p>
+            <a:r>
+              <a:rPr lang="en-US" dirty="0"/>
+              <a:t>	</a:t>
+            </a:r>
+            <a:r>
+              <a:rPr lang="en-US" dirty="0" err="1"/>
+              <a:t>ch</a:t>
+            </a:r>
+            <a:r>
+              <a:rPr lang="en-US" dirty="0"/>
+              <a:t> = </a:t>
+            </a:r>
+            <a:r>
+              <a:rPr lang="en-US" b="1" dirty="0">
+                <a:solidFill>
+                  <a:srgbClr val="FF0000"/>
+                </a:solidFill>
+              </a:rPr>
+              <a:t>top </a:t>
+            </a:r>
+            <a:r>
+              <a:rPr lang="en-US" dirty="0"/>
+              <a:t>element of the stack S</a:t>
+            </a:r>
+          </a:p>
+          <a:p>
+            <a:r>
+              <a:rPr lang="en-US" dirty="0"/>
+              <a:t>	if </a:t>
+            </a:r>
+            <a:r>
+              <a:rPr lang="en-US" dirty="0" err="1"/>
+              <a:t>ch</a:t>
+            </a:r>
+            <a:r>
+              <a:rPr lang="en-US" dirty="0"/>
+              <a:t> is isolated then </a:t>
+            </a:r>
+          </a:p>
+          <a:p>
+            <a:r>
+              <a:rPr lang="en-US" dirty="0"/>
+              <a:t>		</a:t>
+            </a:r>
+            <a:r>
+              <a:rPr lang="en-US" b="1" dirty="0">
+                <a:solidFill>
+                  <a:srgbClr val="FF0000"/>
+                </a:solidFill>
+              </a:rPr>
+              <a:t>remove </a:t>
+            </a:r>
+            <a:r>
+              <a:rPr lang="en-US" dirty="0"/>
+              <a:t>it from the stack and put into E</a:t>
+            </a:r>
+          </a:p>
+          <a:p>
+            <a:r>
+              <a:rPr lang="en-US" dirty="0"/>
+              <a:t>	else</a:t>
+            </a:r>
+          </a:p>
+          <a:p>
+            <a:r>
+              <a:rPr lang="en-US" dirty="0"/>
+              <a:t>		select the first vertex Y (by alphabet order), which is adjacent to </a:t>
+            </a:r>
+            <a:r>
+              <a:rPr lang="en-US" dirty="0" err="1"/>
+              <a:t>ch</a:t>
+            </a:r>
+            <a:endParaRPr lang="en-US" dirty="0"/>
+          </a:p>
+          <a:p>
+            <a:r>
+              <a:rPr lang="en-US" dirty="0"/>
+              <a:t>		</a:t>
+            </a:r>
+            <a:r>
+              <a:rPr lang="en-US" b="1" dirty="0">
+                <a:solidFill>
+                  <a:srgbClr val="FF0000"/>
+                </a:solidFill>
+              </a:rPr>
+              <a:t>push</a:t>
+            </a:r>
+            <a:r>
+              <a:rPr lang="en-US" dirty="0"/>
+              <a:t> Y to S and remove the edge (</a:t>
+            </a:r>
+            <a:r>
+              <a:rPr lang="en-US" dirty="0" err="1"/>
+              <a:t>ch</a:t>
+            </a:r>
+            <a:r>
+              <a:rPr lang="en-US" dirty="0"/>
+              <a:t>, Y) from the graph</a:t>
+            </a:r>
+          </a:p>
+          <a:p>
+            <a:r>
+              <a:rPr lang="en-US" dirty="0"/>
+              <a:t>}</a:t>
+            </a:r>
+          </a:p>
+          <a:p>
+            <a:r>
+              <a:rPr lang="en-US" dirty="0"/>
+              <a:t>The last array E obtained is an Euler cycle of the graph</a:t>
+            </a:r>
+          </a:p>
+        </p:txBody>
+      </p:sp>
     </p:spTree>
     <p:extLst>
       <p:ext uri="{BB962C8B-B14F-4D97-AF65-F5344CB8AC3E}">
-        <p14:creationId xmlns:p14="http://schemas.microsoft.com/office/powerpoint/2010/main" val="764881631"/>
+        <p14:creationId xmlns:p14="http://schemas.microsoft.com/office/powerpoint/2010/main" val="2326478121"/>
       </p:ext>
     </p:extLst>
   </p:cSld>
@@ -8263,7 +8445,7 @@
           <a:p>
             <a:r>
               <a:rPr lang="en-US" dirty="0"/>
-              <a:t>Algorithm for Euler cycle using Stack</a:t>
+              <a:t>Theorem 2. Necessary and Sufficient</a:t>
             </a:r>
           </a:p>
         </p:txBody>
@@ -8278,211 +8460,61 @@
             <p:ph idx="1"/>
           </p:nvPr>
         </p:nvSpPr>
-        <p:spPr>
-          <a:xfrm>
-            <a:off x="76200" y="1066800"/>
-            <a:ext cx="8915400" cy="1905000"/>
-          </a:xfrm>
-        </p:spPr>
-        <p:txBody>
-          <a:bodyPr>
-            <a:normAutofit fontScale="92500" lnSpcReduction="20000"/>
-          </a:bodyPr>
+        <p:spPr/>
+        <p:txBody>
+          <a:bodyPr/>
           <a:lstStyle/>
           <a:p>
             <a:r>
               <a:rPr lang="en-US" dirty="0"/>
-              <a:t>Algorithm Euler (G)</a:t>
-            </a:r>
-          </a:p>
-          <a:p>
-            <a:r>
-              <a:rPr lang="en-US" b="1" dirty="0"/>
-              <a:t>Input</a:t>
-            </a:r>
-            <a:r>
-              <a:rPr lang="en-US" dirty="0"/>
-              <a:t>: Connected graph G with all vertices having even degrees</a:t>
-            </a:r>
-          </a:p>
-          <a:p>
-            <a:r>
-              <a:rPr lang="en-US" b="1" dirty="0"/>
-              <a:t>Output</a:t>
-            </a:r>
-            <a:r>
-              <a:rPr lang="en-US" dirty="0"/>
-              <a:t>: Euler cycle</a:t>
-            </a:r>
-          </a:p>
-          <a:p>
-            <a:endParaRPr lang="en-US" dirty="0"/>
-          </a:p>
-        </p:txBody>
-      </p:sp>
-      <p:sp>
-        <p:nvSpPr>
-          <p:cNvPr id="4" name="TextBox 3"/>
-          <p:cNvSpPr txBox="1"/>
-          <p:nvPr/>
-        </p:nvSpPr>
-        <p:spPr>
-          <a:xfrm>
-            <a:off x="152400" y="2895600"/>
-            <a:ext cx="8839200" cy="3416320"/>
-          </a:xfrm>
-          <a:prstGeom prst="rect">
-            <a:avLst/>
-          </a:prstGeom>
-          <a:solidFill>
-            <a:srgbClr val="FFFFFF"/>
-          </a:solidFill>
-          <a:ln>
-            <a:solidFill>
-              <a:srgbClr val="C0504D"/>
-            </a:solidFill>
-          </a:ln>
-        </p:spPr>
-        <p:txBody>
-          <a:bodyPr wrap="square" rtlCol="0">
-            <a:spAutoFit/>
-          </a:bodyPr>
-          <a:lstStyle/>
-          <a:p>
-            <a:r>
-              <a:rPr lang="en-US" dirty="0"/>
-              <a:t>declare a stack S of characters</a:t>
-            </a:r>
-          </a:p>
-          <a:p>
-            <a:r>
-              <a:rPr lang="en-US" dirty="0"/>
-              <a:t>declare empty array E (which will contain Euler cycle)</a:t>
-            </a:r>
-          </a:p>
-          <a:p>
-            <a:r>
-              <a:rPr lang="en-US" dirty="0"/>
-              <a:t>push the vertex X to S</a:t>
-            </a:r>
-          </a:p>
-          <a:p>
-            <a:r>
-              <a:rPr lang="en-US" dirty="0"/>
-              <a:t>while (S is not empty){</a:t>
-            </a:r>
-          </a:p>
-          <a:p>
-            <a:r>
-              <a:rPr lang="en-US" dirty="0"/>
-              <a:t>	</a:t>
+              <a:t>A connected </a:t>
             </a:r>
             <a:r>
               <a:rPr lang="en-US" dirty="0" err="1"/>
-              <a:t>ch</a:t>
-            </a:r>
-            <a:r>
-              <a:rPr lang="en-US" dirty="0"/>
-              <a:t> = </a:t>
-            </a:r>
-            <a:r>
-              <a:rPr lang="en-US" b="1" dirty="0">
+              <a:t>multigraph</a:t>
+            </a:r>
+            <a:r>
+              <a:rPr lang="en-US" dirty="0"/>
+              <a:t> has an </a:t>
+            </a:r>
+            <a:r>
+              <a:rPr lang="en-US" dirty="0">
                 <a:solidFill>
                   <a:srgbClr val="FF0000"/>
                 </a:solidFill>
               </a:rPr>
-              <a:t>top </a:t>
-            </a:r>
-            <a:r>
-              <a:rPr lang="en-US" dirty="0"/>
-              <a:t>element of the stack S</a:t>
-            </a:r>
-          </a:p>
-          <a:p>
-            <a:r>
-              <a:rPr lang="en-US" dirty="0"/>
-              <a:t>	if </a:t>
-            </a:r>
-            <a:r>
-              <a:rPr lang="en-US" dirty="0" err="1"/>
-              <a:t>ch</a:t>
-            </a:r>
-            <a:r>
-              <a:rPr lang="en-US" dirty="0"/>
-              <a:t> is isolated then </a:t>
-            </a:r>
-          </a:p>
-          <a:p>
-            <a:r>
-              <a:rPr lang="en-US" dirty="0"/>
-              <a:t>		</a:t>
-            </a:r>
-            <a:r>
-              <a:rPr lang="en-US" b="1" dirty="0">
+              <a:t>Euler path </a:t>
+            </a:r>
+            <a:r>
+              <a:rPr lang="en-US" dirty="0"/>
+              <a:t>but not an Euler cycle if and only if</a:t>
+            </a:r>
+          </a:p>
+          <a:p>
+            <a:pPr lvl="1"/>
+            <a:r>
+              <a:rPr lang="en-US" dirty="0"/>
+              <a:t>It has </a:t>
+            </a:r>
+            <a:r>
+              <a:rPr lang="en-US" dirty="0">
                 <a:solidFill>
                   <a:srgbClr val="FF0000"/>
                 </a:solidFill>
               </a:rPr>
-              <a:t>remove </a:t>
-            </a:r>
-            <a:r>
-              <a:rPr lang="en-US" dirty="0"/>
-              <a:t>it from the stack and put into E</a:t>
-            </a:r>
-          </a:p>
-          <a:p>
-            <a:r>
-              <a:rPr lang="en-US" dirty="0"/>
-              <a:t>	else</a:t>
-            </a:r>
-          </a:p>
-          <a:p>
-            <a:r>
-              <a:rPr lang="en-US" dirty="0"/>
-              <a:t>		select the first vertex Y (by alphabet order), which is adjacent to </a:t>
-            </a:r>
-            <a:r>
-              <a:rPr lang="en-US" dirty="0" err="1"/>
-              <a:t>ch</a:t>
-            </a:r>
-            <a:endParaRPr lang="en-US" dirty="0"/>
-          </a:p>
-          <a:p>
-            <a:r>
-              <a:rPr lang="en-US" dirty="0"/>
-              <a:t>		</a:t>
-            </a:r>
-            <a:r>
-              <a:rPr lang="en-US" b="1" dirty="0">
+              <a:t>exactly two vertices </a:t>
+            </a:r>
+            <a:r>
+              <a:rPr lang="en-US" dirty="0"/>
+              <a:t>of </a:t>
+            </a:r>
+            <a:r>
+              <a:rPr lang="en-US" dirty="0">
                 <a:solidFill>
                   <a:srgbClr val="FF0000"/>
                 </a:solidFill>
               </a:rPr>
-              <a:t>push</a:t>
-            </a:r>
-            <a:r>
-              <a:rPr lang="en-US" dirty="0"/>
-              <a:t> Y to S and remove the edge (</a:t>
-            </a:r>
-            <a:r>
-              <a:rPr lang="en-US" dirty="0" err="1"/>
-              <a:t>ch</a:t>
-            </a:r>
-            <a:r>
-              <a:rPr lang="en-US" dirty="0"/>
-              <a:t>, Y) from the graph</a:t>
-            </a:r>
-          </a:p>
-          <a:p>
-            <a:r>
-              <a:rPr lang="en-US" dirty="0"/>
-              <a:t>}</a:t>
-            </a:r>
-          </a:p>
-          <a:p>
-            <a:r>
-              <a:rPr lang="en-US" dirty="0"/>
-              <a:t>The last array E obtained is an Euler cycle of the graph</a:t>
+              <a:t>odd degree</a:t>
             </a:r>
           </a:p>
         </p:txBody>
@@ -8490,7 +8522,7 @@
     </p:spTree>
     <p:extLst>
       <p:ext uri="{BB962C8B-B14F-4D97-AF65-F5344CB8AC3E}">
-        <p14:creationId xmlns:p14="http://schemas.microsoft.com/office/powerpoint/2010/main" val="2326478121"/>
+        <p14:creationId xmlns:p14="http://schemas.microsoft.com/office/powerpoint/2010/main" val="1010356773"/>
       </p:ext>
     </p:extLst>
   </p:cSld>
@@ -8534,19 +8566,19 @@
           <a:p>
             <a:r>
               <a:rPr lang="en-US" dirty="0"/>
-              <a:t>Theorem 2. Necessary and Sufficient</a:t>
-            </a:r>
-          </a:p>
-        </p:txBody>
-      </p:sp>
-      <p:sp>
-        <p:nvSpPr>
-          <p:cNvPr id="3" name="Content Placeholder 2"/>
+              <a:t>Hamiltonian Graphs</a:t>
+            </a:r>
+          </a:p>
+        </p:txBody>
+      </p:sp>
+      <p:sp>
+        <p:nvSpPr>
+          <p:cNvPr id="3" name="Text Placeholder 2"/>
           <p:cNvSpPr>
             <a:spLocks noGrp="1"/>
           </p:cNvSpPr>
           <p:nvPr>
-            <p:ph idx="1"/>
+            <p:ph type="body" idx="1"/>
           </p:nvPr>
         </p:nvSpPr>
         <p:spPr/>
@@ -8556,54 +8588,7 @@
           <a:p>
             <a:r>
               <a:rPr lang="en-US" dirty="0"/>
-              <a:t>A connected </a:t>
-            </a:r>
-            <a:r>
-              <a:rPr lang="en-US" dirty="0" err="1"/>
-              <a:t>multigraph</a:t>
-            </a:r>
-            <a:r>
-              <a:rPr lang="en-US" dirty="0"/>
-              <a:t> has an </a:t>
-            </a:r>
-            <a:r>
-              <a:rPr lang="en-US" dirty="0">
-                <a:solidFill>
-                  <a:srgbClr val="FF0000"/>
-                </a:solidFill>
-              </a:rPr>
-              <a:t>Euler path </a:t>
-            </a:r>
-            <a:r>
-              <a:rPr lang="en-US" dirty="0"/>
-              <a:t>but not an Euler cycle if and only if</a:t>
-            </a:r>
-          </a:p>
-          <a:p>
-            <a:pPr lvl="1"/>
-            <a:r>
-              <a:rPr lang="en-US" dirty="0"/>
-              <a:t>It has </a:t>
-            </a:r>
-            <a:r>
-              <a:rPr lang="en-US" dirty="0">
-                <a:solidFill>
-                  <a:srgbClr val="FF0000"/>
-                </a:solidFill>
-              </a:rPr>
-              <a:t>exactly two vertices </a:t>
-            </a:r>
-            <a:r>
-              <a:rPr lang="en-US" dirty="0"/>
-              <a:t>of </a:t>
-            </a:r>
-            <a:r>
-              <a:rPr lang="en-US" dirty="0">
-                <a:solidFill>
-                  <a:srgbClr val="FF0000"/>
-                </a:solidFill>
-              </a:rPr>
-              <a:t>odd degree</a:t>
+              <a:t>Hamilton Cycles and Paths</a:t>
             </a:r>
           </a:p>
         </p:txBody>
@@ -8611,7 +8596,7 @@
     </p:spTree>
     <p:extLst>
       <p:ext uri="{BB962C8B-B14F-4D97-AF65-F5344CB8AC3E}">
-        <p14:creationId xmlns:p14="http://schemas.microsoft.com/office/powerpoint/2010/main" val="1010356773"/>
+        <p14:creationId xmlns:p14="http://schemas.microsoft.com/office/powerpoint/2010/main" val="1973650639"/>
       </p:ext>
     </p:extLst>
   </p:cSld>
@@ -8648,47 +8633,41 @@
             <p:ph type="title"/>
           </p:nvPr>
         </p:nvSpPr>
-        <p:spPr>
-          <a:xfrm>
-            <a:off x="722313" y="2676525"/>
-            <a:ext cx="7772400" cy="1362075"/>
-          </a:xfrm>
-        </p:spPr>
+        <p:spPr/>
         <p:txBody>
           <a:bodyPr/>
           <a:lstStyle/>
           <a:p>
-            <a:pPr algn="ctr"/>
-            <a:r>
-              <a:rPr lang="en-US" dirty="0">
-                <a:solidFill>
-                  <a:srgbClr val="FF0000"/>
-                </a:solidFill>
-              </a:rPr>
-              <a:t>DAY 2</a:t>
-            </a:r>
-            <a:br>
-              <a:rPr lang="en-US" dirty="0">
-                <a:solidFill>
-                  <a:srgbClr val="FF0000"/>
-                </a:solidFill>
-              </a:rPr>
-            </a:br>
-            <a:r>
-              <a:rPr lang="en-US" dirty="0">
-                <a:solidFill>
-                  <a:srgbClr val="FF0000"/>
-                </a:solidFill>
-              </a:rPr>
-              <a:t>Graphs</a:t>
-            </a:r>
+            <a:r>
+              <a:rPr lang="en-US" dirty="0"/>
+              <a:t>Bellman-Ford Algorithm</a:t>
+            </a:r>
+          </a:p>
+        </p:txBody>
+      </p:sp>
+      <p:sp>
+        <p:nvSpPr>
+          <p:cNvPr id="6" name="Text Placeholder 5"/>
+          <p:cNvSpPr>
+            <a:spLocks noGrp="1"/>
+          </p:cNvSpPr>
+          <p:nvPr>
+            <p:ph type="body" idx="1"/>
+          </p:nvPr>
+        </p:nvSpPr>
+        <p:spPr/>
+        <p:txBody>
+          <a:bodyPr/>
+          <a:lstStyle/>
+          <a:p>
+            <a:endParaRPr lang="en-US"/>
           </a:p>
         </p:txBody>
       </p:sp>
     </p:spTree>
     <p:extLst>
       <p:ext uri="{BB962C8B-B14F-4D97-AF65-F5344CB8AC3E}">
-        <p14:creationId xmlns:p14="http://schemas.microsoft.com/office/powerpoint/2010/main" val="3829200248"/>
+        <p14:creationId xmlns:p14="http://schemas.microsoft.com/office/powerpoint/2010/main" val="2336062699"/>
       </p:ext>
     </p:extLst>
   </p:cSld>
@@ -8717,7 +8696,7 @@
       </p:grpSpPr>
       <p:sp>
         <p:nvSpPr>
-          <p:cNvPr id="2" name="Title 1"/>
+          <p:cNvPr id="4" name="Title 3"/>
           <p:cNvSpPr>
             <a:spLocks noGrp="1"/>
           </p:cNvSpPr>
@@ -8732,37 +8711,94 @@
           <a:p>
             <a:r>
               <a:rPr lang="en-US" dirty="0"/>
-              <a:t>Hamiltonian Graphs</a:t>
-            </a:r>
-          </a:p>
-        </p:txBody>
-      </p:sp>
-      <p:sp>
-        <p:nvSpPr>
-          <p:cNvPr id="3" name="Text Placeholder 2"/>
+              <a:t>Definition</a:t>
+            </a:r>
+          </a:p>
+        </p:txBody>
+      </p:sp>
+      <p:sp>
+        <p:nvSpPr>
+          <p:cNvPr id="5" name="Content Placeholder 4"/>
           <p:cNvSpPr>
             <a:spLocks noGrp="1"/>
           </p:cNvSpPr>
           <p:nvPr>
-            <p:ph type="body" idx="1"/>
+            <p:ph idx="1"/>
           </p:nvPr>
         </p:nvSpPr>
-        <p:spPr/>
-        <p:txBody>
-          <a:bodyPr/>
+        <p:spPr>
+          <a:xfrm>
+            <a:off x="76200" y="1066800"/>
+            <a:ext cx="8915400" cy="1981200"/>
+          </a:xfrm>
+        </p:spPr>
+        <p:txBody>
+          <a:bodyPr>
+            <a:normAutofit fontScale="85000" lnSpcReduction="10000"/>
+          </a:bodyPr>
           <a:lstStyle/>
           <a:p>
             <a:r>
               <a:rPr lang="en-US" dirty="0"/>
-              <a:t>Hamilton Cycles and Paths</a:t>
-            </a:r>
-          </a:p>
-        </p:txBody>
-      </p:sp>
+              <a:t>Hamilton path: visits every vertex of the graph exactly once.</a:t>
+            </a:r>
+          </a:p>
+          <a:p>
+            <a:r>
+              <a:rPr lang="en-US" dirty="0"/>
+              <a:t>Hamilton cycle: Visits </a:t>
+            </a:r>
+            <a:r>
+              <a:rPr lang="en-US" dirty="0">
+                <a:solidFill>
+                  <a:srgbClr val="FF0000"/>
+                </a:solidFill>
+              </a:rPr>
+              <a:t>every vertex </a:t>
+            </a:r>
+            <a:r>
+              <a:rPr lang="en-US" dirty="0"/>
+              <a:t>of the graph exactly once before returning, as the last step, to the starting vertex.</a:t>
+            </a:r>
+          </a:p>
+          <a:p>
+            <a:endParaRPr lang="en-US" dirty="0"/>
+          </a:p>
+        </p:txBody>
+      </p:sp>
+      <p:pic>
+        <p:nvPicPr>
+          <p:cNvPr id="6" name="Picture 5"/>
+          <p:cNvPicPr>
+            <a:picLocks noChangeAspect="1"/>
+          </p:cNvPicPr>
+          <p:nvPr/>
+        </p:nvPicPr>
+        <p:blipFill>
+          <a:blip r:embed="rId2"/>
+          <a:stretch>
+            <a:fillRect/>
+          </a:stretch>
+        </p:blipFill>
+        <p:spPr>
+          <a:xfrm>
+            <a:off x="2108200" y="2667000"/>
+            <a:ext cx="4914900" cy="2514600"/>
+          </a:xfrm>
+          <a:prstGeom prst="rect">
+            <a:avLst/>
+          </a:prstGeom>
+          <a:ln>
+            <a:solidFill>
+              <a:srgbClr val="C0504D"/>
+            </a:solidFill>
+          </a:ln>
+        </p:spPr>
+      </p:pic>
     </p:spTree>
     <p:extLst>
       <p:ext uri="{BB962C8B-B14F-4D97-AF65-F5344CB8AC3E}">
-        <p14:creationId xmlns:p14="http://schemas.microsoft.com/office/powerpoint/2010/main" val="1973650639"/>
+        <p14:creationId xmlns:p14="http://schemas.microsoft.com/office/powerpoint/2010/main" val="3310698219"/>
       </p:ext>
     </p:extLst>
   </p:cSld>
@@ -8791,7 +8827,7 @@
       </p:grpSpPr>
       <p:sp>
         <p:nvSpPr>
-          <p:cNvPr id="4" name="Title 3"/>
+          <p:cNvPr id="2" name="Title 1"/>
           <p:cNvSpPr>
             <a:spLocks noGrp="1"/>
           </p:cNvSpPr>
@@ -8806,14 +8842,14 @@
           <a:p>
             <a:r>
               <a:rPr lang="en-US" dirty="0"/>
-              <a:t>Definition</a:t>
-            </a:r>
-          </a:p>
-        </p:txBody>
-      </p:sp>
-      <p:sp>
-        <p:nvSpPr>
-          <p:cNvPr id="5" name="Content Placeholder 4"/>
+              <a:t>Hamilton Cycles and Paths</a:t>
+            </a:r>
+          </a:p>
+        </p:txBody>
+      </p:sp>
+      <p:sp>
+        <p:nvSpPr>
+          <p:cNvPr id="3" name="Content Placeholder 2"/>
           <p:cNvSpPr>
             <a:spLocks noGrp="1"/>
           </p:cNvSpPr>
@@ -8821,12 +8857,7 @@
             <p:ph idx="1"/>
           </p:nvPr>
         </p:nvSpPr>
-        <p:spPr>
-          <a:xfrm>
-            <a:off x="76200" y="1066800"/>
-            <a:ext cx="8915400" cy="1981200"/>
-          </a:xfrm>
-        </p:spPr>
+        <p:spPr/>
         <p:txBody>
           <a:bodyPr>
             <a:normAutofit fontScale="85000" lnSpcReduction="10000"/>
@@ -8835,13 +8866,23 @@
           <a:p>
             <a:r>
               <a:rPr lang="en-US" dirty="0"/>
-              <a:t>Hamilton path: visits every vertex of the graph exactly once.</a:t>
-            </a:r>
-          </a:p>
-          <a:p>
-            <a:r>
-              <a:rPr lang="en-US" dirty="0"/>
-              <a:t>Hamilton cycle: Visits </a:t>
+              <a:t>No property is known to efficiently verify existence of a Hamilton cycle/path for general graphs.</a:t>
+            </a:r>
+          </a:p>
+          <a:p>
+            <a:r>
+              <a:rPr lang="en-US" dirty="0"/>
+              <a:t>The problem is known to be as difficult as the TSP (find the shortest H. cycle through n cities)</a:t>
+            </a:r>
+          </a:p>
+          <a:p>
+            <a:r>
+              <a:rPr lang="en-US" b="1" dirty="0"/>
+              <a:t>Dirac’s theorem</a:t>
+            </a:r>
+            <a:r>
+              <a:rPr lang="en-US" dirty="0"/>
+              <a:t>: If G is a </a:t>
             </a:r>
             <a:r>
               <a:rPr lang="en-US" dirty="0">
@@ -8849,51 +8890,155 @@
                   <a:srgbClr val="FF0000"/>
                 </a:solidFill>
               </a:rPr>
-              <a:t>every vertex </a:t>
-            </a:r>
-            <a:r>
-              <a:rPr lang="en-US" dirty="0"/>
-              <a:t>of the graph exactly once before returning, as the last step, to the starting vertex.</a:t>
-            </a:r>
-          </a:p>
-          <a:p>
-            <a:endParaRPr lang="en-US" dirty="0"/>
-          </a:p>
-        </p:txBody>
-      </p:sp>
-      <p:pic>
-        <p:nvPicPr>
-          <p:cNvPr id="6" name="Picture 5"/>
-          <p:cNvPicPr>
-            <a:picLocks noChangeAspect="1"/>
-          </p:cNvPicPr>
-          <p:nvPr/>
-        </p:nvPicPr>
-        <p:blipFill>
-          <a:blip r:embed="rId2"/>
-          <a:stretch>
-            <a:fillRect/>
-          </a:stretch>
-        </p:blipFill>
-        <p:spPr>
-          <a:xfrm>
-            <a:off x="2108200" y="2667000"/>
-            <a:ext cx="4914900" cy="2514600"/>
-          </a:xfrm>
-          <a:prstGeom prst="rect">
-            <a:avLst/>
-          </a:prstGeom>
-          <a:ln>
-            <a:solidFill>
-              <a:srgbClr val="C0504D"/>
-            </a:solidFill>
-          </a:ln>
-        </p:spPr>
-      </p:pic>
+              <a:t>simple graph </a:t>
+            </a:r>
+            <a:r>
+              <a:rPr lang="en-US" dirty="0"/>
+              <a:t>with </a:t>
+            </a:r>
+            <a:r>
+              <a:rPr lang="en-US" dirty="0">
+                <a:solidFill>
+                  <a:srgbClr val="FF0000"/>
+                </a:solidFill>
+              </a:rPr>
+              <a:t>n&gt;=3</a:t>
+            </a:r>
+            <a:r>
+              <a:rPr lang="en-US" dirty="0"/>
+              <a:t> vertices such that the </a:t>
+            </a:r>
+            <a:r>
+              <a:rPr lang="en-US" dirty="0">
+                <a:solidFill>
+                  <a:srgbClr val="FF0000"/>
+                </a:solidFill>
+              </a:rPr>
+              <a:t>degree of every vertex is at least n/2</a:t>
+            </a:r>
+            <a:r>
+              <a:rPr lang="en-US" dirty="0"/>
+              <a:t>, then G has a </a:t>
+            </a:r>
+            <a:r>
+              <a:rPr lang="en-US" dirty="0">
+                <a:solidFill>
+                  <a:srgbClr val="FF0000"/>
+                </a:solidFill>
+              </a:rPr>
+              <a:t>Hamilton cycle</a:t>
+            </a:r>
+            <a:r>
+              <a:rPr lang="en-US" dirty="0"/>
+              <a:t>.</a:t>
+            </a:r>
+          </a:p>
+          <a:p>
+            <a:r>
+              <a:rPr lang="en-US" b="1" dirty="0"/>
+              <a:t>Ore’s Theorem</a:t>
+            </a:r>
+            <a:r>
+              <a:rPr lang="en-US" dirty="0"/>
+              <a:t>: If G is a </a:t>
+            </a:r>
+            <a:r>
+              <a:rPr lang="en-US" dirty="0">
+                <a:solidFill>
+                  <a:srgbClr val="FF0000"/>
+                </a:solidFill>
+              </a:rPr>
+              <a:t>simple graph </a:t>
+            </a:r>
+            <a:r>
+              <a:rPr lang="en-US" dirty="0"/>
+              <a:t>with </a:t>
+            </a:r>
+            <a:r>
+              <a:rPr lang="en-US" dirty="0">
+                <a:solidFill>
+                  <a:srgbClr val="FF0000"/>
+                </a:solidFill>
+              </a:rPr>
+              <a:t>n&gt;= 3 </a:t>
+            </a:r>
+            <a:r>
+              <a:rPr lang="en-US" dirty="0"/>
+              <a:t>vertices such that the </a:t>
+            </a:r>
+            <a:r>
+              <a:rPr lang="en-US" dirty="0" err="1">
+                <a:solidFill>
+                  <a:srgbClr val="FF0000"/>
+                </a:solidFill>
+              </a:rPr>
+              <a:t>deg</a:t>
+            </a:r>
+            <a:r>
+              <a:rPr lang="en-US" dirty="0">
+                <a:solidFill>
+                  <a:srgbClr val="FF0000"/>
+                </a:solidFill>
+              </a:rPr>
+              <a:t>(u) +d(v) &gt;=n </a:t>
+            </a:r>
+            <a:r>
+              <a:rPr lang="en-US" dirty="0"/>
+              <a:t>for </a:t>
+            </a:r>
+            <a:r>
+              <a:rPr lang="en-US" dirty="0">
+                <a:solidFill>
+                  <a:srgbClr val="FF0000"/>
+                </a:solidFill>
+              </a:rPr>
+              <a:t>every pair of nonadjacent vertices</a:t>
+            </a:r>
+            <a:r>
+              <a:rPr lang="en-US" dirty="0"/>
+              <a:t> u and v, then </a:t>
+            </a:r>
+            <a:r>
+              <a:rPr lang="en-US" dirty="0">
+                <a:solidFill>
+                  <a:srgbClr val="FF0000"/>
+                </a:solidFill>
+              </a:rPr>
+              <a:t>G has a Hamilton cycle</a:t>
+            </a:r>
+            <a:r>
+              <a:rPr lang="en-US" dirty="0"/>
+              <a:t>.</a:t>
+            </a:r>
+          </a:p>
+          <a:p>
+            <a:r>
+              <a:rPr lang="en-US" b="1" dirty="0"/>
+              <a:t>Theorem</a:t>
+            </a:r>
+            <a:r>
+              <a:rPr lang="en-US" dirty="0"/>
+              <a:t>: If G=(V, E) is a </a:t>
+            </a:r>
+            <a:r>
+              <a:rPr lang="en-US" dirty="0">
+                <a:solidFill>
+                  <a:srgbClr val="FF0000"/>
+                </a:solidFill>
+              </a:rPr>
+              <a:t>complete directed graph </a:t>
+            </a:r>
+            <a:r>
+              <a:rPr lang="en-US" dirty="0"/>
+              <a:t>then G has a Hamilton Cycle.</a:t>
+            </a:r>
+          </a:p>
+        </p:txBody>
+      </p:sp>
     </p:spTree>
     <p:extLst>
       <p:ext uri="{BB962C8B-B14F-4D97-AF65-F5344CB8AC3E}">
-        <p14:creationId xmlns:p14="http://schemas.microsoft.com/office/powerpoint/2010/main" val="3310698219"/>
+        <p14:creationId xmlns:p14="http://schemas.microsoft.com/office/powerpoint/2010/main" val="4166726288"/>
       </p:ext>
     </p:extLst>
   </p:cSld>
@@ -8932,12 +9077,14 @@
         </p:nvSpPr>
         <p:spPr/>
         <p:txBody>
-          <a:bodyPr/>
+          <a:bodyPr>
+            <a:normAutofit fontScale="90000"/>
+          </a:bodyPr>
           <a:lstStyle/>
           <a:p>
             <a:r>
               <a:rPr lang="en-US" dirty="0"/>
-              <a:t>Hamilton Cycles and Paths</a:t>
+              <a:t>Find Hamilton’s cycle using backtracking</a:t>
             </a:r>
           </a:p>
         </p:txBody>
@@ -8952,32 +9099,135 @@
             <p:ph idx="1"/>
           </p:nvPr>
         </p:nvSpPr>
-        <p:spPr/>
+        <p:spPr>
+          <a:xfrm>
+            <a:off x="76200" y="838200"/>
+            <a:ext cx="8915400" cy="2286000"/>
+          </a:xfrm>
+        </p:spPr>
         <p:txBody>
           <a:bodyPr>
-            <a:normAutofit fontScale="85000" lnSpcReduction="10000"/>
+            <a:normAutofit fontScale="92500" lnSpcReduction="20000"/>
           </a:bodyPr>
           <a:lstStyle/>
           <a:p>
             <a:r>
               <a:rPr lang="en-US" dirty="0"/>
-              <a:t>No property is known to efficiently verify existence of a Hamilton cycle/path for general graphs.</a:t>
-            </a:r>
-          </a:p>
-          <a:p>
-            <a:r>
-              <a:rPr lang="en-US" dirty="0"/>
-              <a:t>The problem is known to be as difficult as the TSP (find the shortest H. cycle through n cities)</a:t>
-            </a:r>
-          </a:p>
-          <a:p>
-            <a:r>
-              <a:rPr lang="en-US" b="1" dirty="0"/>
-              <a:t>Dirac’s theorem</a:t>
-            </a:r>
-            <a:r>
-              <a:rPr lang="en-US" dirty="0"/>
-              <a:t>: If G is a </a:t>
+              <a:t>Given the graph G=(V, E) and X is a vertex of G. </a:t>
+            </a:r>
+          </a:p>
+          <a:p>
+            <a:r>
+              <a:rPr lang="en-US" dirty="0"/>
+              <a:t>Suppose there exists at least one Hamilton cycle for the graph.</a:t>
+            </a:r>
+          </a:p>
+          <a:p>
+            <a:r>
+              <a:rPr lang="en-US" dirty="0"/>
+              <a:t>The following is a backtracking algorithm for finding one Hamilton cycle from the vertex X.</a:t>
+            </a:r>
+          </a:p>
+        </p:txBody>
+      </p:sp>
+      <p:sp>
+        <p:nvSpPr>
+          <p:cNvPr id="4" name="TextBox 3"/>
+          <p:cNvSpPr txBox="1"/>
+          <p:nvPr/>
+        </p:nvSpPr>
+        <p:spPr>
+          <a:xfrm>
+            <a:off x="304800" y="3048000"/>
+            <a:ext cx="8534400" cy="2862323"/>
+          </a:xfrm>
+          <a:prstGeom prst="rect">
+            <a:avLst/>
+          </a:prstGeom>
+          <a:solidFill>
+            <a:srgbClr val="FFFFFF"/>
+          </a:solidFill>
+          <a:ln>
+            <a:solidFill>
+              <a:srgbClr val="C0504D"/>
+            </a:solidFill>
+          </a:ln>
+        </p:spPr>
+        <p:txBody>
+          <a:bodyPr wrap="square" rtlCol="0">
+            <a:spAutoFit/>
+          </a:bodyPr>
+          <a:lstStyle/>
+          <a:p>
+            <a:r>
+              <a:rPr lang="en-US" dirty="0"/>
+              <a:t>Declare an empty array H (which will contain Hamilton cycle)</a:t>
+            </a:r>
+          </a:p>
+          <a:p>
+            <a:r>
+              <a:rPr lang="en-US" dirty="0"/>
+              <a:t>1. Put the vertex X to H</a:t>
+            </a:r>
+          </a:p>
+          <a:p>
+            <a:r>
+              <a:rPr lang="en-US" dirty="0"/>
+              <a:t>2. Check if H is a Hamilton cycle then stop, else go to 3.</a:t>
+            </a:r>
+          </a:p>
+          <a:p>
+            <a:r>
+              <a:rPr lang="en-US" dirty="0"/>
+              <a:t>3. Consider the last vertex Y in H</a:t>
+            </a:r>
+          </a:p>
+          <a:p>
+            <a:r>
+              <a:rPr lang="en-US" dirty="0"/>
+              <a:t>	if there is/are </a:t>
+            </a:r>
+            <a:r>
+              <a:rPr lang="en-US" dirty="0" err="1"/>
+              <a:t>vert</a:t>
+            </a:r>
+            <a:r>
+              <a:rPr lang="en-US" dirty="0"/>
+              <a:t>(ex/ices) adjacent to Y</a:t>
+            </a:r>
+          </a:p>
+          <a:p>
+            <a:r>
+              <a:rPr lang="en-US" dirty="0"/>
+              <a:t>		select an adjacent vertex Z and put to H</a:t>
+            </a:r>
+          </a:p>
+          <a:p>
+            <a:r>
+              <a:rPr lang="en-US" dirty="0"/>
+              <a:t>	if there is no adjacent vertex</a:t>
+            </a:r>
+          </a:p>
+          <a:p>
+            <a:r>
+              <a:rPr lang="en-US" dirty="0"/>
+              <a:t>		remove Y from H and denote it as bad selection</a:t>
+            </a:r>
+          </a:p>
+          <a:p>
+            <a:r>
+              <a:rPr lang="en-US" dirty="0"/>
+              <a:t>		(so you do not select it in the same way again)</a:t>
+            </a:r>
+          </a:p>
+          <a:p>
+            <a:r>
+              <a:rPr lang="en-US" dirty="0" err="1">
+                <a:solidFill>
+                  <a:srgbClr val="FF0000"/>
+                </a:solidFill>
+              </a:rPr>
+              <a:t>Goto</a:t>
             </a:r>
             <a:r>
               <a:rPr lang="en-US" dirty="0">
@@ -8985,147 +9235,11 @@
                   <a:srgbClr val="FF0000"/>
                 </a:solidFill>
               </a:rPr>
-              <a:t>simple graph </a:t>
-            </a:r>
-            <a:r>
-              <a:rPr lang="en-US" dirty="0"/>
-              <a:t>with </a:t>
-            </a:r>
-            <a:r>
-              <a:rPr lang="en-US" dirty="0">
-                <a:solidFill>
-                  <a:srgbClr val="FF0000"/>
-                </a:solidFill>
-              </a:rPr>
-              <a:t>n&gt;=3</a:t>
-            </a:r>
-            <a:r>
-              <a:rPr lang="en-US" dirty="0"/>
-              <a:t> vertices such that the </a:t>
-            </a:r>
-            <a:r>
-              <a:rPr lang="en-US" dirty="0">
-                <a:solidFill>
-                  <a:srgbClr val="FF0000"/>
-                </a:solidFill>
-              </a:rPr>
-              <a:t>degree of every vertex is at least n/2</a:t>
-            </a:r>
-            <a:r>
-              <a:rPr lang="en-US" dirty="0"/>
-              <a:t>, then G has a </a:t>
-            </a:r>
-            <a:r>
-              <a:rPr lang="en-US" dirty="0">
-                <a:solidFill>
-                  <a:srgbClr val="FF0000"/>
-                </a:solidFill>
-              </a:rPr>
-              <a:t>Hamilton cycle</a:t>
+              <a:t> 2</a:t>
             </a:r>
             <a:r>
               <a:rPr lang="en-US" dirty="0"/>
               <a:t>.</a:t>
-            </a:r>
-          </a:p>
-          <a:p>
-            <a:r>
-              <a:rPr lang="en-US" b="1" dirty="0"/>
-              <a:t>Ore’s Theorem</a:t>
-            </a:r>
-            <a:r>
-              <a:rPr lang="en-US" dirty="0"/>
-              <a:t>: If G is a </a:t>
-            </a:r>
-            <a:r>
-              <a:rPr lang="en-US" dirty="0">
-                <a:solidFill>
-                  <a:srgbClr val="FF0000"/>
-                </a:solidFill>
-              </a:rPr>
-              <a:t>simple graph </a:t>
-            </a:r>
-            <a:r>
-              <a:rPr lang="en-US" dirty="0"/>
-              <a:t>with </a:t>
-            </a:r>
-            <a:r>
-              <a:rPr lang="en-US" dirty="0">
-                <a:solidFill>
-                  <a:srgbClr val="FF0000"/>
-                </a:solidFill>
-              </a:rPr>
-              <a:t>n&gt;= 3 </a:t>
-            </a:r>
-            <a:r>
-              <a:rPr lang="en-US" dirty="0"/>
-              <a:t>vertices such that the </a:t>
-            </a:r>
-            <a:r>
-              <a:rPr lang="en-US" dirty="0" err="1">
-                <a:solidFill>
-                  <a:srgbClr val="FF0000"/>
-                </a:solidFill>
-              </a:rPr>
-              <a:t>deg</a:t>
-            </a:r>
-            <a:r>
-              <a:rPr lang="en-US" dirty="0">
-                <a:solidFill>
-                  <a:srgbClr val="FF0000"/>
-                </a:solidFill>
-              </a:rPr>
-              <a:t>(u) +d(v) &gt;=n </a:t>
-            </a:r>
-            <a:r>
-              <a:rPr lang="en-US" dirty="0"/>
-              <a:t>for </a:t>
-            </a:r>
-            <a:r>
-              <a:rPr lang="en-US" dirty="0">
-                <a:solidFill>
-                  <a:srgbClr val="FF0000"/>
-                </a:solidFill>
-              </a:rPr>
-              <a:t>every pair of nonadjacent vertices</a:t>
-            </a:r>
-            <a:r>
-              <a:rPr lang="en-US" dirty="0"/>
-              <a:t> u and v, then </a:t>
-            </a:r>
-            <a:r>
-              <a:rPr lang="en-US" dirty="0">
-                <a:solidFill>
-                  <a:srgbClr val="FF0000"/>
-                </a:solidFill>
-              </a:rPr>
-              <a:t>G has a Hamilton cycle</a:t>
-            </a:r>
-            <a:r>
-              <a:rPr lang="en-US" dirty="0"/>
-              <a:t>.</a:t>
-            </a:r>
-          </a:p>
-          <a:p>
-            <a:r>
-              <a:rPr lang="en-US" b="1" dirty="0"/>
-              <a:t>Theorem</a:t>
-            </a:r>
-            <a:r>
-              <a:rPr lang="en-US" dirty="0"/>
-              <a:t>: If G=(V, E) is a </a:t>
-            </a:r>
-            <a:r>
-              <a:rPr lang="en-US" dirty="0">
-                <a:solidFill>
-                  <a:srgbClr val="FF0000"/>
-                </a:solidFill>
-              </a:rPr>
-              <a:t>complete directed graph </a:t>
-            </a:r>
-            <a:r>
-              <a:rPr lang="en-US" dirty="0"/>
-              <a:t>then G has a Hamilton Cycle.</a:t>
             </a:r>
           </a:p>
         </p:txBody>
@@ -9133,7 +9247,7 @@
     </p:spTree>
     <p:extLst>
       <p:ext uri="{BB962C8B-B14F-4D97-AF65-F5344CB8AC3E}">
-        <p14:creationId xmlns:p14="http://schemas.microsoft.com/office/powerpoint/2010/main" val="4166726288"/>
+        <p14:creationId xmlns:p14="http://schemas.microsoft.com/office/powerpoint/2010/main" val="443490902"/>
       </p:ext>
     </p:extLst>
   </p:cSld>
@@ -9172,177 +9286,49 @@
         </p:nvSpPr>
         <p:spPr/>
         <p:txBody>
-          <a:bodyPr>
-            <a:normAutofit fontScale="90000"/>
-          </a:bodyPr>
+          <a:bodyPr/>
           <a:lstStyle/>
           <a:p>
             <a:r>
               <a:rPr lang="en-US" dirty="0"/>
-              <a:t>Find Hamilton’s cycle using backtracking</a:t>
-            </a:r>
-          </a:p>
-        </p:txBody>
-      </p:sp>
-      <p:sp>
-        <p:nvSpPr>
-          <p:cNvPr id="3" name="Content Placeholder 2"/>
-          <p:cNvSpPr>
-            <a:spLocks noGrp="1"/>
-          </p:cNvSpPr>
-          <p:nvPr>
-            <p:ph idx="1"/>
-          </p:nvPr>
-        </p:nvSpPr>
-        <p:spPr>
-          <a:xfrm>
-            <a:off x="76200" y="838200"/>
-            <a:ext cx="8915400" cy="2286000"/>
-          </a:xfrm>
-        </p:spPr>
-        <p:txBody>
-          <a:bodyPr>
-            <a:normAutofit fontScale="92500" lnSpcReduction="20000"/>
-          </a:bodyPr>
-          <a:lstStyle/>
-          <a:p>
-            <a:r>
-              <a:rPr lang="en-US" dirty="0"/>
-              <a:t>Given the graph G=(V, E) and X is a vertex of G. </a:t>
-            </a:r>
-          </a:p>
-          <a:p>
-            <a:r>
-              <a:rPr lang="en-US" dirty="0"/>
-              <a:t>Suppose there exists at least one Hamilton cycle for the graph.</a:t>
-            </a:r>
-          </a:p>
-          <a:p>
-            <a:r>
-              <a:rPr lang="en-US" dirty="0"/>
-              <a:t>The following is a backtracking algorithm for finding one Hamilton cycle from the vertex X.</a:t>
-            </a:r>
-          </a:p>
-        </p:txBody>
-      </p:sp>
-      <p:sp>
-        <p:nvSpPr>
-          <p:cNvPr id="4" name="TextBox 3"/>
-          <p:cNvSpPr txBox="1"/>
+              <a:t>Example</a:t>
+            </a:r>
+          </a:p>
+        </p:txBody>
+      </p:sp>
+      <p:pic>
+        <p:nvPicPr>
+          <p:cNvPr id="4" name="Picture 3"/>
+          <p:cNvPicPr>
+            <a:picLocks noChangeAspect="1"/>
+          </p:cNvPicPr>
           <p:nvPr/>
-        </p:nvSpPr>
-        <p:spPr>
-          <a:xfrm>
-            <a:off x="304800" y="3048000"/>
-            <a:ext cx="8534400" cy="2862323"/>
+        </p:nvPicPr>
+        <p:blipFill>
+          <a:blip r:embed="rId2"/>
+          <a:stretch>
+            <a:fillRect/>
+          </a:stretch>
+        </p:blipFill>
+        <p:spPr>
+          <a:xfrm>
+            <a:off x="539655" y="1143000"/>
+            <a:ext cx="8070945" cy="4343400"/>
           </a:xfrm>
           <a:prstGeom prst="rect">
             <a:avLst/>
           </a:prstGeom>
-          <a:solidFill>
-            <a:srgbClr val="FFFFFF"/>
-          </a:solidFill>
           <a:ln>
             <a:solidFill>
               <a:srgbClr val="C0504D"/>
             </a:solidFill>
           </a:ln>
         </p:spPr>
-        <p:txBody>
-          <a:bodyPr wrap="square" rtlCol="0">
-            <a:spAutoFit/>
-          </a:bodyPr>
-          <a:lstStyle/>
-          <a:p>
-            <a:r>
-              <a:rPr lang="en-US" dirty="0"/>
-              <a:t>Declare an empty array H (which will contain Hamilton cycle)</a:t>
-            </a:r>
-          </a:p>
-          <a:p>
-            <a:r>
-              <a:rPr lang="en-US" dirty="0"/>
-              <a:t>1. Put the vertex X to H</a:t>
-            </a:r>
-          </a:p>
-          <a:p>
-            <a:r>
-              <a:rPr lang="en-US" dirty="0"/>
-              <a:t>2. Check if H is a Hamilton cycle then stop, else go to 3.</a:t>
-            </a:r>
-          </a:p>
-          <a:p>
-            <a:r>
-              <a:rPr lang="en-US" dirty="0"/>
-              <a:t>3. Consider the last vertex Y in H</a:t>
-            </a:r>
-          </a:p>
-          <a:p>
-            <a:r>
-              <a:rPr lang="en-US" dirty="0"/>
-              <a:t>	if there is/are </a:t>
-            </a:r>
-            <a:r>
-              <a:rPr lang="en-US" dirty="0" err="1"/>
-              <a:t>vert</a:t>
-            </a:r>
-            <a:r>
-              <a:rPr lang="en-US" dirty="0"/>
-              <a:t>(ex/ices) adjacent to Y</a:t>
-            </a:r>
-          </a:p>
-          <a:p>
-            <a:r>
-              <a:rPr lang="en-US" dirty="0"/>
-              <a:t>		select an adjacent vertex Z and put to H</a:t>
-            </a:r>
-          </a:p>
-          <a:p>
-            <a:r>
-              <a:rPr lang="en-US" dirty="0"/>
-              <a:t>	if there is no adjacent vertex</a:t>
-            </a:r>
-          </a:p>
-          <a:p>
-            <a:r>
-              <a:rPr lang="en-US" dirty="0"/>
-              <a:t>		remove Y from H and denote it as bad selection</a:t>
-            </a:r>
-          </a:p>
-          <a:p>
-            <a:r>
-              <a:rPr lang="en-US" dirty="0"/>
-              <a:t>		(so you do not select it in the same way again)</a:t>
-            </a:r>
-          </a:p>
-          <a:p>
-            <a:r>
-              <a:rPr lang="en-US" dirty="0" err="1">
-                <a:solidFill>
-                  <a:srgbClr val="FF0000"/>
-                </a:solidFill>
-              </a:rPr>
-              <a:t>Goto</a:t>
-            </a:r>
-            <a:r>
-              <a:rPr lang="en-US" dirty="0">
-                <a:solidFill>
-                  <a:srgbClr val="FF0000"/>
-                </a:solidFill>
-              </a:rPr>
-              <a:t> 2</a:t>
-            </a:r>
-            <a:r>
-              <a:rPr lang="en-US" dirty="0"/>
-              <a:t>.</a:t>
-            </a:r>
-          </a:p>
-        </p:txBody>
-      </p:sp>
+      </p:pic>
     </p:spTree>
     <p:extLst>
       <p:ext uri="{BB962C8B-B14F-4D97-AF65-F5344CB8AC3E}">
-        <p14:creationId xmlns:p14="http://schemas.microsoft.com/office/powerpoint/2010/main" val="443490902"/>
+        <p14:creationId xmlns:p14="http://schemas.microsoft.com/office/powerpoint/2010/main" val="704309198"/>
       </p:ext>
     </p:extLst>
   </p:cSld>
@@ -9371,7 +9357,7 @@
       </p:grpSpPr>
       <p:sp>
         <p:nvSpPr>
-          <p:cNvPr id="2" name="Title 1"/>
+          <p:cNvPr id="4" name="Title 3"/>
           <p:cNvSpPr>
             <a:spLocks noGrp="1"/>
           </p:cNvSpPr>
@@ -9386,44 +9372,34 @@
           <a:p>
             <a:r>
               <a:rPr lang="en-US" dirty="0"/>
-              <a:t>Example</a:t>
-            </a:r>
-          </a:p>
-        </p:txBody>
-      </p:sp>
-      <p:pic>
-        <p:nvPicPr>
-          <p:cNvPr id="4" name="Picture 3"/>
-          <p:cNvPicPr>
-            <a:picLocks noChangeAspect="1"/>
-          </p:cNvPicPr>
-          <p:nvPr/>
-        </p:nvPicPr>
-        <p:blipFill>
-          <a:blip r:embed="rId2"/>
-          <a:stretch>
-            <a:fillRect/>
-          </a:stretch>
-        </p:blipFill>
-        <p:spPr>
-          <a:xfrm>
-            <a:off x="539655" y="1143000"/>
-            <a:ext cx="8070945" cy="4343400"/>
-          </a:xfrm>
-          <a:prstGeom prst="rect">
-            <a:avLst/>
-          </a:prstGeom>
-          <a:ln>
-            <a:solidFill>
-              <a:srgbClr val="C0504D"/>
-            </a:solidFill>
-          </a:ln>
-        </p:spPr>
-      </p:pic>
+              <a:t>Graph Coloring</a:t>
+            </a:r>
+          </a:p>
+        </p:txBody>
+      </p:sp>
+      <p:sp>
+        <p:nvSpPr>
+          <p:cNvPr id="5" name="Text Placeholder 4"/>
+          <p:cNvSpPr>
+            <a:spLocks noGrp="1"/>
+          </p:cNvSpPr>
+          <p:nvPr>
+            <p:ph type="body" idx="1"/>
+          </p:nvPr>
+        </p:nvSpPr>
+        <p:spPr/>
+        <p:txBody>
+          <a:bodyPr/>
+          <a:lstStyle/>
+          <a:p>
+            <a:endParaRPr lang="en-US"/>
+          </a:p>
+        </p:txBody>
+      </p:sp>
     </p:spTree>
     <p:extLst>
       <p:ext uri="{BB962C8B-B14F-4D97-AF65-F5344CB8AC3E}">
-        <p14:creationId xmlns:p14="http://schemas.microsoft.com/office/powerpoint/2010/main" val="704309198"/>
+        <p14:creationId xmlns:p14="http://schemas.microsoft.com/office/powerpoint/2010/main" val="2803189779"/>
       </p:ext>
     </p:extLst>
   </p:cSld>
@@ -9474,12 +9450,12 @@
       </p:sp>
       <p:sp>
         <p:nvSpPr>
-          <p:cNvPr id="5" name="Text Placeholder 4"/>
+          <p:cNvPr id="5" name="Content Placeholder 4"/>
           <p:cNvSpPr>
             <a:spLocks noGrp="1"/>
           </p:cNvSpPr>
           <p:nvPr>
-            <p:ph type="body" idx="1"/>
+            <p:ph idx="1"/>
           </p:nvPr>
         </p:nvSpPr>
         <p:spPr/>
@@ -9487,14 +9463,45 @@
           <a:bodyPr/>
           <a:lstStyle/>
           <a:p>
-            <a:endParaRPr lang="en-US"/>
+            <a:r>
+              <a:rPr lang="en-US" dirty="0"/>
+              <a:t>In graph theory, graph coloring is a way of coloring the vertices of a graph such that no two adjacent vertices share the same color.</a:t>
+            </a:r>
+          </a:p>
+          <a:p>
+            <a:r>
+              <a:rPr lang="en-US" dirty="0"/>
+              <a:t>If the chromatic number of graph G is denoted by X(G).</a:t>
+            </a:r>
+          </a:p>
+          <a:p>
+            <a:pPr lvl="1"/>
+            <a:r>
+              <a:rPr lang="en-US" dirty="0"/>
+              <a:t>Graph for which k=X(G) is called k-colorable.</a:t>
+            </a:r>
+          </a:p>
+          <a:p>
+            <a:pPr lvl="1"/>
+            <a:r>
+              <a:rPr lang="en-US" dirty="0"/>
+              <a:t>Chromatic number of a graph is the minimum number of colors one can use to color the vertices of the graph so that </a:t>
+            </a:r>
+            <a:r>
+              <a:rPr lang="en-US" b="1" dirty="0"/>
+              <a:t>no</a:t>
+            </a:r>
+            <a:r>
+              <a:rPr lang="en-US" dirty="0"/>
+              <a:t> two adjacent vertices have the same color.</a:t>
+            </a:r>
           </a:p>
         </p:txBody>
       </p:sp>
     </p:spTree>
     <p:extLst>
       <p:ext uri="{BB962C8B-B14F-4D97-AF65-F5344CB8AC3E}">
-        <p14:creationId xmlns:p14="http://schemas.microsoft.com/office/powerpoint/2010/main" val="2803189779"/>
+        <p14:creationId xmlns:p14="http://schemas.microsoft.com/office/powerpoint/2010/main" val="370870289"/>
       </p:ext>
     </p:extLst>
   </p:cSld>
@@ -9523,7 +9530,7 @@
       </p:grpSpPr>
       <p:sp>
         <p:nvSpPr>
-          <p:cNvPr id="4" name="Title 3"/>
+          <p:cNvPr id="2" name="Title 1"/>
           <p:cNvSpPr>
             <a:spLocks noGrp="1"/>
           </p:cNvSpPr>
@@ -9538,65 +9545,39 @@
           <a:p>
             <a:r>
               <a:rPr lang="en-US" dirty="0"/>
-              <a:t>Graph Coloring</a:t>
-            </a:r>
-          </a:p>
-        </p:txBody>
-      </p:sp>
-      <p:sp>
-        <p:nvSpPr>
-          <p:cNvPr id="5" name="Content Placeholder 4"/>
-          <p:cNvSpPr>
-            <a:spLocks noGrp="1"/>
-          </p:cNvSpPr>
-          <p:nvPr>
-            <p:ph idx="1"/>
-          </p:nvPr>
-        </p:nvSpPr>
-        <p:spPr/>
-        <p:txBody>
-          <a:bodyPr/>
-          <a:lstStyle/>
-          <a:p>
-            <a:r>
-              <a:rPr lang="en-US" dirty="0"/>
-              <a:t>In graph theory, graph coloring is a way of coloring the vertices of a graph such that no two adjacent vertices share the same color.</a:t>
-            </a:r>
-          </a:p>
-          <a:p>
-            <a:r>
-              <a:rPr lang="en-US" dirty="0"/>
-              <a:t>If the chromatic number of graph G is denoted by X(G).</a:t>
-            </a:r>
-          </a:p>
-          <a:p>
-            <a:pPr lvl="1"/>
-            <a:r>
-              <a:rPr lang="en-US" dirty="0"/>
-              <a:t>Graph for which k=X(G) is called k-colorable.</a:t>
-            </a:r>
-          </a:p>
-          <a:p>
-            <a:pPr lvl="1"/>
-            <a:r>
-              <a:rPr lang="en-US" dirty="0"/>
-              <a:t>Chromatic number of a graph is the minimum number of colors one can use to color the vertices of the graph so that </a:t>
-            </a:r>
-            <a:r>
-              <a:rPr lang="en-US" b="1" dirty="0"/>
-              <a:t>no</a:t>
-            </a:r>
-            <a:r>
-              <a:rPr lang="en-US" dirty="0"/>
-              <a:t> two adjacent vertices have the same color.</a:t>
-            </a:r>
-          </a:p>
-        </p:txBody>
-      </p:sp>
+              <a:t>Graph coloring example</a:t>
+            </a:r>
+          </a:p>
+        </p:txBody>
+      </p:sp>
+      <p:pic>
+        <p:nvPicPr>
+          <p:cNvPr id="4" name="Picture 3"/>
+          <p:cNvPicPr>
+            <a:picLocks noChangeAspect="1"/>
+          </p:cNvPicPr>
+          <p:nvPr/>
+        </p:nvPicPr>
+        <p:blipFill>
+          <a:blip r:embed="rId2"/>
+          <a:stretch>
+            <a:fillRect/>
+          </a:stretch>
+        </p:blipFill>
+        <p:spPr>
+          <a:xfrm>
+            <a:off x="3225800" y="2184400"/>
+            <a:ext cx="2679700" cy="2476500"/>
+          </a:xfrm>
+          <a:prstGeom prst="rect">
+            <a:avLst/>
+          </a:prstGeom>
+        </p:spPr>
+      </p:pic>
     </p:spTree>
     <p:extLst>
       <p:ext uri="{BB962C8B-B14F-4D97-AF65-F5344CB8AC3E}">
-        <p14:creationId xmlns:p14="http://schemas.microsoft.com/office/powerpoint/2010/main" val="370870289"/>
+        <p14:creationId xmlns:p14="http://schemas.microsoft.com/office/powerpoint/2010/main" val="181746955"/>
       </p:ext>
     </p:extLst>
   </p:cSld>
@@ -9640,39 +9621,192 @@
           <a:p>
             <a:r>
               <a:rPr lang="en-US" dirty="0"/>
-              <a:t>Graph coloring example</a:t>
-            </a:r>
-          </a:p>
-        </p:txBody>
-      </p:sp>
-      <p:pic>
-        <p:nvPicPr>
-          <p:cNvPr id="4" name="Picture 3"/>
-          <p:cNvPicPr>
-            <a:picLocks noChangeAspect="1"/>
-          </p:cNvPicPr>
+              <a:t>Sequential coloring</a:t>
+            </a:r>
+          </a:p>
+        </p:txBody>
+      </p:sp>
+      <p:sp>
+        <p:nvSpPr>
+          <p:cNvPr id="3" name="Content Placeholder 2"/>
+          <p:cNvSpPr>
+            <a:spLocks noGrp="1"/>
+          </p:cNvSpPr>
+          <p:nvPr>
+            <p:ph idx="1"/>
+          </p:nvPr>
+        </p:nvSpPr>
+        <p:spPr>
+          <a:xfrm>
+            <a:off x="76200" y="762000"/>
+            <a:ext cx="8915400" cy="2286000"/>
+          </a:xfrm>
+        </p:spPr>
+        <p:txBody>
+          <a:bodyPr>
+            <a:normAutofit fontScale="92500" lnSpcReduction="20000"/>
+          </a:bodyPr>
+          <a:lstStyle/>
+          <a:p>
+            <a:r>
+              <a:rPr lang="en-US" dirty="0"/>
+              <a:t>Establishes </a:t>
+            </a:r>
+          </a:p>
+          <a:p>
+            <a:pPr lvl="1"/>
+            <a:r>
+              <a:rPr lang="en-US" dirty="0"/>
+              <a:t>A sequence of vertices and </a:t>
+            </a:r>
+          </a:p>
+          <a:p>
+            <a:pPr lvl="1"/>
+            <a:r>
+              <a:rPr lang="en-US" dirty="0"/>
+              <a:t>A sequence of colors </a:t>
+            </a:r>
+          </a:p>
+          <a:p>
+            <a:r>
+              <a:rPr lang="en-US" dirty="0"/>
+              <a:t>And then </a:t>
+            </a:r>
+          </a:p>
+          <a:p>
+            <a:pPr lvl="1"/>
+            <a:r>
+              <a:rPr lang="en-US" dirty="0"/>
+              <a:t>Color the next vertex with the lowest number possible.</a:t>
+            </a:r>
+          </a:p>
+        </p:txBody>
+      </p:sp>
+      <p:sp>
+        <p:nvSpPr>
+          <p:cNvPr id="4" name="TextBox 3"/>
+          <p:cNvSpPr txBox="1"/>
           <p:nvPr/>
-        </p:nvPicPr>
-        <p:blipFill>
-          <a:blip r:embed="rId2"/>
-          <a:stretch>
-            <a:fillRect/>
-          </a:stretch>
-        </p:blipFill>
-        <p:spPr>
-          <a:xfrm>
-            <a:off x="3225800" y="2184400"/>
-            <a:ext cx="2679700" cy="2476500"/>
+        </p:nvSpPr>
+        <p:spPr>
+          <a:xfrm>
+            <a:off x="381000" y="3429000"/>
+            <a:ext cx="8069374" cy="2031325"/>
           </a:xfrm>
           <a:prstGeom prst="rect">
             <a:avLst/>
           </a:prstGeom>
-        </p:spPr>
-      </p:pic>
+          <a:solidFill>
+            <a:srgbClr val="FFFFFF"/>
+          </a:solidFill>
+          <a:ln>
+            <a:solidFill>
+              <a:srgbClr val="C0504D"/>
+            </a:solidFill>
+          </a:ln>
+        </p:spPr>
+        <p:txBody>
+          <a:bodyPr wrap="none" rtlCol="0">
+            <a:spAutoFit/>
+          </a:bodyPr>
+          <a:lstStyle/>
+          <a:p>
+            <a:r>
+              <a:rPr lang="en-US" dirty="0" err="1"/>
+              <a:t>sequentialColoringAlgorithm</a:t>
+            </a:r>
+            <a:r>
+              <a:rPr lang="en-US" dirty="0"/>
+              <a:t>(graph=(V,E))</a:t>
+            </a:r>
+          </a:p>
+          <a:p>
+            <a:r>
+              <a:rPr lang="en-US" dirty="0"/>
+              <a:t>put vertices in a certain order Vp1, Vp2, …, </a:t>
+            </a:r>
+            <a:r>
+              <a:rPr lang="en-US" dirty="0" err="1"/>
+              <a:t>Vpv</a:t>
+            </a:r>
+            <a:r>
+              <a:rPr lang="en-US" dirty="0"/>
+              <a:t>;</a:t>
+            </a:r>
+          </a:p>
+          <a:p>
+            <a:r>
+              <a:rPr lang="en-US" dirty="0"/>
+              <a:t>put colors in a certain order C1, C2, …, </a:t>
+            </a:r>
+            <a:r>
+              <a:rPr lang="en-US" dirty="0" err="1"/>
+              <a:t>Ck</a:t>
+            </a:r>
+            <a:r>
+              <a:rPr lang="en-US" dirty="0"/>
+              <a:t>;</a:t>
+            </a:r>
+          </a:p>
+          <a:p>
+            <a:r>
+              <a:rPr lang="en-US" dirty="0"/>
+              <a:t>for </a:t>
+            </a:r>
+            <a:r>
+              <a:rPr lang="en-US" dirty="0" err="1"/>
+              <a:t>i</a:t>
+            </a:r>
+            <a:r>
+              <a:rPr lang="en-US" dirty="0"/>
+              <a:t>=1 to |V|</a:t>
+            </a:r>
+          </a:p>
+          <a:p>
+            <a:r>
+              <a:rPr lang="en-US" dirty="0"/>
+              <a:t>	j=the smallest index of color that does not appear in neighbor of </a:t>
+            </a:r>
+            <a:r>
+              <a:rPr lang="en-US" dirty="0" err="1"/>
+              <a:t>Vpi</a:t>
+            </a:r>
+            <a:r>
+              <a:rPr lang="en-US" dirty="0"/>
+              <a:t>;</a:t>
+            </a:r>
+          </a:p>
+          <a:p>
+            <a:r>
+              <a:rPr lang="en-US" dirty="0"/>
+              <a:t>	color(</a:t>
+            </a:r>
+            <a:r>
+              <a:rPr lang="en-US" dirty="0" err="1"/>
+              <a:t>Vpi</a:t>
+            </a:r>
+            <a:r>
+              <a:rPr lang="en-US" dirty="0"/>
+              <a:t>) = </a:t>
+            </a:r>
+            <a:r>
+              <a:rPr lang="en-US" dirty="0" err="1"/>
+              <a:t>Cj</a:t>
+            </a:r>
+            <a:r>
+              <a:rPr lang="en-US" dirty="0"/>
+              <a:t>.</a:t>
+            </a:r>
+          </a:p>
+          <a:p>
+            <a:endParaRPr lang="en-US" dirty="0"/>
+          </a:p>
+        </p:txBody>
+      </p:sp>
     </p:spTree>
     <p:extLst>
       <p:ext uri="{BB962C8B-B14F-4D97-AF65-F5344CB8AC3E}">
-        <p14:creationId xmlns:p14="http://schemas.microsoft.com/office/powerpoint/2010/main" val="181746955"/>
+        <p14:creationId xmlns:p14="http://schemas.microsoft.com/office/powerpoint/2010/main" val="717957236"/>
       </p:ext>
     </p:extLst>
   </p:cSld>
@@ -9716,7 +9850,7 @@
           <a:p>
             <a:r>
               <a:rPr lang="en-US" dirty="0"/>
-              <a:t>Sequential coloring</a:t>
+              <a:t>Largest first</a:t>
             </a:r>
           </a:p>
         </p:txBody>
@@ -9731,177 +9865,34 @@
             <p:ph idx="1"/>
           </p:nvPr>
         </p:nvSpPr>
-        <p:spPr>
-          <a:xfrm>
-            <a:off x="76200" y="762000"/>
-            <a:ext cx="8915400" cy="2286000"/>
-          </a:xfrm>
-        </p:spPr>
-        <p:txBody>
-          <a:bodyPr>
-            <a:normAutofit fontScale="92500" lnSpcReduction="20000"/>
-          </a:bodyPr>
+        <p:spPr/>
+        <p:txBody>
+          <a:bodyPr/>
           <a:lstStyle/>
           <a:p>
             <a:r>
               <a:rPr lang="en-US" dirty="0"/>
-              <a:t>Establishes </a:t>
-            </a:r>
-          </a:p>
-          <a:p>
-            <a:pPr lvl="1"/>
-            <a:r>
-              <a:rPr lang="en-US" dirty="0"/>
-              <a:t>A sequence of vertices and </a:t>
-            </a:r>
-          </a:p>
-          <a:p>
-            <a:pPr lvl="1"/>
-            <a:r>
-              <a:rPr lang="en-US" dirty="0"/>
-              <a:t>A sequence of colors </a:t>
-            </a:r>
-          </a:p>
-          <a:p>
-            <a:r>
-              <a:rPr lang="en-US" dirty="0"/>
-              <a:t>And then </a:t>
-            </a:r>
-          </a:p>
-          <a:p>
-            <a:pPr lvl="1"/>
-            <a:r>
-              <a:rPr lang="en-US" dirty="0"/>
-              <a:t>Color the next vertex with the lowest number possible.</a:t>
-            </a:r>
-          </a:p>
-        </p:txBody>
-      </p:sp>
-      <p:sp>
-        <p:nvSpPr>
-          <p:cNvPr id="4" name="TextBox 3"/>
-          <p:cNvSpPr txBox="1"/>
-          <p:nvPr/>
-        </p:nvSpPr>
-        <p:spPr>
-          <a:xfrm>
-            <a:off x="381000" y="3429000"/>
-            <a:ext cx="8069374" cy="2031325"/>
-          </a:xfrm>
-          <a:prstGeom prst="rect">
-            <a:avLst/>
-          </a:prstGeom>
-          <a:solidFill>
-            <a:srgbClr val="FFFFFF"/>
-          </a:solidFill>
-          <a:ln>
-            <a:solidFill>
-              <a:srgbClr val="C0504D"/>
-            </a:solidFill>
-          </a:ln>
-        </p:spPr>
-        <p:txBody>
-          <a:bodyPr wrap="none" rtlCol="0">
-            <a:spAutoFit/>
-          </a:bodyPr>
-          <a:lstStyle/>
-          <a:p>
-            <a:r>
-              <a:rPr lang="en-US" dirty="0" err="1"/>
-              <a:t>sequentialColoringAlgorithm</a:t>
-            </a:r>
-            <a:r>
-              <a:rPr lang="en-US" dirty="0"/>
-              <a:t>(graph=(V,E))</a:t>
-            </a:r>
-          </a:p>
-          <a:p>
-            <a:r>
-              <a:rPr lang="en-US" dirty="0"/>
-              <a:t>put vertices in a certain order Vp1, Vp2, …, </a:t>
-            </a:r>
-            <a:r>
-              <a:rPr lang="en-US" dirty="0" err="1"/>
-              <a:t>Vpv</a:t>
-            </a:r>
-            <a:r>
-              <a:rPr lang="en-US" dirty="0"/>
-              <a:t>;</a:t>
-            </a:r>
-          </a:p>
-          <a:p>
-            <a:r>
-              <a:rPr lang="en-US" dirty="0"/>
-              <a:t>put colors in a certain order C1, C2, …, </a:t>
-            </a:r>
-            <a:r>
-              <a:rPr lang="en-US" dirty="0" err="1"/>
-              <a:t>Ck</a:t>
-            </a:r>
-            <a:r>
-              <a:rPr lang="en-US" dirty="0"/>
-              <a:t>;</a:t>
-            </a:r>
-          </a:p>
-          <a:p>
-            <a:r>
-              <a:rPr lang="en-US" dirty="0"/>
-              <a:t>for </a:t>
-            </a:r>
-            <a:r>
-              <a:rPr lang="en-US" dirty="0" err="1"/>
-              <a:t>i</a:t>
-            </a:r>
-            <a:r>
-              <a:rPr lang="en-US" dirty="0"/>
-              <a:t>=1 to |V|</a:t>
-            </a:r>
-          </a:p>
-          <a:p>
-            <a:r>
-              <a:rPr lang="en-US" dirty="0"/>
-              <a:t>	j=the smallest index of color that does not appear in neighbor of </a:t>
-            </a:r>
-            <a:r>
-              <a:rPr lang="en-US" dirty="0" err="1"/>
-              <a:t>Vpi</a:t>
-            </a:r>
-            <a:r>
-              <a:rPr lang="en-US" dirty="0"/>
-              <a:t>;</a:t>
-            </a:r>
-          </a:p>
-          <a:p>
-            <a:r>
-              <a:rPr lang="en-US" dirty="0"/>
-              <a:t>	color(</a:t>
-            </a:r>
-            <a:r>
-              <a:rPr lang="en-US" dirty="0" err="1"/>
-              <a:t>Vpi</a:t>
-            </a:r>
-            <a:r>
-              <a:rPr lang="en-US" dirty="0"/>
-              <a:t>) = </a:t>
-            </a:r>
-            <a:r>
-              <a:rPr lang="en-US" dirty="0" err="1"/>
-              <a:t>Cj</a:t>
-            </a:r>
-            <a:r>
-              <a:rPr lang="en-US" dirty="0"/>
-              <a:t>.</a:t>
-            </a:r>
-          </a:p>
-          <a:p>
-            <a:endParaRPr lang="en-US" dirty="0"/>
+              <a:t>The higher degree a node has, the higher possibility it would be conflicted, so we should color it first.</a:t>
+            </a:r>
+          </a:p>
+          <a:p>
+            <a:r>
+              <a:rPr lang="en-US" dirty="0"/>
+              <a:t>Vertices should be organized so that vertices with high degrees should be placed at the beginning of the sequence</a:t>
+            </a:r>
+          </a:p>
+          <a:p>
+            <a:r>
+              <a:rPr lang="en-US" dirty="0"/>
+              <a:t>This is the largest first version of the algorithm</a:t>
+            </a:r>
           </a:p>
         </p:txBody>
       </p:sp>
     </p:spTree>
     <p:extLst>
       <p:ext uri="{BB962C8B-B14F-4D97-AF65-F5344CB8AC3E}">
-        <p14:creationId xmlns:p14="http://schemas.microsoft.com/office/powerpoint/2010/main" val="717957236"/>
+        <p14:creationId xmlns:p14="http://schemas.microsoft.com/office/powerpoint/2010/main" val="30313455"/>
       </p:ext>
     </p:extLst>
   </p:cSld>
@@ -9945,41 +9936,102 @@
           <a:p>
             <a:r>
               <a:rPr lang="en-US" dirty="0"/>
+              <a:t>Example</a:t>
+            </a:r>
+          </a:p>
+        </p:txBody>
+      </p:sp>
+      <p:pic>
+        <p:nvPicPr>
+          <p:cNvPr id="3" name="Picture 2"/>
+          <p:cNvPicPr>
+            <a:picLocks noChangeAspect="1"/>
+          </p:cNvPicPr>
+          <p:nvPr/>
+        </p:nvPicPr>
+        <p:blipFill>
+          <a:blip r:embed="rId2"/>
+          <a:stretch>
+            <a:fillRect/>
+          </a:stretch>
+        </p:blipFill>
+        <p:spPr>
+          <a:xfrm>
+            <a:off x="0" y="990600"/>
+            <a:ext cx="9144000" cy="4433804"/>
+          </a:xfrm>
+          <a:prstGeom prst="rect">
+            <a:avLst/>
+          </a:prstGeom>
+          <a:ln>
+            <a:solidFill>
+              <a:schemeClr val="accent2"/>
+            </a:solidFill>
+          </a:ln>
+        </p:spPr>
+      </p:pic>
+      <p:sp>
+        <p:nvSpPr>
+          <p:cNvPr id="5" name="TextBox 4"/>
+          <p:cNvSpPr txBox="1"/>
+          <p:nvPr/>
+        </p:nvSpPr>
+        <p:spPr>
+          <a:xfrm>
+            <a:off x="6096000" y="3352800"/>
+            <a:ext cx="1275597" cy="369332"/>
+          </a:xfrm>
+          <a:prstGeom prst="rect">
+            <a:avLst/>
+          </a:prstGeom>
+          <a:noFill/>
+        </p:spPr>
+        <p:txBody>
+          <a:bodyPr wrap="none" rtlCol="0">
+            <a:spAutoFit/>
+          </a:bodyPr>
+          <a:lstStyle/>
+          <a:p>
+            <a:r>
+              <a:rPr lang="en-US" dirty="0">
+                <a:solidFill>
+                  <a:srgbClr val="FF0000"/>
+                </a:solidFill>
+              </a:rPr>
+              <a:t>Sequential</a:t>
+            </a:r>
+          </a:p>
+        </p:txBody>
+      </p:sp>
+      <p:sp>
+        <p:nvSpPr>
+          <p:cNvPr id="6" name="TextBox 5"/>
+          <p:cNvSpPr txBox="1"/>
+          <p:nvPr/>
+        </p:nvSpPr>
+        <p:spPr>
+          <a:xfrm>
+            <a:off x="6096000" y="4495800"/>
+            <a:ext cx="1390563" cy="369332"/>
+          </a:xfrm>
+          <a:prstGeom prst="rect">
+            <a:avLst/>
+          </a:prstGeom>
+          <a:noFill/>
+        </p:spPr>
+        <p:txBody>
+          <a:bodyPr wrap="none" rtlCol="0">
+            <a:spAutoFit/>
+          </a:bodyPr>
+          <a:lstStyle/>
+          <a:p>
+            <a:r>
+              <a:rPr lang="en-US" dirty="0">
+                <a:solidFill>
+                  <a:srgbClr val="FF0000"/>
+                </a:solidFill>
+              </a:rPr>
               <a:t>Largest first</a:t>
-            </a:r>
-          </a:p>
-        </p:txBody>
-      </p:sp>
-      <p:sp>
-        <p:nvSpPr>
-          <p:cNvPr id="3" name="Content Placeholder 2"/>
-          <p:cNvSpPr>
-            <a:spLocks noGrp="1"/>
-          </p:cNvSpPr>
-          <p:nvPr>
-            <p:ph idx="1"/>
-          </p:nvPr>
-        </p:nvSpPr>
-        <p:spPr/>
-        <p:txBody>
-          <a:bodyPr/>
-          <a:lstStyle/>
-          <a:p>
-            <a:r>
-              <a:rPr lang="en-US" dirty="0"/>
-              <a:t>The higher degree a node has, the higher possibility it would be conflicted, so we should color it first.</a:t>
-            </a:r>
-          </a:p>
-          <a:p>
-            <a:r>
-              <a:rPr lang="en-US" dirty="0"/>
-              <a:t>Vertices should be organized so that vertices with high degrees should be placed at the beginning of the sequence</a:t>
-            </a:r>
-          </a:p>
-          <a:p>
-            <a:r>
-              <a:rPr lang="en-US" dirty="0"/>
-              <a:t>This is the largest first version of the algorithm</a:t>
             </a:r>
           </a:p>
         </p:txBody>
@@ -9987,7 +10039,7 @@
     </p:spTree>
     <p:extLst>
       <p:ext uri="{BB962C8B-B14F-4D97-AF65-F5344CB8AC3E}">
-        <p14:creationId xmlns:p14="http://schemas.microsoft.com/office/powerpoint/2010/main" val="30313455"/>
+        <p14:creationId xmlns:p14="http://schemas.microsoft.com/office/powerpoint/2010/main" val="3232222878"/>
       </p:ext>
     </p:extLst>
   </p:cSld>
@@ -10016,7 +10068,7 @@
       </p:grpSpPr>
       <p:sp>
         <p:nvSpPr>
-          <p:cNvPr id="4" name="Title 3"/>
+          <p:cNvPr id="2" name="Title 1"/>
           <p:cNvSpPr>
             <a:spLocks noGrp="1"/>
           </p:cNvSpPr>
@@ -10031,19 +10083,19 @@
           <a:p>
             <a:r>
               <a:rPr lang="en-US" dirty="0"/>
-              <a:t>Bellman-Ford Algorithm</a:t>
-            </a:r>
-          </a:p>
-        </p:txBody>
-      </p:sp>
-      <p:sp>
-        <p:nvSpPr>
-          <p:cNvPr id="6" name="Text Placeholder 5"/>
+              <a:t>Negative weight cycles</a:t>
+            </a:r>
+          </a:p>
+        </p:txBody>
+      </p:sp>
+      <p:sp>
+        <p:nvSpPr>
+          <p:cNvPr id="3" name="Content Placeholder 2"/>
           <p:cNvSpPr>
             <a:spLocks noGrp="1"/>
           </p:cNvSpPr>
           <p:nvPr>
-            <p:ph type="body" idx="1"/>
+            <p:ph idx="1"/>
           </p:nvPr>
         </p:nvSpPr>
         <p:spPr/>
@@ -10051,14 +10103,66 @@
           <a:bodyPr/>
           <a:lstStyle/>
           <a:p>
-            <a:endParaRPr lang="en-US"/>
-          </a:p>
-        </p:txBody>
-      </p:sp>
+            <a:r>
+              <a:rPr lang="en-US" dirty="0"/>
+              <a:t>Recall: If a graph G=(V, E) contains negative weight cycle, then some shortest paths may not exist.</a:t>
+            </a:r>
+          </a:p>
+          <a:p>
+            <a:r>
+              <a:rPr lang="en-US" dirty="0"/>
+              <a:t>Bellman-Ford algorithm: </a:t>
+            </a:r>
+          </a:p>
+          <a:p>
+            <a:pPr lvl="1"/>
+            <a:r>
+              <a:rPr lang="en-US" dirty="0"/>
+              <a:t>Find all shortest-path lengths from a source s in V to al v in V</a:t>
+            </a:r>
+          </a:p>
+          <a:p>
+            <a:pPr lvl="1"/>
+            <a:r>
+              <a:rPr lang="en-US" dirty="0"/>
+              <a:t>Or determines if there’s a negative-weight cycle</a:t>
+            </a:r>
+          </a:p>
+        </p:txBody>
+      </p:sp>
+      <p:pic>
+        <p:nvPicPr>
+          <p:cNvPr id="4" name="Picture 3"/>
+          <p:cNvPicPr>
+            <a:picLocks noChangeAspect="1"/>
+          </p:cNvPicPr>
+          <p:nvPr/>
+        </p:nvPicPr>
+        <p:blipFill>
+          <a:blip r:embed="rId2"/>
+          <a:stretch>
+            <a:fillRect/>
+          </a:stretch>
+        </p:blipFill>
+        <p:spPr>
+          <a:xfrm>
+            <a:off x="1943100" y="4229100"/>
+            <a:ext cx="5257800" cy="1790700"/>
+          </a:xfrm>
+          <a:prstGeom prst="rect">
+            <a:avLst/>
+          </a:prstGeom>
+          <a:ln>
+            <a:solidFill>
+              <a:schemeClr val="accent2"/>
+            </a:solidFill>
+          </a:ln>
+        </p:spPr>
+      </p:pic>
     </p:spTree>
     <p:extLst>
       <p:ext uri="{BB962C8B-B14F-4D97-AF65-F5344CB8AC3E}">
-        <p14:creationId xmlns:p14="http://schemas.microsoft.com/office/powerpoint/2010/main" val="2336062699"/>
+        <p14:creationId xmlns:p14="http://schemas.microsoft.com/office/powerpoint/2010/main" val="1258103468"/>
       </p:ext>
     </p:extLst>
   </p:cSld>
@@ -10087,7 +10191,7 @@
       </p:grpSpPr>
       <p:sp>
         <p:nvSpPr>
-          <p:cNvPr id="2" name="Title 1"/>
+          <p:cNvPr id="14337" name="Title 1"/>
           <p:cNvSpPr>
             <a:spLocks noGrp="1"/>
           </p:cNvSpPr>
@@ -10095,109 +10199,239 @@
             <p:ph type="title"/>
           </p:nvPr>
         </p:nvSpPr>
-        <p:spPr/>
-        <p:txBody>
-          <a:bodyPr/>
-          <a:lstStyle/>
-          <a:p>
-            <a:r>
-              <a:rPr lang="en-US" dirty="0"/>
-              <a:t>Example</a:t>
-            </a:r>
-          </a:p>
-        </p:txBody>
-      </p:sp>
-      <p:pic>
-        <p:nvPicPr>
-          <p:cNvPr id="3" name="Picture 2"/>
-          <p:cNvPicPr>
-            <a:picLocks noChangeAspect="1"/>
-          </p:cNvPicPr>
-          <p:nvPr/>
-        </p:nvPicPr>
-        <p:blipFill>
-          <a:blip r:embed="rId2"/>
-          <a:stretch>
-            <a:fillRect/>
-          </a:stretch>
-        </p:blipFill>
-        <p:spPr>
-          <a:xfrm>
-            <a:off x="0" y="990600"/>
-            <a:ext cx="9144000" cy="4433804"/>
-          </a:xfrm>
-          <a:prstGeom prst="rect">
-            <a:avLst/>
-          </a:prstGeom>
-          <a:ln>
-            <a:solidFill>
-              <a:schemeClr val="accent2"/>
-            </a:solidFill>
-          </a:ln>
-        </p:spPr>
-      </p:pic>
-      <p:sp>
-        <p:nvSpPr>
-          <p:cNvPr id="5" name="TextBox 4"/>
-          <p:cNvSpPr txBox="1"/>
-          <p:nvPr/>
-        </p:nvSpPr>
-        <p:spPr>
-          <a:xfrm>
-            <a:off x="6096000" y="3352800"/>
-            <a:ext cx="1275597" cy="369332"/>
-          </a:xfrm>
-          <a:prstGeom prst="rect">
-            <a:avLst/>
-          </a:prstGeom>
+        <p:spPr bwMode="auto">
           <a:noFill/>
-        </p:spPr>
-        <p:txBody>
-          <a:bodyPr wrap="none" rtlCol="0">
-            <a:spAutoFit/>
+          <a:extLst>
+            <a:ext uri="{909E8E84-426E-40dd-AFC4-6F175D3DCCD1}">
+              <a14:hiddenFill xmlns="" xmlns:a14="http://schemas.microsoft.com/office/drawing/2010/main">
+                <a:solidFill>
+                  <a:srgbClr val="FFFFFF"/>
+                </a:solidFill>
+              </a14:hiddenFill>
+            </a:ext>
+            <a:ext uri="{91240B29-F687-4f45-9708-019B960494DF}">
+              <a14:hiddenLine xmlns="" xmlns:a14="http://schemas.microsoft.com/office/drawing/2010/main" w="9525">
+                <a:solidFill>
+                  <a:srgbClr val="000000"/>
+                </a:solidFill>
+                <a:miter lim="800000"/>
+                <a:headEnd/>
+                <a:tailEnd/>
+              </a14:hiddenLine>
+            </a:ext>
+            <a:ext uri="{FAA26D3D-D897-4be2-8F04-BA451C77F1D7}">
+              <ma14:placeholderFlag xmlns="" xmlns:ma14="http://schemas.microsoft.com/office/mac/drawingml/2011/main" val="1"/>
+            </a:ext>
+          </a:extLst>
+        </p:spPr>
+        <p:txBody>
+          <a:bodyPr vert="horz" wrap="square" lIns="91440" tIns="45720" rIns="91440" bIns="45720" numCol="1" anchor="t" anchorCtr="0" compatLnSpc="1">
+            <a:prstTxWarp prst="textNoShape">
+              <a:avLst/>
+            </a:prstTxWarp>
           </a:bodyPr>
           <a:lstStyle/>
           <a:p>
+            <a:pPr eaLnBrk="1" hangingPunct="1"/>
             <a:r>
               <a:rPr lang="en-US" dirty="0">
+                <a:latin typeface="Calibri" charset="0"/>
+              </a:rPr>
+              <a:t>Summaries</a:t>
+            </a:r>
+          </a:p>
+        </p:txBody>
+      </p:sp>
+      <p:sp>
+        <p:nvSpPr>
+          <p:cNvPr id="14338" name="Content Placeholder 2"/>
+          <p:cNvSpPr>
+            <a:spLocks noGrp="1"/>
+          </p:cNvSpPr>
+          <p:nvPr>
+            <p:ph idx="1"/>
+          </p:nvPr>
+        </p:nvSpPr>
+        <p:spPr bwMode="auto">
+          <a:noFill/>
+          <a:extLst>
+            <a:ext uri="{909E8E84-426E-40dd-AFC4-6F175D3DCCD1}">
+              <a14:hiddenFill xmlns="" xmlns:a14="http://schemas.microsoft.com/office/drawing/2010/main">
                 <a:solidFill>
-                  <a:srgbClr val="FF0000"/>
+                  <a:srgbClr val="FFFFFF"/>
                 </a:solidFill>
-              </a:rPr>
-              <a:t>Sequential</a:t>
-            </a:r>
-          </a:p>
-        </p:txBody>
-      </p:sp>
-      <p:sp>
-        <p:nvSpPr>
-          <p:cNvPr id="6" name="TextBox 5"/>
-          <p:cNvSpPr txBox="1"/>
-          <p:nvPr/>
-        </p:nvSpPr>
-        <p:spPr>
-          <a:xfrm>
-            <a:off x="6096000" y="4495800"/>
-            <a:ext cx="1390563" cy="369332"/>
-          </a:xfrm>
-          <a:prstGeom prst="rect">
-            <a:avLst/>
-          </a:prstGeom>
-          <a:noFill/>
-        </p:spPr>
-        <p:txBody>
-          <a:bodyPr wrap="none" rtlCol="0">
-            <a:spAutoFit/>
+              </a14:hiddenFill>
+            </a:ext>
+            <a:ext uri="{91240B29-F687-4f45-9708-019B960494DF}">
+              <a14:hiddenLine xmlns="" xmlns:a14="http://schemas.microsoft.com/office/drawing/2010/main" w="9525">
+                <a:solidFill>
+                  <a:srgbClr val="000000"/>
+                </a:solidFill>
+                <a:miter lim="800000"/>
+                <a:headEnd/>
+                <a:tailEnd/>
+              </a14:hiddenLine>
+            </a:ext>
+            <a:ext uri="{FAA26D3D-D897-4be2-8F04-BA451C77F1D7}">
+              <ma14:placeholderFlag xmlns="" xmlns:ma14="http://schemas.microsoft.com/office/mac/drawingml/2011/main" val="1"/>
+            </a:ext>
+          </a:extLst>
+        </p:spPr>
+        <p:txBody>
+          <a:bodyPr vert="horz" wrap="square" lIns="91440" tIns="45720" rIns="91440" bIns="45720" numCol="1" anchor="t" anchorCtr="0" compatLnSpc="1">
+            <a:prstTxWarp prst="textNoShape">
+              <a:avLst/>
+            </a:prstTxWarp>
+            <a:normAutofit fontScale="70000" lnSpcReduction="20000"/>
           </a:bodyPr>
           <a:lstStyle/>
           <a:p>
             <a:r>
               <a:rPr lang="en-US" dirty="0">
-                <a:solidFill>
-                  <a:srgbClr val="FF0000"/>
-                </a:solidFill>
+                <a:latin typeface="Calibri" charset="0"/>
               </a:rPr>
-              <a:t>Largest first</a:t>
+              <a:t>Graphs</a:t>
+            </a:r>
+          </a:p>
+          <a:p>
+            <a:r>
+              <a:rPr lang="en-US" dirty="0">
+                <a:latin typeface="Calibri" charset="0"/>
+              </a:rPr>
+              <a:t>Graph Representation</a:t>
+            </a:r>
+          </a:p>
+          <a:p>
+            <a:r>
+              <a:rPr lang="en-US" dirty="0">
+                <a:latin typeface="Calibri" charset="0"/>
+              </a:rPr>
+              <a:t>Graph Traversals</a:t>
+            </a:r>
+          </a:p>
+          <a:p>
+            <a:r>
+              <a:rPr lang="en-US" dirty="0">
+                <a:latin typeface="Calibri" charset="0"/>
+              </a:rPr>
+              <a:t>Connectivity</a:t>
+            </a:r>
+          </a:p>
+          <a:p>
+            <a:r>
+              <a:rPr lang="en-US" dirty="0">
+                <a:latin typeface="Calibri" charset="0"/>
+              </a:rPr>
+              <a:t>Cycle Detection</a:t>
+            </a:r>
+          </a:p>
+          <a:p>
+            <a:r>
+              <a:rPr lang="en-US" dirty="0">
+                <a:latin typeface="Calibri" charset="0"/>
+              </a:rPr>
+              <a:t>Shortest Paths</a:t>
+            </a:r>
+          </a:p>
+          <a:p>
+            <a:pPr lvl="1"/>
+            <a:r>
+              <a:rPr lang="en-US" dirty="0" err="1">
+                <a:latin typeface="Calibri" charset="0"/>
+              </a:rPr>
+              <a:t>Dijsktra</a:t>
+            </a:r>
+            <a:r>
+              <a:rPr lang="en-US" dirty="0">
+                <a:latin typeface="Calibri" charset="0"/>
+              </a:rPr>
+              <a:t> algorithm</a:t>
+            </a:r>
+          </a:p>
+          <a:p>
+            <a:pPr lvl="1"/>
+            <a:r>
+              <a:rPr lang="en-US" dirty="0">
+                <a:latin typeface="Calibri" charset="0"/>
+              </a:rPr>
+              <a:t>Floyd algorithm</a:t>
+            </a:r>
+          </a:p>
+          <a:p>
+            <a:pPr lvl="1"/>
+            <a:r>
+              <a:rPr lang="en-US" dirty="0">
+                <a:latin typeface="Calibri" charset="0"/>
+              </a:rPr>
+              <a:t>Bellman-Ford algorithm</a:t>
+            </a:r>
+          </a:p>
+          <a:p>
+            <a:r>
+              <a:rPr lang="en-US" dirty="0">
+                <a:latin typeface="Calibri" charset="0"/>
+              </a:rPr>
+              <a:t>Spanning Trees</a:t>
+            </a:r>
+          </a:p>
+          <a:p>
+            <a:pPr lvl="1"/>
+            <a:r>
+              <a:rPr lang="en-US" dirty="0" err="1">
+                <a:latin typeface="Calibri" charset="0"/>
+              </a:rPr>
+              <a:t>Kruskal</a:t>
+            </a:r>
+            <a:r>
+              <a:rPr lang="en-US" dirty="0">
+                <a:latin typeface="Calibri" charset="0"/>
+              </a:rPr>
+              <a:t> algorithm</a:t>
+            </a:r>
+          </a:p>
+          <a:p>
+            <a:pPr lvl="1"/>
+            <a:r>
+              <a:rPr lang="en-US" dirty="0" err="1">
+                <a:latin typeface="Calibri" charset="0"/>
+              </a:rPr>
+              <a:t>Dijktra</a:t>
+            </a:r>
+            <a:r>
+              <a:rPr lang="en-US" dirty="0">
+                <a:latin typeface="Calibri" charset="0"/>
+              </a:rPr>
+              <a:t> algorithm</a:t>
+            </a:r>
+          </a:p>
+          <a:p>
+            <a:r>
+              <a:rPr lang="en-US" dirty="0" err="1">
+                <a:latin typeface="Calibri" charset="0"/>
+              </a:rPr>
+              <a:t>Eulerian</a:t>
+            </a:r>
+            <a:r>
+              <a:rPr lang="en-US" dirty="0">
+                <a:latin typeface="Calibri" charset="0"/>
+              </a:rPr>
+              <a:t> and Hamiltonian Graphs</a:t>
+            </a:r>
+          </a:p>
+          <a:p>
+            <a:r>
+              <a:rPr lang="en-US" dirty="0">
+                <a:latin typeface="Calibri" charset="0"/>
+              </a:rPr>
+              <a:t>Graph coloring</a:t>
+            </a:r>
+          </a:p>
+          <a:p>
+            <a:r>
+              <a:rPr lang="en-US" dirty="0">
+                <a:latin typeface="Calibri" charset="0"/>
+              </a:rPr>
+              <a:t>Reading at home</a:t>
             </a:r>
           </a:p>
         </p:txBody>
@@ -10205,7 +10439,7 @@
     </p:spTree>
     <p:extLst>
       <p:ext uri="{BB962C8B-B14F-4D97-AF65-F5344CB8AC3E}">
-        <p14:creationId xmlns:p14="http://schemas.microsoft.com/office/powerpoint/2010/main" val="3232222878"/>
+        <p14:creationId xmlns:p14="http://schemas.microsoft.com/office/powerpoint/2010/main" val="1837843569"/>
       </p:ext>
     </p:extLst>
   </p:cSld>
@@ -10234,283 +10468,6 @@
       </p:grpSpPr>
       <p:sp>
         <p:nvSpPr>
-          <p:cNvPr id="14337" name="Title 1"/>
-          <p:cNvSpPr>
-            <a:spLocks noGrp="1"/>
-          </p:cNvSpPr>
-          <p:nvPr>
-            <p:ph type="title"/>
-          </p:nvPr>
-        </p:nvSpPr>
-        <p:spPr bwMode="auto">
-          <a:noFill/>
-          <a:extLst>
-            <a:ext uri="{909E8E84-426E-40dd-AFC4-6F175D3DCCD1}">
-              <a14:hiddenFill xmlns:a14="http://schemas.microsoft.com/office/drawing/2010/main" xmlns="">
-                <a:solidFill>
-                  <a:srgbClr val="FFFFFF"/>
-                </a:solidFill>
-              </a14:hiddenFill>
-            </a:ext>
-            <a:ext uri="{91240B29-F687-4f45-9708-019B960494DF}">
-              <a14:hiddenLine xmlns:a14="http://schemas.microsoft.com/office/drawing/2010/main" xmlns="" w="9525">
-                <a:solidFill>
-                  <a:srgbClr val="000000"/>
-                </a:solidFill>
-                <a:miter lim="800000"/>
-                <a:headEnd/>
-                <a:tailEnd/>
-              </a14:hiddenLine>
-            </a:ext>
-            <a:ext uri="{FAA26D3D-D897-4be2-8F04-BA451C77F1D7}">
-              <ma14:placeholderFlag xmlns:ma14="http://schemas.microsoft.com/office/mac/drawingml/2011/main" xmlns="" val="1"/>
-            </a:ext>
-          </a:extLst>
-        </p:spPr>
-        <p:txBody>
-          <a:bodyPr vert="horz" wrap="square" lIns="91440" tIns="45720" rIns="91440" bIns="45720" numCol="1" anchor="t" anchorCtr="0" compatLnSpc="1">
-            <a:prstTxWarp prst="textNoShape">
-              <a:avLst/>
-            </a:prstTxWarp>
-          </a:bodyPr>
-          <a:lstStyle/>
-          <a:p>
-            <a:pPr eaLnBrk="1" hangingPunct="1"/>
-            <a:r>
-              <a:rPr lang="en-US" dirty="0">
-                <a:latin typeface="Calibri" charset="0"/>
-              </a:rPr>
-              <a:t>Summaries</a:t>
-            </a:r>
-          </a:p>
-        </p:txBody>
-      </p:sp>
-      <p:sp>
-        <p:nvSpPr>
-          <p:cNvPr id="14338" name="Content Placeholder 2"/>
-          <p:cNvSpPr>
-            <a:spLocks noGrp="1"/>
-          </p:cNvSpPr>
-          <p:nvPr>
-            <p:ph idx="1"/>
-          </p:nvPr>
-        </p:nvSpPr>
-        <p:spPr bwMode="auto">
-          <a:noFill/>
-          <a:extLst>
-            <a:ext uri="{909E8E84-426E-40dd-AFC4-6F175D3DCCD1}">
-              <a14:hiddenFill xmlns:a14="http://schemas.microsoft.com/office/drawing/2010/main" xmlns="">
-                <a:solidFill>
-                  <a:srgbClr val="FFFFFF"/>
-                </a:solidFill>
-              </a14:hiddenFill>
-            </a:ext>
-            <a:ext uri="{91240B29-F687-4f45-9708-019B960494DF}">
-              <a14:hiddenLine xmlns:a14="http://schemas.microsoft.com/office/drawing/2010/main" xmlns="" w="9525">
-                <a:solidFill>
-                  <a:srgbClr val="000000"/>
-                </a:solidFill>
-                <a:miter lim="800000"/>
-                <a:headEnd/>
-                <a:tailEnd/>
-              </a14:hiddenLine>
-            </a:ext>
-            <a:ext uri="{FAA26D3D-D897-4be2-8F04-BA451C77F1D7}">
-              <ma14:placeholderFlag xmlns:ma14="http://schemas.microsoft.com/office/mac/drawingml/2011/main" xmlns="" val="1"/>
-            </a:ext>
-          </a:extLst>
-        </p:spPr>
-        <p:txBody>
-          <a:bodyPr vert="horz" wrap="square" lIns="91440" tIns="45720" rIns="91440" bIns="45720" numCol="1" anchor="t" anchorCtr="0" compatLnSpc="1">
-            <a:prstTxWarp prst="textNoShape">
-              <a:avLst/>
-            </a:prstTxWarp>
-            <a:normAutofit fontScale="70000" lnSpcReduction="20000"/>
-          </a:bodyPr>
-          <a:lstStyle/>
-          <a:p>
-            <a:r>
-              <a:rPr lang="en-US" dirty="0">
-                <a:latin typeface="Calibri" charset="0"/>
-              </a:rPr>
-              <a:t>Graphs</a:t>
-            </a:r>
-          </a:p>
-          <a:p>
-            <a:r>
-              <a:rPr lang="en-US" dirty="0">
-                <a:latin typeface="Calibri" charset="0"/>
-              </a:rPr>
-              <a:t>Graph Representation</a:t>
-            </a:r>
-          </a:p>
-          <a:p>
-            <a:r>
-              <a:rPr lang="en-US" dirty="0">
-                <a:latin typeface="Calibri" charset="0"/>
-              </a:rPr>
-              <a:t>Graph Traversals</a:t>
-            </a:r>
-          </a:p>
-          <a:p>
-            <a:r>
-              <a:rPr lang="en-US" dirty="0">
-                <a:latin typeface="Calibri" charset="0"/>
-              </a:rPr>
-              <a:t>Connectivity</a:t>
-            </a:r>
-          </a:p>
-          <a:p>
-            <a:r>
-              <a:rPr lang="en-US" dirty="0">
-                <a:latin typeface="Calibri" charset="0"/>
-              </a:rPr>
-              <a:t>Cycle Detection</a:t>
-            </a:r>
-          </a:p>
-          <a:p>
-            <a:r>
-              <a:rPr lang="en-US" dirty="0">
-                <a:latin typeface="Calibri" charset="0"/>
-              </a:rPr>
-              <a:t>Shortest Paths</a:t>
-            </a:r>
-          </a:p>
-          <a:p>
-            <a:pPr lvl="1"/>
-            <a:r>
-              <a:rPr lang="en-US" dirty="0" err="1">
-                <a:latin typeface="Calibri" charset="0"/>
-              </a:rPr>
-              <a:t>Dijsktra</a:t>
-            </a:r>
-            <a:r>
-              <a:rPr lang="en-US" dirty="0">
-                <a:latin typeface="Calibri" charset="0"/>
-              </a:rPr>
-              <a:t> algorithm</a:t>
-            </a:r>
-          </a:p>
-          <a:p>
-            <a:pPr lvl="1"/>
-            <a:r>
-              <a:rPr lang="en-US" dirty="0">
-                <a:latin typeface="Calibri" charset="0"/>
-              </a:rPr>
-              <a:t>Floyd algorithm</a:t>
-            </a:r>
-          </a:p>
-          <a:p>
-            <a:pPr lvl="1"/>
-            <a:r>
-              <a:rPr lang="en-US" dirty="0">
-                <a:latin typeface="Calibri" charset="0"/>
-              </a:rPr>
-              <a:t>Bellman-Ford algorithm</a:t>
-            </a:r>
-          </a:p>
-          <a:p>
-            <a:r>
-              <a:rPr lang="en-US" dirty="0">
-                <a:latin typeface="Calibri" charset="0"/>
-              </a:rPr>
-              <a:t>Spanning Trees</a:t>
-            </a:r>
-          </a:p>
-          <a:p>
-            <a:pPr lvl="1"/>
-            <a:r>
-              <a:rPr lang="en-US" dirty="0" err="1">
-                <a:latin typeface="Calibri" charset="0"/>
-              </a:rPr>
-              <a:t>Kruskal</a:t>
-            </a:r>
-            <a:r>
-              <a:rPr lang="en-US" dirty="0">
-                <a:latin typeface="Calibri" charset="0"/>
-              </a:rPr>
-              <a:t> algorithm</a:t>
-            </a:r>
-          </a:p>
-          <a:p>
-            <a:pPr lvl="1"/>
-            <a:r>
-              <a:rPr lang="en-US" dirty="0" err="1">
-                <a:latin typeface="Calibri" charset="0"/>
-              </a:rPr>
-              <a:t>Dijktra</a:t>
-            </a:r>
-            <a:r>
-              <a:rPr lang="en-US" dirty="0">
-                <a:latin typeface="Calibri" charset="0"/>
-              </a:rPr>
-              <a:t> algorithm</a:t>
-            </a:r>
-          </a:p>
-          <a:p>
-            <a:r>
-              <a:rPr lang="en-US" dirty="0" err="1">
-                <a:latin typeface="Calibri" charset="0"/>
-              </a:rPr>
-              <a:t>Eulerian</a:t>
-            </a:r>
-            <a:r>
-              <a:rPr lang="en-US" dirty="0">
-                <a:latin typeface="Calibri" charset="0"/>
-              </a:rPr>
-              <a:t> and Hamiltonian Graphs</a:t>
-            </a:r>
-          </a:p>
-          <a:p>
-            <a:r>
-              <a:rPr lang="en-US" dirty="0">
-                <a:latin typeface="Calibri" charset="0"/>
-              </a:rPr>
-              <a:t>Graph coloring</a:t>
-            </a:r>
-          </a:p>
-          <a:p>
-            <a:r>
-              <a:rPr lang="en-US" dirty="0">
-                <a:latin typeface="Calibri" charset="0"/>
-              </a:rPr>
-              <a:t>Reading at home</a:t>
-            </a:r>
-          </a:p>
-        </p:txBody>
-      </p:sp>
-    </p:spTree>
-    <p:extLst>
-      <p:ext uri="{BB962C8B-B14F-4D97-AF65-F5344CB8AC3E}">
-        <p14:creationId xmlns:p14="http://schemas.microsoft.com/office/powerpoint/2010/main" val="1837843569"/>
-      </p:ext>
-    </p:extLst>
-  </p:cSld>
-  <p:clrMapOvr>
-    <a:masterClrMapping/>
-  </p:clrMapOvr>
-</p:sld>
-</file>
-
-<file path=ppt/slides/slide42.xml><?xml version="1.0" encoding="utf-8"?>
-<p:sld xmlns:a="http://schemas.openxmlformats.org/drawingml/2006/main" xmlns:r="http://schemas.openxmlformats.org/officeDocument/2006/relationships" xmlns:p="http://schemas.openxmlformats.org/presentationml/2006/main">
-  <p:cSld>
-    <p:spTree>
-      <p:nvGrpSpPr>
-        <p:cNvPr id="1" name=""/>
-        <p:cNvGrpSpPr/>
-        <p:nvPr/>
-      </p:nvGrpSpPr>
-      <p:grpSpPr>
-        <a:xfrm>
-          <a:off x="0" y="0"/>
-          <a:ext cx="0" cy="0"/>
-          <a:chOff x="0" y="0"/>
-          <a:chExt cx="0" cy="0"/>
-        </a:xfrm>
-      </p:grpSpPr>
-      <p:sp>
-        <p:nvSpPr>
           <p:cNvPr id="2" name="Title 1"/>
           <p:cNvSpPr>
             <a:spLocks noGrp="1"/>
@@ -12003,7 +11960,7 @@
 </p:sld>
 </file>
 
-<file path=ppt/slides/slide43.xml><?xml version="1.0" encoding="utf-8"?>
+<file path=ppt/slides/slide42.xml><?xml version="1.0" encoding="utf-8"?>
 <p:sld xmlns:a="http://schemas.openxmlformats.org/drawingml/2006/main" xmlns:r="http://schemas.openxmlformats.org/officeDocument/2006/relationships" xmlns:p="http://schemas.openxmlformats.org/presentationml/2006/main">
   <p:cSld>
     <p:spTree>
@@ -12086,129 +12043,6 @@
           <a:p>
             <a:r>
               <a:rPr lang="en-US" dirty="0"/>
-              <a:t>Negative weight cycles</a:t>
-            </a:r>
-          </a:p>
-        </p:txBody>
-      </p:sp>
-      <p:sp>
-        <p:nvSpPr>
-          <p:cNvPr id="3" name="Content Placeholder 2"/>
-          <p:cNvSpPr>
-            <a:spLocks noGrp="1"/>
-          </p:cNvSpPr>
-          <p:nvPr>
-            <p:ph idx="1"/>
-          </p:nvPr>
-        </p:nvSpPr>
-        <p:spPr/>
-        <p:txBody>
-          <a:bodyPr/>
-          <a:lstStyle/>
-          <a:p>
-            <a:r>
-              <a:rPr lang="en-US" dirty="0"/>
-              <a:t>Recall: If a graph G=(V, E) contains negative weight cycle, then some shortest paths may not exist.</a:t>
-            </a:r>
-          </a:p>
-          <a:p>
-            <a:r>
-              <a:rPr lang="en-US" dirty="0"/>
-              <a:t>Bellman-Ford algorithm: </a:t>
-            </a:r>
-          </a:p>
-          <a:p>
-            <a:pPr lvl="1"/>
-            <a:r>
-              <a:rPr lang="en-US" dirty="0"/>
-              <a:t>Find all shortest-path lengths from a source s in V to al v in V</a:t>
-            </a:r>
-          </a:p>
-          <a:p>
-            <a:pPr lvl="1"/>
-            <a:r>
-              <a:rPr lang="en-US" dirty="0"/>
-              <a:t>Or determines if there’s a negative-weight cycle</a:t>
-            </a:r>
-          </a:p>
-        </p:txBody>
-      </p:sp>
-      <p:pic>
-        <p:nvPicPr>
-          <p:cNvPr id="4" name="Picture 3"/>
-          <p:cNvPicPr>
-            <a:picLocks noChangeAspect="1"/>
-          </p:cNvPicPr>
-          <p:nvPr/>
-        </p:nvPicPr>
-        <p:blipFill>
-          <a:blip r:embed="rId2"/>
-          <a:stretch>
-            <a:fillRect/>
-          </a:stretch>
-        </p:blipFill>
-        <p:spPr>
-          <a:xfrm>
-            <a:off x="1943100" y="4229100"/>
-            <a:ext cx="5257800" cy="1790700"/>
-          </a:xfrm>
-          <a:prstGeom prst="rect">
-            <a:avLst/>
-          </a:prstGeom>
-          <a:ln>
-            <a:solidFill>
-              <a:schemeClr val="accent2"/>
-            </a:solidFill>
-          </a:ln>
-        </p:spPr>
-      </p:pic>
-    </p:spTree>
-    <p:extLst>
-      <p:ext uri="{BB962C8B-B14F-4D97-AF65-F5344CB8AC3E}">
-        <p14:creationId xmlns:p14="http://schemas.microsoft.com/office/powerpoint/2010/main" val="1258103468"/>
-      </p:ext>
-    </p:extLst>
-  </p:cSld>
-  <p:clrMapOvr>
-    <a:masterClrMapping/>
-  </p:clrMapOvr>
-</p:sld>
-</file>
-
-<file path=ppt/slides/slide6.xml><?xml version="1.0" encoding="utf-8"?>
-<p:sld xmlns:a="http://schemas.openxmlformats.org/drawingml/2006/main" xmlns:r="http://schemas.openxmlformats.org/officeDocument/2006/relationships" xmlns:p="http://schemas.openxmlformats.org/presentationml/2006/main">
-  <p:cSld>
-    <p:spTree>
-      <p:nvGrpSpPr>
-        <p:cNvPr id="1" name=""/>
-        <p:cNvGrpSpPr/>
-        <p:nvPr/>
-      </p:nvGrpSpPr>
-      <p:grpSpPr>
-        <a:xfrm>
-          <a:off x="0" y="0"/>
-          <a:ext cx="0" cy="0"/>
-          <a:chOff x="0" y="0"/>
-          <a:chExt cx="0" cy="0"/>
-        </a:xfrm>
-      </p:grpSpPr>
-      <p:sp>
-        <p:nvSpPr>
-          <p:cNvPr id="2" name="Title 1"/>
-          <p:cNvSpPr>
-            <a:spLocks noGrp="1"/>
-          </p:cNvSpPr>
-          <p:nvPr>
-            <p:ph type="title"/>
-          </p:nvPr>
-        </p:nvSpPr>
-        <p:spPr/>
-        <p:txBody>
-          <a:bodyPr/>
-          <a:lstStyle/>
-          <a:p>
-            <a:r>
-              <a:rPr lang="en-US" dirty="0"/>
               <a:t>Bellman-Ford algorithm</a:t>
             </a:r>
           </a:p>
@@ -12483,7 +12317,7 @@
 </p:sld>
 </file>
 
-<file path=ppt/slides/slide7.xml><?xml version="1.0" encoding="utf-8"?>
+<file path=ppt/slides/slide6.xml><?xml version="1.0" encoding="utf-8"?>
 <p:sld xmlns:a="http://schemas.openxmlformats.org/drawingml/2006/main" xmlns:r="http://schemas.openxmlformats.org/officeDocument/2006/relationships" xmlns:p="http://schemas.openxmlformats.org/presentationml/2006/main">
   <p:cSld>
     <p:spTree>
@@ -14352,7 +14186,7 @@
           <a:graphicData uri="http://schemas.openxmlformats.org/presentationml/2006/ole">
             <mc:AlternateContent xmlns:mc="http://schemas.openxmlformats.org/markup-compatibility/2006">
               <mc:Choice xmlns:v="urn:schemas-microsoft-com:vml" Requires="v">
-                <p:oleObj spid="_x0000_s1240" name="Equation" r:id="rId3" imgW="3213100" imgH="469900" progId="Equation.3">
+                <p:oleObj spid="_x0000_s1242" name="Equation" r:id="rId3" imgW="3213100" imgH="469900" progId="Equation.3">
                   <p:embed/>
                 </p:oleObj>
               </mc:Choice>
@@ -14408,6 +14242,87 @@
 </p:sld>
 </file>
 
+<file path=ppt/slides/slide7.xml><?xml version="1.0" encoding="utf-8"?>
+<p:sld xmlns:a="http://schemas.openxmlformats.org/drawingml/2006/main" xmlns:r="http://schemas.openxmlformats.org/officeDocument/2006/relationships" xmlns:p="http://schemas.openxmlformats.org/presentationml/2006/main">
+  <p:cSld>
+    <p:spTree>
+      <p:nvGrpSpPr>
+        <p:cNvPr id="1" name=""/>
+        <p:cNvGrpSpPr/>
+        <p:nvPr/>
+      </p:nvGrpSpPr>
+      <p:grpSpPr>
+        <a:xfrm>
+          <a:off x="0" y="0"/>
+          <a:ext cx="0" cy="0"/>
+          <a:chOff x="0" y="0"/>
+          <a:chExt cx="0" cy="0"/>
+        </a:xfrm>
+      </p:grpSpPr>
+      <p:sp>
+        <p:nvSpPr>
+          <p:cNvPr id="2" name="Title 1"/>
+          <p:cNvSpPr>
+            <a:spLocks noGrp="1"/>
+          </p:cNvSpPr>
+          <p:nvPr>
+            <p:ph type="title"/>
+          </p:nvPr>
+        </p:nvSpPr>
+        <p:spPr/>
+        <p:txBody>
+          <a:bodyPr/>
+          <a:lstStyle/>
+          <a:p>
+            <a:r>
+              <a:rPr lang="en-US" dirty="0"/>
+              <a:t>Example</a:t>
+            </a:r>
+          </a:p>
+        </p:txBody>
+      </p:sp>
+      <p:pic>
+        <p:nvPicPr>
+          <p:cNvPr id="4" name="Picture 3"/>
+          <p:cNvPicPr>
+            <a:picLocks noChangeAspect="1"/>
+          </p:cNvPicPr>
+          <p:nvPr/>
+        </p:nvPicPr>
+        <p:blipFill>
+          <a:blip r:embed="rId2"/>
+          <a:stretch>
+            <a:fillRect/>
+          </a:stretch>
+        </p:blipFill>
+        <p:spPr>
+          <a:xfrm>
+            <a:off x="177800" y="1701800"/>
+            <a:ext cx="8775700" cy="3454400"/>
+          </a:xfrm>
+          <a:prstGeom prst="rect">
+            <a:avLst/>
+          </a:prstGeom>
+          <a:ln>
+            <a:solidFill>
+              <a:schemeClr val="accent2"/>
+            </a:solidFill>
+          </a:ln>
+        </p:spPr>
+      </p:pic>
+    </p:spTree>
+    <p:extLst>
+      <p:ext uri="{BB962C8B-B14F-4D97-AF65-F5344CB8AC3E}">
+        <p14:creationId xmlns:p14="http://schemas.microsoft.com/office/powerpoint/2010/main" val="1772641680"/>
+      </p:ext>
+    </p:extLst>
+  </p:cSld>
+  <p:clrMapOvr>
+    <a:masterClrMapping/>
+  </p:clrMapOvr>
+</p:sld>
+</file>
+
 <file path=ppt/slides/slide8.xml><?xml version="1.0" encoding="utf-8"?>
 <p:sld xmlns:a="http://schemas.openxmlformats.org/drawingml/2006/main" xmlns:r="http://schemas.openxmlformats.org/officeDocument/2006/relationships" xmlns:p="http://schemas.openxmlformats.org/presentationml/2006/main">
   <p:cSld>
@@ -14427,59 +14342,56 @@
       </p:grpSpPr>
       <p:sp>
         <p:nvSpPr>
-          <p:cNvPr id="2" name="Title 1"/>
-          <p:cNvSpPr>
-            <a:spLocks noGrp="1"/>
-          </p:cNvSpPr>
-          <p:nvPr>
-            <p:ph type="title"/>
-          </p:nvPr>
-        </p:nvSpPr>
-        <p:spPr/>
-        <p:txBody>
-          <a:bodyPr/>
+          <p:cNvPr id="6" name="Rectangle 5"/>
+          <p:cNvSpPr/>
+          <p:nvPr/>
+        </p:nvSpPr>
+        <p:spPr>
+          <a:xfrm rot="19831809">
+            <a:off x="2027568" y="3081278"/>
+            <a:ext cx="4955459" cy="923330"/>
+          </a:xfrm>
+          <a:prstGeom prst="rect">
+            <a:avLst/>
+          </a:prstGeom>
+          <a:noFill/>
+        </p:spPr>
+        <p:txBody>
+          <a:bodyPr wrap="none" lIns="91440" tIns="45720" rIns="91440" bIns="45720">
+            <a:spAutoFit/>
+          </a:bodyPr>
           <a:lstStyle/>
           <a:p>
-            <a:r>
-              <a:rPr lang="en-US" dirty="0"/>
-              <a:t>Example</a:t>
-            </a:r>
-          </a:p>
-        </p:txBody>
-      </p:sp>
-      <p:pic>
-        <p:nvPicPr>
-          <p:cNvPr id="4" name="Picture 3"/>
-          <p:cNvPicPr>
-            <a:picLocks noChangeAspect="1"/>
-          </p:cNvPicPr>
-          <p:nvPr/>
-        </p:nvPicPr>
-        <p:blipFill>
-          <a:blip r:embed="rId2"/>
-          <a:stretch>
-            <a:fillRect/>
-          </a:stretch>
-        </p:blipFill>
-        <p:spPr>
-          <a:xfrm>
-            <a:off x="177800" y="1701800"/>
-            <a:ext cx="8775700" cy="3454400"/>
-          </a:xfrm>
-          <a:prstGeom prst="rect">
-            <a:avLst/>
-          </a:prstGeom>
-          <a:ln>
-            <a:solidFill>
-              <a:schemeClr val="accent2"/>
-            </a:solidFill>
-          </a:ln>
-        </p:spPr>
-      </p:pic>
+            <a:pPr algn="ctr"/>
+            <a:r>
+              <a:rPr lang="en-US" sz="5400" b="1" cap="none" spc="0" dirty="0">
+                <a:ln w="9525">
+                  <a:solidFill>
+                    <a:schemeClr val="bg1"/>
+                  </a:solidFill>
+                  <a:prstDash val="solid"/>
+                </a:ln>
+                <a:solidFill>
+                  <a:schemeClr val="accent5"/>
+                </a:solidFill>
+                <a:effectLst>
+                  <a:outerShdw blurRad="12700" dist="38100" dir="2700000" algn="tl" rotWithShape="0">
+                    <a:schemeClr val="accent5">
+                      <a:lumMod val="60000"/>
+                      <a:lumOff val="40000"/>
+                    </a:schemeClr>
+                  </a:outerShdw>
+                </a:effectLst>
+              </a:rPr>
+              <a:t>Spanning Tree</a:t>
+            </a:r>
+          </a:p>
+        </p:txBody>
+      </p:sp>
     </p:spTree>
     <p:extLst>
       <p:ext uri="{BB962C8B-B14F-4D97-AF65-F5344CB8AC3E}">
-        <p14:creationId xmlns:p14="http://schemas.microsoft.com/office/powerpoint/2010/main" val="1772641680"/>
+        <p14:creationId xmlns:p14="http://schemas.microsoft.com/office/powerpoint/2010/main" val="3602180743"/>
       </p:ext>
     </p:extLst>
   </p:cSld>
@@ -14508,48 +14420,58 @@
       </p:grpSpPr>
       <p:sp>
         <p:nvSpPr>
-          <p:cNvPr id="6" name="Rectangle 5"/>
-          <p:cNvSpPr/>
-          <p:nvPr/>
-        </p:nvSpPr>
-        <p:spPr>
-          <a:xfrm rot="19831809">
-            <a:off x="2027568" y="3081278"/>
-            <a:ext cx="4955459" cy="923330"/>
-          </a:xfrm>
-          <a:prstGeom prst="rect">
-            <a:avLst/>
-          </a:prstGeom>
-          <a:noFill/>
-        </p:spPr>
-        <p:txBody>
-          <a:bodyPr wrap="none" lIns="91440" tIns="45720" rIns="91440" bIns="45720">
-            <a:spAutoFit/>
+          <p:cNvPr id="4" name="Title 3"/>
+          <p:cNvSpPr>
+            <a:spLocks noGrp="1"/>
+          </p:cNvSpPr>
+          <p:nvPr>
+            <p:ph type="title"/>
+          </p:nvPr>
+        </p:nvSpPr>
+        <p:spPr/>
+        <p:txBody>
+          <a:bodyPr/>
+          <a:lstStyle/>
+          <a:p>
+            <a:r>
+              <a:rPr lang="en-US" dirty="0"/>
+              <a:t>Definition</a:t>
+            </a:r>
+          </a:p>
+        </p:txBody>
+      </p:sp>
+      <p:sp>
+        <p:nvSpPr>
+          <p:cNvPr id="5" name="Content Placeholder 4"/>
+          <p:cNvSpPr>
+            <a:spLocks noGrp="1"/>
+          </p:cNvSpPr>
+          <p:nvPr>
+            <p:ph idx="1"/>
+          </p:nvPr>
+        </p:nvSpPr>
+        <p:spPr>
+          <a:xfrm>
+            <a:off x="76200" y="1066800"/>
+            <a:ext cx="8915400" cy="2590800"/>
+          </a:xfrm>
+        </p:spPr>
+        <p:txBody>
+          <a:bodyPr>
+            <a:normAutofit/>
           </a:bodyPr>
           <a:lstStyle/>
           <a:p>
-            <a:pPr algn="ctr"/>
-            <a:r>
-              <a:rPr lang="en-US" sz="5400" b="1" cap="none" spc="0" dirty="0">
-                <a:ln w="9525">
-                  <a:solidFill>
-                    <a:schemeClr val="bg1"/>
-                  </a:solidFill>
-                  <a:prstDash val="solid"/>
-                </a:ln>
-                <a:solidFill>
-                  <a:schemeClr val="accent5"/>
-                </a:solidFill>
-                <a:effectLst>
-                  <a:outerShdw blurRad="12700" dist="38100" dir="2700000" algn="tl" rotWithShape="0">
-                    <a:schemeClr val="accent5">
-                      <a:lumMod val="60000"/>
-                      <a:lumOff val="40000"/>
-                    </a:schemeClr>
-                  </a:outerShdw>
-                </a:effectLst>
-              </a:rPr>
-              <a:t>Spanning Tree</a:t>
+            <a:r>
+              <a:rPr lang="en-US" dirty="0"/>
+              <a:t>Spanning tree is a tree in which</a:t>
+            </a:r>
+          </a:p>
+          <a:p>
+            <a:pPr lvl="1"/>
+            <a:r>
+              <a:rPr lang="en-US" dirty="0"/>
+              <a:t>There is an algorithm that guarantees generating a tree (or a forest, set of trees) that includes or spans over all vertices of the original graph</a:t>
             </a:r>
           </a:p>
         </p:txBody>
@@ -14557,7 +14479,7 @@
     </p:spTree>
     <p:extLst>
       <p:ext uri="{BB962C8B-B14F-4D97-AF65-F5344CB8AC3E}">
-        <p14:creationId xmlns:p14="http://schemas.microsoft.com/office/powerpoint/2010/main" val="3602180743"/>
+        <p14:creationId xmlns:p14="http://schemas.microsoft.com/office/powerpoint/2010/main" val="2921429768"/>
       </p:ext>
     </p:extLst>
   </p:cSld>

--- a/dsa2017-java-online/handouts/data-day07-graph/Lecture 12 - Chapter 08 - Graphs - Part 2.pptx
+++ b/dsa2017-java-online/handouts/data-day07-graph/Lecture 12 - Chapter 08 - Graphs - Part 2.pptx
@@ -5,7 +5,7 @@
     <p:sldMasterId id="2147483648" r:id="rId1"/>
   </p:sldMasterIdLst>
   <p:notesMasterIdLst>
-    <p:notesMasterId r:id="rId44"/>
+    <p:notesMasterId r:id="rId46"/>
   </p:notesMasterIdLst>
   <p:sldIdLst>
     <p:sldId id="279" r:id="rId2"/>
@@ -19,37 +19,39 @@
     <p:sldId id="291" r:id="rId10"/>
     <p:sldId id="293" r:id="rId11"/>
     <p:sldId id="292" r:id="rId12"/>
-    <p:sldId id="294" r:id="rId13"/>
-    <p:sldId id="295" r:id="rId14"/>
-    <p:sldId id="296" r:id="rId15"/>
-    <p:sldId id="299" r:id="rId16"/>
-    <p:sldId id="297" r:id="rId17"/>
-    <p:sldId id="300" r:id="rId18"/>
-    <p:sldId id="306" r:id="rId19"/>
-    <p:sldId id="301" r:id="rId20"/>
-    <p:sldId id="303" r:id="rId21"/>
-    <p:sldId id="307" r:id="rId22"/>
-    <p:sldId id="308" r:id="rId23"/>
-    <p:sldId id="309" r:id="rId24"/>
-    <p:sldId id="310" r:id="rId25"/>
-    <p:sldId id="311" r:id="rId26"/>
-    <p:sldId id="312" r:id="rId27"/>
-    <p:sldId id="314" r:id="rId28"/>
-    <p:sldId id="315" r:id="rId29"/>
-    <p:sldId id="302" r:id="rId30"/>
-    <p:sldId id="313" r:id="rId31"/>
-    <p:sldId id="316" r:id="rId32"/>
-    <p:sldId id="317" r:id="rId33"/>
-    <p:sldId id="318" r:id="rId34"/>
-    <p:sldId id="319" r:id="rId35"/>
-    <p:sldId id="320" r:id="rId36"/>
-    <p:sldId id="321" r:id="rId37"/>
-    <p:sldId id="322" r:id="rId38"/>
-    <p:sldId id="324" r:id="rId39"/>
-    <p:sldId id="323" r:id="rId40"/>
-    <p:sldId id="283" r:id="rId41"/>
-    <p:sldId id="325" r:id="rId42"/>
-    <p:sldId id="326" r:id="rId43"/>
+    <p:sldId id="328" r:id="rId13"/>
+    <p:sldId id="294" r:id="rId14"/>
+    <p:sldId id="295" r:id="rId15"/>
+    <p:sldId id="296" r:id="rId16"/>
+    <p:sldId id="327" r:id="rId17"/>
+    <p:sldId id="299" r:id="rId18"/>
+    <p:sldId id="297" r:id="rId19"/>
+    <p:sldId id="300" r:id="rId20"/>
+    <p:sldId id="306" r:id="rId21"/>
+    <p:sldId id="301" r:id="rId22"/>
+    <p:sldId id="303" r:id="rId23"/>
+    <p:sldId id="307" r:id="rId24"/>
+    <p:sldId id="308" r:id="rId25"/>
+    <p:sldId id="309" r:id="rId26"/>
+    <p:sldId id="310" r:id="rId27"/>
+    <p:sldId id="311" r:id="rId28"/>
+    <p:sldId id="312" r:id="rId29"/>
+    <p:sldId id="314" r:id="rId30"/>
+    <p:sldId id="315" r:id="rId31"/>
+    <p:sldId id="302" r:id="rId32"/>
+    <p:sldId id="313" r:id="rId33"/>
+    <p:sldId id="316" r:id="rId34"/>
+    <p:sldId id="317" r:id="rId35"/>
+    <p:sldId id="318" r:id="rId36"/>
+    <p:sldId id="319" r:id="rId37"/>
+    <p:sldId id="320" r:id="rId38"/>
+    <p:sldId id="321" r:id="rId39"/>
+    <p:sldId id="322" r:id="rId40"/>
+    <p:sldId id="324" r:id="rId41"/>
+    <p:sldId id="323" r:id="rId42"/>
+    <p:sldId id="283" r:id="rId43"/>
+    <p:sldId id="325" r:id="rId44"/>
+    <p:sldId id="326" r:id="rId45"/>
   </p:sldIdLst>
   <p:sldSz cx="9144000" cy="6858000" type="screen4x3"/>
   <p:notesSz cx="6858000" cy="9144000"/>
@@ -283,7 +285,7 @@
           <a:p>
             <a:fld id="{912909EE-3318-2B49-BBCA-50C0EA6484E2}" type="datetimeFigureOut">
               <a:rPr lang="en-US" smtClean="0"/>
-              <a:t>28-May-17</a:t>
+              <a:t>04-Jun-17</a:t>
             </a:fld>
             <a:endParaRPr lang="en-US"/>
           </a:p>
@@ -807,7 +809,7 @@
           <a:p>
             <a:fld id="{F94E58F1-43C4-3C4A-9C38-277D97C748C3}" type="slidenum">
               <a:rPr lang="en-US" smtClean="0"/>
-              <a:t>31</a:t>
+              <a:t>33</a:t>
             </a:fld>
             <a:endParaRPr lang="en-US"/>
           </a:p>
@@ -903,7 +905,7 @@
           <a:p>
             <a:fld id="{0F700D64-C8A8-F44C-A3D6-898140BB9211}" type="slidenum">
               <a:rPr lang="en-US" smtClean="0"/>
-              <a:t>40</a:t>
+              <a:t>42</a:t>
             </a:fld>
             <a:endParaRPr lang="en-US"/>
           </a:p>
@@ -974,14 +976,14 @@
           </a:ln>
           <a:extLst>
             <a:ext uri="{909E8E84-426E-40dd-AFC4-6F175D3DCCD1}">
-              <a14:hiddenFill xmlns="" xmlns:a14="http://schemas.microsoft.com/office/drawing/2010/main">
+              <a14:hiddenFill xmlns:a14="http://schemas.microsoft.com/office/drawing/2010/main" xmlns="">
                 <a:solidFill>
                   <a:srgbClr val="FFFFFF"/>
                 </a:solidFill>
               </a14:hiddenFill>
             </a:ext>
             <a:ext uri="{91240B29-F687-4f45-9708-019B960494DF}">
-              <a14:hiddenLine xmlns="" xmlns:a14="http://schemas.microsoft.com/office/drawing/2010/main" w="9525">
+              <a14:hiddenLine xmlns:a14="http://schemas.microsoft.com/office/drawing/2010/main" xmlns="" w="9525">
                 <a:solidFill>
                   <a:srgbClr val="000000"/>
                 </a:solidFill>
@@ -3954,14 +3956,14 @@
           </a:ln>
           <a:extLst>
             <a:ext uri="{909E8E84-426E-40dd-AFC4-6F175D3DCCD1}">
-              <a14:hiddenFill xmlns="" xmlns:a14="http://schemas.microsoft.com/office/drawing/2010/main">
+              <a14:hiddenFill xmlns:a14="http://schemas.microsoft.com/office/drawing/2010/main" xmlns="">
                 <a:solidFill>
                   <a:srgbClr val="FFFFFF"/>
                 </a:solidFill>
               </a14:hiddenFill>
             </a:ext>
             <a:ext uri="{91240B29-F687-4f45-9708-019B960494DF}">
-              <a14:hiddenLine xmlns="" xmlns:a14="http://schemas.microsoft.com/office/drawing/2010/main" w="9525">
+              <a14:hiddenLine xmlns:a14="http://schemas.microsoft.com/office/drawing/2010/main" xmlns="" w="9525">
                 <a:solidFill>
                   <a:srgbClr val="000000"/>
                 </a:solidFill>
@@ -4414,14 +4416,14 @@
           <a:noFill/>
           <a:extLst>
             <a:ext uri="{909E8E84-426E-40dd-AFC4-6F175D3DCCD1}">
-              <a14:hiddenFill xmlns="" xmlns:a14="http://schemas.microsoft.com/office/drawing/2010/main">
+              <a14:hiddenFill xmlns:a14="http://schemas.microsoft.com/office/drawing/2010/main" xmlns="">
                 <a:solidFill>
                   <a:srgbClr val="FFFFFF"/>
                 </a:solidFill>
               </a14:hiddenFill>
             </a:ext>
             <a:ext uri="{91240B29-F687-4f45-9708-019B960494DF}">
-              <a14:hiddenLine xmlns="" xmlns:a14="http://schemas.microsoft.com/office/drawing/2010/main" w="9525">
+              <a14:hiddenLine xmlns:a14="http://schemas.microsoft.com/office/drawing/2010/main" xmlns="" w="9525">
                 <a:solidFill>
                   <a:srgbClr val="000000"/>
                 </a:solidFill>
@@ -4431,7 +4433,7 @@
               </a14:hiddenLine>
             </a:ext>
             <a:ext uri="{FAA26D3D-D897-4be2-8F04-BA451C77F1D7}">
-              <ma14:placeholderFlag xmlns="" xmlns:ma14="http://schemas.microsoft.com/office/mac/drawingml/2011/main" val="1"/>
+              <ma14:placeholderFlag xmlns:ma14="http://schemas.microsoft.com/office/mac/drawingml/2011/main" xmlns="" val="1"/>
             </a:ext>
           </a:extLst>
         </p:spPr>
@@ -4823,147 +4825,73 @@
       </p:grpSpPr>
       <p:sp>
         <p:nvSpPr>
-          <p:cNvPr id="2" name="Title 1"/>
-          <p:cNvSpPr>
-            <a:spLocks noGrp="1"/>
-          </p:cNvSpPr>
-          <p:nvPr>
-            <p:ph type="title"/>
-          </p:nvPr>
-        </p:nvSpPr>
-        <p:spPr/>
-        <p:txBody>
-          <a:bodyPr/>
+          <p:cNvPr id="6" name="Rectangle 5"/>
+          <p:cNvSpPr/>
+          <p:nvPr/>
+        </p:nvSpPr>
+        <p:spPr>
+          <a:xfrm rot="19831809">
+            <a:off x="2027569" y="2665780"/>
+            <a:ext cx="4955459" cy="1754326"/>
+          </a:xfrm>
+          <a:prstGeom prst="rect">
+            <a:avLst/>
+          </a:prstGeom>
+          <a:noFill/>
+        </p:spPr>
+        <p:txBody>
+          <a:bodyPr wrap="none" lIns="91440" tIns="45720" rIns="91440" bIns="45720">
+            <a:spAutoFit/>
+          </a:bodyPr>
           <a:lstStyle/>
           <a:p>
-            <a:r>
-              <a:rPr lang="en-US" dirty="0"/>
-              <a:t>Minimum spanning tree</a:t>
-            </a:r>
-          </a:p>
-        </p:txBody>
-      </p:sp>
-      <p:sp>
-        <p:nvSpPr>
-          <p:cNvPr id="3" name="Content Placeholder 2"/>
-          <p:cNvSpPr>
-            <a:spLocks noGrp="1"/>
-          </p:cNvSpPr>
-          <p:nvPr>
-            <p:ph idx="1"/>
-          </p:nvPr>
-        </p:nvSpPr>
-        <p:spPr/>
-        <p:txBody>
-          <a:bodyPr/>
-          <a:lstStyle/>
-          <a:p>
-            <a:r>
-              <a:rPr lang="en-US" dirty="0"/>
-              <a:t>Minimum spanning tree problem has many solutions</a:t>
-            </a:r>
-          </a:p>
-          <a:p>
-            <a:r>
-              <a:rPr lang="en-US" dirty="0"/>
-              <a:t>A popular one is from </a:t>
-            </a:r>
-            <a:r>
-              <a:rPr lang="en-US" dirty="0">
+            <a:pPr algn="ctr"/>
+            <a:r>
+              <a:rPr lang="en-US" sz="5400" b="1" cap="none" spc="0" dirty="0">
+                <a:ln w="9525">
+                  <a:solidFill>
+                    <a:schemeClr val="bg1"/>
+                  </a:solidFill>
+                  <a:prstDash val="solid"/>
+                </a:ln>
                 <a:solidFill>
-                  <a:srgbClr val="FF0000"/>
+                  <a:schemeClr val="accent5"/>
                 </a:solidFill>
-              </a:rPr>
-              <a:t>Joseph </a:t>
-            </a:r>
-            <a:r>
-              <a:rPr lang="en-US" dirty="0" err="1">
-                <a:solidFill>
-                  <a:srgbClr val="FF0000"/>
-                </a:solidFill>
+                <a:effectLst>
+                  <a:outerShdw blurRad="12700" dist="38100" dir="2700000" algn="tl" rotWithShape="0">
+                    <a:schemeClr val="accent5">
+                      <a:lumMod val="60000"/>
+                      <a:lumOff val="40000"/>
+                    </a:schemeClr>
+                  </a:outerShdw>
+                </a:effectLst>
               </a:rPr>
               <a:t>Kruskal</a:t>
             </a:r>
-            <a:r>
-              <a:rPr lang="en-US" dirty="0"/>
-              <a:t>.</a:t>
-            </a:r>
-          </a:p>
-          <a:p>
-            <a:pPr lvl="1"/>
-            <a:r>
-              <a:rPr lang="en-US" dirty="0"/>
-              <a:t>All </a:t>
-            </a:r>
-            <a:r>
-              <a:rPr lang="en-US" dirty="0">
+          </a:p>
+          <a:p>
+            <a:pPr algn="ctr"/>
+            <a:r>
+              <a:rPr lang="en-US" sz="5400" b="1" cap="none" spc="0" dirty="0">
+                <a:ln w="9525">
+                  <a:solidFill>
+                    <a:schemeClr val="bg1"/>
+                  </a:solidFill>
+                  <a:prstDash val="solid"/>
+                </a:ln>
                 <a:solidFill>
-                  <a:srgbClr val="FF0000"/>
+                  <a:schemeClr val="accent5"/>
                 </a:solidFill>
+                <a:effectLst>
+                  <a:outerShdw blurRad="12700" dist="38100" dir="2700000" algn="tl" rotWithShape="0">
+                    <a:schemeClr val="accent5">
+                      <a:lumMod val="60000"/>
+                      <a:lumOff val="40000"/>
+                    </a:schemeClr>
+                  </a:outerShdw>
+                </a:effectLst>
               </a:rPr>
-              <a:t>edges are ordered </a:t>
-            </a:r>
-            <a:r>
-              <a:rPr lang="en-US" dirty="0"/>
-              <a:t>by weight</a:t>
-            </a:r>
-          </a:p>
-          <a:p>
-            <a:pPr lvl="1"/>
-            <a:r>
-              <a:rPr lang="en-US" dirty="0">
-                <a:solidFill>
-                  <a:srgbClr val="FF0000"/>
-                </a:solidFill>
-              </a:rPr>
-              <a:t>Each edge in this ordered </a:t>
-            </a:r>
-            <a:r>
-              <a:rPr lang="en-US" dirty="0"/>
-              <a:t>sequence </a:t>
-            </a:r>
-            <a:r>
-              <a:rPr lang="en-US" dirty="0">
-                <a:solidFill>
-                  <a:srgbClr val="FF0000"/>
-                </a:solidFill>
-              </a:rPr>
-              <a:t>is checked </a:t>
-            </a:r>
-            <a:r>
-              <a:rPr lang="en-US" dirty="0"/>
-              <a:t>to see whether it can be considered part of the tree under construction</a:t>
-            </a:r>
-          </a:p>
-          <a:p>
-            <a:pPr lvl="1"/>
-            <a:r>
-              <a:rPr lang="en-US" dirty="0"/>
-              <a:t>It’s </a:t>
-            </a:r>
-            <a:r>
-              <a:rPr lang="en-US" dirty="0">
-                <a:solidFill>
-                  <a:srgbClr val="FF0000"/>
-                </a:solidFill>
-              </a:rPr>
-              <a:t>added</a:t>
-            </a:r>
-            <a:r>
-              <a:rPr lang="en-US" dirty="0"/>
-              <a:t> to the tree </a:t>
-            </a:r>
-            <a:r>
-              <a:rPr lang="en-US" dirty="0">
-                <a:solidFill>
-                  <a:srgbClr val="FF0000"/>
-                </a:solidFill>
-              </a:rPr>
-              <a:t>if no cycle arises </a:t>
-            </a:r>
-            <a:r>
-              <a:rPr lang="en-US" dirty="0"/>
-              <a:t>after inclusion.</a:t>
+              <a:t>Spanning Tree</a:t>
             </a:r>
           </a:p>
         </p:txBody>
@@ -4971,7 +4899,7 @@
     </p:spTree>
     <p:extLst>
       <p:ext uri="{BB962C8B-B14F-4D97-AF65-F5344CB8AC3E}">
-        <p14:creationId xmlns:p14="http://schemas.microsoft.com/office/powerpoint/2010/main" val="465324704"/>
+        <p14:creationId xmlns:p14="http://schemas.microsoft.com/office/powerpoint/2010/main" val="252023696"/>
       </p:ext>
     </p:extLst>
   </p:cSld>
@@ -5015,52 +4943,140 @@
           <a:p>
             <a:r>
               <a:rPr lang="en-US" dirty="0"/>
+              <a:t>Kruskal: Minimum spanning tree</a:t>
+            </a:r>
+          </a:p>
+        </p:txBody>
+      </p:sp>
+      <p:sp>
+        <p:nvSpPr>
+          <p:cNvPr id="3" name="Content Placeholder 2"/>
+          <p:cNvSpPr>
+            <a:spLocks noGrp="1"/>
+          </p:cNvSpPr>
+          <p:nvPr>
+            <p:ph idx="1"/>
+          </p:nvPr>
+        </p:nvSpPr>
+        <p:spPr/>
+        <p:txBody>
+          <a:bodyPr/>
+          <a:lstStyle/>
+          <a:p>
+            <a:r>
+              <a:rPr lang="en-US" dirty="0"/>
+              <a:t>Minimum spanning tree problem has many solutions</a:t>
+            </a:r>
+          </a:p>
+          <a:p>
+            <a:r>
+              <a:rPr lang="en-US" dirty="0"/>
+              <a:t>A popular one is from </a:t>
+            </a:r>
+            <a:r>
+              <a:rPr lang="en-US" dirty="0">
+                <a:solidFill>
+                  <a:srgbClr val="FF0000"/>
+                </a:solidFill>
+              </a:rPr>
               <a:t>Joseph </a:t>
             </a:r>
             <a:r>
-              <a:rPr lang="en-US" dirty="0" err="1"/>
+              <a:rPr lang="en-US" dirty="0" err="1">
+                <a:solidFill>
+                  <a:srgbClr val="FF0000"/>
+                </a:solidFill>
+              </a:rPr>
               <a:t>Kruskal</a:t>
             </a:r>
             <a:r>
               <a:rPr lang="en-US" dirty="0"/>
-              <a:t> Algorithm</a:t>
-            </a:r>
-          </a:p>
-        </p:txBody>
-      </p:sp>
-      <p:pic>
-        <p:nvPicPr>
-          <p:cNvPr id="4" name="Picture 3"/>
-          <p:cNvPicPr>
-            <a:picLocks noChangeAspect="1"/>
-          </p:cNvPicPr>
-          <p:nvPr/>
-        </p:nvPicPr>
-        <p:blipFill>
-          <a:blip r:embed="rId2"/>
-          <a:stretch>
-            <a:fillRect/>
-          </a:stretch>
-        </p:blipFill>
-        <p:spPr>
-          <a:xfrm>
-            <a:off x="228600" y="914400"/>
-            <a:ext cx="8686800" cy="2349500"/>
-          </a:xfrm>
-          <a:prstGeom prst="rect">
-            <a:avLst/>
-          </a:prstGeom>
-          <a:ln>
-            <a:solidFill>
-              <a:srgbClr val="C0504D"/>
-            </a:solidFill>
-          </a:ln>
-        </p:spPr>
-      </p:pic>
+              <a:t>.</a:t>
+            </a:r>
+          </a:p>
+          <a:p>
+            <a:pPr lvl="1"/>
+            <a:r>
+              <a:rPr lang="en-US" dirty="0"/>
+              <a:t>All </a:t>
+            </a:r>
+            <a:r>
+              <a:rPr lang="en-US" dirty="0">
+                <a:solidFill>
+                  <a:srgbClr val="FF0000"/>
+                </a:solidFill>
+              </a:rPr>
+              <a:t>edges are ordered </a:t>
+            </a:r>
+            <a:r>
+              <a:rPr lang="en-US" dirty="0"/>
+              <a:t>by weight</a:t>
+            </a:r>
+          </a:p>
+          <a:p>
+            <a:pPr lvl="1"/>
+            <a:r>
+              <a:rPr lang="en-US" dirty="0">
+                <a:solidFill>
+                  <a:srgbClr val="FF0000"/>
+                </a:solidFill>
+              </a:rPr>
+              <a:t>Each edge in this ordered </a:t>
+            </a:r>
+            <a:r>
+              <a:rPr lang="en-US" dirty="0"/>
+              <a:t>sequence </a:t>
+            </a:r>
+            <a:r>
+              <a:rPr lang="en-US" dirty="0">
+                <a:solidFill>
+                  <a:srgbClr val="FF0000"/>
+                </a:solidFill>
+              </a:rPr>
+              <a:t>is checked </a:t>
+            </a:r>
+            <a:r>
+              <a:rPr lang="en-US" dirty="0"/>
+              <a:t>to see whether it can be considered part of the tree under construction</a:t>
+            </a:r>
+          </a:p>
+          <a:p>
+            <a:pPr lvl="1"/>
+            <a:r>
+              <a:rPr lang="en-US" dirty="0"/>
+              <a:t>It’s </a:t>
+            </a:r>
+            <a:r>
+              <a:rPr lang="en-US" dirty="0">
+                <a:solidFill>
+                  <a:srgbClr val="FF0000"/>
+                </a:solidFill>
+              </a:rPr>
+              <a:t>added</a:t>
+            </a:r>
+            <a:r>
+              <a:rPr lang="en-US" dirty="0"/>
+              <a:t> to the tree </a:t>
+            </a:r>
+            <a:r>
+              <a:rPr lang="en-US" dirty="0">
+                <a:solidFill>
+                  <a:srgbClr val="FF0000"/>
+                </a:solidFill>
+              </a:rPr>
+              <a:t>if no cycle arises </a:t>
+            </a:r>
+            <a:r>
+              <a:rPr lang="en-US" dirty="0"/>
+              <a:t>after inclusion.</a:t>
+            </a:r>
+          </a:p>
+        </p:txBody>
+      </p:sp>
     </p:spTree>
     <p:extLst>
       <p:ext uri="{BB962C8B-B14F-4D97-AF65-F5344CB8AC3E}">
-        <p14:creationId xmlns:p14="http://schemas.microsoft.com/office/powerpoint/2010/main" val="60574860"/>
+        <p14:creationId xmlns:p14="http://schemas.microsoft.com/office/powerpoint/2010/main" val="465324704"/>
       </p:ext>
     </p:extLst>
   </p:cSld>
@@ -5104,15 +5120,7 @@
           <a:p>
             <a:r>
               <a:rPr lang="en-US" dirty="0"/>
-              <a:t>Joseph </a:t>
-            </a:r>
-            <a:r>
-              <a:rPr lang="en-US" dirty="0" err="1"/>
-              <a:t>Kruskal</a:t>
-            </a:r>
-            <a:r>
-              <a:rPr lang="en-US" dirty="0"/>
-              <a:t> Algorithm Example</a:t>
+              <a:t>Kruskal: the algorithm</a:t>
             </a:r>
           </a:p>
         </p:txBody>
@@ -5133,18 +5141,23 @@
         </p:blipFill>
         <p:spPr>
           <a:xfrm>
-            <a:off x="0" y="838200"/>
-            <a:ext cx="9144000" cy="6019800"/>
+            <a:off x="228600" y="914400"/>
+            <a:ext cx="8686800" cy="2349500"/>
           </a:xfrm>
           <a:prstGeom prst="rect">
             <a:avLst/>
           </a:prstGeom>
+          <a:ln>
+            <a:solidFill>
+              <a:srgbClr val="C0504D"/>
+            </a:solidFill>
+          </a:ln>
         </p:spPr>
       </p:pic>
     </p:spTree>
     <p:extLst>
       <p:ext uri="{BB962C8B-B14F-4D97-AF65-F5344CB8AC3E}">
-        <p14:creationId xmlns:p14="http://schemas.microsoft.com/office/powerpoint/2010/main" val="1794143877"/>
+        <p14:creationId xmlns:p14="http://schemas.microsoft.com/office/powerpoint/2010/main" val="60574860"/>
       </p:ext>
     </p:extLst>
   </p:cSld>
@@ -5183,107 +5196,12 @@
         </p:nvSpPr>
         <p:spPr/>
         <p:txBody>
-          <a:bodyPr>
-            <a:normAutofit/>
-          </a:bodyPr>
+          <a:bodyPr/>
           <a:lstStyle/>
           <a:p>
             <a:r>
-              <a:rPr lang="en-US" dirty="0" err="1"/>
-              <a:t>Dijkstra</a:t>
-            </a:r>
-            <a:r>
-              <a:rPr lang="en-US" dirty="0"/>
-              <a:t> Algorithm</a:t>
-            </a:r>
-          </a:p>
-        </p:txBody>
-      </p:sp>
-      <p:sp>
-        <p:nvSpPr>
-          <p:cNvPr id="3" name="Content Placeholder 2"/>
-          <p:cNvSpPr>
-            <a:spLocks noGrp="1"/>
-          </p:cNvSpPr>
-          <p:nvPr>
-            <p:ph idx="1"/>
-          </p:nvPr>
-        </p:nvSpPr>
-        <p:spPr>
-          <a:xfrm>
-            <a:off x="76200" y="1066800"/>
-            <a:ext cx="8915400" cy="2590800"/>
-          </a:xfrm>
-        </p:spPr>
-        <p:txBody>
-          <a:bodyPr>
-            <a:normAutofit lnSpcReduction="10000"/>
-          </a:bodyPr>
-          <a:lstStyle/>
-          <a:p>
-            <a:r>
-              <a:rPr lang="en-US" dirty="0" err="1"/>
-              <a:t>Kruskal’s</a:t>
-            </a:r>
-            <a:r>
-              <a:rPr lang="en-US" dirty="0"/>
-              <a:t> </a:t>
-            </a:r>
-            <a:r>
-              <a:rPr lang="en-US" dirty="0" err="1"/>
-              <a:t>algo</a:t>
-            </a:r>
-            <a:r>
-              <a:rPr lang="en-US" dirty="0"/>
-              <a:t> requires edges to be ordered first</a:t>
-            </a:r>
-          </a:p>
-          <a:p>
-            <a:r>
-              <a:rPr lang="en-US" dirty="0" err="1"/>
-              <a:t>Dijkstra</a:t>
-            </a:r>
-            <a:r>
-              <a:rPr lang="en-US" dirty="0"/>
-              <a:t> (1960) and independently Robert </a:t>
-            </a:r>
-            <a:r>
-              <a:rPr lang="en-US" dirty="0" err="1"/>
-              <a:t>Kalaba</a:t>
-            </a:r>
-            <a:endParaRPr lang="en-US" dirty="0"/>
-          </a:p>
-          <a:p>
-            <a:pPr lvl="1"/>
-            <a:r>
-              <a:rPr lang="en-US" dirty="0"/>
-              <a:t>Tree is expanded by adding to it edges one by one</a:t>
-            </a:r>
-          </a:p>
-          <a:p>
-            <a:pPr lvl="1"/>
-            <a:r>
-              <a:rPr lang="en-US" dirty="0"/>
-              <a:t>Once a cycle is detected</a:t>
-            </a:r>
-          </a:p>
-          <a:p>
-            <a:pPr lvl="2"/>
-            <a:r>
-              <a:rPr lang="en-US" dirty="0"/>
-              <a:t>Edge in this cycle with </a:t>
-            </a:r>
-            <a:r>
-              <a:rPr lang="en-US" b="1" dirty="0">
-                <a:solidFill>
-                  <a:srgbClr val="FF0000"/>
-                </a:solidFill>
-              </a:rPr>
-              <a:t>maximum weight </a:t>
-            </a:r>
-            <a:r>
-              <a:rPr lang="en-US" dirty="0"/>
-              <a:t>is discarded</a:t>
+              <a:rPr lang="en-US" dirty="0"/>
+              <a:t>Kruskal: Example</a:t>
             </a:r>
           </a:p>
         </p:txBody>
@@ -5304,23 +5222,18 @@
         </p:blipFill>
         <p:spPr>
           <a:xfrm>
-            <a:off x="1280886" y="3657600"/>
-            <a:ext cx="7024914" cy="2133600"/>
+            <a:off x="0" y="838200"/>
+            <a:ext cx="9144000" cy="6019800"/>
           </a:xfrm>
           <a:prstGeom prst="rect">
             <a:avLst/>
           </a:prstGeom>
-          <a:ln>
-            <a:solidFill>
-              <a:srgbClr val="C0504D"/>
-            </a:solidFill>
-          </a:ln>
         </p:spPr>
       </p:pic>
     </p:spTree>
     <p:extLst>
       <p:ext uri="{BB962C8B-B14F-4D97-AF65-F5344CB8AC3E}">
-        <p14:creationId xmlns:p14="http://schemas.microsoft.com/office/powerpoint/2010/main" val="1955966554"/>
+        <p14:creationId xmlns:p14="http://schemas.microsoft.com/office/powerpoint/2010/main" val="1794143877"/>
       </p:ext>
     </p:extLst>
   </p:cSld>
@@ -5349,58 +5262,81 @@
       </p:grpSpPr>
       <p:sp>
         <p:nvSpPr>
-          <p:cNvPr id="2" name="Title 1"/>
-          <p:cNvSpPr>
-            <a:spLocks noGrp="1"/>
-          </p:cNvSpPr>
-          <p:nvPr>
-            <p:ph type="title"/>
-          </p:nvPr>
-        </p:nvSpPr>
-        <p:spPr/>
-        <p:txBody>
-          <a:bodyPr/>
+          <p:cNvPr id="6" name="Rectangle 5"/>
+          <p:cNvSpPr/>
+          <p:nvPr/>
+        </p:nvSpPr>
+        <p:spPr>
+          <a:xfrm rot="19831809">
+            <a:off x="2027569" y="2665780"/>
+            <a:ext cx="4955459" cy="1754326"/>
+          </a:xfrm>
+          <a:prstGeom prst="rect">
+            <a:avLst/>
+          </a:prstGeom>
+          <a:noFill/>
+        </p:spPr>
+        <p:txBody>
+          <a:bodyPr wrap="none" lIns="91440" tIns="45720" rIns="91440" bIns="45720">
+            <a:spAutoFit/>
+          </a:bodyPr>
           <a:lstStyle/>
           <a:p>
-            <a:r>
-              <a:rPr lang="en-US" dirty="0" err="1"/>
+            <a:pPr algn="ctr"/>
+            <a:r>
+              <a:rPr lang="en-US" sz="5400" b="1" cap="none" spc="0" dirty="0">
+                <a:ln w="9525">
+                  <a:solidFill>
+                    <a:schemeClr val="bg1"/>
+                  </a:solidFill>
+                  <a:prstDash val="solid"/>
+                </a:ln>
+                <a:solidFill>
+                  <a:schemeClr val="accent5"/>
+                </a:solidFill>
+                <a:effectLst>
+                  <a:outerShdw blurRad="12700" dist="38100" dir="2700000" algn="tl" rotWithShape="0">
+                    <a:schemeClr val="accent5">
+                      <a:lumMod val="60000"/>
+                      <a:lumOff val="40000"/>
+                    </a:schemeClr>
+                  </a:outerShdw>
+                </a:effectLst>
+              </a:rPr>
               <a:t>Dijkstra</a:t>
             </a:r>
-            <a:r>
-              <a:rPr lang="en-US" dirty="0"/>
-              <a:t> Algorithm Example</a:t>
-            </a:r>
-          </a:p>
-        </p:txBody>
-      </p:sp>
-      <p:pic>
-        <p:nvPicPr>
-          <p:cNvPr id="5" name="Picture 4"/>
-          <p:cNvPicPr>
-            <a:picLocks noChangeAspect="1"/>
-          </p:cNvPicPr>
-          <p:nvPr/>
-        </p:nvPicPr>
-        <p:blipFill>
-          <a:blip r:embed="rId2"/>
-          <a:stretch>
-            <a:fillRect/>
-          </a:stretch>
-        </p:blipFill>
-        <p:spPr>
-          <a:xfrm>
-            <a:off x="0" y="838199"/>
-            <a:ext cx="9144000" cy="6019801"/>
-          </a:xfrm>
-          <a:prstGeom prst="rect">
-            <a:avLst/>
-          </a:prstGeom>
-        </p:spPr>
-      </p:pic>
+          </a:p>
+          <a:p>
+            <a:pPr algn="ctr"/>
+            <a:r>
+              <a:rPr lang="en-US" sz="5400" b="1" cap="none" spc="0" dirty="0">
+                <a:ln w="9525">
+                  <a:solidFill>
+                    <a:schemeClr val="bg1"/>
+                  </a:solidFill>
+                  <a:prstDash val="solid"/>
+                </a:ln>
+                <a:solidFill>
+                  <a:schemeClr val="accent5"/>
+                </a:solidFill>
+                <a:effectLst>
+                  <a:outerShdw blurRad="12700" dist="38100" dir="2700000" algn="tl" rotWithShape="0">
+                    <a:schemeClr val="accent5">
+                      <a:lumMod val="60000"/>
+                      <a:lumOff val="40000"/>
+                    </a:schemeClr>
+                  </a:outerShdw>
+                </a:effectLst>
+              </a:rPr>
+              <a:t>Spanning Tree</a:t>
+            </a:r>
+          </a:p>
+        </p:txBody>
+      </p:sp>
     </p:spTree>
     <p:extLst>
       <p:ext uri="{BB962C8B-B14F-4D97-AF65-F5344CB8AC3E}">
-        <p14:creationId xmlns:p14="http://schemas.microsoft.com/office/powerpoint/2010/main" val="3705545126"/>
+        <p14:creationId xmlns:p14="http://schemas.microsoft.com/office/powerpoint/2010/main" val="1673761640"/>
       </p:ext>
     </p:extLst>
   </p:cSld>
@@ -5429,7 +5365,7 @@
       </p:grpSpPr>
       <p:sp>
         <p:nvSpPr>
-          <p:cNvPr id="4" name="Title 3"/>
+          <p:cNvPr id="2" name="Title 1"/>
           <p:cNvSpPr>
             <a:spLocks noGrp="1"/>
           </p:cNvSpPr>
@@ -5439,43 +5375,144 @@
         </p:nvSpPr>
         <p:spPr/>
         <p:txBody>
-          <a:bodyPr/>
+          <a:bodyPr>
+            <a:normAutofit/>
+          </a:bodyPr>
           <a:lstStyle/>
           <a:p>
             <a:r>
               <a:rPr lang="en-US" dirty="0" err="1"/>
-              <a:t>Eulerian</a:t>
-            </a:r>
-            <a:r>
-              <a:rPr lang="en-US" dirty="0"/>
-              <a:t> and Hamiltonian Graphs</a:t>
-            </a:r>
-          </a:p>
-        </p:txBody>
-      </p:sp>
-      <p:sp>
-        <p:nvSpPr>
-          <p:cNvPr id="5" name="Text Placeholder 4"/>
+              <a:t>Dijkstra</a:t>
+            </a:r>
+            <a:r>
+              <a:rPr lang="en-US" dirty="0"/>
+              <a:t> Algorithm</a:t>
+            </a:r>
+          </a:p>
+        </p:txBody>
+      </p:sp>
+      <p:sp>
+        <p:nvSpPr>
+          <p:cNvPr id="3" name="Content Placeholder 2"/>
           <p:cNvSpPr>
             <a:spLocks noGrp="1"/>
           </p:cNvSpPr>
           <p:nvPr>
-            <p:ph type="body" idx="1"/>
+            <p:ph idx="1"/>
           </p:nvPr>
         </p:nvSpPr>
-        <p:spPr/>
-        <p:txBody>
-          <a:bodyPr/>
+        <p:spPr>
+          <a:xfrm>
+            <a:off x="76200" y="1066800"/>
+            <a:ext cx="8915400" cy="2590800"/>
+          </a:xfrm>
+        </p:spPr>
+        <p:txBody>
+          <a:bodyPr>
+            <a:normAutofit lnSpcReduction="10000"/>
+          </a:bodyPr>
           <a:lstStyle/>
           <a:p>
-            <a:endParaRPr lang="en-US"/>
-          </a:p>
-        </p:txBody>
-      </p:sp>
+            <a:r>
+              <a:rPr lang="en-US" dirty="0" err="1"/>
+              <a:t>Kruskal’s</a:t>
+            </a:r>
+            <a:r>
+              <a:rPr lang="en-US" dirty="0"/>
+              <a:t> </a:t>
+            </a:r>
+            <a:r>
+              <a:rPr lang="en-US" dirty="0" err="1"/>
+              <a:t>algo</a:t>
+            </a:r>
+            <a:r>
+              <a:rPr lang="en-US" dirty="0"/>
+              <a:t> requires edges to be ordered first</a:t>
+            </a:r>
+          </a:p>
+          <a:p>
+            <a:r>
+              <a:rPr lang="en-US" dirty="0" err="1"/>
+              <a:t>Dijkstra</a:t>
+            </a:r>
+            <a:r>
+              <a:rPr lang="en-US" dirty="0"/>
+              <a:t> (1960) and independently Robert </a:t>
+            </a:r>
+            <a:r>
+              <a:rPr lang="en-US" dirty="0" err="1"/>
+              <a:t>Kalaba</a:t>
+            </a:r>
+            <a:endParaRPr lang="en-US" dirty="0"/>
+          </a:p>
+          <a:p>
+            <a:pPr lvl="1"/>
+            <a:r>
+              <a:rPr lang="en-US" dirty="0"/>
+              <a:t>Tree is expanded by adding to it edges one by one</a:t>
+            </a:r>
+          </a:p>
+          <a:p>
+            <a:pPr lvl="1"/>
+            <a:r>
+              <a:rPr lang="en-US" dirty="0"/>
+              <a:t>Once a cycle is detected</a:t>
+            </a:r>
+          </a:p>
+          <a:p>
+            <a:pPr lvl="2"/>
+            <a:r>
+              <a:rPr lang="en-US" dirty="0"/>
+              <a:t>Edge in this cycle with </a:t>
+            </a:r>
+            <a:r>
+              <a:rPr lang="en-US" b="1" dirty="0">
+                <a:solidFill>
+                  <a:srgbClr val="FF0000"/>
+                </a:solidFill>
+              </a:rPr>
+              <a:t>maximum weight </a:t>
+            </a:r>
+            <a:r>
+              <a:rPr lang="en-US" dirty="0"/>
+              <a:t>is discarded</a:t>
+            </a:r>
+          </a:p>
+        </p:txBody>
+      </p:sp>
+      <p:pic>
+        <p:nvPicPr>
+          <p:cNvPr id="4" name="Picture 3"/>
+          <p:cNvPicPr>
+            <a:picLocks noChangeAspect="1"/>
+          </p:cNvPicPr>
+          <p:nvPr/>
+        </p:nvPicPr>
+        <p:blipFill>
+          <a:blip r:embed="rId2"/>
+          <a:stretch>
+            <a:fillRect/>
+          </a:stretch>
+        </p:blipFill>
+        <p:spPr>
+          <a:xfrm>
+            <a:off x="1280886" y="3657600"/>
+            <a:ext cx="7024914" cy="2133600"/>
+          </a:xfrm>
+          <a:prstGeom prst="rect">
+            <a:avLst/>
+          </a:prstGeom>
+          <a:ln>
+            <a:solidFill>
+              <a:srgbClr val="C0504D"/>
+            </a:solidFill>
+          </a:ln>
+        </p:spPr>
+      </p:pic>
     </p:spTree>
     <p:extLst>
       <p:ext uri="{BB962C8B-B14F-4D97-AF65-F5344CB8AC3E}">
-        <p14:creationId xmlns:p14="http://schemas.microsoft.com/office/powerpoint/2010/main" val="2565874058"/>
+        <p14:creationId xmlns:p14="http://schemas.microsoft.com/office/powerpoint/2010/main" val="1955966554"/>
       </p:ext>
     </p:extLst>
   </p:cSld>
@@ -5504,7 +5541,7 @@
       </p:grpSpPr>
       <p:sp>
         <p:nvSpPr>
-          <p:cNvPr id="4" name="Title 3"/>
+          <p:cNvPr id="2" name="Title 1"/>
           <p:cNvSpPr>
             <a:spLocks noGrp="1"/>
           </p:cNvSpPr>
@@ -5518,72 +5555,44 @@
           <a:lstStyle/>
           <a:p>
             <a:r>
-              <a:rPr lang="en-US" dirty="0"/>
-              <a:t>Terminologies</a:t>
-            </a:r>
-          </a:p>
-        </p:txBody>
-      </p:sp>
-      <p:sp>
-        <p:nvSpPr>
-          <p:cNvPr id="5" name="Content Placeholder 4"/>
-          <p:cNvSpPr>
-            <a:spLocks noGrp="1"/>
-          </p:cNvSpPr>
-          <p:nvPr>
-            <p:ph idx="1"/>
-          </p:nvPr>
-        </p:nvSpPr>
-        <p:spPr/>
-        <p:txBody>
-          <a:bodyPr/>
-          <a:lstStyle/>
-          <a:p>
-            <a:r>
-              <a:rPr lang="en-US" b="1" dirty="0"/>
-              <a:t>Euler path</a:t>
-            </a:r>
-            <a:r>
-              <a:rPr lang="en-US" dirty="0"/>
-              <a:t>: a path traversing all the edges of the graph exactly once</a:t>
-            </a:r>
-          </a:p>
-          <a:p>
-            <a:r>
-              <a:rPr lang="en-US" b="1" dirty="0"/>
-              <a:t>Euler cycle</a:t>
-            </a:r>
-            <a:r>
-              <a:rPr lang="en-US" dirty="0"/>
-              <a:t>: a cycle traversing all the edges of the graph exactly once</a:t>
-            </a:r>
-          </a:p>
-          <a:p>
-            <a:r>
-              <a:rPr lang="en-US" b="1" dirty="0"/>
-              <a:t>Hamilton path</a:t>
-            </a:r>
-            <a:r>
-              <a:rPr lang="en-US" dirty="0"/>
-              <a:t>: a path traversing all the vertices of the graph exactly once</a:t>
-            </a:r>
-          </a:p>
-          <a:p>
-            <a:r>
-              <a:rPr lang="en-US" b="1" dirty="0"/>
-              <a:t>Hamilton cycle</a:t>
-            </a:r>
-            <a:r>
-              <a:rPr lang="en-US" dirty="0"/>
-              <a:t>: a cycle traversing all vertices of the graph exactly once</a:t>
-            </a:r>
-          </a:p>
-        </p:txBody>
-      </p:sp>
+              <a:rPr lang="en-US" dirty="0" err="1"/>
+              <a:t>Dijkstra</a:t>
+            </a:r>
+            <a:r>
+              <a:rPr lang="en-US" dirty="0"/>
+              <a:t> Algorithm Example</a:t>
+            </a:r>
+          </a:p>
+        </p:txBody>
+      </p:sp>
+      <p:pic>
+        <p:nvPicPr>
+          <p:cNvPr id="5" name="Picture 4"/>
+          <p:cNvPicPr>
+            <a:picLocks noChangeAspect="1"/>
+          </p:cNvPicPr>
+          <p:nvPr/>
+        </p:nvPicPr>
+        <p:blipFill>
+          <a:blip r:embed="rId2"/>
+          <a:stretch>
+            <a:fillRect/>
+          </a:stretch>
+        </p:blipFill>
+        <p:spPr>
+          <a:xfrm>
+            <a:off x="0" y="838199"/>
+            <a:ext cx="9144000" cy="6019801"/>
+          </a:xfrm>
+          <a:prstGeom prst="rect">
+            <a:avLst/>
+          </a:prstGeom>
+        </p:spPr>
+      </p:pic>
     </p:spTree>
     <p:extLst>
       <p:ext uri="{BB962C8B-B14F-4D97-AF65-F5344CB8AC3E}">
-        <p14:creationId xmlns:p14="http://schemas.microsoft.com/office/powerpoint/2010/main" val="1538515971"/>
+        <p14:creationId xmlns:p14="http://schemas.microsoft.com/office/powerpoint/2010/main" val="3705545126"/>
       </p:ext>
     </p:extLst>
   </p:cSld>
@@ -5612,7 +5621,7 @@
       </p:grpSpPr>
       <p:sp>
         <p:nvSpPr>
-          <p:cNvPr id="2" name="Title 1"/>
+          <p:cNvPr id="4" name="Title 3"/>
           <p:cNvSpPr>
             <a:spLocks noGrp="1"/>
           </p:cNvSpPr>
@@ -5631,14 +5640,14 @@
             </a:r>
             <a:r>
               <a:rPr lang="en-US" dirty="0"/>
-              <a:t> Graphs</a:t>
-            </a:r>
-          </a:p>
-        </p:txBody>
-      </p:sp>
-      <p:sp>
-        <p:nvSpPr>
-          <p:cNvPr id="3" name="Text Placeholder 2"/>
+              <a:t> and Hamiltonian Graphs</a:t>
+            </a:r>
+          </a:p>
+        </p:txBody>
+      </p:sp>
+      <p:sp>
+        <p:nvSpPr>
+          <p:cNvPr id="5" name="Text Placeholder 4"/>
           <p:cNvSpPr>
             <a:spLocks noGrp="1"/>
           </p:cNvSpPr>
@@ -5658,7 +5667,7 @@
     </p:spTree>
     <p:extLst>
       <p:ext uri="{BB962C8B-B14F-4D97-AF65-F5344CB8AC3E}">
-        <p14:creationId xmlns:p14="http://schemas.microsoft.com/office/powerpoint/2010/main" val="1464299298"/>
+        <p14:creationId xmlns:p14="http://schemas.microsoft.com/office/powerpoint/2010/main" val="2565874058"/>
       </p:ext>
     </p:extLst>
   </p:cSld>
@@ -5699,14 +5708,14 @@
           <a:noFill/>
           <a:extLst>
             <a:ext uri="{909E8E84-426E-40dd-AFC4-6F175D3DCCD1}">
-              <a14:hiddenFill xmlns="" xmlns:a14="http://schemas.microsoft.com/office/drawing/2010/main">
+              <a14:hiddenFill xmlns:a14="http://schemas.microsoft.com/office/drawing/2010/main" xmlns="">
                 <a:solidFill>
                   <a:srgbClr val="FFFFFF"/>
                 </a:solidFill>
               </a14:hiddenFill>
             </a:ext>
             <a:ext uri="{91240B29-F687-4f45-9708-019B960494DF}">
-              <a14:hiddenLine xmlns="" xmlns:a14="http://schemas.microsoft.com/office/drawing/2010/main" w="9525">
+              <a14:hiddenLine xmlns:a14="http://schemas.microsoft.com/office/drawing/2010/main" xmlns="" w="9525">
                 <a:solidFill>
                   <a:srgbClr val="000000"/>
                 </a:solidFill>
@@ -5716,7 +5725,7 @@
               </a14:hiddenLine>
             </a:ext>
             <a:ext uri="{FAA26D3D-D897-4be2-8F04-BA451C77F1D7}">
-              <ma14:placeholderFlag xmlns="" xmlns:ma14="http://schemas.microsoft.com/office/mac/drawingml/2011/main" val="1"/>
+              <ma14:placeholderFlag xmlns:ma14="http://schemas.microsoft.com/office/mac/drawingml/2011/main" xmlns="" val="1"/>
             </a:ext>
           </a:extLst>
         </p:spPr>
@@ -5752,14 +5761,14 @@
           <a:noFill/>
           <a:extLst>
             <a:ext uri="{909E8E84-426E-40dd-AFC4-6F175D3DCCD1}">
-              <a14:hiddenFill xmlns="" xmlns:a14="http://schemas.microsoft.com/office/drawing/2010/main">
+              <a14:hiddenFill xmlns:a14="http://schemas.microsoft.com/office/drawing/2010/main" xmlns="">
                 <a:solidFill>
                   <a:srgbClr val="FFFFFF"/>
                 </a:solidFill>
               </a14:hiddenFill>
             </a:ext>
             <a:ext uri="{91240B29-F687-4f45-9708-019B960494DF}">
-              <a14:hiddenLine xmlns="" xmlns:a14="http://schemas.microsoft.com/office/drawing/2010/main" w="9525">
+              <a14:hiddenLine xmlns:a14="http://schemas.microsoft.com/office/drawing/2010/main" xmlns="" w="9525">
                 <a:solidFill>
                   <a:srgbClr val="000000"/>
                 </a:solidFill>
@@ -5769,7 +5778,7 @@
               </a14:hiddenLine>
             </a:ext>
             <a:ext uri="{FAA26D3D-D897-4be2-8F04-BA451C77F1D7}">
-              <ma14:placeholderFlag xmlns="" xmlns:ma14="http://schemas.microsoft.com/office/mac/drawingml/2011/main" val="1"/>
+              <ma14:placeholderFlag xmlns:ma14="http://schemas.microsoft.com/office/mac/drawingml/2011/main" xmlns="" val="1"/>
             </a:ext>
           </a:extLst>
         </p:spPr>
@@ -5979,1370 +5988,71 @@
           <a:p>
             <a:r>
               <a:rPr lang="en-US" dirty="0"/>
-              <a:t>Examples</a:t>
-            </a:r>
-          </a:p>
-        </p:txBody>
-      </p:sp>
-      <p:pic>
-        <p:nvPicPr>
-          <p:cNvPr id="6" name="Picture 5"/>
-          <p:cNvPicPr>
-            <a:picLocks noChangeAspect="1"/>
-          </p:cNvPicPr>
-          <p:nvPr/>
-        </p:nvPicPr>
-        <p:blipFill>
-          <a:blip r:embed="rId2"/>
-          <a:stretch>
-            <a:fillRect/>
-          </a:stretch>
-        </p:blipFill>
-        <p:spPr>
-          <a:xfrm>
-            <a:off x="1524000" y="914400"/>
-            <a:ext cx="5943600" cy="2260600"/>
-          </a:xfrm>
-          <a:prstGeom prst="rect">
-            <a:avLst/>
-          </a:prstGeom>
-          <a:ln>
-            <a:solidFill>
-              <a:srgbClr val="C0504D"/>
-            </a:solidFill>
-          </a:ln>
-        </p:spPr>
-      </p:pic>
-      <p:sp>
-        <p:nvSpPr>
-          <p:cNvPr id="50" name="Oval 49"/>
-          <p:cNvSpPr/>
-          <p:nvPr/>
-        </p:nvSpPr>
-        <p:spPr>
-          <a:xfrm>
-            <a:off x="1828800" y="3810000"/>
-            <a:ext cx="152400" cy="152400"/>
-          </a:xfrm>
-          <a:prstGeom prst="ellipse">
-            <a:avLst/>
-          </a:prstGeom>
-        </p:spPr>
-        <p:style>
-          <a:lnRef idx="1">
-            <a:schemeClr val="accent1"/>
-          </a:lnRef>
-          <a:fillRef idx="3">
-            <a:schemeClr val="accent1"/>
-          </a:fillRef>
-          <a:effectRef idx="2">
-            <a:schemeClr val="accent1"/>
-          </a:effectRef>
-          <a:fontRef idx="minor">
-            <a:schemeClr val="lt1"/>
-          </a:fontRef>
-        </p:style>
-        <p:txBody>
-          <a:bodyPr rtlCol="0" anchor="ctr"/>
+              <a:t>Terminologies</a:t>
+            </a:r>
+          </a:p>
+        </p:txBody>
+      </p:sp>
+      <p:sp>
+        <p:nvSpPr>
+          <p:cNvPr id="5" name="Content Placeholder 4"/>
+          <p:cNvSpPr>
+            <a:spLocks noGrp="1"/>
+          </p:cNvSpPr>
+          <p:nvPr>
+            <p:ph idx="1"/>
+          </p:nvPr>
+        </p:nvSpPr>
+        <p:spPr/>
+        <p:txBody>
+          <a:bodyPr/>
           <a:lstStyle/>
           <a:p>
-            <a:pPr algn="ctr"/>
-            <a:endParaRPr lang="en-US"/>
-          </a:p>
-        </p:txBody>
-      </p:sp>
-      <p:cxnSp>
-        <p:nvCxnSpPr>
-          <p:cNvPr id="51" name="Straight Connector 50"/>
-          <p:cNvCxnSpPr>
-            <a:stCxn id="50" idx="6"/>
-          </p:cNvCxnSpPr>
-          <p:nvPr/>
-        </p:nvCxnSpPr>
-        <p:spPr>
-          <a:xfrm>
-            <a:off x="1981200" y="3886200"/>
-            <a:ext cx="1371600" cy="0"/>
-          </a:xfrm>
-          <a:prstGeom prst="line">
-            <a:avLst/>
-          </a:prstGeom>
-        </p:spPr>
-        <p:style>
-          <a:lnRef idx="2">
-            <a:schemeClr val="accent1"/>
-          </a:lnRef>
-          <a:fillRef idx="0">
-            <a:schemeClr val="accent1"/>
-          </a:fillRef>
-          <a:effectRef idx="1">
-            <a:schemeClr val="accent1"/>
-          </a:effectRef>
-          <a:fontRef idx="minor">
-            <a:schemeClr val="tx1"/>
-          </a:fontRef>
-        </p:style>
-      </p:cxnSp>
-      <p:sp>
-        <p:nvSpPr>
-          <p:cNvPr id="52" name="Oval 51"/>
-          <p:cNvSpPr/>
-          <p:nvPr/>
-        </p:nvSpPr>
-        <p:spPr>
-          <a:xfrm>
-            <a:off x="3352800" y="3810000"/>
-            <a:ext cx="152400" cy="152400"/>
-          </a:xfrm>
-          <a:prstGeom prst="ellipse">
-            <a:avLst/>
-          </a:prstGeom>
-        </p:spPr>
-        <p:style>
-          <a:lnRef idx="1">
-            <a:schemeClr val="accent1"/>
-          </a:lnRef>
-          <a:fillRef idx="3">
-            <a:schemeClr val="accent1"/>
-          </a:fillRef>
-          <a:effectRef idx="2">
-            <a:schemeClr val="accent1"/>
-          </a:effectRef>
-          <a:fontRef idx="minor">
-            <a:schemeClr val="lt1"/>
-          </a:fontRef>
-        </p:style>
-        <p:txBody>
-          <a:bodyPr rtlCol="0" anchor="ctr"/>
-          <a:lstStyle/>
-          <a:p>
-            <a:pPr algn="ctr"/>
-            <a:endParaRPr lang="en-US"/>
-          </a:p>
-        </p:txBody>
-      </p:sp>
-      <p:sp>
-        <p:nvSpPr>
-          <p:cNvPr id="53" name="Oval 52"/>
-          <p:cNvSpPr/>
-          <p:nvPr/>
-        </p:nvSpPr>
-        <p:spPr>
-          <a:xfrm>
-            <a:off x="2590800" y="4648200"/>
-            <a:ext cx="152400" cy="152400"/>
-          </a:xfrm>
-          <a:prstGeom prst="ellipse">
-            <a:avLst/>
-          </a:prstGeom>
-        </p:spPr>
-        <p:style>
-          <a:lnRef idx="1">
-            <a:schemeClr val="accent1"/>
-          </a:lnRef>
-          <a:fillRef idx="3">
-            <a:schemeClr val="accent1"/>
-          </a:fillRef>
-          <a:effectRef idx="2">
-            <a:schemeClr val="accent1"/>
-          </a:effectRef>
-          <a:fontRef idx="minor">
-            <a:schemeClr val="lt1"/>
-          </a:fontRef>
-        </p:style>
-        <p:txBody>
-          <a:bodyPr rtlCol="0" anchor="ctr"/>
-          <a:lstStyle/>
-          <a:p>
-            <a:pPr algn="ctr"/>
-            <a:endParaRPr lang="en-US"/>
-          </a:p>
-        </p:txBody>
-      </p:sp>
-      <p:sp>
-        <p:nvSpPr>
-          <p:cNvPr id="54" name="Oval 53"/>
-          <p:cNvSpPr/>
-          <p:nvPr/>
-        </p:nvSpPr>
-        <p:spPr>
-          <a:xfrm>
-            <a:off x="1905000" y="5486400"/>
-            <a:ext cx="152400" cy="152400"/>
-          </a:xfrm>
-          <a:prstGeom prst="ellipse">
-            <a:avLst/>
-          </a:prstGeom>
-        </p:spPr>
-        <p:style>
-          <a:lnRef idx="1">
-            <a:schemeClr val="accent1"/>
-          </a:lnRef>
-          <a:fillRef idx="3">
-            <a:schemeClr val="accent1"/>
-          </a:fillRef>
-          <a:effectRef idx="2">
-            <a:schemeClr val="accent1"/>
-          </a:effectRef>
-          <a:fontRef idx="minor">
-            <a:schemeClr val="lt1"/>
-          </a:fontRef>
-        </p:style>
-        <p:txBody>
-          <a:bodyPr rtlCol="0" anchor="ctr"/>
-          <a:lstStyle/>
-          <a:p>
-            <a:pPr algn="ctr"/>
-            <a:endParaRPr lang="en-US"/>
-          </a:p>
-        </p:txBody>
-      </p:sp>
-      <p:cxnSp>
-        <p:nvCxnSpPr>
-          <p:cNvPr id="55" name="Straight Connector 54"/>
-          <p:cNvCxnSpPr>
-            <a:stCxn id="54" idx="6"/>
-          </p:cNvCxnSpPr>
-          <p:nvPr/>
-        </p:nvCxnSpPr>
-        <p:spPr>
-          <a:xfrm>
-            <a:off x="2057400" y="5562600"/>
-            <a:ext cx="1371600" cy="0"/>
-          </a:xfrm>
-          <a:prstGeom prst="line">
-            <a:avLst/>
-          </a:prstGeom>
-        </p:spPr>
-        <p:style>
-          <a:lnRef idx="2">
-            <a:schemeClr val="accent1"/>
-          </a:lnRef>
-          <a:fillRef idx="0">
-            <a:schemeClr val="accent1"/>
-          </a:fillRef>
-          <a:effectRef idx="1">
-            <a:schemeClr val="accent1"/>
-          </a:effectRef>
-          <a:fontRef idx="minor">
-            <a:schemeClr val="tx1"/>
-          </a:fontRef>
-        </p:style>
-      </p:cxnSp>
-      <p:sp>
-        <p:nvSpPr>
-          <p:cNvPr id="56" name="Oval 55"/>
-          <p:cNvSpPr/>
-          <p:nvPr/>
-        </p:nvSpPr>
-        <p:spPr>
-          <a:xfrm>
-            <a:off x="3429000" y="5486400"/>
-            <a:ext cx="152400" cy="152400"/>
-          </a:xfrm>
-          <a:prstGeom prst="ellipse">
-            <a:avLst/>
-          </a:prstGeom>
-        </p:spPr>
-        <p:style>
-          <a:lnRef idx="1">
-            <a:schemeClr val="accent1"/>
-          </a:lnRef>
-          <a:fillRef idx="3">
-            <a:schemeClr val="accent1"/>
-          </a:fillRef>
-          <a:effectRef idx="2">
-            <a:schemeClr val="accent1"/>
-          </a:effectRef>
-          <a:fontRef idx="minor">
-            <a:schemeClr val="lt1"/>
-          </a:fontRef>
-        </p:style>
-        <p:txBody>
-          <a:bodyPr rtlCol="0" anchor="ctr"/>
-          <a:lstStyle/>
-          <a:p>
-            <a:pPr algn="ctr"/>
-            <a:endParaRPr lang="en-US"/>
-          </a:p>
-        </p:txBody>
-      </p:sp>
-      <p:cxnSp>
-        <p:nvCxnSpPr>
-          <p:cNvPr id="57" name="Straight Connector 56"/>
-          <p:cNvCxnSpPr>
-            <a:stCxn id="52" idx="3"/>
-            <a:endCxn id="53" idx="7"/>
-          </p:cNvCxnSpPr>
-          <p:nvPr/>
-        </p:nvCxnSpPr>
-        <p:spPr>
-          <a:xfrm flipH="1">
-            <a:off x="2720882" y="3940082"/>
-            <a:ext cx="654236" cy="730436"/>
-          </a:xfrm>
-          <a:prstGeom prst="line">
-            <a:avLst/>
-          </a:prstGeom>
-        </p:spPr>
-        <p:style>
-          <a:lnRef idx="2">
-            <a:schemeClr val="accent1"/>
-          </a:lnRef>
-          <a:fillRef idx="0">
-            <a:schemeClr val="accent1"/>
-          </a:fillRef>
-          <a:effectRef idx="1">
-            <a:schemeClr val="accent1"/>
-          </a:effectRef>
-          <a:fontRef idx="minor">
-            <a:schemeClr val="tx1"/>
-          </a:fontRef>
-        </p:style>
-      </p:cxnSp>
-      <p:cxnSp>
-        <p:nvCxnSpPr>
-          <p:cNvPr id="58" name="Straight Connector 57"/>
-          <p:cNvCxnSpPr/>
-          <p:nvPr/>
-        </p:nvCxnSpPr>
-        <p:spPr>
-          <a:xfrm flipH="1">
-            <a:off x="1981200" y="4800600"/>
-            <a:ext cx="654236" cy="730436"/>
-          </a:xfrm>
-          <a:prstGeom prst="line">
-            <a:avLst/>
-          </a:prstGeom>
-        </p:spPr>
-        <p:style>
-          <a:lnRef idx="2">
-            <a:schemeClr val="accent1"/>
-          </a:lnRef>
-          <a:fillRef idx="0">
-            <a:schemeClr val="accent1"/>
-          </a:fillRef>
-          <a:effectRef idx="1">
-            <a:schemeClr val="accent1"/>
-          </a:effectRef>
-          <a:fontRef idx="minor">
-            <a:schemeClr val="tx1"/>
-          </a:fontRef>
-        </p:style>
-      </p:cxnSp>
-      <p:cxnSp>
-        <p:nvCxnSpPr>
-          <p:cNvPr id="59" name="Straight Connector 58"/>
-          <p:cNvCxnSpPr>
-            <a:stCxn id="50" idx="4"/>
-            <a:endCxn id="53" idx="1"/>
-          </p:cNvCxnSpPr>
-          <p:nvPr/>
-        </p:nvCxnSpPr>
-        <p:spPr>
-          <a:xfrm>
-            <a:off x="1905000" y="3962400"/>
-            <a:ext cx="708118" cy="708118"/>
-          </a:xfrm>
-          <a:prstGeom prst="line">
-            <a:avLst/>
-          </a:prstGeom>
-        </p:spPr>
-        <p:style>
-          <a:lnRef idx="2">
-            <a:schemeClr val="accent1"/>
-          </a:lnRef>
-          <a:fillRef idx="0">
-            <a:schemeClr val="accent1"/>
-          </a:fillRef>
-          <a:effectRef idx="1">
-            <a:schemeClr val="accent1"/>
-          </a:effectRef>
-          <a:fontRef idx="minor">
-            <a:schemeClr val="tx1"/>
-          </a:fontRef>
-        </p:style>
-      </p:cxnSp>
-      <p:cxnSp>
-        <p:nvCxnSpPr>
-          <p:cNvPr id="60" name="Straight Connector 59"/>
-          <p:cNvCxnSpPr>
-            <a:stCxn id="56" idx="1"/>
-            <a:endCxn id="53" idx="5"/>
-          </p:cNvCxnSpPr>
-          <p:nvPr/>
-        </p:nvCxnSpPr>
-        <p:spPr>
-          <a:xfrm flipH="1" flipV="1">
-            <a:off x="2720882" y="4778282"/>
-            <a:ext cx="730436" cy="730436"/>
-          </a:xfrm>
-          <a:prstGeom prst="line">
-            <a:avLst/>
-          </a:prstGeom>
-        </p:spPr>
-        <p:style>
-          <a:lnRef idx="2">
-            <a:schemeClr val="accent1"/>
-          </a:lnRef>
-          <a:fillRef idx="0">
-            <a:schemeClr val="accent1"/>
-          </a:fillRef>
-          <a:effectRef idx="1">
-            <a:schemeClr val="accent1"/>
-          </a:effectRef>
-          <a:fontRef idx="minor">
-            <a:schemeClr val="tx1"/>
-          </a:fontRef>
-        </p:style>
-      </p:cxnSp>
-      <p:cxnSp>
-        <p:nvCxnSpPr>
-          <p:cNvPr id="61" name="Straight Arrow Connector 60"/>
-          <p:cNvCxnSpPr/>
-          <p:nvPr/>
-        </p:nvCxnSpPr>
-        <p:spPr>
-          <a:xfrm flipV="1">
-            <a:off x="2895600" y="3962400"/>
-            <a:ext cx="685800" cy="762000"/>
-          </a:xfrm>
-          <a:prstGeom prst="straightConnector1">
-            <a:avLst/>
-          </a:prstGeom>
-          <a:ln>
-            <a:solidFill>
-              <a:srgbClr val="C0504D"/>
-            </a:solidFill>
-            <a:tailEnd type="arrow"/>
-          </a:ln>
-        </p:spPr>
-        <p:style>
-          <a:lnRef idx="2">
-            <a:schemeClr val="accent1"/>
-          </a:lnRef>
-          <a:fillRef idx="0">
-            <a:schemeClr val="accent1"/>
-          </a:fillRef>
-          <a:effectRef idx="1">
-            <a:schemeClr val="accent1"/>
-          </a:effectRef>
-          <a:fontRef idx="minor">
-            <a:schemeClr val="tx1"/>
-          </a:fontRef>
-        </p:style>
-      </p:cxnSp>
-      <p:cxnSp>
-        <p:nvCxnSpPr>
-          <p:cNvPr id="62" name="Straight Arrow Connector 61"/>
-          <p:cNvCxnSpPr/>
-          <p:nvPr/>
-        </p:nvCxnSpPr>
-        <p:spPr>
-          <a:xfrm flipH="1">
-            <a:off x="1828800" y="3733800"/>
-            <a:ext cx="1600200" cy="0"/>
-          </a:xfrm>
-          <a:prstGeom prst="straightConnector1">
-            <a:avLst/>
-          </a:prstGeom>
-          <a:ln>
-            <a:solidFill>
-              <a:srgbClr val="C0504D"/>
-            </a:solidFill>
-            <a:tailEnd type="arrow"/>
-          </a:ln>
-        </p:spPr>
-        <p:style>
-          <a:lnRef idx="2">
-            <a:schemeClr val="accent1"/>
-          </a:lnRef>
-          <a:fillRef idx="0">
-            <a:schemeClr val="accent1"/>
-          </a:fillRef>
-          <a:effectRef idx="1">
-            <a:schemeClr val="accent1"/>
-          </a:effectRef>
-          <a:fontRef idx="minor">
-            <a:schemeClr val="tx1"/>
-          </a:fontRef>
-        </p:style>
-      </p:cxnSp>
-      <p:cxnSp>
-        <p:nvCxnSpPr>
-          <p:cNvPr id="63" name="Straight Arrow Connector 62"/>
-          <p:cNvCxnSpPr/>
-          <p:nvPr/>
-        </p:nvCxnSpPr>
-        <p:spPr>
-          <a:xfrm>
-            <a:off x="1676400" y="3962400"/>
-            <a:ext cx="762000" cy="838200"/>
-          </a:xfrm>
-          <a:prstGeom prst="straightConnector1">
-            <a:avLst/>
-          </a:prstGeom>
-          <a:ln>
-            <a:solidFill>
-              <a:srgbClr val="C0504D"/>
-            </a:solidFill>
-            <a:tailEnd type="arrow"/>
-          </a:ln>
-        </p:spPr>
-        <p:style>
-          <a:lnRef idx="2">
-            <a:schemeClr val="accent1"/>
-          </a:lnRef>
-          <a:fillRef idx="0">
-            <a:schemeClr val="accent1"/>
-          </a:fillRef>
-          <a:effectRef idx="1">
-            <a:schemeClr val="accent1"/>
-          </a:effectRef>
-          <a:fontRef idx="minor">
-            <a:schemeClr val="tx1"/>
-          </a:fontRef>
-        </p:style>
-      </p:cxnSp>
-      <p:cxnSp>
-        <p:nvCxnSpPr>
-          <p:cNvPr id="64" name="Straight Arrow Connector 63"/>
-          <p:cNvCxnSpPr/>
-          <p:nvPr/>
-        </p:nvCxnSpPr>
-        <p:spPr>
-          <a:xfrm flipH="1">
-            <a:off x="1752600" y="4800600"/>
-            <a:ext cx="685800" cy="685800"/>
-          </a:xfrm>
-          <a:prstGeom prst="straightConnector1">
-            <a:avLst/>
-          </a:prstGeom>
-          <a:ln>
-            <a:solidFill>
-              <a:srgbClr val="C0504D"/>
-            </a:solidFill>
-            <a:tailEnd type="arrow"/>
-          </a:ln>
-        </p:spPr>
-        <p:style>
-          <a:lnRef idx="2">
-            <a:schemeClr val="accent1"/>
-          </a:lnRef>
-          <a:fillRef idx="0">
-            <a:schemeClr val="accent1"/>
-          </a:fillRef>
-          <a:effectRef idx="1">
-            <a:schemeClr val="accent1"/>
-          </a:effectRef>
-          <a:fontRef idx="minor">
-            <a:schemeClr val="tx1"/>
-          </a:fontRef>
-        </p:style>
-      </p:cxnSp>
-      <p:cxnSp>
-        <p:nvCxnSpPr>
-          <p:cNvPr id="65" name="Straight Arrow Connector 64"/>
-          <p:cNvCxnSpPr/>
-          <p:nvPr/>
-        </p:nvCxnSpPr>
-        <p:spPr>
-          <a:xfrm>
-            <a:off x="1905000" y="5791200"/>
-            <a:ext cx="1676400" cy="0"/>
-          </a:xfrm>
-          <a:prstGeom prst="straightConnector1">
-            <a:avLst/>
-          </a:prstGeom>
-          <a:ln>
-            <a:solidFill>
-              <a:srgbClr val="C0504D"/>
-            </a:solidFill>
-            <a:tailEnd type="arrow"/>
-          </a:ln>
-        </p:spPr>
-        <p:style>
-          <a:lnRef idx="2">
-            <a:schemeClr val="accent1"/>
-          </a:lnRef>
-          <a:fillRef idx="0">
-            <a:schemeClr val="accent1"/>
-          </a:fillRef>
-          <a:effectRef idx="1">
-            <a:schemeClr val="accent1"/>
-          </a:effectRef>
-          <a:fontRef idx="minor">
-            <a:schemeClr val="tx1"/>
-          </a:fontRef>
-        </p:style>
-      </p:cxnSp>
-      <p:cxnSp>
-        <p:nvCxnSpPr>
-          <p:cNvPr id="66" name="Straight Arrow Connector 65"/>
-          <p:cNvCxnSpPr/>
-          <p:nvPr/>
-        </p:nvCxnSpPr>
-        <p:spPr>
-          <a:xfrm flipH="1" flipV="1">
-            <a:off x="2895600" y="4724400"/>
-            <a:ext cx="838200" cy="685800"/>
-          </a:xfrm>
-          <a:prstGeom prst="straightConnector1">
-            <a:avLst/>
-          </a:prstGeom>
-          <a:ln>
-            <a:solidFill>
-              <a:srgbClr val="C0504D"/>
-            </a:solidFill>
-            <a:tailEnd type="arrow"/>
-          </a:ln>
-        </p:spPr>
-        <p:style>
-          <a:lnRef idx="2">
-            <a:schemeClr val="accent1"/>
-          </a:lnRef>
-          <a:fillRef idx="0">
-            <a:schemeClr val="accent1"/>
-          </a:fillRef>
-          <a:effectRef idx="1">
-            <a:schemeClr val="accent1"/>
-          </a:effectRef>
-          <a:fontRef idx="minor">
-            <a:schemeClr val="tx1"/>
-          </a:fontRef>
-        </p:style>
-      </p:cxnSp>
-      <p:sp>
-        <p:nvSpPr>
-          <p:cNvPr id="67" name="Oval 66"/>
-          <p:cNvSpPr/>
-          <p:nvPr/>
-        </p:nvSpPr>
-        <p:spPr>
-          <a:xfrm>
-            <a:off x="5791200" y="3733800"/>
-            <a:ext cx="152400" cy="152400"/>
-          </a:xfrm>
-          <a:prstGeom prst="ellipse">
-            <a:avLst/>
-          </a:prstGeom>
-        </p:spPr>
-        <p:style>
-          <a:lnRef idx="1">
-            <a:schemeClr val="accent1"/>
-          </a:lnRef>
-          <a:fillRef idx="3">
-            <a:schemeClr val="accent1"/>
-          </a:fillRef>
-          <a:effectRef idx="2">
-            <a:schemeClr val="accent1"/>
-          </a:effectRef>
-          <a:fontRef idx="minor">
-            <a:schemeClr val="lt1"/>
-          </a:fontRef>
-        </p:style>
-        <p:txBody>
-          <a:bodyPr rtlCol="0" anchor="ctr"/>
-          <a:lstStyle/>
-          <a:p>
-            <a:pPr algn="ctr"/>
-            <a:endParaRPr lang="en-US"/>
-          </a:p>
-        </p:txBody>
-      </p:sp>
-      <p:cxnSp>
-        <p:nvCxnSpPr>
-          <p:cNvPr id="68" name="Straight Connector 67"/>
-          <p:cNvCxnSpPr>
-            <a:stCxn id="67" idx="6"/>
-          </p:cNvCxnSpPr>
-          <p:nvPr/>
-        </p:nvCxnSpPr>
-        <p:spPr>
-          <a:xfrm>
-            <a:off x="5943600" y="3810000"/>
-            <a:ext cx="1371600" cy="0"/>
-          </a:xfrm>
-          <a:prstGeom prst="line">
-            <a:avLst/>
-          </a:prstGeom>
-        </p:spPr>
-        <p:style>
-          <a:lnRef idx="2">
-            <a:schemeClr val="accent1"/>
-          </a:lnRef>
-          <a:fillRef idx="0">
-            <a:schemeClr val="accent1"/>
-          </a:fillRef>
-          <a:effectRef idx="1">
-            <a:schemeClr val="accent1"/>
-          </a:effectRef>
-          <a:fontRef idx="minor">
-            <a:schemeClr val="tx1"/>
-          </a:fontRef>
-        </p:style>
-      </p:cxnSp>
-      <p:sp>
-        <p:nvSpPr>
-          <p:cNvPr id="69" name="Oval 68"/>
-          <p:cNvSpPr/>
-          <p:nvPr/>
-        </p:nvSpPr>
-        <p:spPr>
-          <a:xfrm>
-            <a:off x="7315200" y="3733800"/>
-            <a:ext cx="152400" cy="152400"/>
-          </a:xfrm>
-          <a:prstGeom prst="ellipse">
-            <a:avLst/>
-          </a:prstGeom>
-        </p:spPr>
-        <p:style>
-          <a:lnRef idx="1">
-            <a:schemeClr val="accent1"/>
-          </a:lnRef>
-          <a:fillRef idx="3">
-            <a:schemeClr val="accent1"/>
-          </a:fillRef>
-          <a:effectRef idx="2">
-            <a:schemeClr val="accent1"/>
-          </a:effectRef>
-          <a:fontRef idx="minor">
-            <a:schemeClr val="lt1"/>
-          </a:fontRef>
-        </p:style>
-        <p:txBody>
-          <a:bodyPr rtlCol="0" anchor="ctr"/>
-          <a:lstStyle/>
-          <a:p>
-            <a:pPr algn="ctr"/>
-            <a:endParaRPr lang="en-US"/>
-          </a:p>
-        </p:txBody>
-      </p:sp>
-      <p:sp>
-        <p:nvSpPr>
-          <p:cNvPr id="70" name="Oval 69"/>
-          <p:cNvSpPr/>
-          <p:nvPr/>
-        </p:nvSpPr>
-        <p:spPr>
-          <a:xfrm>
-            <a:off x="5867400" y="5410200"/>
-            <a:ext cx="152400" cy="152400"/>
-          </a:xfrm>
-          <a:prstGeom prst="ellipse">
-            <a:avLst/>
-          </a:prstGeom>
-        </p:spPr>
-        <p:style>
-          <a:lnRef idx="1">
-            <a:schemeClr val="accent1"/>
-          </a:lnRef>
-          <a:fillRef idx="3">
-            <a:schemeClr val="accent1"/>
-          </a:fillRef>
-          <a:effectRef idx="2">
-            <a:schemeClr val="accent1"/>
-          </a:effectRef>
-          <a:fontRef idx="minor">
-            <a:schemeClr val="lt1"/>
-          </a:fontRef>
-        </p:style>
-        <p:txBody>
-          <a:bodyPr rtlCol="0" anchor="ctr"/>
-          <a:lstStyle/>
-          <a:p>
-            <a:pPr algn="ctr"/>
-            <a:endParaRPr lang="en-US"/>
-          </a:p>
-        </p:txBody>
-      </p:sp>
-      <p:cxnSp>
-        <p:nvCxnSpPr>
-          <p:cNvPr id="71" name="Straight Connector 70"/>
-          <p:cNvCxnSpPr>
-            <a:stCxn id="70" idx="6"/>
-          </p:cNvCxnSpPr>
-          <p:nvPr/>
-        </p:nvCxnSpPr>
-        <p:spPr>
-          <a:xfrm>
-            <a:off x="6019800" y="5486400"/>
-            <a:ext cx="1371600" cy="0"/>
-          </a:xfrm>
-          <a:prstGeom prst="line">
-            <a:avLst/>
-          </a:prstGeom>
-        </p:spPr>
-        <p:style>
-          <a:lnRef idx="2">
-            <a:schemeClr val="accent1"/>
-          </a:lnRef>
-          <a:fillRef idx="0">
-            <a:schemeClr val="accent1"/>
-          </a:fillRef>
-          <a:effectRef idx="1">
-            <a:schemeClr val="accent1"/>
-          </a:effectRef>
-          <a:fontRef idx="minor">
-            <a:schemeClr val="tx1"/>
-          </a:fontRef>
-        </p:style>
-      </p:cxnSp>
-      <p:sp>
-        <p:nvSpPr>
-          <p:cNvPr id="72" name="Oval 71"/>
-          <p:cNvSpPr/>
-          <p:nvPr/>
-        </p:nvSpPr>
-        <p:spPr>
-          <a:xfrm>
-            <a:off x="7391400" y="5410200"/>
-            <a:ext cx="152400" cy="152400"/>
-          </a:xfrm>
-          <a:prstGeom prst="ellipse">
-            <a:avLst/>
-          </a:prstGeom>
-        </p:spPr>
-        <p:style>
-          <a:lnRef idx="1">
-            <a:schemeClr val="accent1"/>
-          </a:lnRef>
-          <a:fillRef idx="3">
-            <a:schemeClr val="accent1"/>
-          </a:fillRef>
-          <a:effectRef idx="2">
-            <a:schemeClr val="accent1"/>
-          </a:effectRef>
-          <a:fontRef idx="minor">
-            <a:schemeClr val="lt1"/>
-          </a:fontRef>
-        </p:style>
-        <p:txBody>
-          <a:bodyPr rtlCol="0" anchor="ctr"/>
-          <a:lstStyle/>
-          <a:p>
-            <a:pPr algn="ctr"/>
-            <a:endParaRPr lang="en-US"/>
-          </a:p>
-        </p:txBody>
-      </p:sp>
-      <p:sp>
-        <p:nvSpPr>
-          <p:cNvPr id="73" name="Oval 72"/>
-          <p:cNvSpPr/>
-          <p:nvPr/>
-        </p:nvSpPr>
-        <p:spPr>
-          <a:xfrm>
-            <a:off x="5006882" y="4594318"/>
-            <a:ext cx="152400" cy="152400"/>
-          </a:xfrm>
-          <a:prstGeom prst="ellipse">
-            <a:avLst/>
-          </a:prstGeom>
-        </p:spPr>
-        <p:style>
-          <a:lnRef idx="1">
-            <a:schemeClr val="accent1"/>
-          </a:lnRef>
-          <a:fillRef idx="3">
-            <a:schemeClr val="accent1"/>
-          </a:fillRef>
-          <a:effectRef idx="2">
-            <a:schemeClr val="accent1"/>
-          </a:effectRef>
-          <a:fontRef idx="minor">
-            <a:schemeClr val="lt1"/>
-          </a:fontRef>
-        </p:style>
-        <p:txBody>
-          <a:bodyPr rtlCol="0" anchor="ctr"/>
-          <a:lstStyle/>
-          <a:p>
-            <a:pPr algn="ctr"/>
-            <a:endParaRPr lang="en-US"/>
-          </a:p>
-        </p:txBody>
-      </p:sp>
-      <p:cxnSp>
-        <p:nvCxnSpPr>
-          <p:cNvPr id="74" name="Straight Connector 73"/>
-          <p:cNvCxnSpPr>
-            <a:endCxn id="73" idx="7"/>
-          </p:cNvCxnSpPr>
-          <p:nvPr/>
-        </p:nvCxnSpPr>
-        <p:spPr>
-          <a:xfrm flipH="1">
-            <a:off x="5136964" y="3886200"/>
-            <a:ext cx="654236" cy="730436"/>
-          </a:xfrm>
-          <a:prstGeom prst="line">
-            <a:avLst/>
-          </a:prstGeom>
-        </p:spPr>
-        <p:style>
-          <a:lnRef idx="2">
-            <a:schemeClr val="accent1"/>
-          </a:lnRef>
-          <a:fillRef idx="0">
-            <a:schemeClr val="accent1"/>
-          </a:fillRef>
-          <a:effectRef idx="1">
-            <a:schemeClr val="accent1"/>
-          </a:effectRef>
-          <a:fontRef idx="minor">
-            <a:schemeClr val="tx1"/>
-          </a:fontRef>
-        </p:style>
-      </p:cxnSp>
-      <p:cxnSp>
-        <p:nvCxnSpPr>
-          <p:cNvPr id="75" name="Straight Connector 74"/>
-          <p:cNvCxnSpPr>
-            <a:endCxn id="73" idx="5"/>
-          </p:cNvCxnSpPr>
-          <p:nvPr/>
-        </p:nvCxnSpPr>
-        <p:spPr>
-          <a:xfrm flipH="1" flipV="1">
-            <a:off x="5136964" y="4724400"/>
-            <a:ext cx="730436" cy="730436"/>
-          </a:xfrm>
-          <a:prstGeom prst="line">
-            <a:avLst/>
-          </a:prstGeom>
-        </p:spPr>
-        <p:style>
-          <a:lnRef idx="2">
-            <a:schemeClr val="accent1"/>
-          </a:lnRef>
-          <a:fillRef idx="0">
-            <a:schemeClr val="accent1"/>
-          </a:fillRef>
-          <a:effectRef idx="1">
-            <a:schemeClr val="accent1"/>
-          </a:effectRef>
-          <a:fontRef idx="minor">
-            <a:schemeClr val="tx1"/>
-          </a:fontRef>
-        </p:style>
-      </p:cxnSp>
-      <p:cxnSp>
-        <p:nvCxnSpPr>
-          <p:cNvPr id="76" name="Straight Connector 75"/>
-          <p:cNvCxnSpPr>
-            <a:stCxn id="67" idx="4"/>
-            <a:endCxn id="70" idx="0"/>
-          </p:cNvCxnSpPr>
-          <p:nvPr/>
-        </p:nvCxnSpPr>
-        <p:spPr>
-          <a:xfrm>
-            <a:off x="5867400" y="3886200"/>
-            <a:ext cx="76200" cy="1524000"/>
-          </a:xfrm>
-          <a:prstGeom prst="line">
-            <a:avLst/>
-          </a:prstGeom>
-        </p:spPr>
-        <p:style>
-          <a:lnRef idx="2">
-            <a:schemeClr val="accent1"/>
-          </a:lnRef>
-          <a:fillRef idx="0">
-            <a:schemeClr val="accent1"/>
-          </a:fillRef>
-          <a:effectRef idx="1">
-            <a:schemeClr val="accent1"/>
-          </a:effectRef>
-          <a:fontRef idx="minor">
-            <a:schemeClr val="tx1"/>
-          </a:fontRef>
-        </p:style>
-      </p:cxnSp>
-      <p:cxnSp>
-        <p:nvCxnSpPr>
-          <p:cNvPr id="79" name="Straight Connector 78"/>
-          <p:cNvCxnSpPr>
-            <a:stCxn id="69" idx="4"/>
-            <a:endCxn id="72" idx="0"/>
-          </p:cNvCxnSpPr>
-          <p:nvPr/>
-        </p:nvCxnSpPr>
-        <p:spPr>
-          <a:xfrm>
-            <a:off x="7391400" y="3886200"/>
-            <a:ext cx="76200" cy="1524000"/>
-          </a:xfrm>
-          <a:prstGeom prst="line">
-            <a:avLst/>
-          </a:prstGeom>
-        </p:spPr>
-        <p:style>
-          <a:lnRef idx="2">
-            <a:schemeClr val="accent1"/>
-          </a:lnRef>
-          <a:fillRef idx="0">
-            <a:schemeClr val="accent1"/>
-          </a:fillRef>
-          <a:effectRef idx="1">
-            <a:schemeClr val="accent1"/>
-          </a:effectRef>
-          <a:fontRef idx="minor">
-            <a:schemeClr val="tx1"/>
-          </a:fontRef>
-        </p:style>
-      </p:cxnSp>
-      <p:cxnSp>
-        <p:nvCxnSpPr>
-          <p:cNvPr id="82" name="Straight Connector 81"/>
-          <p:cNvCxnSpPr>
-            <a:stCxn id="69" idx="3"/>
-            <a:endCxn id="70" idx="6"/>
-          </p:cNvCxnSpPr>
-          <p:nvPr/>
-        </p:nvCxnSpPr>
-        <p:spPr>
-          <a:xfrm flipH="1">
-            <a:off x="6019800" y="3863882"/>
-            <a:ext cx="1317718" cy="1622518"/>
-          </a:xfrm>
-          <a:prstGeom prst="line">
-            <a:avLst/>
-          </a:prstGeom>
-        </p:spPr>
-        <p:style>
-          <a:lnRef idx="2">
-            <a:schemeClr val="accent1"/>
-          </a:lnRef>
-          <a:fillRef idx="0">
-            <a:schemeClr val="accent1"/>
-          </a:fillRef>
-          <a:effectRef idx="1">
-            <a:schemeClr val="accent1"/>
-          </a:effectRef>
-          <a:fontRef idx="minor">
-            <a:schemeClr val="tx1"/>
-          </a:fontRef>
-        </p:style>
-      </p:cxnSp>
-      <p:cxnSp>
-        <p:nvCxnSpPr>
-          <p:cNvPr id="85" name="Straight Arrow Connector 84"/>
-          <p:cNvCxnSpPr/>
-          <p:nvPr/>
-        </p:nvCxnSpPr>
-        <p:spPr>
-          <a:xfrm flipH="1">
-            <a:off x="5791200" y="3657600"/>
-            <a:ext cx="1600200" cy="0"/>
-          </a:xfrm>
-          <a:prstGeom prst="straightConnector1">
-            <a:avLst/>
-          </a:prstGeom>
-          <a:ln>
-            <a:solidFill>
-              <a:srgbClr val="C0504D"/>
-            </a:solidFill>
-            <a:tailEnd type="arrow"/>
-          </a:ln>
-        </p:spPr>
-        <p:style>
-          <a:lnRef idx="2">
-            <a:schemeClr val="accent1"/>
-          </a:lnRef>
-          <a:fillRef idx="0">
-            <a:schemeClr val="accent1"/>
-          </a:fillRef>
-          <a:effectRef idx="1">
-            <a:schemeClr val="accent1"/>
-          </a:effectRef>
-          <a:fontRef idx="minor">
-            <a:schemeClr val="tx1"/>
-          </a:fontRef>
-        </p:style>
-      </p:cxnSp>
-      <p:cxnSp>
-        <p:nvCxnSpPr>
-          <p:cNvPr id="86" name="Straight Arrow Connector 85"/>
-          <p:cNvCxnSpPr/>
-          <p:nvPr/>
-        </p:nvCxnSpPr>
-        <p:spPr>
-          <a:xfrm>
-            <a:off x="5867400" y="5638800"/>
-            <a:ext cx="1676400" cy="0"/>
-          </a:xfrm>
-          <a:prstGeom prst="straightConnector1">
-            <a:avLst/>
-          </a:prstGeom>
-          <a:ln>
-            <a:solidFill>
-              <a:srgbClr val="C0504D"/>
-            </a:solidFill>
-            <a:tailEnd type="arrow"/>
-          </a:ln>
-        </p:spPr>
-        <p:style>
-          <a:lnRef idx="2">
-            <a:schemeClr val="accent1"/>
-          </a:lnRef>
-          <a:fillRef idx="0">
-            <a:schemeClr val="accent1"/>
-          </a:fillRef>
-          <a:effectRef idx="1">
-            <a:schemeClr val="accent1"/>
-          </a:effectRef>
-          <a:fontRef idx="minor">
-            <a:schemeClr val="tx1"/>
-          </a:fontRef>
-        </p:style>
-      </p:cxnSp>
-      <p:sp>
-        <p:nvSpPr>
-          <p:cNvPr id="87" name="TextBox 86"/>
-          <p:cNvSpPr txBox="1"/>
-          <p:nvPr/>
-        </p:nvSpPr>
-        <p:spPr>
-          <a:xfrm>
-            <a:off x="3200400" y="4191000"/>
-            <a:ext cx="313044" cy="369332"/>
-          </a:xfrm>
-          <a:prstGeom prst="rect">
-            <a:avLst/>
-          </a:prstGeom>
-          <a:noFill/>
-        </p:spPr>
-        <p:txBody>
-          <a:bodyPr wrap="none" rtlCol="0">
-            <a:spAutoFit/>
-          </a:bodyPr>
-          <a:lstStyle/>
-          <a:p>
-            <a:r>
-              <a:rPr lang="en-US" dirty="0"/>
-              <a:t>1</a:t>
-            </a:r>
-          </a:p>
-        </p:txBody>
-      </p:sp>
-      <p:sp>
-        <p:nvSpPr>
-          <p:cNvPr id="88" name="TextBox 87"/>
-          <p:cNvSpPr txBox="1"/>
-          <p:nvPr/>
-        </p:nvSpPr>
-        <p:spPr>
-          <a:xfrm>
-            <a:off x="6392556" y="3352800"/>
-            <a:ext cx="313044" cy="369332"/>
-          </a:xfrm>
-          <a:prstGeom prst="rect">
-            <a:avLst/>
-          </a:prstGeom>
-          <a:noFill/>
-        </p:spPr>
-        <p:txBody>
-          <a:bodyPr wrap="none" rtlCol="0">
-            <a:spAutoFit/>
-          </a:bodyPr>
-          <a:lstStyle/>
-          <a:p>
-            <a:r>
-              <a:rPr lang="en-US" dirty="0"/>
-              <a:t>1</a:t>
-            </a:r>
-          </a:p>
-        </p:txBody>
-      </p:sp>
-      <p:cxnSp>
-        <p:nvCxnSpPr>
-          <p:cNvPr id="89" name="Straight Arrow Connector 88"/>
-          <p:cNvCxnSpPr/>
-          <p:nvPr/>
-        </p:nvCxnSpPr>
-        <p:spPr>
-          <a:xfrm>
-            <a:off x="5791200" y="4038600"/>
-            <a:ext cx="0" cy="1219200"/>
-          </a:xfrm>
-          <a:prstGeom prst="straightConnector1">
-            <a:avLst/>
-          </a:prstGeom>
-          <a:ln>
-            <a:solidFill>
-              <a:srgbClr val="C0504D"/>
-            </a:solidFill>
-            <a:tailEnd type="arrow"/>
-          </a:ln>
-        </p:spPr>
-        <p:style>
-          <a:lnRef idx="2">
-            <a:schemeClr val="accent1"/>
-          </a:lnRef>
-          <a:fillRef idx="0">
-            <a:schemeClr val="accent1"/>
-          </a:fillRef>
-          <a:effectRef idx="1">
-            <a:schemeClr val="accent1"/>
-          </a:effectRef>
-          <a:fontRef idx="minor">
-            <a:schemeClr val="tx1"/>
-          </a:fontRef>
-        </p:style>
-      </p:cxnSp>
-      <p:cxnSp>
-        <p:nvCxnSpPr>
-          <p:cNvPr id="92" name="Straight Arrow Connector 91"/>
-          <p:cNvCxnSpPr/>
-          <p:nvPr/>
-        </p:nvCxnSpPr>
-        <p:spPr>
-          <a:xfrm flipH="1" flipV="1">
-            <a:off x="7620000" y="3810000"/>
-            <a:ext cx="76200" cy="1676400"/>
-          </a:xfrm>
-          <a:prstGeom prst="straightConnector1">
-            <a:avLst/>
-          </a:prstGeom>
-          <a:ln>
-            <a:solidFill>
-              <a:srgbClr val="C0504D"/>
-            </a:solidFill>
-            <a:tailEnd type="arrow"/>
-          </a:ln>
-        </p:spPr>
-        <p:style>
-          <a:lnRef idx="2">
-            <a:schemeClr val="accent1"/>
-          </a:lnRef>
-          <a:fillRef idx="0">
-            <a:schemeClr val="accent1"/>
-          </a:fillRef>
-          <a:effectRef idx="1">
-            <a:schemeClr val="accent1"/>
-          </a:effectRef>
-          <a:fontRef idx="minor">
-            <a:schemeClr val="tx1"/>
-          </a:fontRef>
-        </p:style>
-      </p:cxnSp>
-      <p:cxnSp>
-        <p:nvCxnSpPr>
-          <p:cNvPr id="96" name="Straight Arrow Connector 95"/>
-          <p:cNvCxnSpPr/>
-          <p:nvPr/>
-        </p:nvCxnSpPr>
-        <p:spPr>
-          <a:xfrm flipH="1">
-            <a:off x="6096000" y="3962400"/>
-            <a:ext cx="990600" cy="1219200"/>
-          </a:xfrm>
-          <a:prstGeom prst="straightConnector1">
-            <a:avLst/>
-          </a:prstGeom>
-          <a:ln>
-            <a:solidFill>
-              <a:srgbClr val="C0504D"/>
-            </a:solidFill>
-            <a:tailEnd type="arrow"/>
-          </a:ln>
-        </p:spPr>
-        <p:style>
-          <a:lnRef idx="2">
-            <a:schemeClr val="accent1"/>
-          </a:lnRef>
-          <a:fillRef idx="0">
-            <a:schemeClr val="accent1"/>
-          </a:fillRef>
-          <a:effectRef idx="1">
-            <a:schemeClr val="accent1"/>
-          </a:effectRef>
-          <a:fontRef idx="minor">
-            <a:schemeClr val="tx1"/>
-          </a:fontRef>
-        </p:style>
-      </p:cxnSp>
-      <p:cxnSp>
-        <p:nvCxnSpPr>
-          <p:cNvPr id="99" name="Straight Arrow Connector 98"/>
-          <p:cNvCxnSpPr/>
-          <p:nvPr/>
-        </p:nvCxnSpPr>
-        <p:spPr>
-          <a:xfrm flipH="1" flipV="1">
-            <a:off x="4800600" y="4800600"/>
-            <a:ext cx="914400" cy="838200"/>
-          </a:xfrm>
-          <a:prstGeom prst="straightConnector1">
-            <a:avLst/>
-          </a:prstGeom>
-          <a:ln>
-            <a:solidFill>
-              <a:srgbClr val="C0504D"/>
-            </a:solidFill>
-            <a:tailEnd type="arrow"/>
-          </a:ln>
-        </p:spPr>
-        <p:style>
-          <a:lnRef idx="2">
-            <a:schemeClr val="accent1"/>
-          </a:lnRef>
-          <a:fillRef idx="0">
-            <a:schemeClr val="accent1"/>
-          </a:fillRef>
-          <a:effectRef idx="1">
-            <a:schemeClr val="accent1"/>
-          </a:effectRef>
-          <a:fontRef idx="minor">
-            <a:schemeClr val="tx1"/>
-          </a:fontRef>
-        </p:style>
-      </p:cxnSp>
-      <p:cxnSp>
-        <p:nvCxnSpPr>
-          <p:cNvPr id="102" name="Straight Arrow Connector 101"/>
-          <p:cNvCxnSpPr/>
-          <p:nvPr/>
-        </p:nvCxnSpPr>
-        <p:spPr>
-          <a:xfrm flipV="1">
-            <a:off x="4800600" y="3657600"/>
-            <a:ext cx="838200" cy="914400"/>
-          </a:xfrm>
-          <a:prstGeom prst="straightConnector1">
-            <a:avLst/>
-          </a:prstGeom>
-          <a:ln>
-            <a:solidFill>
-              <a:srgbClr val="C0504D"/>
-            </a:solidFill>
-            <a:tailEnd type="arrow"/>
-          </a:ln>
-        </p:spPr>
-        <p:style>
-          <a:lnRef idx="2">
-            <a:schemeClr val="accent1"/>
-          </a:lnRef>
-          <a:fillRef idx="0">
-            <a:schemeClr val="accent1"/>
-          </a:fillRef>
-          <a:effectRef idx="1">
-            <a:schemeClr val="accent1"/>
-          </a:effectRef>
-          <a:fontRef idx="minor">
-            <a:schemeClr val="tx1"/>
-          </a:fontRef>
-        </p:style>
-      </p:cxnSp>
+            <a:r>
+              <a:rPr lang="en-US" b="1" dirty="0"/>
+              <a:t>Euler path</a:t>
+            </a:r>
+            <a:r>
+              <a:rPr lang="en-US" dirty="0"/>
+              <a:t>: a path traversing all the edges of the graph exactly once</a:t>
+            </a:r>
+          </a:p>
+          <a:p>
+            <a:r>
+              <a:rPr lang="en-US" b="1" dirty="0"/>
+              <a:t>Euler cycle</a:t>
+            </a:r>
+            <a:r>
+              <a:rPr lang="en-US" dirty="0"/>
+              <a:t>: a cycle traversing all the edges of the graph exactly once</a:t>
+            </a:r>
+          </a:p>
+          <a:p>
+            <a:r>
+              <a:rPr lang="en-US" b="1" dirty="0"/>
+              <a:t>Hamilton path</a:t>
+            </a:r>
+            <a:r>
+              <a:rPr lang="en-US" dirty="0"/>
+              <a:t>: a path traversing all the vertices of the graph exactly once</a:t>
+            </a:r>
+          </a:p>
+          <a:p>
+            <a:r>
+              <a:rPr lang="en-US" b="1" dirty="0"/>
+              <a:t>Hamilton cycle</a:t>
+            </a:r>
+            <a:r>
+              <a:rPr lang="en-US" dirty="0"/>
+              <a:t>: a cycle traversing all vertices of the graph exactly once</a:t>
+            </a:r>
+          </a:p>
+        </p:txBody>
+      </p:sp>
     </p:spTree>
     <p:extLst>
       <p:ext uri="{BB962C8B-B14F-4D97-AF65-F5344CB8AC3E}">
-        <p14:creationId xmlns:p14="http://schemas.microsoft.com/office/powerpoint/2010/main" val="3089704090"/>
+        <p14:creationId xmlns:p14="http://schemas.microsoft.com/office/powerpoint/2010/main" val="1538515971"/>
       </p:ext>
     </p:extLst>
   </p:cSld>
@@ -7385,45 +6095,39 @@
           <a:lstStyle/>
           <a:p>
             <a:r>
-              <a:rPr lang="en-US" dirty="0"/>
-              <a:t>Examples</a:t>
-            </a:r>
-          </a:p>
-        </p:txBody>
-      </p:sp>
-      <p:pic>
-        <p:nvPicPr>
-          <p:cNvPr id="4" name="Picture 3"/>
-          <p:cNvPicPr>
-            <a:picLocks noChangeAspect="1"/>
-          </p:cNvPicPr>
-          <p:nvPr/>
-        </p:nvPicPr>
-        <p:blipFill>
-          <a:blip r:embed="rId2"/>
-          <a:stretch>
-            <a:fillRect/>
-          </a:stretch>
-        </p:blipFill>
-        <p:spPr>
-          <a:xfrm>
-            <a:off x="762000" y="990600"/>
-            <a:ext cx="7622327" cy="4267200"/>
-          </a:xfrm>
-          <a:prstGeom prst="rect">
-            <a:avLst/>
-          </a:prstGeom>
-          <a:ln>
-            <a:solidFill>
-              <a:srgbClr val="C0504D"/>
-            </a:solidFill>
-          </a:ln>
-        </p:spPr>
-      </p:pic>
+              <a:rPr lang="en-US" dirty="0" err="1"/>
+              <a:t>Eulerian</a:t>
+            </a:r>
+            <a:r>
+              <a:rPr lang="en-US" dirty="0"/>
+              <a:t> Graphs</a:t>
+            </a:r>
+          </a:p>
+        </p:txBody>
+      </p:sp>
+      <p:sp>
+        <p:nvSpPr>
+          <p:cNvPr id="3" name="Text Placeholder 2"/>
+          <p:cNvSpPr>
+            <a:spLocks noGrp="1"/>
+          </p:cNvSpPr>
+          <p:nvPr>
+            <p:ph type="body" idx="1"/>
+          </p:nvPr>
+        </p:nvSpPr>
+        <p:spPr/>
+        <p:txBody>
+          <a:bodyPr/>
+          <a:lstStyle/>
+          <a:p>
+            <a:endParaRPr lang="en-US"/>
+          </a:p>
+        </p:txBody>
+      </p:sp>
     </p:spTree>
     <p:extLst>
       <p:ext uri="{BB962C8B-B14F-4D97-AF65-F5344CB8AC3E}">
-        <p14:creationId xmlns:p14="http://schemas.microsoft.com/office/powerpoint/2010/main" val="3796966948"/>
+        <p14:creationId xmlns:p14="http://schemas.microsoft.com/office/powerpoint/2010/main" val="1464299298"/>
       </p:ext>
     </p:extLst>
   </p:cSld>
@@ -7452,7 +6156,7 @@
       </p:grpSpPr>
       <p:sp>
         <p:nvSpPr>
-          <p:cNvPr id="2" name="Title 1"/>
+          <p:cNvPr id="4" name="Title 3"/>
           <p:cNvSpPr>
             <a:spLocks noGrp="1"/>
           </p:cNvSpPr>
@@ -7467,71 +6171,1370 @@
           <a:p>
             <a:r>
               <a:rPr lang="en-US" dirty="0"/>
-              <a:t>Theorem 1: Sufficient condition</a:t>
-            </a:r>
-          </a:p>
-        </p:txBody>
-      </p:sp>
-      <p:sp>
-        <p:nvSpPr>
-          <p:cNvPr id="3" name="Content Placeholder 2"/>
-          <p:cNvSpPr>
-            <a:spLocks noGrp="1"/>
-          </p:cNvSpPr>
-          <p:nvPr>
-            <p:ph idx="1"/>
-          </p:nvPr>
-        </p:nvSpPr>
-        <p:spPr/>
-        <p:txBody>
-          <a:bodyPr/>
+              <a:t>Examples</a:t>
+            </a:r>
+          </a:p>
+        </p:txBody>
+      </p:sp>
+      <p:pic>
+        <p:nvPicPr>
+          <p:cNvPr id="6" name="Picture 5"/>
+          <p:cNvPicPr>
+            <a:picLocks noChangeAspect="1"/>
+          </p:cNvPicPr>
+          <p:nvPr/>
+        </p:nvPicPr>
+        <p:blipFill>
+          <a:blip r:embed="rId2"/>
+          <a:stretch>
+            <a:fillRect/>
+          </a:stretch>
+        </p:blipFill>
+        <p:spPr>
+          <a:xfrm>
+            <a:off x="1524000" y="914400"/>
+            <a:ext cx="5943600" cy="2260600"/>
+          </a:xfrm>
+          <a:prstGeom prst="rect">
+            <a:avLst/>
+          </a:prstGeom>
+          <a:ln>
+            <a:solidFill>
+              <a:srgbClr val="C0504D"/>
+            </a:solidFill>
+          </a:ln>
+        </p:spPr>
+      </p:pic>
+      <p:sp>
+        <p:nvSpPr>
+          <p:cNvPr id="50" name="Oval 49"/>
+          <p:cNvSpPr/>
+          <p:nvPr/>
+        </p:nvSpPr>
+        <p:spPr>
+          <a:xfrm>
+            <a:off x="1828800" y="3810000"/>
+            <a:ext cx="152400" cy="152400"/>
+          </a:xfrm>
+          <a:prstGeom prst="ellipse">
+            <a:avLst/>
+          </a:prstGeom>
+        </p:spPr>
+        <p:style>
+          <a:lnRef idx="1">
+            <a:schemeClr val="accent1"/>
+          </a:lnRef>
+          <a:fillRef idx="3">
+            <a:schemeClr val="accent1"/>
+          </a:fillRef>
+          <a:effectRef idx="2">
+            <a:schemeClr val="accent1"/>
+          </a:effectRef>
+          <a:fontRef idx="minor">
+            <a:schemeClr val="lt1"/>
+          </a:fontRef>
+        </p:style>
+        <p:txBody>
+          <a:bodyPr rtlCol="0" anchor="ctr"/>
           <a:lstStyle/>
           <a:p>
-            <a:r>
-              <a:rPr lang="en-US" dirty="0"/>
-              <a:t>A connected </a:t>
-            </a:r>
-            <a:r>
-              <a:rPr lang="en-US" dirty="0" err="1"/>
-              <a:t>multigraph</a:t>
-            </a:r>
-            <a:r>
-              <a:rPr lang="en-US" dirty="0"/>
-              <a:t> has an Euler cycle if and only if each of its vertices has even degree</a:t>
-            </a:r>
-          </a:p>
-          <a:p>
-            <a:r>
-              <a:rPr lang="en-US" dirty="0"/>
-              <a:t>Proof sketch, PART 1 (Necessary condition):</a:t>
-            </a:r>
-          </a:p>
-          <a:p>
-            <a:pPr lvl="1"/>
-            <a:r>
-              <a:rPr lang="en-US" dirty="0"/>
-              <a:t>Assume the graph has an Euler cycle</a:t>
-            </a:r>
-          </a:p>
-          <a:p>
-            <a:pPr lvl="1"/>
-            <a:r>
-              <a:rPr lang="en-US" dirty="0"/>
-              <a:t>Observe that every time the cycle passes through a vertex, it contributes 2 to the vertex’s degree</a:t>
-            </a:r>
-          </a:p>
-          <a:p>
-            <a:r>
-              <a:rPr lang="en-US" dirty="0"/>
-              <a:t>Since the cycle enters via an edge incident with this vertex and leaves via another such edge.</a:t>
-            </a:r>
-          </a:p>
-        </p:txBody>
-      </p:sp>
+            <a:pPr algn="ctr"/>
+            <a:endParaRPr lang="en-US"/>
+          </a:p>
+        </p:txBody>
+      </p:sp>
+      <p:cxnSp>
+        <p:nvCxnSpPr>
+          <p:cNvPr id="51" name="Straight Connector 50"/>
+          <p:cNvCxnSpPr>
+            <a:stCxn id="50" idx="6"/>
+          </p:cNvCxnSpPr>
+          <p:nvPr/>
+        </p:nvCxnSpPr>
+        <p:spPr>
+          <a:xfrm>
+            <a:off x="1981200" y="3886200"/>
+            <a:ext cx="1371600" cy="0"/>
+          </a:xfrm>
+          <a:prstGeom prst="line">
+            <a:avLst/>
+          </a:prstGeom>
+        </p:spPr>
+        <p:style>
+          <a:lnRef idx="2">
+            <a:schemeClr val="accent1"/>
+          </a:lnRef>
+          <a:fillRef idx="0">
+            <a:schemeClr val="accent1"/>
+          </a:fillRef>
+          <a:effectRef idx="1">
+            <a:schemeClr val="accent1"/>
+          </a:effectRef>
+          <a:fontRef idx="minor">
+            <a:schemeClr val="tx1"/>
+          </a:fontRef>
+        </p:style>
+      </p:cxnSp>
+      <p:sp>
+        <p:nvSpPr>
+          <p:cNvPr id="52" name="Oval 51"/>
+          <p:cNvSpPr/>
+          <p:nvPr/>
+        </p:nvSpPr>
+        <p:spPr>
+          <a:xfrm>
+            <a:off x="3352800" y="3810000"/>
+            <a:ext cx="152400" cy="152400"/>
+          </a:xfrm>
+          <a:prstGeom prst="ellipse">
+            <a:avLst/>
+          </a:prstGeom>
+        </p:spPr>
+        <p:style>
+          <a:lnRef idx="1">
+            <a:schemeClr val="accent1"/>
+          </a:lnRef>
+          <a:fillRef idx="3">
+            <a:schemeClr val="accent1"/>
+          </a:fillRef>
+          <a:effectRef idx="2">
+            <a:schemeClr val="accent1"/>
+          </a:effectRef>
+          <a:fontRef idx="minor">
+            <a:schemeClr val="lt1"/>
+          </a:fontRef>
+        </p:style>
+        <p:txBody>
+          <a:bodyPr rtlCol="0" anchor="ctr"/>
+          <a:lstStyle/>
+          <a:p>
+            <a:pPr algn="ctr"/>
+            <a:endParaRPr lang="en-US"/>
+          </a:p>
+        </p:txBody>
+      </p:sp>
+      <p:sp>
+        <p:nvSpPr>
+          <p:cNvPr id="53" name="Oval 52"/>
+          <p:cNvSpPr/>
+          <p:nvPr/>
+        </p:nvSpPr>
+        <p:spPr>
+          <a:xfrm>
+            <a:off x="2590800" y="4648200"/>
+            <a:ext cx="152400" cy="152400"/>
+          </a:xfrm>
+          <a:prstGeom prst="ellipse">
+            <a:avLst/>
+          </a:prstGeom>
+        </p:spPr>
+        <p:style>
+          <a:lnRef idx="1">
+            <a:schemeClr val="accent1"/>
+          </a:lnRef>
+          <a:fillRef idx="3">
+            <a:schemeClr val="accent1"/>
+          </a:fillRef>
+          <a:effectRef idx="2">
+            <a:schemeClr val="accent1"/>
+          </a:effectRef>
+          <a:fontRef idx="minor">
+            <a:schemeClr val="lt1"/>
+          </a:fontRef>
+        </p:style>
+        <p:txBody>
+          <a:bodyPr rtlCol="0" anchor="ctr"/>
+          <a:lstStyle/>
+          <a:p>
+            <a:pPr algn="ctr"/>
+            <a:endParaRPr lang="en-US"/>
+          </a:p>
+        </p:txBody>
+      </p:sp>
+      <p:sp>
+        <p:nvSpPr>
+          <p:cNvPr id="54" name="Oval 53"/>
+          <p:cNvSpPr/>
+          <p:nvPr/>
+        </p:nvSpPr>
+        <p:spPr>
+          <a:xfrm>
+            <a:off x="1905000" y="5486400"/>
+            <a:ext cx="152400" cy="152400"/>
+          </a:xfrm>
+          <a:prstGeom prst="ellipse">
+            <a:avLst/>
+          </a:prstGeom>
+        </p:spPr>
+        <p:style>
+          <a:lnRef idx="1">
+            <a:schemeClr val="accent1"/>
+          </a:lnRef>
+          <a:fillRef idx="3">
+            <a:schemeClr val="accent1"/>
+          </a:fillRef>
+          <a:effectRef idx="2">
+            <a:schemeClr val="accent1"/>
+          </a:effectRef>
+          <a:fontRef idx="minor">
+            <a:schemeClr val="lt1"/>
+          </a:fontRef>
+        </p:style>
+        <p:txBody>
+          <a:bodyPr rtlCol="0" anchor="ctr"/>
+          <a:lstStyle/>
+          <a:p>
+            <a:pPr algn="ctr"/>
+            <a:endParaRPr lang="en-US"/>
+          </a:p>
+        </p:txBody>
+      </p:sp>
+      <p:cxnSp>
+        <p:nvCxnSpPr>
+          <p:cNvPr id="55" name="Straight Connector 54"/>
+          <p:cNvCxnSpPr>
+            <a:stCxn id="54" idx="6"/>
+          </p:cNvCxnSpPr>
+          <p:nvPr/>
+        </p:nvCxnSpPr>
+        <p:spPr>
+          <a:xfrm>
+            <a:off x="2057400" y="5562600"/>
+            <a:ext cx="1371600" cy="0"/>
+          </a:xfrm>
+          <a:prstGeom prst="line">
+            <a:avLst/>
+          </a:prstGeom>
+        </p:spPr>
+        <p:style>
+          <a:lnRef idx="2">
+            <a:schemeClr val="accent1"/>
+          </a:lnRef>
+          <a:fillRef idx="0">
+            <a:schemeClr val="accent1"/>
+          </a:fillRef>
+          <a:effectRef idx="1">
+            <a:schemeClr val="accent1"/>
+          </a:effectRef>
+          <a:fontRef idx="minor">
+            <a:schemeClr val="tx1"/>
+          </a:fontRef>
+        </p:style>
+      </p:cxnSp>
+      <p:sp>
+        <p:nvSpPr>
+          <p:cNvPr id="56" name="Oval 55"/>
+          <p:cNvSpPr/>
+          <p:nvPr/>
+        </p:nvSpPr>
+        <p:spPr>
+          <a:xfrm>
+            <a:off x="3429000" y="5486400"/>
+            <a:ext cx="152400" cy="152400"/>
+          </a:xfrm>
+          <a:prstGeom prst="ellipse">
+            <a:avLst/>
+          </a:prstGeom>
+        </p:spPr>
+        <p:style>
+          <a:lnRef idx="1">
+            <a:schemeClr val="accent1"/>
+          </a:lnRef>
+          <a:fillRef idx="3">
+            <a:schemeClr val="accent1"/>
+          </a:fillRef>
+          <a:effectRef idx="2">
+            <a:schemeClr val="accent1"/>
+          </a:effectRef>
+          <a:fontRef idx="minor">
+            <a:schemeClr val="lt1"/>
+          </a:fontRef>
+        </p:style>
+        <p:txBody>
+          <a:bodyPr rtlCol="0" anchor="ctr"/>
+          <a:lstStyle/>
+          <a:p>
+            <a:pPr algn="ctr"/>
+            <a:endParaRPr lang="en-US"/>
+          </a:p>
+        </p:txBody>
+      </p:sp>
+      <p:cxnSp>
+        <p:nvCxnSpPr>
+          <p:cNvPr id="57" name="Straight Connector 56"/>
+          <p:cNvCxnSpPr>
+            <a:stCxn id="52" idx="3"/>
+            <a:endCxn id="53" idx="7"/>
+          </p:cNvCxnSpPr>
+          <p:nvPr/>
+        </p:nvCxnSpPr>
+        <p:spPr>
+          <a:xfrm flipH="1">
+            <a:off x="2720882" y="3940082"/>
+            <a:ext cx="654236" cy="730436"/>
+          </a:xfrm>
+          <a:prstGeom prst="line">
+            <a:avLst/>
+          </a:prstGeom>
+        </p:spPr>
+        <p:style>
+          <a:lnRef idx="2">
+            <a:schemeClr val="accent1"/>
+          </a:lnRef>
+          <a:fillRef idx="0">
+            <a:schemeClr val="accent1"/>
+          </a:fillRef>
+          <a:effectRef idx="1">
+            <a:schemeClr val="accent1"/>
+          </a:effectRef>
+          <a:fontRef idx="minor">
+            <a:schemeClr val="tx1"/>
+          </a:fontRef>
+        </p:style>
+      </p:cxnSp>
+      <p:cxnSp>
+        <p:nvCxnSpPr>
+          <p:cNvPr id="58" name="Straight Connector 57"/>
+          <p:cNvCxnSpPr/>
+          <p:nvPr/>
+        </p:nvCxnSpPr>
+        <p:spPr>
+          <a:xfrm flipH="1">
+            <a:off x="1981200" y="4800600"/>
+            <a:ext cx="654236" cy="730436"/>
+          </a:xfrm>
+          <a:prstGeom prst="line">
+            <a:avLst/>
+          </a:prstGeom>
+        </p:spPr>
+        <p:style>
+          <a:lnRef idx="2">
+            <a:schemeClr val="accent1"/>
+          </a:lnRef>
+          <a:fillRef idx="0">
+            <a:schemeClr val="accent1"/>
+          </a:fillRef>
+          <a:effectRef idx="1">
+            <a:schemeClr val="accent1"/>
+          </a:effectRef>
+          <a:fontRef idx="minor">
+            <a:schemeClr val="tx1"/>
+          </a:fontRef>
+        </p:style>
+      </p:cxnSp>
+      <p:cxnSp>
+        <p:nvCxnSpPr>
+          <p:cNvPr id="59" name="Straight Connector 58"/>
+          <p:cNvCxnSpPr>
+            <a:stCxn id="50" idx="4"/>
+            <a:endCxn id="53" idx="1"/>
+          </p:cNvCxnSpPr>
+          <p:nvPr/>
+        </p:nvCxnSpPr>
+        <p:spPr>
+          <a:xfrm>
+            <a:off x="1905000" y="3962400"/>
+            <a:ext cx="708118" cy="708118"/>
+          </a:xfrm>
+          <a:prstGeom prst="line">
+            <a:avLst/>
+          </a:prstGeom>
+        </p:spPr>
+        <p:style>
+          <a:lnRef idx="2">
+            <a:schemeClr val="accent1"/>
+          </a:lnRef>
+          <a:fillRef idx="0">
+            <a:schemeClr val="accent1"/>
+          </a:fillRef>
+          <a:effectRef idx="1">
+            <a:schemeClr val="accent1"/>
+          </a:effectRef>
+          <a:fontRef idx="minor">
+            <a:schemeClr val="tx1"/>
+          </a:fontRef>
+        </p:style>
+      </p:cxnSp>
+      <p:cxnSp>
+        <p:nvCxnSpPr>
+          <p:cNvPr id="60" name="Straight Connector 59"/>
+          <p:cNvCxnSpPr>
+            <a:stCxn id="56" idx="1"/>
+            <a:endCxn id="53" idx="5"/>
+          </p:cNvCxnSpPr>
+          <p:nvPr/>
+        </p:nvCxnSpPr>
+        <p:spPr>
+          <a:xfrm flipH="1" flipV="1">
+            <a:off x="2720882" y="4778282"/>
+            <a:ext cx="730436" cy="730436"/>
+          </a:xfrm>
+          <a:prstGeom prst="line">
+            <a:avLst/>
+          </a:prstGeom>
+        </p:spPr>
+        <p:style>
+          <a:lnRef idx="2">
+            <a:schemeClr val="accent1"/>
+          </a:lnRef>
+          <a:fillRef idx="0">
+            <a:schemeClr val="accent1"/>
+          </a:fillRef>
+          <a:effectRef idx="1">
+            <a:schemeClr val="accent1"/>
+          </a:effectRef>
+          <a:fontRef idx="minor">
+            <a:schemeClr val="tx1"/>
+          </a:fontRef>
+        </p:style>
+      </p:cxnSp>
+      <p:cxnSp>
+        <p:nvCxnSpPr>
+          <p:cNvPr id="61" name="Straight Arrow Connector 60"/>
+          <p:cNvCxnSpPr/>
+          <p:nvPr/>
+        </p:nvCxnSpPr>
+        <p:spPr>
+          <a:xfrm flipV="1">
+            <a:off x="2895600" y="3962400"/>
+            <a:ext cx="685800" cy="762000"/>
+          </a:xfrm>
+          <a:prstGeom prst="straightConnector1">
+            <a:avLst/>
+          </a:prstGeom>
+          <a:ln>
+            <a:solidFill>
+              <a:srgbClr val="C0504D"/>
+            </a:solidFill>
+            <a:tailEnd type="arrow"/>
+          </a:ln>
+        </p:spPr>
+        <p:style>
+          <a:lnRef idx="2">
+            <a:schemeClr val="accent1"/>
+          </a:lnRef>
+          <a:fillRef idx="0">
+            <a:schemeClr val="accent1"/>
+          </a:fillRef>
+          <a:effectRef idx="1">
+            <a:schemeClr val="accent1"/>
+          </a:effectRef>
+          <a:fontRef idx="minor">
+            <a:schemeClr val="tx1"/>
+          </a:fontRef>
+        </p:style>
+      </p:cxnSp>
+      <p:cxnSp>
+        <p:nvCxnSpPr>
+          <p:cNvPr id="62" name="Straight Arrow Connector 61"/>
+          <p:cNvCxnSpPr/>
+          <p:nvPr/>
+        </p:nvCxnSpPr>
+        <p:spPr>
+          <a:xfrm flipH="1">
+            <a:off x="1828800" y="3733800"/>
+            <a:ext cx="1600200" cy="0"/>
+          </a:xfrm>
+          <a:prstGeom prst="straightConnector1">
+            <a:avLst/>
+          </a:prstGeom>
+          <a:ln>
+            <a:solidFill>
+              <a:srgbClr val="C0504D"/>
+            </a:solidFill>
+            <a:tailEnd type="arrow"/>
+          </a:ln>
+        </p:spPr>
+        <p:style>
+          <a:lnRef idx="2">
+            <a:schemeClr val="accent1"/>
+          </a:lnRef>
+          <a:fillRef idx="0">
+            <a:schemeClr val="accent1"/>
+          </a:fillRef>
+          <a:effectRef idx="1">
+            <a:schemeClr val="accent1"/>
+          </a:effectRef>
+          <a:fontRef idx="minor">
+            <a:schemeClr val="tx1"/>
+          </a:fontRef>
+        </p:style>
+      </p:cxnSp>
+      <p:cxnSp>
+        <p:nvCxnSpPr>
+          <p:cNvPr id="63" name="Straight Arrow Connector 62"/>
+          <p:cNvCxnSpPr/>
+          <p:nvPr/>
+        </p:nvCxnSpPr>
+        <p:spPr>
+          <a:xfrm>
+            <a:off x="1676400" y="3962400"/>
+            <a:ext cx="762000" cy="838200"/>
+          </a:xfrm>
+          <a:prstGeom prst="straightConnector1">
+            <a:avLst/>
+          </a:prstGeom>
+          <a:ln>
+            <a:solidFill>
+              <a:srgbClr val="C0504D"/>
+            </a:solidFill>
+            <a:tailEnd type="arrow"/>
+          </a:ln>
+        </p:spPr>
+        <p:style>
+          <a:lnRef idx="2">
+            <a:schemeClr val="accent1"/>
+          </a:lnRef>
+          <a:fillRef idx="0">
+            <a:schemeClr val="accent1"/>
+          </a:fillRef>
+          <a:effectRef idx="1">
+            <a:schemeClr val="accent1"/>
+          </a:effectRef>
+          <a:fontRef idx="minor">
+            <a:schemeClr val="tx1"/>
+          </a:fontRef>
+        </p:style>
+      </p:cxnSp>
+      <p:cxnSp>
+        <p:nvCxnSpPr>
+          <p:cNvPr id="64" name="Straight Arrow Connector 63"/>
+          <p:cNvCxnSpPr/>
+          <p:nvPr/>
+        </p:nvCxnSpPr>
+        <p:spPr>
+          <a:xfrm flipH="1">
+            <a:off x="1752600" y="4800600"/>
+            <a:ext cx="685800" cy="685800"/>
+          </a:xfrm>
+          <a:prstGeom prst="straightConnector1">
+            <a:avLst/>
+          </a:prstGeom>
+          <a:ln>
+            <a:solidFill>
+              <a:srgbClr val="C0504D"/>
+            </a:solidFill>
+            <a:tailEnd type="arrow"/>
+          </a:ln>
+        </p:spPr>
+        <p:style>
+          <a:lnRef idx="2">
+            <a:schemeClr val="accent1"/>
+          </a:lnRef>
+          <a:fillRef idx="0">
+            <a:schemeClr val="accent1"/>
+          </a:fillRef>
+          <a:effectRef idx="1">
+            <a:schemeClr val="accent1"/>
+          </a:effectRef>
+          <a:fontRef idx="minor">
+            <a:schemeClr val="tx1"/>
+          </a:fontRef>
+        </p:style>
+      </p:cxnSp>
+      <p:cxnSp>
+        <p:nvCxnSpPr>
+          <p:cNvPr id="65" name="Straight Arrow Connector 64"/>
+          <p:cNvCxnSpPr/>
+          <p:nvPr/>
+        </p:nvCxnSpPr>
+        <p:spPr>
+          <a:xfrm>
+            <a:off x="1905000" y="5791200"/>
+            <a:ext cx="1676400" cy="0"/>
+          </a:xfrm>
+          <a:prstGeom prst="straightConnector1">
+            <a:avLst/>
+          </a:prstGeom>
+          <a:ln>
+            <a:solidFill>
+              <a:srgbClr val="C0504D"/>
+            </a:solidFill>
+            <a:tailEnd type="arrow"/>
+          </a:ln>
+        </p:spPr>
+        <p:style>
+          <a:lnRef idx="2">
+            <a:schemeClr val="accent1"/>
+          </a:lnRef>
+          <a:fillRef idx="0">
+            <a:schemeClr val="accent1"/>
+          </a:fillRef>
+          <a:effectRef idx="1">
+            <a:schemeClr val="accent1"/>
+          </a:effectRef>
+          <a:fontRef idx="minor">
+            <a:schemeClr val="tx1"/>
+          </a:fontRef>
+        </p:style>
+      </p:cxnSp>
+      <p:cxnSp>
+        <p:nvCxnSpPr>
+          <p:cNvPr id="66" name="Straight Arrow Connector 65"/>
+          <p:cNvCxnSpPr/>
+          <p:nvPr/>
+        </p:nvCxnSpPr>
+        <p:spPr>
+          <a:xfrm flipH="1" flipV="1">
+            <a:off x="2895600" y="4724400"/>
+            <a:ext cx="838200" cy="685800"/>
+          </a:xfrm>
+          <a:prstGeom prst="straightConnector1">
+            <a:avLst/>
+          </a:prstGeom>
+          <a:ln>
+            <a:solidFill>
+              <a:srgbClr val="C0504D"/>
+            </a:solidFill>
+            <a:tailEnd type="arrow"/>
+          </a:ln>
+        </p:spPr>
+        <p:style>
+          <a:lnRef idx="2">
+            <a:schemeClr val="accent1"/>
+          </a:lnRef>
+          <a:fillRef idx="0">
+            <a:schemeClr val="accent1"/>
+          </a:fillRef>
+          <a:effectRef idx="1">
+            <a:schemeClr val="accent1"/>
+          </a:effectRef>
+          <a:fontRef idx="minor">
+            <a:schemeClr val="tx1"/>
+          </a:fontRef>
+        </p:style>
+      </p:cxnSp>
+      <p:sp>
+        <p:nvSpPr>
+          <p:cNvPr id="67" name="Oval 66"/>
+          <p:cNvSpPr/>
+          <p:nvPr/>
+        </p:nvSpPr>
+        <p:spPr>
+          <a:xfrm>
+            <a:off x="5791200" y="3733800"/>
+            <a:ext cx="152400" cy="152400"/>
+          </a:xfrm>
+          <a:prstGeom prst="ellipse">
+            <a:avLst/>
+          </a:prstGeom>
+        </p:spPr>
+        <p:style>
+          <a:lnRef idx="1">
+            <a:schemeClr val="accent1"/>
+          </a:lnRef>
+          <a:fillRef idx="3">
+            <a:schemeClr val="accent1"/>
+          </a:fillRef>
+          <a:effectRef idx="2">
+            <a:schemeClr val="accent1"/>
+          </a:effectRef>
+          <a:fontRef idx="minor">
+            <a:schemeClr val="lt1"/>
+          </a:fontRef>
+        </p:style>
+        <p:txBody>
+          <a:bodyPr rtlCol="0" anchor="ctr"/>
+          <a:lstStyle/>
+          <a:p>
+            <a:pPr algn="ctr"/>
+            <a:endParaRPr lang="en-US"/>
+          </a:p>
+        </p:txBody>
+      </p:sp>
+      <p:cxnSp>
+        <p:nvCxnSpPr>
+          <p:cNvPr id="68" name="Straight Connector 67"/>
+          <p:cNvCxnSpPr>
+            <a:stCxn id="67" idx="6"/>
+          </p:cNvCxnSpPr>
+          <p:nvPr/>
+        </p:nvCxnSpPr>
+        <p:spPr>
+          <a:xfrm>
+            <a:off x="5943600" y="3810000"/>
+            <a:ext cx="1371600" cy="0"/>
+          </a:xfrm>
+          <a:prstGeom prst="line">
+            <a:avLst/>
+          </a:prstGeom>
+        </p:spPr>
+        <p:style>
+          <a:lnRef idx="2">
+            <a:schemeClr val="accent1"/>
+          </a:lnRef>
+          <a:fillRef idx="0">
+            <a:schemeClr val="accent1"/>
+          </a:fillRef>
+          <a:effectRef idx="1">
+            <a:schemeClr val="accent1"/>
+          </a:effectRef>
+          <a:fontRef idx="minor">
+            <a:schemeClr val="tx1"/>
+          </a:fontRef>
+        </p:style>
+      </p:cxnSp>
+      <p:sp>
+        <p:nvSpPr>
+          <p:cNvPr id="69" name="Oval 68"/>
+          <p:cNvSpPr/>
+          <p:nvPr/>
+        </p:nvSpPr>
+        <p:spPr>
+          <a:xfrm>
+            <a:off x="7315200" y="3733800"/>
+            <a:ext cx="152400" cy="152400"/>
+          </a:xfrm>
+          <a:prstGeom prst="ellipse">
+            <a:avLst/>
+          </a:prstGeom>
+        </p:spPr>
+        <p:style>
+          <a:lnRef idx="1">
+            <a:schemeClr val="accent1"/>
+          </a:lnRef>
+          <a:fillRef idx="3">
+            <a:schemeClr val="accent1"/>
+          </a:fillRef>
+          <a:effectRef idx="2">
+            <a:schemeClr val="accent1"/>
+          </a:effectRef>
+          <a:fontRef idx="minor">
+            <a:schemeClr val="lt1"/>
+          </a:fontRef>
+        </p:style>
+        <p:txBody>
+          <a:bodyPr rtlCol="0" anchor="ctr"/>
+          <a:lstStyle/>
+          <a:p>
+            <a:pPr algn="ctr"/>
+            <a:endParaRPr lang="en-US"/>
+          </a:p>
+        </p:txBody>
+      </p:sp>
+      <p:sp>
+        <p:nvSpPr>
+          <p:cNvPr id="70" name="Oval 69"/>
+          <p:cNvSpPr/>
+          <p:nvPr/>
+        </p:nvSpPr>
+        <p:spPr>
+          <a:xfrm>
+            <a:off x="5867400" y="5410200"/>
+            <a:ext cx="152400" cy="152400"/>
+          </a:xfrm>
+          <a:prstGeom prst="ellipse">
+            <a:avLst/>
+          </a:prstGeom>
+        </p:spPr>
+        <p:style>
+          <a:lnRef idx="1">
+            <a:schemeClr val="accent1"/>
+          </a:lnRef>
+          <a:fillRef idx="3">
+            <a:schemeClr val="accent1"/>
+          </a:fillRef>
+          <a:effectRef idx="2">
+            <a:schemeClr val="accent1"/>
+          </a:effectRef>
+          <a:fontRef idx="minor">
+            <a:schemeClr val="lt1"/>
+          </a:fontRef>
+        </p:style>
+        <p:txBody>
+          <a:bodyPr rtlCol="0" anchor="ctr"/>
+          <a:lstStyle/>
+          <a:p>
+            <a:pPr algn="ctr"/>
+            <a:endParaRPr lang="en-US"/>
+          </a:p>
+        </p:txBody>
+      </p:sp>
+      <p:cxnSp>
+        <p:nvCxnSpPr>
+          <p:cNvPr id="71" name="Straight Connector 70"/>
+          <p:cNvCxnSpPr>
+            <a:stCxn id="70" idx="6"/>
+          </p:cNvCxnSpPr>
+          <p:nvPr/>
+        </p:nvCxnSpPr>
+        <p:spPr>
+          <a:xfrm>
+            <a:off x="6019800" y="5486400"/>
+            <a:ext cx="1371600" cy="0"/>
+          </a:xfrm>
+          <a:prstGeom prst="line">
+            <a:avLst/>
+          </a:prstGeom>
+        </p:spPr>
+        <p:style>
+          <a:lnRef idx="2">
+            <a:schemeClr val="accent1"/>
+          </a:lnRef>
+          <a:fillRef idx="0">
+            <a:schemeClr val="accent1"/>
+          </a:fillRef>
+          <a:effectRef idx="1">
+            <a:schemeClr val="accent1"/>
+          </a:effectRef>
+          <a:fontRef idx="minor">
+            <a:schemeClr val="tx1"/>
+          </a:fontRef>
+        </p:style>
+      </p:cxnSp>
+      <p:sp>
+        <p:nvSpPr>
+          <p:cNvPr id="72" name="Oval 71"/>
+          <p:cNvSpPr/>
+          <p:nvPr/>
+        </p:nvSpPr>
+        <p:spPr>
+          <a:xfrm>
+            <a:off x="7391400" y="5410200"/>
+            <a:ext cx="152400" cy="152400"/>
+          </a:xfrm>
+          <a:prstGeom prst="ellipse">
+            <a:avLst/>
+          </a:prstGeom>
+        </p:spPr>
+        <p:style>
+          <a:lnRef idx="1">
+            <a:schemeClr val="accent1"/>
+          </a:lnRef>
+          <a:fillRef idx="3">
+            <a:schemeClr val="accent1"/>
+          </a:fillRef>
+          <a:effectRef idx="2">
+            <a:schemeClr val="accent1"/>
+          </a:effectRef>
+          <a:fontRef idx="minor">
+            <a:schemeClr val="lt1"/>
+          </a:fontRef>
+        </p:style>
+        <p:txBody>
+          <a:bodyPr rtlCol="0" anchor="ctr"/>
+          <a:lstStyle/>
+          <a:p>
+            <a:pPr algn="ctr"/>
+            <a:endParaRPr lang="en-US"/>
+          </a:p>
+        </p:txBody>
+      </p:sp>
+      <p:sp>
+        <p:nvSpPr>
+          <p:cNvPr id="73" name="Oval 72"/>
+          <p:cNvSpPr/>
+          <p:nvPr/>
+        </p:nvSpPr>
+        <p:spPr>
+          <a:xfrm>
+            <a:off x="5006882" y="4594318"/>
+            <a:ext cx="152400" cy="152400"/>
+          </a:xfrm>
+          <a:prstGeom prst="ellipse">
+            <a:avLst/>
+          </a:prstGeom>
+        </p:spPr>
+        <p:style>
+          <a:lnRef idx="1">
+            <a:schemeClr val="accent1"/>
+          </a:lnRef>
+          <a:fillRef idx="3">
+            <a:schemeClr val="accent1"/>
+          </a:fillRef>
+          <a:effectRef idx="2">
+            <a:schemeClr val="accent1"/>
+          </a:effectRef>
+          <a:fontRef idx="minor">
+            <a:schemeClr val="lt1"/>
+          </a:fontRef>
+        </p:style>
+        <p:txBody>
+          <a:bodyPr rtlCol="0" anchor="ctr"/>
+          <a:lstStyle/>
+          <a:p>
+            <a:pPr algn="ctr"/>
+            <a:endParaRPr lang="en-US"/>
+          </a:p>
+        </p:txBody>
+      </p:sp>
+      <p:cxnSp>
+        <p:nvCxnSpPr>
+          <p:cNvPr id="74" name="Straight Connector 73"/>
+          <p:cNvCxnSpPr>
+            <a:endCxn id="73" idx="7"/>
+          </p:cNvCxnSpPr>
+          <p:nvPr/>
+        </p:nvCxnSpPr>
+        <p:spPr>
+          <a:xfrm flipH="1">
+            <a:off x="5136964" y="3886200"/>
+            <a:ext cx="654236" cy="730436"/>
+          </a:xfrm>
+          <a:prstGeom prst="line">
+            <a:avLst/>
+          </a:prstGeom>
+        </p:spPr>
+        <p:style>
+          <a:lnRef idx="2">
+            <a:schemeClr val="accent1"/>
+          </a:lnRef>
+          <a:fillRef idx="0">
+            <a:schemeClr val="accent1"/>
+          </a:fillRef>
+          <a:effectRef idx="1">
+            <a:schemeClr val="accent1"/>
+          </a:effectRef>
+          <a:fontRef idx="minor">
+            <a:schemeClr val="tx1"/>
+          </a:fontRef>
+        </p:style>
+      </p:cxnSp>
+      <p:cxnSp>
+        <p:nvCxnSpPr>
+          <p:cNvPr id="75" name="Straight Connector 74"/>
+          <p:cNvCxnSpPr>
+            <a:endCxn id="73" idx="5"/>
+          </p:cNvCxnSpPr>
+          <p:nvPr/>
+        </p:nvCxnSpPr>
+        <p:spPr>
+          <a:xfrm flipH="1" flipV="1">
+            <a:off x="5136964" y="4724400"/>
+            <a:ext cx="730436" cy="730436"/>
+          </a:xfrm>
+          <a:prstGeom prst="line">
+            <a:avLst/>
+          </a:prstGeom>
+        </p:spPr>
+        <p:style>
+          <a:lnRef idx="2">
+            <a:schemeClr val="accent1"/>
+          </a:lnRef>
+          <a:fillRef idx="0">
+            <a:schemeClr val="accent1"/>
+          </a:fillRef>
+          <a:effectRef idx="1">
+            <a:schemeClr val="accent1"/>
+          </a:effectRef>
+          <a:fontRef idx="minor">
+            <a:schemeClr val="tx1"/>
+          </a:fontRef>
+        </p:style>
+      </p:cxnSp>
+      <p:cxnSp>
+        <p:nvCxnSpPr>
+          <p:cNvPr id="76" name="Straight Connector 75"/>
+          <p:cNvCxnSpPr>
+            <a:stCxn id="67" idx="4"/>
+            <a:endCxn id="70" idx="0"/>
+          </p:cNvCxnSpPr>
+          <p:nvPr/>
+        </p:nvCxnSpPr>
+        <p:spPr>
+          <a:xfrm>
+            <a:off x="5867400" y="3886200"/>
+            <a:ext cx="76200" cy="1524000"/>
+          </a:xfrm>
+          <a:prstGeom prst="line">
+            <a:avLst/>
+          </a:prstGeom>
+        </p:spPr>
+        <p:style>
+          <a:lnRef idx="2">
+            <a:schemeClr val="accent1"/>
+          </a:lnRef>
+          <a:fillRef idx="0">
+            <a:schemeClr val="accent1"/>
+          </a:fillRef>
+          <a:effectRef idx="1">
+            <a:schemeClr val="accent1"/>
+          </a:effectRef>
+          <a:fontRef idx="minor">
+            <a:schemeClr val="tx1"/>
+          </a:fontRef>
+        </p:style>
+      </p:cxnSp>
+      <p:cxnSp>
+        <p:nvCxnSpPr>
+          <p:cNvPr id="79" name="Straight Connector 78"/>
+          <p:cNvCxnSpPr>
+            <a:stCxn id="69" idx="4"/>
+            <a:endCxn id="72" idx="0"/>
+          </p:cNvCxnSpPr>
+          <p:nvPr/>
+        </p:nvCxnSpPr>
+        <p:spPr>
+          <a:xfrm>
+            <a:off x="7391400" y="3886200"/>
+            <a:ext cx="76200" cy="1524000"/>
+          </a:xfrm>
+          <a:prstGeom prst="line">
+            <a:avLst/>
+          </a:prstGeom>
+        </p:spPr>
+        <p:style>
+          <a:lnRef idx="2">
+            <a:schemeClr val="accent1"/>
+          </a:lnRef>
+          <a:fillRef idx="0">
+            <a:schemeClr val="accent1"/>
+          </a:fillRef>
+          <a:effectRef idx="1">
+            <a:schemeClr val="accent1"/>
+          </a:effectRef>
+          <a:fontRef idx="minor">
+            <a:schemeClr val="tx1"/>
+          </a:fontRef>
+        </p:style>
+      </p:cxnSp>
+      <p:cxnSp>
+        <p:nvCxnSpPr>
+          <p:cNvPr id="82" name="Straight Connector 81"/>
+          <p:cNvCxnSpPr>
+            <a:stCxn id="69" idx="3"/>
+            <a:endCxn id="70" idx="6"/>
+          </p:cNvCxnSpPr>
+          <p:nvPr/>
+        </p:nvCxnSpPr>
+        <p:spPr>
+          <a:xfrm flipH="1">
+            <a:off x="6019800" y="3863882"/>
+            <a:ext cx="1317718" cy="1622518"/>
+          </a:xfrm>
+          <a:prstGeom prst="line">
+            <a:avLst/>
+          </a:prstGeom>
+        </p:spPr>
+        <p:style>
+          <a:lnRef idx="2">
+            <a:schemeClr val="accent1"/>
+          </a:lnRef>
+          <a:fillRef idx="0">
+            <a:schemeClr val="accent1"/>
+          </a:fillRef>
+          <a:effectRef idx="1">
+            <a:schemeClr val="accent1"/>
+          </a:effectRef>
+          <a:fontRef idx="minor">
+            <a:schemeClr val="tx1"/>
+          </a:fontRef>
+        </p:style>
+      </p:cxnSp>
+      <p:cxnSp>
+        <p:nvCxnSpPr>
+          <p:cNvPr id="85" name="Straight Arrow Connector 84"/>
+          <p:cNvCxnSpPr/>
+          <p:nvPr/>
+        </p:nvCxnSpPr>
+        <p:spPr>
+          <a:xfrm flipH="1">
+            <a:off x="5791200" y="3657600"/>
+            <a:ext cx="1600200" cy="0"/>
+          </a:xfrm>
+          <a:prstGeom prst="straightConnector1">
+            <a:avLst/>
+          </a:prstGeom>
+          <a:ln>
+            <a:solidFill>
+              <a:srgbClr val="C0504D"/>
+            </a:solidFill>
+            <a:tailEnd type="arrow"/>
+          </a:ln>
+        </p:spPr>
+        <p:style>
+          <a:lnRef idx="2">
+            <a:schemeClr val="accent1"/>
+          </a:lnRef>
+          <a:fillRef idx="0">
+            <a:schemeClr val="accent1"/>
+          </a:fillRef>
+          <a:effectRef idx="1">
+            <a:schemeClr val="accent1"/>
+          </a:effectRef>
+          <a:fontRef idx="minor">
+            <a:schemeClr val="tx1"/>
+          </a:fontRef>
+        </p:style>
+      </p:cxnSp>
+      <p:cxnSp>
+        <p:nvCxnSpPr>
+          <p:cNvPr id="86" name="Straight Arrow Connector 85"/>
+          <p:cNvCxnSpPr/>
+          <p:nvPr/>
+        </p:nvCxnSpPr>
+        <p:spPr>
+          <a:xfrm>
+            <a:off x="5867400" y="5638800"/>
+            <a:ext cx="1676400" cy="0"/>
+          </a:xfrm>
+          <a:prstGeom prst="straightConnector1">
+            <a:avLst/>
+          </a:prstGeom>
+          <a:ln>
+            <a:solidFill>
+              <a:srgbClr val="C0504D"/>
+            </a:solidFill>
+            <a:tailEnd type="arrow"/>
+          </a:ln>
+        </p:spPr>
+        <p:style>
+          <a:lnRef idx="2">
+            <a:schemeClr val="accent1"/>
+          </a:lnRef>
+          <a:fillRef idx="0">
+            <a:schemeClr val="accent1"/>
+          </a:fillRef>
+          <a:effectRef idx="1">
+            <a:schemeClr val="accent1"/>
+          </a:effectRef>
+          <a:fontRef idx="minor">
+            <a:schemeClr val="tx1"/>
+          </a:fontRef>
+        </p:style>
+      </p:cxnSp>
+      <p:sp>
+        <p:nvSpPr>
+          <p:cNvPr id="87" name="TextBox 86"/>
+          <p:cNvSpPr txBox="1"/>
+          <p:nvPr/>
+        </p:nvSpPr>
+        <p:spPr>
+          <a:xfrm>
+            <a:off x="3200400" y="4191000"/>
+            <a:ext cx="313044" cy="369332"/>
+          </a:xfrm>
+          <a:prstGeom prst="rect">
+            <a:avLst/>
+          </a:prstGeom>
+          <a:noFill/>
+        </p:spPr>
+        <p:txBody>
+          <a:bodyPr wrap="none" rtlCol="0">
+            <a:spAutoFit/>
+          </a:bodyPr>
+          <a:lstStyle/>
+          <a:p>
+            <a:r>
+              <a:rPr lang="en-US" dirty="0"/>
+              <a:t>1</a:t>
+            </a:r>
+          </a:p>
+        </p:txBody>
+      </p:sp>
+      <p:sp>
+        <p:nvSpPr>
+          <p:cNvPr id="88" name="TextBox 87"/>
+          <p:cNvSpPr txBox="1"/>
+          <p:nvPr/>
+        </p:nvSpPr>
+        <p:spPr>
+          <a:xfrm>
+            <a:off x="6392556" y="3352800"/>
+            <a:ext cx="313044" cy="369332"/>
+          </a:xfrm>
+          <a:prstGeom prst="rect">
+            <a:avLst/>
+          </a:prstGeom>
+          <a:noFill/>
+        </p:spPr>
+        <p:txBody>
+          <a:bodyPr wrap="none" rtlCol="0">
+            <a:spAutoFit/>
+          </a:bodyPr>
+          <a:lstStyle/>
+          <a:p>
+            <a:r>
+              <a:rPr lang="en-US" dirty="0"/>
+              <a:t>1</a:t>
+            </a:r>
+          </a:p>
+        </p:txBody>
+      </p:sp>
+      <p:cxnSp>
+        <p:nvCxnSpPr>
+          <p:cNvPr id="89" name="Straight Arrow Connector 88"/>
+          <p:cNvCxnSpPr/>
+          <p:nvPr/>
+        </p:nvCxnSpPr>
+        <p:spPr>
+          <a:xfrm>
+            <a:off x="5791200" y="4038600"/>
+            <a:ext cx="0" cy="1219200"/>
+          </a:xfrm>
+          <a:prstGeom prst="straightConnector1">
+            <a:avLst/>
+          </a:prstGeom>
+          <a:ln>
+            <a:solidFill>
+              <a:srgbClr val="C0504D"/>
+            </a:solidFill>
+            <a:tailEnd type="arrow"/>
+          </a:ln>
+        </p:spPr>
+        <p:style>
+          <a:lnRef idx="2">
+            <a:schemeClr val="accent1"/>
+          </a:lnRef>
+          <a:fillRef idx="0">
+            <a:schemeClr val="accent1"/>
+          </a:fillRef>
+          <a:effectRef idx="1">
+            <a:schemeClr val="accent1"/>
+          </a:effectRef>
+          <a:fontRef idx="minor">
+            <a:schemeClr val="tx1"/>
+          </a:fontRef>
+        </p:style>
+      </p:cxnSp>
+      <p:cxnSp>
+        <p:nvCxnSpPr>
+          <p:cNvPr id="92" name="Straight Arrow Connector 91"/>
+          <p:cNvCxnSpPr/>
+          <p:nvPr/>
+        </p:nvCxnSpPr>
+        <p:spPr>
+          <a:xfrm flipH="1" flipV="1">
+            <a:off x="7620000" y="3810000"/>
+            <a:ext cx="76200" cy="1676400"/>
+          </a:xfrm>
+          <a:prstGeom prst="straightConnector1">
+            <a:avLst/>
+          </a:prstGeom>
+          <a:ln>
+            <a:solidFill>
+              <a:srgbClr val="C0504D"/>
+            </a:solidFill>
+            <a:tailEnd type="arrow"/>
+          </a:ln>
+        </p:spPr>
+        <p:style>
+          <a:lnRef idx="2">
+            <a:schemeClr val="accent1"/>
+          </a:lnRef>
+          <a:fillRef idx="0">
+            <a:schemeClr val="accent1"/>
+          </a:fillRef>
+          <a:effectRef idx="1">
+            <a:schemeClr val="accent1"/>
+          </a:effectRef>
+          <a:fontRef idx="minor">
+            <a:schemeClr val="tx1"/>
+          </a:fontRef>
+        </p:style>
+      </p:cxnSp>
+      <p:cxnSp>
+        <p:nvCxnSpPr>
+          <p:cNvPr id="96" name="Straight Arrow Connector 95"/>
+          <p:cNvCxnSpPr/>
+          <p:nvPr/>
+        </p:nvCxnSpPr>
+        <p:spPr>
+          <a:xfrm flipH="1">
+            <a:off x="6096000" y="3962400"/>
+            <a:ext cx="990600" cy="1219200"/>
+          </a:xfrm>
+          <a:prstGeom prst="straightConnector1">
+            <a:avLst/>
+          </a:prstGeom>
+          <a:ln>
+            <a:solidFill>
+              <a:srgbClr val="C0504D"/>
+            </a:solidFill>
+            <a:tailEnd type="arrow"/>
+          </a:ln>
+        </p:spPr>
+        <p:style>
+          <a:lnRef idx="2">
+            <a:schemeClr val="accent1"/>
+          </a:lnRef>
+          <a:fillRef idx="0">
+            <a:schemeClr val="accent1"/>
+          </a:fillRef>
+          <a:effectRef idx="1">
+            <a:schemeClr val="accent1"/>
+          </a:effectRef>
+          <a:fontRef idx="minor">
+            <a:schemeClr val="tx1"/>
+          </a:fontRef>
+        </p:style>
+      </p:cxnSp>
+      <p:cxnSp>
+        <p:nvCxnSpPr>
+          <p:cNvPr id="99" name="Straight Arrow Connector 98"/>
+          <p:cNvCxnSpPr/>
+          <p:nvPr/>
+        </p:nvCxnSpPr>
+        <p:spPr>
+          <a:xfrm flipH="1" flipV="1">
+            <a:off x="4800600" y="4800600"/>
+            <a:ext cx="914400" cy="838200"/>
+          </a:xfrm>
+          <a:prstGeom prst="straightConnector1">
+            <a:avLst/>
+          </a:prstGeom>
+          <a:ln>
+            <a:solidFill>
+              <a:srgbClr val="C0504D"/>
+            </a:solidFill>
+            <a:tailEnd type="arrow"/>
+          </a:ln>
+        </p:spPr>
+        <p:style>
+          <a:lnRef idx="2">
+            <a:schemeClr val="accent1"/>
+          </a:lnRef>
+          <a:fillRef idx="0">
+            <a:schemeClr val="accent1"/>
+          </a:fillRef>
+          <a:effectRef idx="1">
+            <a:schemeClr val="accent1"/>
+          </a:effectRef>
+          <a:fontRef idx="minor">
+            <a:schemeClr val="tx1"/>
+          </a:fontRef>
+        </p:style>
+      </p:cxnSp>
+      <p:cxnSp>
+        <p:nvCxnSpPr>
+          <p:cNvPr id="102" name="Straight Arrow Connector 101"/>
+          <p:cNvCxnSpPr/>
+          <p:nvPr/>
+        </p:nvCxnSpPr>
+        <p:spPr>
+          <a:xfrm flipV="1">
+            <a:off x="4800600" y="3657600"/>
+            <a:ext cx="838200" cy="914400"/>
+          </a:xfrm>
+          <a:prstGeom prst="straightConnector1">
+            <a:avLst/>
+          </a:prstGeom>
+          <a:ln>
+            <a:solidFill>
+              <a:srgbClr val="C0504D"/>
+            </a:solidFill>
+            <a:tailEnd type="arrow"/>
+          </a:ln>
+        </p:spPr>
+        <p:style>
+          <a:lnRef idx="2">
+            <a:schemeClr val="accent1"/>
+          </a:lnRef>
+          <a:fillRef idx="0">
+            <a:schemeClr val="accent1"/>
+          </a:fillRef>
+          <a:effectRef idx="1">
+            <a:schemeClr val="accent1"/>
+          </a:effectRef>
+          <a:fontRef idx="minor">
+            <a:schemeClr val="tx1"/>
+          </a:fontRef>
+        </p:style>
+      </p:cxnSp>
     </p:spTree>
     <p:extLst>
       <p:ext uri="{BB962C8B-B14F-4D97-AF65-F5344CB8AC3E}">
-        <p14:creationId xmlns:p14="http://schemas.microsoft.com/office/powerpoint/2010/main" val="1011214658"/>
+        <p14:creationId xmlns:p14="http://schemas.microsoft.com/office/powerpoint/2010/main" val="3089704090"/>
       </p:ext>
     </p:extLst>
   </p:cSld>
@@ -7575,167 +7578,44 @@
           <a:p>
             <a:r>
               <a:rPr lang="en-US" dirty="0"/>
-              <a:t>Theorem 1: Sufficient condition</a:t>
-            </a:r>
-          </a:p>
-        </p:txBody>
-      </p:sp>
-      <p:sp>
-        <p:nvSpPr>
-          <p:cNvPr id="3" name="Content Placeholder 2"/>
-          <p:cNvSpPr>
-            <a:spLocks noGrp="1"/>
-          </p:cNvSpPr>
-          <p:nvPr>
-            <p:ph idx="1"/>
-          </p:nvPr>
-        </p:nvSpPr>
-        <p:spPr/>
-        <p:txBody>
-          <a:bodyPr>
-            <a:normAutofit fontScale="85000" lnSpcReduction="10000"/>
-          </a:bodyPr>
-          <a:lstStyle/>
-          <a:p>
-            <a:r>
-              <a:rPr lang="en-US" dirty="0"/>
-              <a:t>Proof Sketch, PART 2 (Sufficient condition):</a:t>
-            </a:r>
-          </a:p>
-          <a:p>
-            <a:r>
-              <a:rPr lang="en-US" dirty="0"/>
-              <a:t>Demonstrate an algorithm for finding Euler cycle in a graph where all vertices have even degrees</a:t>
-            </a:r>
-          </a:p>
-          <a:p>
-            <a:pPr lvl="1"/>
-            <a:r>
-              <a:rPr lang="en-US" dirty="0"/>
-              <a:t>Assume every vertex in a </a:t>
-            </a:r>
-            <a:r>
-              <a:rPr lang="en-US" dirty="0" err="1"/>
-              <a:t>multigraph</a:t>
-            </a:r>
-            <a:r>
-              <a:rPr lang="en-US" dirty="0"/>
-              <a:t> G has even degree.</a:t>
-            </a:r>
-          </a:p>
-          <a:p>
-            <a:pPr lvl="1"/>
-            <a:r>
-              <a:rPr lang="en-US" dirty="0">
-                <a:solidFill>
-                  <a:srgbClr val="FF0000"/>
-                </a:solidFill>
-              </a:rPr>
-              <a:t>Start at </a:t>
-            </a:r>
-            <a:r>
-              <a:rPr lang="en-US" dirty="0"/>
-              <a:t>an arbitrary non-isolated </a:t>
-            </a:r>
-            <a:r>
-              <a:rPr lang="en-US" dirty="0">
-                <a:solidFill>
-                  <a:srgbClr val="FF0000"/>
-                </a:solidFill>
-              </a:rPr>
-              <a:t>vertex v0</a:t>
-            </a:r>
-            <a:r>
-              <a:rPr lang="en-US" dirty="0"/>
-              <a:t>, </a:t>
-            </a:r>
-            <a:r>
-              <a:rPr lang="en-US" dirty="0">
-                <a:solidFill>
-                  <a:srgbClr val="FF0000"/>
-                </a:solidFill>
-              </a:rPr>
-              <a:t>choose an arbitrary edge</a:t>
-            </a:r>
-            <a:r>
-              <a:rPr lang="en-US" dirty="0"/>
-              <a:t> (v0, v1)</a:t>
-            </a:r>
-          </a:p>
-          <a:p>
-            <a:pPr lvl="1"/>
-            <a:r>
-              <a:rPr lang="en-US" dirty="0"/>
-              <a:t>Then choose an arbitrary unused edge from v1 and so on.</a:t>
-            </a:r>
-          </a:p>
-          <a:p>
-            <a:pPr lvl="1"/>
-            <a:r>
-              <a:rPr lang="en-US" dirty="0"/>
-              <a:t>After a finite number of steps the process will arrive at the starting vertex v0, yielding a cycle with distinct edges.</a:t>
-            </a:r>
-          </a:p>
-          <a:p>
-            <a:pPr lvl="1"/>
-            <a:r>
-              <a:rPr lang="en-US" dirty="0">
-                <a:solidFill>
-                  <a:srgbClr val="FF0000"/>
-                </a:solidFill>
-              </a:rPr>
-              <a:t>If</a:t>
-            </a:r>
-            <a:r>
-              <a:rPr lang="en-US" dirty="0"/>
-              <a:t> the cycle </a:t>
-            </a:r>
-            <a:r>
-              <a:rPr lang="en-US" dirty="0">
-                <a:solidFill>
-                  <a:srgbClr val="FF0000"/>
-                </a:solidFill>
-              </a:rPr>
-              <a:t>includes all edges </a:t>
-            </a:r>
-            <a:r>
-              <a:rPr lang="en-US" dirty="0"/>
-              <a:t>of G, this will be an </a:t>
-            </a:r>
-            <a:r>
-              <a:rPr lang="en-US" dirty="0">
-                <a:solidFill>
-                  <a:srgbClr val="FF0000"/>
-                </a:solidFill>
-              </a:rPr>
-              <a:t>Euler cycle</a:t>
-            </a:r>
-            <a:r>
-              <a:rPr lang="en-US" dirty="0"/>
-              <a:t>; </a:t>
-            </a:r>
-          </a:p>
-          <a:p>
-            <a:pPr lvl="1"/>
-            <a:r>
-              <a:rPr lang="en-US" dirty="0">
-                <a:solidFill>
-                  <a:srgbClr val="FF0000"/>
-                </a:solidFill>
-              </a:rPr>
-              <a:t>If not</a:t>
-            </a:r>
-            <a:r>
-              <a:rPr lang="en-US" dirty="0"/>
-              <a:t>, begin the procedure again from a vertex contained in this cycle and splice the two cycles together; continue until all edges are used.</a:t>
-            </a:r>
-          </a:p>
-        </p:txBody>
-      </p:sp>
+              <a:t>Examples</a:t>
+            </a:r>
+          </a:p>
+        </p:txBody>
+      </p:sp>
+      <p:pic>
+        <p:nvPicPr>
+          <p:cNvPr id="4" name="Picture 3"/>
+          <p:cNvPicPr>
+            <a:picLocks noChangeAspect="1"/>
+          </p:cNvPicPr>
+          <p:nvPr/>
+        </p:nvPicPr>
+        <p:blipFill>
+          <a:blip r:embed="rId2"/>
+          <a:stretch>
+            <a:fillRect/>
+          </a:stretch>
+        </p:blipFill>
+        <p:spPr>
+          <a:xfrm>
+            <a:off x="762000" y="990600"/>
+            <a:ext cx="7622327" cy="4267200"/>
+          </a:xfrm>
+          <a:prstGeom prst="rect">
+            <a:avLst/>
+          </a:prstGeom>
+          <a:ln>
+            <a:solidFill>
+              <a:srgbClr val="C0504D"/>
+            </a:solidFill>
+          </a:ln>
+        </p:spPr>
+      </p:pic>
     </p:spTree>
     <p:extLst>
       <p:ext uri="{BB962C8B-B14F-4D97-AF65-F5344CB8AC3E}">
-        <p14:creationId xmlns:p14="http://schemas.microsoft.com/office/powerpoint/2010/main" val="1841427542"/>
+        <p14:creationId xmlns:p14="http://schemas.microsoft.com/office/powerpoint/2010/main" val="3796966948"/>
       </p:ext>
     </p:extLst>
   </p:cSld>
@@ -7796,35 +7676,46 @@
         </p:nvSpPr>
         <p:spPr/>
         <p:txBody>
-          <a:bodyPr>
-            <a:normAutofit/>
-          </a:bodyPr>
+          <a:bodyPr/>
           <a:lstStyle/>
           <a:p>
             <a:r>
               <a:rPr lang="en-US" dirty="0"/>
-              <a:t>In the above procedure, once you entered a vertex v, </a:t>
+              <a:t>A connected </a:t>
+            </a:r>
+            <a:r>
+              <a:rPr lang="en-US" dirty="0" err="1"/>
+              <a:t>multigraph</a:t>
+            </a:r>
+            <a:r>
+              <a:rPr lang="en-US" dirty="0"/>
+              <a:t> has an Euler cycle if and only if each of its vertices has even degree</a:t>
+            </a:r>
+          </a:p>
+          <a:p>
+            <a:r>
+              <a:rPr lang="en-US" dirty="0"/>
+              <a:t>Proof sketch, PART 1 (Necessary condition):</a:t>
             </a:r>
           </a:p>
           <a:p>
             <a:pPr lvl="1"/>
             <a:r>
               <a:rPr lang="en-US" dirty="0"/>
-              <a:t>There will always be another unused edge to exit v because v has an even degree.</a:t>
+              <a:t>Assume the graph has an Euler cycle</a:t>
             </a:r>
           </a:p>
           <a:p>
             <a:pPr lvl="1"/>
             <a:r>
               <a:rPr lang="en-US" dirty="0"/>
-              <a:t>The only edge from which you may not be able to exit after entering it is v0</a:t>
-            </a:r>
-          </a:p>
-          <a:p>
-            <a:pPr lvl="2"/>
-            <a:r>
-              <a:rPr lang="en-US" dirty="0"/>
-              <a:t>But if you have reached v0, then you have already constructed a required cycle.</a:t>
+              <a:t>Observe that every time the cycle passes through a vertex, it contributes 2 to the vertex’s degree</a:t>
+            </a:r>
+          </a:p>
+          <a:p>
+            <a:r>
+              <a:rPr lang="en-US" dirty="0"/>
+              <a:t>Since the cycle enters via an edge incident with this vertex and leaves via another such edge.</a:t>
             </a:r>
           </a:p>
         </p:txBody>
@@ -7832,7 +7723,7 @@
     </p:spTree>
     <p:extLst>
       <p:ext uri="{BB962C8B-B14F-4D97-AF65-F5344CB8AC3E}">
-        <p14:creationId xmlns:p14="http://schemas.microsoft.com/office/powerpoint/2010/main" val="4247590495"/>
+        <p14:creationId xmlns:p14="http://schemas.microsoft.com/office/powerpoint/2010/main" val="1011214658"/>
       </p:ext>
     </p:extLst>
   </p:cSld>
@@ -7871,14 +7762,12 @@
         </p:nvSpPr>
         <p:spPr/>
         <p:txBody>
-          <a:bodyPr>
-            <a:normAutofit fontScale="90000"/>
-          </a:bodyPr>
+          <a:bodyPr/>
           <a:lstStyle/>
           <a:p>
             <a:r>
               <a:rPr lang="en-US" dirty="0"/>
-              <a:t>Procedure for constructing an Euler cycle</a:t>
+              <a:t>Theorem 1: Sufficient condition</a:t>
             </a:r>
           </a:p>
         </p:txBody>
@@ -7893,155 +7782,144 @@
             <p:ph idx="1"/>
           </p:nvPr>
         </p:nvSpPr>
-        <p:spPr>
-          <a:xfrm>
-            <a:off x="76200" y="1066800"/>
-            <a:ext cx="8915400" cy="2286000"/>
-          </a:xfrm>
-        </p:spPr>
-        <p:txBody>
-          <a:bodyPr/>
-          <a:lstStyle/>
-          <a:p>
-            <a:r>
-              <a:rPr lang="en-US" dirty="0"/>
-              <a:t>Algorithm Euler(G)</a:t>
-            </a:r>
-          </a:p>
-          <a:p>
-            <a:r>
-              <a:rPr lang="en-US" b="1" dirty="0"/>
-              <a:t>Input</a:t>
-            </a:r>
-            <a:r>
-              <a:rPr lang="en-US" dirty="0"/>
-              <a:t>: Connected graph G with all vertices having en degrees</a:t>
-            </a:r>
-          </a:p>
-          <a:p>
-            <a:r>
-              <a:rPr lang="en-US" b="1" dirty="0"/>
-              <a:t>Output</a:t>
-            </a:r>
-            <a:r>
-              <a:rPr lang="en-US" dirty="0"/>
-              <a:t>: Euler cycle</a:t>
-            </a:r>
-          </a:p>
-        </p:txBody>
-      </p:sp>
-      <p:sp>
-        <p:nvSpPr>
-          <p:cNvPr id="5" name="TextBox 4"/>
-          <p:cNvSpPr txBox="1"/>
-          <p:nvPr/>
-        </p:nvSpPr>
-        <p:spPr>
-          <a:xfrm>
-            <a:off x="685800" y="3429000"/>
-            <a:ext cx="7622600" cy="2585323"/>
-          </a:xfrm>
-          <a:prstGeom prst="rect">
-            <a:avLst/>
-          </a:prstGeom>
-          <a:solidFill>
-            <a:schemeClr val="bg1"/>
-          </a:solidFill>
-          <a:ln>
-            <a:solidFill>
-              <a:srgbClr val="C0504D"/>
-            </a:solidFill>
-          </a:ln>
-        </p:spPr>
-        <p:txBody>
-          <a:bodyPr wrap="none" rtlCol="0">
-            <a:spAutoFit/>
+        <p:spPr/>
+        <p:txBody>
+          <a:bodyPr>
+            <a:normAutofit fontScale="85000" lnSpcReduction="10000"/>
           </a:bodyPr>
           <a:lstStyle/>
           <a:p>
             <a:r>
               <a:rPr lang="en-US" dirty="0"/>
-              <a:t>Construct a cycle in G</a:t>
-            </a:r>
-          </a:p>
-          <a:p>
-            <a:r>
-              <a:rPr lang="en-US" dirty="0"/>
-              <a:t>Remove all edges of cycle from G to get </a:t>
+              <a:t>Proof Sketch, PART 2 (Sufficient condition):</a:t>
+            </a:r>
+          </a:p>
+          <a:p>
+            <a:r>
+              <a:rPr lang="en-US" dirty="0"/>
+              <a:t>Demonstrate an algorithm for finding Euler cycle in a graph where all vertices have even degrees</a:t>
+            </a:r>
+          </a:p>
+          <a:p>
+            <a:pPr lvl="1"/>
+            <a:r>
+              <a:rPr lang="en-US" dirty="0"/>
+              <a:t>Assume every vertex in a </a:t>
             </a:r>
             <a:r>
               <a:rPr lang="en-US" dirty="0" err="1"/>
-              <a:t>subgraph</a:t>
-            </a:r>
-            <a:r>
-              <a:rPr lang="en-US" dirty="0"/>
-              <a:t> H</a:t>
-            </a:r>
-          </a:p>
-          <a:p>
-            <a:r>
-              <a:rPr lang="en-US" dirty="0"/>
-              <a:t>While H has edges</a:t>
-            </a:r>
-          </a:p>
-          <a:p>
-            <a:r>
-              <a:rPr lang="en-US" dirty="0"/>
-              <a:t>	find a non-isolated vertex v that is both in cycle and in H</a:t>
-            </a:r>
-          </a:p>
-          <a:p>
-            <a:r>
-              <a:rPr lang="en-US" dirty="0"/>
-              <a:t>	//The existence of such vertex is guaranteed by G’s connectivity</a:t>
-            </a:r>
-          </a:p>
-          <a:p>
-            <a:r>
-              <a:rPr lang="en-US" dirty="0"/>
-              <a:t>	construct </a:t>
-            </a:r>
-            <a:r>
-              <a:rPr lang="en-US" dirty="0" err="1"/>
-              <a:t>subcycle</a:t>
-            </a:r>
-            <a:r>
-              <a:rPr lang="en-US" dirty="0"/>
-              <a:t> in H</a:t>
-            </a:r>
-          </a:p>
-          <a:p>
-            <a:r>
-              <a:rPr lang="en-US" dirty="0"/>
-              <a:t>	splice </a:t>
-            </a:r>
-            <a:r>
-              <a:rPr lang="en-US" dirty="0" err="1"/>
-              <a:t>subcycle</a:t>
-            </a:r>
-            <a:r>
-              <a:rPr lang="en-US" dirty="0"/>
-              <a:t> into cycle at v</a:t>
-            </a:r>
-          </a:p>
-          <a:p>
-            <a:r>
-              <a:rPr lang="en-US" dirty="0"/>
-              <a:t>	remove all the edges of </a:t>
-            </a:r>
-            <a:r>
-              <a:rPr lang="en-US" dirty="0" err="1"/>
-              <a:t>subcycle</a:t>
-            </a:r>
-            <a:r>
-              <a:rPr lang="en-US" dirty="0"/>
-              <a:t> from H</a:t>
-            </a:r>
-          </a:p>
-          <a:p>
-            <a:r>
-              <a:rPr lang="en-US" dirty="0"/>
-              <a:t>return cycle</a:t>
+              <a:t>multigraph</a:t>
+            </a:r>
+            <a:r>
+              <a:rPr lang="en-US" dirty="0"/>
+              <a:t> G has even degree.</a:t>
+            </a:r>
+          </a:p>
+          <a:p>
+            <a:pPr lvl="1"/>
+            <a:r>
+              <a:rPr lang="en-US" dirty="0">
+                <a:solidFill>
+                  <a:srgbClr val="FF0000"/>
+                </a:solidFill>
+              </a:rPr>
+              <a:t>Start at </a:t>
+            </a:r>
+            <a:r>
+              <a:rPr lang="en-US" dirty="0"/>
+              <a:t>an arbitrary non-isolated </a:t>
+            </a:r>
+            <a:r>
+              <a:rPr lang="en-US" dirty="0">
+                <a:solidFill>
+                  <a:srgbClr val="FF0000"/>
+                </a:solidFill>
+              </a:rPr>
+              <a:t>vertex v0</a:t>
+            </a:r>
+            <a:r>
+              <a:rPr lang="en-US" dirty="0"/>
+              <a:t>, </a:t>
+            </a:r>
+            <a:r>
+              <a:rPr lang="en-US" dirty="0">
+                <a:solidFill>
+                  <a:srgbClr val="FF0000"/>
+                </a:solidFill>
+              </a:rPr>
+              <a:t>choose an arbitrary edge</a:t>
+            </a:r>
+            <a:r>
+              <a:rPr lang="en-US" dirty="0"/>
+              <a:t> (v0, v1)</a:t>
+            </a:r>
+          </a:p>
+          <a:p>
+            <a:pPr lvl="1"/>
+            <a:r>
+              <a:rPr lang="en-US" dirty="0"/>
+              <a:t>Then choose an arbitrary unused edge from v1 and so on.</a:t>
+            </a:r>
+          </a:p>
+          <a:p>
+            <a:pPr lvl="1"/>
+            <a:r>
+              <a:rPr lang="en-US" dirty="0"/>
+              <a:t>After a finite number of steps the process will arrive at the starting vertex v0, yielding a cycle with distinct edges.</a:t>
+            </a:r>
+          </a:p>
+          <a:p>
+            <a:pPr lvl="1"/>
+            <a:r>
+              <a:rPr lang="en-US" dirty="0">
+                <a:solidFill>
+                  <a:srgbClr val="FF0000"/>
+                </a:solidFill>
+              </a:rPr>
+              <a:t>If</a:t>
+            </a:r>
+            <a:r>
+              <a:rPr lang="en-US" dirty="0"/>
+              <a:t> the cycle </a:t>
+            </a:r>
+            <a:r>
+              <a:rPr lang="en-US" dirty="0">
+                <a:solidFill>
+                  <a:srgbClr val="FF0000"/>
+                </a:solidFill>
+              </a:rPr>
+              <a:t>includes all edges </a:t>
+            </a:r>
+            <a:r>
+              <a:rPr lang="en-US" dirty="0"/>
+              <a:t>of G, this will be an </a:t>
+            </a:r>
+            <a:r>
+              <a:rPr lang="en-US" dirty="0">
+                <a:solidFill>
+                  <a:srgbClr val="FF0000"/>
+                </a:solidFill>
+              </a:rPr>
+              <a:t>Euler cycle</a:t>
+            </a:r>
+            <a:r>
+              <a:rPr lang="en-US" dirty="0"/>
+              <a:t>; </a:t>
+            </a:r>
+          </a:p>
+          <a:p>
+            <a:pPr lvl="1"/>
+            <a:r>
+              <a:rPr lang="en-US" dirty="0">
+                <a:solidFill>
+                  <a:srgbClr val="FF0000"/>
+                </a:solidFill>
+              </a:rPr>
+              <a:t>If not</a:t>
+            </a:r>
+            <a:r>
+              <a:rPr lang="en-US" dirty="0"/>
+              <a:t>, begin the procedure again from a vertex contained in this cycle and splice the two cycles together; continue until all edges are used.</a:t>
             </a:r>
           </a:p>
         </p:txBody>
@@ -8049,7 +7927,7 @@
     </p:spTree>
     <p:extLst>
       <p:ext uri="{BB962C8B-B14F-4D97-AF65-F5344CB8AC3E}">
-        <p14:creationId xmlns:p14="http://schemas.microsoft.com/office/powerpoint/2010/main" val="3034435095"/>
+        <p14:creationId xmlns:p14="http://schemas.microsoft.com/office/powerpoint/2010/main" val="1841427542"/>
       </p:ext>
     </p:extLst>
   </p:cSld>
@@ -8093,44 +7971,60 @@
           <a:p>
             <a:r>
               <a:rPr lang="en-US" dirty="0"/>
-              <a:t>Example</a:t>
-            </a:r>
-          </a:p>
-        </p:txBody>
-      </p:sp>
-      <p:pic>
-        <p:nvPicPr>
-          <p:cNvPr id="4" name="Picture 3"/>
-          <p:cNvPicPr>
-            <a:picLocks noChangeAspect="1"/>
-          </p:cNvPicPr>
-          <p:nvPr/>
-        </p:nvPicPr>
-        <p:blipFill>
-          <a:blip r:embed="rId2"/>
-          <a:stretch>
-            <a:fillRect/>
-          </a:stretch>
-        </p:blipFill>
-        <p:spPr>
-          <a:xfrm>
-            <a:off x="1066800" y="990600"/>
-            <a:ext cx="7048027" cy="4787900"/>
-          </a:xfrm>
-          <a:prstGeom prst="rect">
-            <a:avLst/>
-          </a:prstGeom>
-          <a:ln>
-            <a:solidFill>
-              <a:srgbClr val="C0504D"/>
-            </a:solidFill>
-          </a:ln>
-        </p:spPr>
-      </p:pic>
+              <a:t>Theorem 1: Sufficient condition</a:t>
+            </a:r>
+          </a:p>
+        </p:txBody>
+      </p:sp>
+      <p:sp>
+        <p:nvSpPr>
+          <p:cNvPr id="3" name="Content Placeholder 2"/>
+          <p:cNvSpPr>
+            <a:spLocks noGrp="1"/>
+          </p:cNvSpPr>
+          <p:nvPr>
+            <p:ph idx="1"/>
+          </p:nvPr>
+        </p:nvSpPr>
+        <p:spPr/>
+        <p:txBody>
+          <a:bodyPr>
+            <a:normAutofit/>
+          </a:bodyPr>
+          <a:lstStyle/>
+          <a:p>
+            <a:r>
+              <a:rPr lang="en-US" dirty="0"/>
+              <a:t>In the above procedure, once you entered a vertex v, </a:t>
+            </a:r>
+          </a:p>
+          <a:p>
+            <a:pPr lvl="1"/>
+            <a:r>
+              <a:rPr lang="en-US" dirty="0"/>
+              <a:t>There will always be another unused edge to exit v because v has an even degree.</a:t>
+            </a:r>
+          </a:p>
+          <a:p>
+            <a:pPr lvl="1"/>
+            <a:r>
+              <a:rPr lang="en-US" dirty="0"/>
+              <a:t>The only edge from which you may not be able to exit after entering it is v0</a:t>
+            </a:r>
+          </a:p>
+          <a:p>
+            <a:pPr lvl="2"/>
+            <a:r>
+              <a:rPr lang="en-US" dirty="0"/>
+              <a:t>But if you have reached v0, then you have already constructed a required cycle.</a:t>
+            </a:r>
+          </a:p>
+        </p:txBody>
+      </p:sp>
     </p:spTree>
     <p:extLst>
       <p:ext uri="{BB962C8B-B14F-4D97-AF65-F5344CB8AC3E}">
-        <p14:creationId xmlns:p14="http://schemas.microsoft.com/office/powerpoint/2010/main" val="764881631"/>
+        <p14:creationId xmlns:p14="http://schemas.microsoft.com/office/powerpoint/2010/main" val="4247590495"/>
       </p:ext>
     </p:extLst>
   </p:cSld>
@@ -8169,12 +8063,14 @@
         </p:nvSpPr>
         <p:spPr/>
         <p:txBody>
-          <a:bodyPr/>
+          <a:bodyPr>
+            <a:normAutofit fontScale="90000"/>
+          </a:bodyPr>
           <a:lstStyle/>
           <a:p>
             <a:r>
               <a:rPr lang="en-US" dirty="0"/>
-              <a:t>Algorithm for Euler cycle using Stack</a:t>
+              <a:t>Procedure for constructing an Euler cycle</a:t>
             </a:r>
           </a:p>
         </p:txBody>
@@ -8192,18 +8088,16 @@
         <p:spPr>
           <a:xfrm>
             <a:off x="76200" y="1066800"/>
-            <a:ext cx="8915400" cy="1905000"/>
-          </a:xfrm>
-        </p:spPr>
-        <p:txBody>
-          <a:bodyPr>
-            <a:normAutofit fontScale="92500" lnSpcReduction="20000"/>
-          </a:bodyPr>
+            <a:ext cx="8915400" cy="2286000"/>
+          </a:xfrm>
+        </p:spPr>
+        <p:txBody>
+          <a:bodyPr/>
           <a:lstStyle/>
           <a:p>
             <a:r>
               <a:rPr lang="en-US" dirty="0"/>
-              <a:t>Algorithm Euler (G)</a:t>
+              <a:t>Algorithm Euler(G)</a:t>
             </a:r>
           </a:p>
           <a:p>
@@ -8213,7 +8107,7 @@
             </a:r>
             <a:r>
               <a:rPr lang="en-US" dirty="0"/>
-              <a:t>: Connected graph G with all vertices having even degrees</a:t>
+              <a:t>: Connected graph G with all vertices having en degrees</a:t>
             </a:r>
           </a:p>
           <a:p>
@@ -8226,27 +8120,24 @@
               <a:t>: Euler cycle</a:t>
             </a:r>
           </a:p>
-          <a:p>
-            <a:endParaRPr lang="en-US" dirty="0"/>
-          </a:p>
-        </p:txBody>
-      </p:sp>
-      <p:sp>
-        <p:nvSpPr>
-          <p:cNvPr id="4" name="TextBox 3"/>
+        </p:txBody>
+      </p:sp>
+      <p:sp>
+        <p:nvSpPr>
+          <p:cNvPr id="5" name="TextBox 4"/>
           <p:cNvSpPr txBox="1"/>
           <p:nvPr/>
         </p:nvSpPr>
         <p:spPr>
           <a:xfrm>
-            <a:off x="152400" y="2895600"/>
-            <a:ext cx="8839200" cy="3416320"/>
+            <a:off x="685800" y="3429000"/>
+            <a:ext cx="7622600" cy="2585323"/>
           </a:xfrm>
           <a:prstGeom prst="rect">
             <a:avLst/>
           </a:prstGeom>
           <a:solidFill>
-            <a:srgbClr val="FFFFFF"/>
+            <a:schemeClr val="bg1"/>
           </a:solidFill>
           <a:ln>
             <a:solidFill>
@@ -8255,145 +8146,94 @@
           </a:ln>
         </p:spPr>
         <p:txBody>
-          <a:bodyPr wrap="square" rtlCol="0">
+          <a:bodyPr wrap="none" rtlCol="0">
             <a:spAutoFit/>
           </a:bodyPr>
           <a:lstStyle/>
           <a:p>
             <a:r>
               <a:rPr lang="en-US" dirty="0"/>
-              <a:t>declare a stack S of characters</a:t>
-            </a:r>
-          </a:p>
-          <a:p>
-            <a:r>
-              <a:rPr lang="en-US" dirty="0"/>
-              <a:t>declare empty array E (which will contain Euler cycle)</a:t>
-            </a:r>
-          </a:p>
-          <a:p>
-            <a:r>
-              <a:rPr lang="en-US" dirty="0"/>
-              <a:t>push the vertex X to S</a:t>
-            </a:r>
-          </a:p>
-          <a:p>
-            <a:r>
-              <a:rPr lang="en-US" dirty="0"/>
-              <a:t>while (S is not empty){</a:t>
-            </a:r>
-          </a:p>
-          <a:p>
-            <a:r>
-              <a:rPr lang="en-US" dirty="0"/>
-              <a:t>	</a:t>
+              <a:t>Construct a cycle in G</a:t>
+            </a:r>
+          </a:p>
+          <a:p>
+            <a:r>
+              <a:rPr lang="en-US" dirty="0"/>
+              <a:t>Remove all edges of cycle from G to get </a:t>
             </a:r>
             <a:r>
               <a:rPr lang="en-US" dirty="0" err="1"/>
-              <a:t>ch</a:t>
-            </a:r>
-            <a:r>
-              <a:rPr lang="en-US" dirty="0"/>
-              <a:t> = </a:t>
-            </a:r>
-            <a:r>
-              <a:rPr lang="en-US" b="1" dirty="0">
-                <a:solidFill>
-                  <a:srgbClr val="FF0000"/>
-                </a:solidFill>
-              </a:rPr>
-              <a:t>top </a:t>
-            </a:r>
-            <a:r>
-              <a:rPr lang="en-US" dirty="0"/>
-              <a:t>element of the stack S</a:t>
-            </a:r>
-          </a:p>
-          <a:p>
-            <a:r>
-              <a:rPr lang="en-US" dirty="0"/>
-              <a:t>	if </a:t>
+              <a:t>subgraph</a:t>
+            </a:r>
+            <a:r>
+              <a:rPr lang="en-US" dirty="0"/>
+              <a:t> H</a:t>
+            </a:r>
+          </a:p>
+          <a:p>
+            <a:r>
+              <a:rPr lang="en-US" dirty="0"/>
+              <a:t>While H has edges</a:t>
+            </a:r>
+          </a:p>
+          <a:p>
+            <a:r>
+              <a:rPr lang="en-US" dirty="0"/>
+              <a:t>	find a non-isolated vertex v that is both in cycle and in H</a:t>
+            </a:r>
+          </a:p>
+          <a:p>
+            <a:r>
+              <a:rPr lang="en-US" dirty="0"/>
+              <a:t>	//The existence of such vertex is guaranteed by G’s connectivity</a:t>
+            </a:r>
+          </a:p>
+          <a:p>
+            <a:r>
+              <a:rPr lang="en-US" dirty="0"/>
+              <a:t>	construct </a:t>
             </a:r>
             <a:r>
               <a:rPr lang="en-US" dirty="0" err="1"/>
-              <a:t>ch</a:t>
-            </a:r>
-            <a:r>
-              <a:rPr lang="en-US" dirty="0"/>
-              <a:t> is isolated then </a:t>
-            </a:r>
-          </a:p>
-          <a:p>
-            <a:r>
-              <a:rPr lang="en-US" dirty="0"/>
-              <a:t>		</a:t>
-            </a:r>
-            <a:r>
-              <a:rPr lang="en-US" b="1" dirty="0">
-                <a:solidFill>
-                  <a:srgbClr val="FF0000"/>
-                </a:solidFill>
-              </a:rPr>
-              <a:t>remove </a:t>
-            </a:r>
-            <a:r>
-              <a:rPr lang="en-US" dirty="0"/>
-              <a:t>it from the stack and put into E</a:t>
-            </a:r>
-          </a:p>
-          <a:p>
-            <a:r>
-              <a:rPr lang="en-US" dirty="0"/>
-              <a:t>	else</a:t>
-            </a:r>
-          </a:p>
-          <a:p>
-            <a:r>
-              <a:rPr lang="en-US" dirty="0"/>
-              <a:t>		select the first vertex Y (by alphabet order), which is adjacent to </a:t>
+              <a:t>subcycle</a:t>
+            </a:r>
+            <a:r>
+              <a:rPr lang="en-US" dirty="0"/>
+              <a:t> in H</a:t>
+            </a:r>
+          </a:p>
+          <a:p>
+            <a:r>
+              <a:rPr lang="en-US" dirty="0"/>
+              <a:t>	splice </a:t>
             </a:r>
             <a:r>
               <a:rPr lang="en-US" dirty="0" err="1"/>
-              <a:t>ch</a:t>
-            </a:r>
-            <a:endParaRPr lang="en-US" dirty="0"/>
-          </a:p>
-          <a:p>
-            <a:r>
-              <a:rPr lang="en-US" dirty="0"/>
-              <a:t>		</a:t>
-            </a:r>
-            <a:r>
-              <a:rPr lang="en-US" b="1" dirty="0">
-                <a:solidFill>
-                  <a:srgbClr val="FF0000"/>
-                </a:solidFill>
-              </a:rPr>
-              <a:t>push</a:t>
-            </a:r>
-            <a:r>
-              <a:rPr lang="en-US" dirty="0"/>
-              <a:t> Y to S and remove the edge (</a:t>
+              <a:t>subcycle</a:t>
+            </a:r>
+            <a:r>
+              <a:rPr lang="en-US" dirty="0"/>
+              <a:t> into cycle at v</a:t>
+            </a:r>
+          </a:p>
+          <a:p>
+            <a:r>
+              <a:rPr lang="en-US" dirty="0"/>
+              <a:t>	remove all the edges of </a:t>
             </a:r>
             <a:r>
               <a:rPr lang="en-US" dirty="0" err="1"/>
-              <a:t>ch</a:t>
-            </a:r>
-            <a:r>
-              <a:rPr lang="en-US" dirty="0"/>
-              <a:t>, Y) from the graph</a:t>
-            </a:r>
-          </a:p>
-          <a:p>
-            <a:r>
-              <a:rPr lang="en-US" dirty="0"/>
-              <a:t>}</a:t>
-            </a:r>
-          </a:p>
-          <a:p>
-            <a:r>
-              <a:rPr lang="en-US" dirty="0"/>
-              <a:t>The last array E obtained is an Euler cycle of the graph</a:t>
+              <a:t>subcycle</a:t>
+            </a:r>
+            <a:r>
+              <a:rPr lang="en-US" dirty="0"/>
+              <a:t> from H</a:t>
+            </a:r>
+          </a:p>
+          <a:p>
+            <a:r>
+              <a:rPr lang="en-US" dirty="0"/>
+              <a:t>return cycle</a:t>
             </a:r>
           </a:p>
         </p:txBody>
@@ -8401,7 +8241,7 @@
     </p:spTree>
     <p:extLst>
       <p:ext uri="{BB962C8B-B14F-4D97-AF65-F5344CB8AC3E}">
-        <p14:creationId xmlns:p14="http://schemas.microsoft.com/office/powerpoint/2010/main" val="2326478121"/>
+        <p14:creationId xmlns:p14="http://schemas.microsoft.com/office/powerpoint/2010/main" val="3034435095"/>
       </p:ext>
     </p:extLst>
   </p:cSld>
@@ -8445,84 +8285,44 @@
           <a:p>
             <a:r>
               <a:rPr lang="en-US" dirty="0"/>
-              <a:t>Theorem 2. Necessary and Sufficient</a:t>
-            </a:r>
-          </a:p>
-        </p:txBody>
-      </p:sp>
-      <p:sp>
-        <p:nvSpPr>
-          <p:cNvPr id="3" name="Content Placeholder 2"/>
-          <p:cNvSpPr>
-            <a:spLocks noGrp="1"/>
-          </p:cNvSpPr>
-          <p:nvPr>
-            <p:ph idx="1"/>
-          </p:nvPr>
-        </p:nvSpPr>
-        <p:spPr/>
-        <p:txBody>
-          <a:bodyPr/>
-          <a:lstStyle/>
-          <a:p>
-            <a:r>
-              <a:rPr lang="en-US" dirty="0"/>
-              <a:t>A connected </a:t>
-            </a:r>
-            <a:r>
-              <a:rPr lang="en-US" dirty="0" err="1"/>
-              <a:t>multigraph</a:t>
-            </a:r>
-            <a:r>
-              <a:rPr lang="en-US" dirty="0"/>
-              <a:t> has an </a:t>
-            </a:r>
-            <a:r>
-              <a:rPr lang="en-US" dirty="0">
-                <a:solidFill>
-                  <a:srgbClr val="FF0000"/>
-                </a:solidFill>
-              </a:rPr>
-              <a:t>Euler path </a:t>
-            </a:r>
-            <a:r>
-              <a:rPr lang="en-US" dirty="0"/>
-              <a:t>but not an Euler cycle if and only if</a:t>
-            </a:r>
-          </a:p>
-          <a:p>
-            <a:pPr lvl="1"/>
-            <a:r>
-              <a:rPr lang="en-US" dirty="0"/>
-              <a:t>It has </a:t>
-            </a:r>
-            <a:r>
-              <a:rPr lang="en-US" dirty="0">
-                <a:solidFill>
-                  <a:srgbClr val="FF0000"/>
-                </a:solidFill>
-              </a:rPr>
-              <a:t>exactly two vertices </a:t>
-            </a:r>
-            <a:r>
-              <a:rPr lang="en-US" dirty="0"/>
-              <a:t>of </a:t>
-            </a:r>
-            <a:r>
-              <a:rPr lang="en-US" dirty="0">
-                <a:solidFill>
-                  <a:srgbClr val="FF0000"/>
-                </a:solidFill>
-              </a:rPr>
-              <a:t>odd degree</a:t>
-            </a:r>
-          </a:p>
-        </p:txBody>
-      </p:sp>
+              <a:t>Example</a:t>
+            </a:r>
+          </a:p>
+        </p:txBody>
+      </p:sp>
+      <p:pic>
+        <p:nvPicPr>
+          <p:cNvPr id="4" name="Picture 3"/>
+          <p:cNvPicPr>
+            <a:picLocks noChangeAspect="1"/>
+          </p:cNvPicPr>
+          <p:nvPr/>
+        </p:nvPicPr>
+        <p:blipFill>
+          <a:blip r:embed="rId2"/>
+          <a:stretch>
+            <a:fillRect/>
+          </a:stretch>
+        </p:blipFill>
+        <p:spPr>
+          <a:xfrm>
+            <a:off x="1066800" y="990600"/>
+            <a:ext cx="7048027" cy="4787900"/>
+          </a:xfrm>
+          <a:prstGeom prst="rect">
+            <a:avLst/>
+          </a:prstGeom>
+          <a:ln>
+            <a:solidFill>
+              <a:srgbClr val="C0504D"/>
+            </a:solidFill>
+          </a:ln>
+        </p:spPr>
+      </p:pic>
     </p:spTree>
     <p:extLst>
       <p:ext uri="{BB962C8B-B14F-4D97-AF65-F5344CB8AC3E}">
-        <p14:creationId xmlns:p14="http://schemas.microsoft.com/office/powerpoint/2010/main" val="1010356773"/>
+        <p14:creationId xmlns:p14="http://schemas.microsoft.com/office/powerpoint/2010/main" val="764881631"/>
       </p:ext>
     </p:extLst>
   </p:cSld>
@@ -8566,29 +8366,226 @@
           <a:p>
             <a:r>
               <a:rPr lang="en-US" dirty="0"/>
-              <a:t>Hamiltonian Graphs</a:t>
-            </a:r>
-          </a:p>
-        </p:txBody>
-      </p:sp>
-      <p:sp>
-        <p:nvSpPr>
-          <p:cNvPr id="3" name="Text Placeholder 2"/>
+              <a:t>Algorithm for Euler cycle using Stack</a:t>
+            </a:r>
+          </a:p>
+        </p:txBody>
+      </p:sp>
+      <p:sp>
+        <p:nvSpPr>
+          <p:cNvPr id="3" name="Content Placeholder 2"/>
           <p:cNvSpPr>
             <a:spLocks noGrp="1"/>
           </p:cNvSpPr>
           <p:nvPr>
-            <p:ph type="body" idx="1"/>
+            <p:ph idx="1"/>
           </p:nvPr>
         </p:nvSpPr>
-        <p:spPr/>
-        <p:txBody>
-          <a:bodyPr/>
+        <p:spPr>
+          <a:xfrm>
+            <a:off x="76200" y="1066800"/>
+            <a:ext cx="8915400" cy="1905000"/>
+          </a:xfrm>
+        </p:spPr>
+        <p:txBody>
+          <a:bodyPr>
+            <a:normAutofit fontScale="92500" lnSpcReduction="20000"/>
+          </a:bodyPr>
           <a:lstStyle/>
           <a:p>
             <a:r>
               <a:rPr lang="en-US" dirty="0"/>
-              <a:t>Hamilton Cycles and Paths</a:t>
+              <a:t>Algorithm Euler (G)</a:t>
+            </a:r>
+          </a:p>
+          <a:p>
+            <a:r>
+              <a:rPr lang="en-US" b="1" dirty="0"/>
+              <a:t>Input</a:t>
+            </a:r>
+            <a:r>
+              <a:rPr lang="en-US" dirty="0"/>
+              <a:t>: Connected graph G with all vertices having even degrees</a:t>
+            </a:r>
+          </a:p>
+          <a:p>
+            <a:r>
+              <a:rPr lang="en-US" b="1" dirty="0"/>
+              <a:t>Output</a:t>
+            </a:r>
+            <a:r>
+              <a:rPr lang="en-US" dirty="0"/>
+              <a:t>: Euler cycle</a:t>
+            </a:r>
+          </a:p>
+          <a:p>
+            <a:endParaRPr lang="en-US" dirty="0"/>
+          </a:p>
+        </p:txBody>
+      </p:sp>
+      <p:sp>
+        <p:nvSpPr>
+          <p:cNvPr id="4" name="TextBox 3"/>
+          <p:cNvSpPr txBox="1"/>
+          <p:nvPr/>
+        </p:nvSpPr>
+        <p:spPr>
+          <a:xfrm>
+            <a:off x="152400" y="2895600"/>
+            <a:ext cx="8839200" cy="3416320"/>
+          </a:xfrm>
+          <a:prstGeom prst="rect">
+            <a:avLst/>
+          </a:prstGeom>
+          <a:solidFill>
+            <a:srgbClr val="FFFFFF"/>
+          </a:solidFill>
+          <a:ln>
+            <a:solidFill>
+              <a:srgbClr val="C0504D"/>
+            </a:solidFill>
+          </a:ln>
+        </p:spPr>
+        <p:txBody>
+          <a:bodyPr wrap="square" rtlCol="0">
+            <a:spAutoFit/>
+          </a:bodyPr>
+          <a:lstStyle/>
+          <a:p>
+            <a:r>
+              <a:rPr lang="en-US" dirty="0"/>
+              <a:t>declare a stack S of characters</a:t>
+            </a:r>
+          </a:p>
+          <a:p>
+            <a:r>
+              <a:rPr lang="en-US" dirty="0"/>
+              <a:t>declare empty array E (which will contain Euler cycle)</a:t>
+            </a:r>
+          </a:p>
+          <a:p>
+            <a:r>
+              <a:rPr lang="en-US" dirty="0"/>
+              <a:t>push the vertex X to S</a:t>
+            </a:r>
+          </a:p>
+          <a:p>
+            <a:r>
+              <a:rPr lang="en-US" dirty="0"/>
+              <a:t>while (S is not empty){</a:t>
+            </a:r>
+          </a:p>
+          <a:p>
+            <a:r>
+              <a:rPr lang="en-US" dirty="0"/>
+              <a:t>	</a:t>
+            </a:r>
+            <a:r>
+              <a:rPr lang="en-US" dirty="0" err="1"/>
+              <a:t>ch</a:t>
+            </a:r>
+            <a:r>
+              <a:rPr lang="en-US" dirty="0"/>
+              <a:t> = </a:t>
+            </a:r>
+            <a:r>
+              <a:rPr lang="en-US" b="1" dirty="0">
+                <a:solidFill>
+                  <a:srgbClr val="FF0000"/>
+                </a:solidFill>
+              </a:rPr>
+              <a:t>top </a:t>
+            </a:r>
+            <a:r>
+              <a:rPr lang="en-US" dirty="0"/>
+              <a:t>element of the stack S</a:t>
+            </a:r>
+          </a:p>
+          <a:p>
+            <a:r>
+              <a:rPr lang="en-US" dirty="0"/>
+              <a:t>	if </a:t>
+            </a:r>
+            <a:r>
+              <a:rPr lang="en-US" dirty="0" err="1"/>
+              <a:t>ch</a:t>
+            </a:r>
+            <a:r>
+              <a:rPr lang="en-US" dirty="0"/>
+              <a:t> is isolated then </a:t>
+            </a:r>
+          </a:p>
+          <a:p>
+            <a:r>
+              <a:rPr lang="en-US" dirty="0"/>
+              <a:t>		</a:t>
+            </a:r>
+            <a:r>
+              <a:rPr lang="en-US" b="1" dirty="0">
+                <a:solidFill>
+                  <a:srgbClr val="FF0000"/>
+                </a:solidFill>
+              </a:rPr>
+              <a:t>remove </a:t>
+            </a:r>
+            <a:r>
+              <a:rPr lang="en-US" dirty="0"/>
+              <a:t>it from the stack and put into E</a:t>
+            </a:r>
+          </a:p>
+          <a:p>
+            <a:r>
+              <a:rPr lang="en-US" dirty="0"/>
+              <a:t>	else</a:t>
+            </a:r>
+          </a:p>
+          <a:p>
+            <a:r>
+              <a:rPr lang="en-US" dirty="0"/>
+              <a:t>		select the first vertex Y (by alphabet order), which is adjacent to </a:t>
+            </a:r>
+            <a:r>
+              <a:rPr lang="en-US" dirty="0" err="1"/>
+              <a:t>ch</a:t>
+            </a:r>
+            <a:endParaRPr lang="en-US" dirty="0"/>
+          </a:p>
+          <a:p>
+            <a:r>
+              <a:rPr lang="en-US" dirty="0"/>
+              <a:t>		</a:t>
+            </a:r>
+            <a:r>
+              <a:rPr lang="en-US" b="1" dirty="0">
+                <a:solidFill>
+                  <a:srgbClr val="FF0000"/>
+                </a:solidFill>
+              </a:rPr>
+              <a:t>push</a:t>
+            </a:r>
+            <a:r>
+              <a:rPr lang="en-US" dirty="0"/>
+              <a:t> Y to S and remove the edge (</a:t>
+            </a:r>
+            <a:r>
+              <a:rPr lang="en-US" dirty="0" err="1"/>
+              <a:t>ch</a:t>
+            </a:r>
+            <a:r>
+              <a:rPr lang="en-US" dirty="0"/>
+              <a:t>, Y) from the graph</a:t>
+            </a:r>
+          </a:p>
+          <a:p>
+            <a:r>
+              <a:rPr lang="en-US" dirty="0"/>
+              <a:t>}</a:t>
+            </a:r>
+          </a:p>
+          <a:p>
+            <a:r>
+              <a:rPr lang="en-US" dirty="0"/>
+              <a:t>The last array E obtained is an Euler cycle of the graph</a:t>
             </a:r>
           </a:p>
         </p:txBody>
@@ -8596,7 +8593,7 @@
     </p:spTree>
     <p:extLst>
       <p:ext uri="{BB962C8B-B14F-4D97-AF65-F5344CB8AC3E}">
-        <p14:creationId xmlns:p14="http://schemas.microsoft.com/office/powerpoint/2010/main" val="1973650639"/>
+        <p14:creationId xmlns:p14="http://schemas.microsoft.com/office/powerpoint/2010/main" val="2326478121"/>
       </p:ext>
     </p:extLst>
   </p:cSld>
@@ -8696,7 +8693,7 @@
       </p:grpSpPr>
       <p:sp>
         <p:nvSpPr>
-          <p:cNvPr id="4" name="Title 3"/>
+          <p:cNvPr id="2" name="Title 1"/>
           <p:cNvSpPr>
             <a:spLocks noGrp="1"/>
           </p:cNvSpPr>
@@ -8711,14 +8708,14 @@
           <a:p>
             <a:r>
               <a:rPr lang="en-US" dirty="0"/>
-              <a:t>Definition</a:t>
-            </a:r>
-          </a:p>
-        </p:txBody>
-      </p:sp>
-      <p:sp>
-        <p:nvSpPr>
-          <p:cNvPr id="5" name="Content Placeholder 4"/>
+              <a:t>Theorem 2. Necessary and Sufficient</a:t>
+            </a:r>
+          </a:p>
+        </p:txBody>
+      </p:sp>
+      <p:sp>
+        <p:nvSpPr>
+          <p:cNvPr id="3" name="Content Placeholder 2"/>
           <p:cNvSpPr>
             <a:spLocks noGrp="1"/>
           </p:cNvSpPr>
@@ -8726,27 +8723,22 @@
             <p:ph idx="1"/>
           </p:nvPr>
         </p:nvSpPr>
-        <p:spPr>
-          <a:xfrm>
-            <a:off x="76200" y="1066800"/>
-            <a:ext cx="8915400" cy="1981200"/>
-          </a:xfrm>
-        </p:spPr>
-        <p:txBody>
-          <a:bodyPr>
-            <a:normAutofit fontScale="85000" lnSpcReduction="10000"/>
-          </a:bodyPr>
+        <p:spPr/>
+        <p:txBody>
+          <a:bodyPr/>
           <a:lstStyle/>
           <a:p>
             <a:r>
               <a:rPr lang="en-US" dirty="0"/>
-              <a:t>Hamilton path: visits every vertex of the graph exactly once.</a:t>
-            </a:r>
-          </a:p>
-          <a:p>
-            <a:r>
-              <a:rPr lang="en-US" dirty="0"/>
-              <a:t>Hamilton cycle: Visits </a:t>
+              <a:t>A connected </a:t>
+            </a:r>
+            <a:r>
+              <a:rPr lang="en-US" dirty="0" err="1"/>
+              <a:t>multigraph</a:t>
+            </a:r>
+            <a:r>
+              <a:rPr lang="en-US" dirty="0"/>
+              <a:t> has an </a:t>
             </a:r>
             <a:r>
               <a:rPr lang="en-US" dirty="0">
@@ -8754,51 +8746,46 @@
                   <a:srgbClr val="FF0000"/>
                 </a:solidFill>
               </a:rPr>
-              <a:t>every vertex </a:t>
-            </a:r>
-            <a:r>
-              <a:rPr lang="en-US" dirty="0"/>
-              <a:t>of the graph exactly once before returning, as the last step, to the starting vertex.</a:t>
-            </a:r>
-          </a:p>
-          <a:p>
-            <a:endParaRPr lang="en-US" dirty="0"/>
-          </a:p>
-        </p:txBody>
-      </p:sp>
-      <p:pic>
-        <p:nvPicPr>
-          <p:cNvPr id="6" name="Picture 5"/>
-          <p:cNvPicPr>
-            <a:picLocks noChangeAspect="1"/>
-          </p:cNvPicPr>
-          <p:nvPr/>
-        </p:nvPicPr>
-        <p:blipFill>
-          <a:blip r:embed="rId2"/>
-          <a:stretch>
-            <a:fillRect/>
-          </a:stretch>
-        </p:blipFill>
-        <p:spPr>
-          <a:xfrm>
-            <a:off x="2108200" y="2667000"/>
-            <a:ext cx="4914900" cy="2514600"/>
-          </a:xfrm>
-          <a:prstGeom prst="rect">
-            <a:avLst/>
-          </a:prstGeom>
-          <a:ln>
-            <a:solidFill>
-              <a:srgbClr val="C0504D"/>
-            </a:solidFill>
-          </a:ln>
-        </p:spPr>
-      </p:pic>
+              <a:t>Euler path </a:t>
+            </a:r>
+            <a:r>
+              <a:rPr lang="en-US" dirty="0"/>
+              <a:t>but not an Euler cycle if and only if</a:t>
+            </a:r>
+          </a:p>
+          <a:p>
+            <a:pPr lvl="1"/>
+            <a:r>
+              <a:rPr lang="en-US" dirty="0"/>
+              <a:t>It has </a:t>
+            </a:r>
+            <a:r>
+              <a:rPr lang="en-US" dirty="0">
+                <a:solidFill>
+                  <a:srgbClr val="FF0000"/>
+                </a:solidFill>
+              </a:rPr>
+              <a:t>exactly two vertices </a:t>
+            </a:r>
+            <a:r>
+              <a:rPr lang="en-US" dirty="0"/>
+              <a:t>of </a:t>
+            </a:r>
+            <a:r>
+              <a:rPr lang="en-US" dirty="0">
+                <a:solidFill>
+                  <a:srgbClr val="FF0000"/>
+                </a:solidFill>
+              </a:rPr>
+              <a:t>odd degree</a:t>
+            </a:r>
+          </a:p>
+        </p:txBody>
+      </p:sp>
     </p:spTree>
     <p:extLst>
       <p:ext uri="{BB962C8B-B14F-4D97-AF65-F5344CB8AC3E}">
-        <p14:creationId xmlns:p14="http://schemas.microsoft.com/office/powerpoint/2010/main" val="3310698219"/>
+        <p14:creationId xmlns:p14="http://schemas.microsoft.com/office/powerpoint/2010/main" val="1010356773"/>
       </p:ext>
     </p:extLst>
   </p:cSld>
@@ -8842,195 +8829,29 @@
           <a:p>
             <a:r>
               <a:rPr lang="en-US" dirty="0"/>
-              <a:t>Hamilton Cycles and Paths</a:t>
-            </a:r>
-          </a:p>
-        </p:txBody>
-      </p:sp>
-      <p:sp>
-        <p:nvSpPr>
-          <p:cNvPr id="3" name="Content Placeholder 2"/>
+              <a:t>Hamiltonian Graphs</a:t>
+            </a:r>
+          </a:p>
+        </p:txBody>
+      </p:sp>
+      <p:sp>
+        <p:nvSpPr>
+          <p:cNvPr id="3" name="Text Placeholder 2"/>
           <p:cNvSpPr>
             <a:spLocks noGrp="1"/>
           </p:cNvSpPr>
           <p:nvPr>
-            <p:ph idx="1"/>
+            <p:ph type="body" idx="1"/>
           </p:nvPr>
         </p:nvSpPr>
         <p:spPr/>
         <p:txBody>
-          <a:bodyPr>
-            <a:normAutofit fontScale="85000" lnSpcReduction="10000"/>
-          </a:bodyPr>
+          <a:bodyPr/>
           <a:lstStyle/>
           <a:p>
             <a:r>
               <a:rPr lang="en-US" dirty="0"/>
-              <a:t>No property is known to efficiently verify existence of a Hamilton cycle/path for general graphs.</a:t>
-            </a:r>
-          </a:p>
-          <a:p>
-            <a:r>
-              <a:rPr lang="en-US" dirty="0"/>
-              <a:t>The problem is known to be as difficult as the TSP (find the shortest H. cycle through n cities)</a:t>
-            </a:r>
-          </a:p>
-          <a:p>
-            <a:r>
-              <a:rPr lang="en-US" b="1" dirty="0"/>
-              <a:t>Dirac’s theorem</a:t>
-            </a:r>
-            <a:r>
-              <a:rPr lang="en-US" dirty="0"/>
-              <a:t>: If G is a </a:t>
-            </a:r>
-            <a:r>
-              <a:rPr lang="en-US" dirty="0">
-                <a:solidFill>
-                  <a:srgbClr val="FF0000"/>
-                </a:solidFill>
-              </a:rPr>
-              <a:t>simple graph </a:t>
-            </a:r>
-            <a:r>
-              <a:rPr lang="en-US" dirty="0"/>
-              <a:t>with </a:t>
-            </a:r>
-            <a:r>
-              <a:rPr lang="en-US" dirty="0">
-                <a:solidFill>
-                  <a:srgbClr val="FF0000"/>
-                </a:solidFill>
-              </a:rPr>
-              <a:t>n&gt;=3</a:t>
-            </a:r>
-            <a:r>
-              <a:rPr lang="en-US" dirty="0"/>
-              <a:t> vertices such that the </a:t>
-            </a:r>
-            <a:r>
-              <a:rPr lang="en-US" dirty="0">
-                <a:solidFill>
-                  <a:srgbClr val="FF0000"/>
-                </a:solidFill>
-              </a:rPr>
-              <a:t>degree of every vertex is at least n/2</a:t>
-            </a:r>
-            <a:r>
-              <a:rPr lang="en-US" dirty="0"/>
-              <a:t>, then G has a </a:t>
-            </a:r>
-            <a:r>
-              <a:rPr lang="en-US" dirty="0">
-                <a:solidFill>
-                  <a:srgbClr val="FF0000"/>
-                </a:solidFill>
-              </a:rPr>
-              <a:t>Hamilton cycle</a:t>
-            </a:r>
-            <a:r>
-              <a:rPr lang="en-US" dirty="0"/>
-              <a:t>.</a:t>
-            </a:r>
-          </a:p>
-          <a:p>
-            <a:r>
-              <a:rPr lang="en-US" b="1" dirty="0"/>
-              <a:t>Ore’s Theorem</a:t>
-            </a:r>
-            <a:r>
-              <a:rPr lang="en-US" dirty="0"/>
-              <a:t>: If G is a </a:t>
-            </a:r>
-            <a:r>
-              <a:rPr lang="en-US" dirty="0">
-                <a:solidFill>
-                  <a:srgbClr val="FF0000"/>
-                </a:solidFill>
-              </a:rPr>
-              <a:t>simple graph </a:t>
-            </a:r>
-            <a:r>
-              <a:rPr lang="en-US" dirty="0"/>
-              <a:t>with </a:t>
-            </a:r>
-            <a:r>
-              <a:rPr lang="en-US" dirty="0">
-                <a:solidFill>
-                  <a:srgbClr val="FF0000"/>
-                </a:solidFill>
-              </a:rPr>
-              <a:t>n&gt;= 3 </a:t>
-            </a:r>
-            <a:r>
-              <a:rPr lang="en-US" dirty="0"/>
-              <a:t>vertices such that the </a:t>
-            </a:r>
-            <a:r>
-              <a:rPr lang="en-US" dirty="0" err="1">
-                <a:solidFill>
-                  <a:srgbClr val="FF0000"/>
-                </a:solidFill>
-              </a:rPr>
-              <a:t>deg</a:t>
-            </a:r>
-            <a:r>
-              <a:rPr lang="en-US" dirty="0">
-                <a:solidFill>
-                  <a:srgbClr val="FF0000"/>
-                </a:solidFill>
-              </a:rPr>
-              <a:t>(u) +d(v) &gt;=n </a:t>
-            </a:r>
-            <a:r>
-              <a:rPr lang="en-US" dirty="0"/>
-              <a:t>for </a:t>
-            </a:r>
-            <a:r>
-              <a:rPr lang="en-US" dirty="0">
-                <a:solidFill>
-                  <a:srgbClr val="FF0000"/>
-                </a:solidFill>
-              </a:rPr>
-              <a:t>every pair of nonadjacent vertices</a:t>
-            </a:r>
-            <a:r>
-              <a:rPr lang="en-US" dirty="0"/>
-              <a:t> u and v, then </a:t>
-            </a:r>
-            <a:r>
-              <a:rPr lang="en-US" dirty="0">
-                <a:solidFill>
-                  <a:srgbClr val="FF0000"/>
-                </a:solidFill>
-              </a:rPr>
-              <a:t>G has a Hamilton cycle</a:t>
-            </a:r>
-            <a:r>
-              <a:rPr lang="en-US" dirty="0"/>
-              <a:t>.</a:t>
-            </a:r>
-          </a:p>
-          <a:p>
-            <a:r>
-              <a:rPr lang="en-US" b="1" dirty="0"/>
-              <a:t>Theorem</a:t>
-            </a:r>
-            <a:r>
-              <a:rPr lang="en-US" dirty="0"/>
-              <a:t>: If G=(V, E) is a </a:t>
-            </a:r>
-            <a:r>
-              <a:rPr lang="en-US" dirty="0">
-                <a:solidFill>
-                  <a:srgbClr val="FF0000"/>
-                </a:solidFill>
-              </a:rPr>
-              <a:t>complete directed graph </a:t>
-            </a:r>
-            <a:r>
-              <a:rPr lang="en-US" dirty="0"/>
-              <a:t>then G has a Hamilton Cycle.</a:t>
+              <a:t>Hamilton Cycles and Paths</a:t>
             </a:r>
           </a:p>
         </p:txBody>
@@ -9038,7 +8859,7 @@
     </p:spTree>
     <p:extLst>
       <p:ext uri="{BB962C8B-B14F-4D97-AF65-F5344CB8AC3E}">
-        <p14:creationId xmlns:p14="http://schemas.microsoft.com/office/powerpoint/2010/main" val="4166726288"/>
+        <p14:creationId xmlns:p14="http://schemas.microsoft.com/office/powerpoint/2010/main" val="1973650639"/>
       </p:ext>
     </p:extLst>
   </p:cSld>
@@ -9067,7 +8888,7 @@
       </p:grpSpPr>
       <p:sp>
         <p:nvSpPr>
-          <p:cNvPr id="2" name="Title 1"/>
+          <p:cNvPr id="4" name="Title 3"/>
           <p:cNvSpPr>
             <a:spLocks noGrp="1"/>
           </p:cNvSpPr>
@@ -9077,21 +8898,19 @@
         </p:nvSpPr>
         <p:spPr/>
         <p:txBody>
-          <a:bodyPr>
-            <a:normAutofit fontScale="90000"/>
-          </a:bodyPr>
+          <a:bodyPr/>
           <a:lstStyle/>
           <a:p>
             <a:r>
               <a:rPr lang="en-US" dirty="0"/>
-              <a:t>Find Hamilton’s cycle using backtracking</a:t>
-            </a:r>
-          </a:p>
-        </p:txBody>
-      </p:sp>
-      <p:sp>
-        <p:nvSpPr>
-          <p:cNvPr id="3" name="Content Placeholder 2"/>
+              <a:t>Definition</a:t>
+            </a:r>
+          </a:p>
+        </p:txBody>
+      </p:sp>
+      <p:sp>
+        <p:nvSpPr>
+          <p:cNvPr id="5" name="Content Placeholder 4"/>
           <p:cNvSpPr>
             <a:spLocks noGrp="1"/>
           </p:cNvSpPr>
@@ -9101,153 +8920,77 @@
         </p:nvSpPr>
         <p:spPr>
           <a:xfrm>
-            <a:off x="76200" y="838200"/>
-            <a:ext cx="8915400" cy="2286000"/>
+            <a:off x="76200" y="1066800"/>
+            <a:ext cx="8915400" cy="1981200"/>
           </a:xfrm>
         </p:spPr>
         <p:txBody>
           <a:bodyPr>
-            <a:normAutofit fontScale="92500" lnSpcReduction="20000"/>
+            <a:normAutofit fontScale="85000" lnSpcReduction="10000"/>
           </a:bodyPr>
           <a:lstStyle/>
           <a:p>
             <a:r>
               <a:rPr lang="en-US" dirty="0"/>
-              <a:t>Given the graph G=(V, E) and X is a vertex of G. </a:t>
-            </a:r>
-          </a:p>
-          <a:p>
-            <a:r>
-              <a:rPr lang="en-US" dirty="0"/>
-              <a:t>Suppose there exists at least one Hamilton cycle for the graph.</a:t>
-            </a:r>
-          </a:p>
-          <a:p>
-            <a:r>
-              <a:rPr lang="en-US" dirty="0"/>
-              <a:t>The following is a backtracking algorithm for finding one Hamilton cycle from the vertex X.</a:t>
-            </a:r>
-          </a:p>
-        </p:txBody>
-      </p:sp>
-      <p:sp>
-        <p:nvSpPr>
-          <p:cNvPr id="4" name="TextBox 3"/>
-          <p:cNvSpPr txBox="1"/>
+              <a:t>Hamilton path: visits every vertex of the graph exactly once.</a:t>
+            </a:r>
+          </a:p>
+          <a:p>
+            <a:r>
+              <a:rPr lang="en-US" dirty="0"/>
+              <a:t>Hamilton cycle: Visits </a:t>
+            </a:r>
+            <a:r>
+              <a:rPr lang="en-US" dirty="0">
+                <a:solidFill>
+                  <a:srgbClr val="FF0000"/>
+                </a:solidFill>
+              </a:rPr>
+              <a:t>every vertex </a:t>
+            </a:r>
+            <a:r>
+              <a:rPr lang="en-US" dirty="0"/>
+              <a:t>of the graph exactly once before returning, as the last step, to the starting vertex.</a:t>
+            </a:r>
+          </a:p>
+          <a:p>
+            <a:endParaRPr lang="en-US" dirty="0"/>
+          </a:p>
+        </p:txBody>
+      </p:sp>
+      <p:pic>
+        <p:nvPicPr>
+          <p:cNvPr id="6" name="Picture 5"/>
+          <p:cNvPicPr>
+            <a:picLocks noChangeAspect="1"/>
+          </p:cNvPicPr>
           <p:nvPr/>
-        </p:nvSpPr>
-        <p:spPr>
-          <a:xfrm>
-            <a:off x="304800" y="3048000"/>
-            <a:ext cx="8534400" cy="2862323"/>
+        </p:nvPicPr>
+        <p:blipFill>
+          <a:blip r:embed="rId2"/>
+          <a:stretch>
+            <a:fillRect/>
+          </a:stretch>
+        </p:blipFill>
+        <p:spPr>
+          <a:xfrm>
+            <a:off x="2108200" y="2667000"/>
+            <a:ext cx="4914900" cy="2514600"/>
           </a:xfrm>
           <a:prstGeom prst="rect">
             <a:avLst/>
           </a:prstGeom>
-          <a:solidFill>
-            <a:srgbClr val="FFFFFF"/>
-          </a:solidFill>
           <a:ln>
             <a:solidFill>
               <a:srgbClr val="C0504D"/>
             </a:solidFill>
           </a:ln>
         </p:spPr>
-        <p:txBody>
-          <a:bodyPr wrap="square" rtlCol="0">
-            <a:spAutoFit/>
-          </a:bodyPr>
-          <a:lstStyle/>
-          <a:p>
-            <a:r>
-              <a:rPr lang="en-US" dirty="0"/>
-              <a:t>Declare an empty array H (which will contain Hamilton cycle)</a:t>
-            </a:r>
-          </a:p>
-          <a:p>
-            <a:r>
-              <a:rPr lang="en-US" dirty="0"/>
-              <a:t>1. Put the vertex X to H</a:t>
-            </a:r>
-          </a:p>
-          <a:p>
-            <a:r>
-              <a:rPr lang="en-US" dirty="0"/>
-              <a:t>2. Check if H is a Hamilton cycle then stop, else go to 3.</a:t>
-            </a:r>
-          </a:p>
-          <a:p>
-            <a:r>
-              <a:rPr lang="en-US" dirty="0"/>
-              <a:t>3. Consider the last vertex Y in H</a:t>
-            </a:r>
-          </a:p>
-          <a:p>
-            <a:r>
-              <a:rPr lang="en-US" dirty="0"/>
-              <a:t>	if there is/are </a:t>
-            </a:r>
-            <a:r>
-              <a:rPr lang="en-US" dirty="0" err="1"/>
-              <a:t>vert</a:t>
-            </a:r>
-            <a:r>
-              <a:rPr lang="en-US" dirty="0"/>
-              <a:t>(ex/ices) adjacent to Y</a:t>
-            </a:r>
-          </a:p>
-          <a:p>
-            <a:r>
-              <a:rPr lang="en-US" dirty="0"/>
-              <a:t>		select an adjacent vertex Z and put to H</a:t>
-            </a:r>
-          </a:p>
-          <a:p>
-            <a:r>
-              <a:rPr lang="en-US" dirty="0"/>
-              <a:t>	if there is no adjacent vertex</a:t>
-            </a:r>
-          </a:p>
-          <a:p>
-            <a:r>
-              <a:rPr lang="en-US" dirty="0"/>
-              <a:t>		remove Y from H and denote it as bad selection</a:t>
-            </a:r>
-          </a:p>
-          <a:p>
-            <a:r>
-              <a:rPr lang="en-US" dirty="0"/>
-              <a:t>		(so you do not select it in the same way again)</a:t>
-            </a:r>
-          </a:p>
-          <a:p>
-            <a:r>
-              <a:rPr lang="en-US" dirty="0" err="1">
-                <a:solidFill>
-                  <a:srgbClr val="FF0000"/>
-                </a:solidFill>
-              </a:rPr>
-              <a:t>Goto</a:t>
-            </a:r>
-            <a:r>
-              <a:rPr lang="en-US" dirty="0">
-                <a:solidFill>
-                  <a:srgbClr val="FF0000"/>
-                </a:solidFill>
-              </a:rPr>
-              <a:t> 2</a:t>
-            </a:r>
-            <a:r>
-              <a:rPr lang="en-US" dirty="0"/>
-              <a:t>.</a:t>
-            </a:r>
-          </a:p>
-        </p:txBody>
-      </p:sp>
+      </p:pic>
     </p:spTree>
     <p:extLst>
       <p:ext uri="{BB962C8B-B14F-4D97-AF65-F5344CB8AC3E}">
-        <p14:creationId xmlns:p14="http://schemas.microsoft.com/office/powerpoint/2010/main" val="443490902"/>
+        <p14:creationId xmlns:p14="http://schemas.microsoft.com/office/powerpoint/2010/main" val="3310698219"/>
       </p:ext>
     </p:extLst>
   </p:cSld>
@@ -9291,44 +9034,203 @@
           <a:p>
             <a:r>
               <a:rPr lang="en-US" dirty="0"/>
-              <a:t>Example</a:t>
-            </a:r>
-          </a:p>
-        </p:txBody>
-      </p:sp>
-      <p:pic>
-        <p:nvPicPr>
-          <p:cNvPr id="4" name="Picture 3"/>
-          <p:cNvPicPr>
-            <a:picLocks noChangeAspect="1"/>
-          </p:cNvPicPr>
-          <p:nvPr/>
-        </p:nvPicPr>
-        <p:blipFill>
-          <a:blip r:embed="rId2"/>
-          <a:stretch>
-            <a:fillRect/>
-          </a:stretch>
-        </p:blipFill>
-        <p:spPr>
-          <a:xfrm>
-            <a:off x="539655" y="1143000"/>
-            <a:ext cx="8070945" cy="4343400"/>
-          </a:xfrm>
-          <a:prstGeom prst="rect">
-            <a:avLst/>
-          </a:prstGeom>
-          <a:ln>
-            <a:solidFill>
-              <a:srgbClr val="C0504D"/>
-            </a:solidFill>
-          </a:ln>
-        </p:spPr>
-      </p:pic>
+              <a:t>Hamilton Cycles and Paths</a:t>
+            </a:r>
+          </a:p>
+        </p:txBody>
+      </p:sp>
+      <p:sp>
+        <p:nvSpPr>
+          <p:cNvPr id="3" name="Content Placeholder 2"/>
+          <p:cNvSpPr>
+            <a:spLocks noGrp="1"/>
+          </p:cNvSpPr>
+          <p:nvPr>
+            <p:ph idx="1"/>
+          </p:nvPr>
+        </p:nvSpPr>
+        <p:spPr/>
+        <p:txBody>
+          <a:bodyPr>
+            <a:normAutofit fontScale="85000" lnSpcReduction="10000"/>
+          </a:bodyPr>
+          <a:lstStyle/>
+          <a:p>
+            <a:r>
+              <a:rPr lang="en-US" dirty="0"/>
+              <a:t>No property is known to efficiently verify existence of a Hamilton cycle/path for general graphs.</a:t>
+            </a:r>
+          </a:p>
+          <a:p>
+            <a:r>
+              <a:rPr lang="en-US" dirty="0"/>
+              <a:t>The problem is known to be as difficult as the TSP (find the shortest H. cycle through n cities)</a:t>
+            </a:r>
+          </a:p>
+          <a:p>
+            <a:r>
+              <a:rPr lang="en-US" b="1" dirty="0"/>
+              <a:t>Dirac’s theorem</a:t>
+            </a:r>
+            <a:r>
+              <a:rPr lang="en-US" dirty="0"/>
+              <a:t>: If G is a </a:t>
+            </a:r>
+            <a:r>
+              <a:rPr lang="en-US" dirty="0">
+                <a:solidFill>
+                  <a:srgbClr val="FF0000"/>
+                </a:solidFill>
+              </a:rPr>
+              <a:t>simple graph </a:t>
+            </a:r>
+            <a:r>
+              <a:rPr lang="en-US" dirty="0"/>
+              <a:t>with </a:t>
+            </a:r>
+            <a:r>
+              <a:rPr lang="en-US" dirty="0">
+                <a:solidFill>
+                  <a:srgbClr val="FF0000"/>
+                </a:solidFill>
+              </a:rPr>
+              <a:t>n&gt;=3</a:t>
+            </a:r>
+            <a:r>
+              <a:rPr lang="en-US" dirty="0"/>
+              <a:t> vertices such that the </a:t>
+            </a:r>
+            <a:r>
+              <a:rPr lang="en-US" dirty="0">
+                <a:solidFill>
+                  <a:srgbClr val="FF0000"/>
+                </a:solidFill>
+              </a:rPr>
+              <a:t>degree of every vertex is at least n/2</a:t>
+            </a:r>
+            <a:r>
+              <a:rPr lang="en-US" dirty="0"/>
+              <a:t>, then G has a </a:t>
+            </a:r>
+            <a:r>
+              <a:rPr lang="en-US" dirty="0">
+                <a:solidFill>
+                  <a:srgbClr val="FF0000"/>
+                </a:solidFill>
+              </a:rPr>
+              <a:t>Hamilton cycle</a:t>
+            </a:r>
+            <a:r>
+              <a:rPr lang="en-US" dirty="0"/>
+              <a:t>.</a:t>
+            </a:r>
+          </a:p>
+          <a:p>
+            <a:r>
+              <a:rPr lang="en-US" b="1" dirty="0"/>
+              <a:t>Ore’s Theorem</a:t>
+            </a:r>
+            <a:r>
+              <a:rPr lang="en-US" dirty="0"/>
+              <a:t>: If G is a </a:t>
+            </a:r>
+            <a:r>
+              <a:rPr lang="en-US" dirty="0">
+                <a:solidFill>
+                  <a:srgbClr val="FF0000"/>
+                </a:solidFill>
+              </a:rPr>
+              <a:t>simple graph </a:t>
+            </a:r>
+            <a:r>
+              <a:rPr lang="en-US" dirty="0"/>
+              <a:t>with </a:t>
+            </a:r>
+            <a:r>
+              <a:rPr lang="en-US" dirty="0">
+                <a:solidFill>
+                  <a:srgbClr val="FF0000"/>
+                </a:solidFill>
+              </a:rPr>
+              <a:t>n&gt;= 3 </a:t>
+            </a:r>
+            <a:r>
+              <a:rPr lang="en-US" dirty="0"/>
+              <a:t>vertices such that the </a:t>
+            </a:r>
+            <a:r>
+              <a:rPr lang="en-US" dirty="0" err="1">
+                <a:solidFill>
+                  <a:srgbClr val="FF0000"/>
+                </a:solidFill>
+              </a:rPr>
+              <a:t>deg</a:t>
+            </a:r>
+            <a:r>
+              <a:rPr lang="en-US" dirty="0">
+                <a:solidFill>
+                  <a:srgbClr val="FF0000"/>
+                </a:solidFill>
+              </a:rPr>
+              <a:t>(u) +d(v) &gt;=n </a:t>
+            </a:r>
+            <a:r>
+              <a:rPr lang="en-US" dirty="0"/>
+              <a:t>for </a:t>
+            </a:r>
+            <a:r>
+              <a:rPr lang="en-US" dirty="0">
+                <a:solidFill>
+                  <a:srgbClr val="FF0000"/>
+                </a:solidFill>
+              </a:rPr>
+              <a:t>every pair of nonadjacent vertices</a:t>
+            </a:r>
+            <a:r>
+              <a:rPr lang="en-US" dirty="0"/>
+              <a:t> u and v, then </a:t>
+            </a:r>
+            <a:r>
+              <a:rPr lang="en-US" dirty="0">
+                <a:solidFill>
+                  <a:srgbClr val="FF0000"/>
+                </a:solidFill>
+              </a:rPr>
+              <a:t>G has a Hamilton cycle</a:t>
+            </a:r>
+            <a:r>
+              <a:rPr lang="en-US" dirty="0"/>
+              <a:t>.</a:t>
+            </a:r>
+          </a:p>
+          <a:p>
+            <a:r>
+              <a:rPr lang="en-US" b="1" dirty="0"/>
+              <a:t>Theorem</a:t>
+            </a:r>
+            <a:r>
+              <a:rPr lang="en-US" dirty="0"/>
+              <a:t>: If G=(V, E) is a </a:t>
+            </a:r>
+            <a:r>
+              <a:rPr lang="en-US" dirty="0">
+                <a:solidFill>
+                  <a:srgbClr val="FF0000"/>
+                </a:solidFill>
+              </a:rPr>
+              <a:t>complete directed graph </a:t>
+            </a:r>
+            <a:r>
+              <a:rPr lang="en-US" dirty="0"/>
+              <a:t>then G has a Hamilton Cycle.</a:t>
+            </a:r>
+          </a:p>
+        </p:txBody>
+      </p:sp>
     </p:spTree>
     <p:extLst>
       <p:ext uri="{BB962C8B-B14F-4D97-AF65-F5344CB8AC3E}">
-        <p14:creationId xmlns:p14="http://schemas.microsoft.com/office/powerpoint/2010/main" val="704309198"/>
+        <p14:creationId xmlns:p14="http://schemas.microsoft.com/office/powerpoint/2010/main" val="4166726288"/>
       </p:ext>
     </p:extLst>
   </p:cSld>
@@ -9357,7 +9259,7 @@
       </p:grpSpPr>
       <p:sp>
         <p:nvSpPr>
-          <p:cNvPr id="4" name="Title 3"/>
+          <p:cNvPr id="2" name="Title 1"/>
           <p:cNvSpPr>
             <a:spLocks noGrp="1"/>
           </p:cNvSpPr>
@@ -9367,39 +9269,177 @@
         </p:nvSpPr>
         <p:spPr/>
         <p:txBody>
-          <a:bodyPr/>
+          <a:bodyPr>
+            <a:normAutofit fontScale="90000"/>
+          </a:bodyPr>
           <a:lstStyle/>
           <a:p>
             <a:r>
               <a:rPr lang="en-US" dirty="0"/>
-              <a:t>Graph Coloring</a:t>
-            </a:r>
-          </a:p>
-        </p:txBody>
-      </p:sp>
-      <p:sp>
-        <p:nvSpPr>
-          <p:cNvPr id="5" name="Text Placeholder 4"/>
+              <a:t>Find Hamilton’s cycle using backtracking</a:t>
+            </a:r>
+          </a:p>
+        </p:txBody>
+      </p:sp>
+      <p:sp>
+        <p:nvSpPr>
+          <p:cNvPr id="3" name="Content Placeholder 2"/>
           <p:cNvSpPr>
             <a:spLocks noGrp="1"/>
           </p:cNvSpPr>
           <p:nvPr>
-            <p:ph type="body" idx="1"/>
+            <p:ph idx="1"/>
           </p:nvPr>
         </p:nvSpPr>
-        <p:spPr/>
-        <p:txBody>
-          <a:bodyPr/>
+        <p:spPr>
+          <a:xfrm>
+            <a:off x="76200" y="838200"/>
+            <a:ext cx="8915400" cy="2286000"/>
+          </a:xfrm>
+        </p:spPr>
+        <p:txBody>
+          <a:bodyPr>
+            <a:normAutofit fontScale="92500" lnSpcReduction="20000"/>
+          </a:bodyPr>
           <a:lstStyle/>
           <a:p>
-            <a:endParaRPr lang="en-US"/>
+            <a:r>
+              <a:rPr lang="en-US" dirty="0"/>
+              <a:t>Given the graph G=(V, E) and X is a vertex of G. </a:t>
+            </a:r>
+          </a:p>
+          <a:p>
+            <a:r>
+              <a:rPr lang="en-US" dirty="0"/>
+              <a:t>Suppose there exists at least one Hamilton cycle for the graph.</a:t>
+            </a:r>
+          </a:p>
+          <a:p>
+            <a:r>
+              <a:rPr lang="en-US" dirty="0"/>
+              <a:t>The following is a backtracking algorithm for finding one Hamilton cycle from the vertex X.</a:t>
+            </a:r>
+          </a:p>
+        </p:txBody>
+      </p:sp>
+      <p:sp>
+        <p:nvSpPr>
+          <p:cNvPr id="4" name="TextBox 3"/>
+          <p:cNvSpPr txBox="1"/>
+          <p:nvPr/>
+        </p:nvSpPr>
+        <p:spPr>
+          <a:xfrm>
+            <a:off x="304800" y="3048000"/>
+            <a:ext cx="8534400" cy="2862323"/>
+          </a:xfrm>
+          <a:prstGeom prst="rect">
+            <a:avLst/>
+          </a:prstGeom>
+          <a:solidFill>
+            <a:srgbClr val="FFFFFF"/>
+          </a:solidFill>
+          <a:ln>
+            <a:solidFill>
+              <a:srgbClr val="C0504D"/>
+            </a:solidFill>
+          </a:ln>
+        </p:spPr>
+        <p:txBody>
+          <a:bodyPr wrap="square" rtlCol="0">
+            <a:spAutoFit/>
+          </a:bodyPr>
+          <a:lstStyle/>
+          <a:p>
+            <a:r>
+              <a:rPr lang="en-US" dirty="0"/>
+              <a:t>Declare an empty array H (which will contain Hamilton cycle)</a:t>
+            </a:r>
+          </a:p>
+          <a:p>
+            <a:r>
+              <a:rPr lang="en-US" dirty="0"/>
+              <a:t>1. Put the vertex X to H</a:t>
+            </a:r>
+          </a:p>
+          <a:p>
+            <a:r>
+              <a:rPr lang="en-US" dirty="0"/>
+              <a:t>2. Check if H is a Hamilton cycle then stop, else go to 3.</a:t>
+            </a:r>
+          </a:p>
+          <a:p>
+            <a:r>
+              <a:rPr lang="en-US" dirty="0"/>
+              <a:t>3. Consider the last vertex Y in H</a:t>
+            </a:r>
+          </a:p>
+          <a:p>
+            <a:r>
+              <a:rPr lang="en-US" dirty="0"/>
+              <a:t>	if there is/are </a:t>
+            </a:r>
+            <a:r>
+              <a:rPr lang="en-US" dirty="0" err="1"/>
+              <a:t>vert</a:t>
+            </a:r>
+            <a:r>
+              <a:rPr lang="en-US" dirty="0"/>
+              <a:t>(ex/ices) adjacent to Y</a:t>
+            </a:r>
+          </a:p>
+          <a:p>
+            <a:r>
+              <a:rPr lang="en-US" dirty="0"/>
+              <a:t>		select an adjacent vertex Z and put to H</a:t>
+            </a:r>
+          </a:p>
+          <a:p>
+            <a:r>
+              <a:rPr lang="en-US" dirty="0"/>
+              <a:t>	if there is no adjacent vertex</a:t>
+            </a:r>
+          </a:p>
+          <a:p>
+            <a:r>
+              <a:rPr lang="en-US" dirty="0"/>
+              <a:t>		remove Y from H and denote it as bad selection</a:t>
+            </a:r>
+          </a:p>
+          <a:p>
+            <a:r>
+              <a:rPr lang="en-US" dirty="0"/>
+              <a:t>		(so you do not select it in the same way again)</a:t>
+            </a:r>
+          </a:p>
+          <a:p>
+            <a:r>
+              <a:rPr lang="en-US" dirty="0" err="1">
+                <a:solidFill>
+                  <a:srgbClr val="FF0000"/>
+                </a:solidFill>
+              </a:rPr>
+              <a:t>Goto</a:t>
+            </a:r>
+            <a:r>
+              <a:rPr lang="en-US" dirty="0">
+                <a:solidFill>
+                  <a:srgbClr val="FF0000"/>
+                </a:solidFill>
+              </a:rPr>
+              <a:t> 2</a:t>
+            </a:r>
+            <a:r>
+              <a:rPr lang="en-US" dirty="0"/>
+              <a:t>.</a:t>
+            </a:r>
           </a:p>
         </p:txBody>
       </p:sp>
     </p:spTree>
     <p:extLst>
       <p:ext uri="{BB962C8B-B14F-4D97-AF65-F5344CB8AC3E}">
-        <p14:creationId xmlns:p14="http://schemas.microsoft.com/office/powerpoint/2010/main" val="2803189779"/>
+        <p14:creationId xmlns:p14="http://schemas.microsoft.com/office/powerpoint/2010/main" val="443490902"/>
       </p:ext>
     </p:extLst>
   </p:cSld>
@@ -9428,7 +9468,7 @@
       </p:grpSpPr>
       <p:sp>
         <p:nvSpPr>
-          <p:cNvPr id="4" name="Title 3"/>
+          <p:cNvPr id="2" name="Title 1"/>
           <p:cNvSpPr>
             <a:spLocks noGrp="1"/>
           </p:cNvSpPr>
@@ -9443,65 +9483,44 @@
           <a:p>
             <a:r>
               <a:rPr lang="en-US" dirty="0"/>
-              <a:t>Graph Coloring</a:t>
-            </a:r>
-          </a:p>
-        </p:txBody>
-      </p:sp>
-      <p:sp>
-        <p:nvSpPr>
-          <p:cNvPr id="5" name="Content Placeholder 4"/>
-          <p:cNvSpPr>
-            <a:spLocks noGrp="1"/>
-          </p:cNvSpPr>
-          <p:nvPr>
-            <p:ph idx="1"/>
-          </p:nvPr>
-        </p:nvSpPr>
-        <p:spPr/>
-        <p:txBody>
-          <a:bodyPr/>
-          <a:lstStyle/>
-          <a:p>
-            <a:r>
-              <a:rPr lang="en-US" dirty="0"/>
-              <a:t>In graph theory, graph coloring is a way of coloring the vertices of a graph such that no two adjacent vertices share the same color.</a:t>
-            </a:r>
-          </a:p>
-          <a:p>
-            <a:r>
-              <a:rPr lang="en-US" dirty="0"/>
-              <a:t>If the chromatic number of graph G is denoted by X(G).</a:t>
-            </a:r>
-          </a:p>
-          <a:p>
-            <a:pPr lvl="1"/>
-            <a:r>
-              <a:rPr lang="en-US" dirty="0"/>
-              <a:t>Graph for which k=X(G) is called k-colorable.</a:t>
-            </a:r>
-          </a:p>
-          <a:p>
-            <a:pPr lvl="1"/>
-            <a:r>
-              <a:rPr lang="en-US" dirty="0"/>
-              <a:t>Chromatic number of a graph is the minimum number of colors one can use to color the vertices of the graph so that </a:t>
-            </a:r>
-            <a:r>
-              <a:rPr lang="en-US" b="1" dirty="0"/>
-              <a:t>no</a:t>
-            </a:r>
-            <a:r>
-              <a:rPr lang="en-US" dirty="0"/>
-              <a:t> two adjacent vertices have the same color.</a:t>
-            </a:r>
-          </a:p>
-        </p:txBody>
-      </p:sp>
+              <a:t>Example: Hamilton cycle enumeration</a:t>
+            </a:r>
+          </a:p>
+        </p:txBody>
+      </p:sp>
+      <p:pic>
+        <p:nvPicPr>
+          <p:cNvPr id="4" name="Picture 3"/>
+          <p:cNvPicPr>
+            <a:picLocks noChangeAspect="1"/>
+          </p:cNvPicPr>
+          <p:nvPr/>
+        </p:nvPicPr>
+        <p:blipFill>
+          <a:blip r:embed="rId2"/>
+          <a:stretch>
+            <a:fillRect/>
+          </a:stretch>
+        </p:blipFill>
+        <p:spPr>
+          <a:xfrm>
+            <a:off x="539655" y="1143000"/>
+            <a:ext cx="8070945" cy="4343400"/>
+          </a:xfrm>
+          <a:prstGeom prst="rect">
+            <a:avLst/>
+          </a:prstGeom>
+          <a:ln>
+            <a:solidFill>
+              <a:srgbClr val="C0504D"/>
+            </a:solidFill>
+          </a:ln>
+        </p:spPr>
+      </p:pic>
     </p:spTree>
     <p:extLst>
       <p:ext uri="{BB962C8B-B14F-4D97-AF65-F5344CB8AC3E}">
-        <p14:creationId xmlns:p14="http://schemas.microsoft.com/office/powerpoint/2010/main" val="370870289"/>
+        <p14:creationId xmlns:p14="http://schemas.microsoft.com/office/powerpoint/2010/main" val="704309198"/>
       </p:ext>
     </p:extLst>
   </p:cSld>
@@ -9530,7 +9549,7 @@
       </p:grpSpPr>
       <p:sp>
         <p:nvSpPr>
-          <p:cNvPr id="2" name="Title 1"/>
+          <p:cNvPr id="4" name="Title 3"/>
           <p:cNvSpPr>
             <a:spLocks noGrp="1"/>
           </p:cNvSpPr>
@@ -9545,39 +9564,34 @@
           <a:p>
             <a:r>
               <a:rPr lang="en-US" dirty="0"/>
-              <a:t>Graph coloring example</a:t>
-            </a:r>
-          </a:p>
-        </p:txBody>
-      </p:sp>
-      <p:pic>
-        <p:nvPicPr>
-          <p:cNvPr id="4" name="Picture 3"/>
-          <p:cNvPicPr>
-            <a:picLocks noChangeAspect="1"/>
-          </p:cNvPicPr>
-          <p:nvPr/>
-        </p:nvPicPr>
-        <p:blipFill>
-          <a:blip r:embed="rId2"/>
-          <a:stretch>
-            <a:fillRect/>
-          </a:stretch>
-        </p:blipFill>
-        <p:spPr>
-          <a:xfrm>
-            <a:off x="3225800" y="2184400"/>
-            <a:ext cx="2679700" cy="2476500"/>
-          </a:xfrm>
-          <a:prstGeom prst="rect">
-            <a:avLst/>
-          </a:prstGeom>
-        </p:spPr>
-      </p:pic>
+              <a:t>Graph Coloring</a:t>
+            </a:r>
+          </a:p>
+        </p:txBody>
+      </p:sp>
+      <p:sp>
+        <p:nvSpPr>
+          <p:cNvPr id="5" name="Text Placeholder 4"/>
+          <p:cNvSpPr>
+            <a:spLocks noGrp="1"/>
+          </p:cNvSpPr>
+          <p:nvPr>
+            <p:ph type="body" idx="1"/>
+          </p:nvPr>
+        </p:nvSpPr>
+        <p:spPr/>
+        <p:txBody>
+          <a:bodyPr/>
+          <a:lstStyle/>
+          <a:p>
+            <a:endParaRPr lang="en-US"/>
+          </a:p>
+        </p:txBody>
+      </p:sp>
     </p:spTree>
     <p:extLst>
       <p:ext uri="{BB962C8B-B14F-4D97-AF65-F5344CB8AC3E}">
-        <p14:creationId xmlns:p14="http://schemas.microsoft.com/office/powerpoint/2010/main" val="181746955"/>
+        <p14:creationId xmlns:p14="http://schemas.microsoft.com/office/powerpoint/2010/main" val="2803189779"/>
       </p:ext>
     </p:extLst>
   </p:cSld>
@@ -9606,7 +9620,7 @@
       </p:grpSpPr>
       <p:sp>
         <p:nvSpPr>
-          <p:cNvPr id="2" name="Title 1"/>
+          <p:cNvPr id="4" name="Title 3"/>
           <p:cNvSpPr>
             <a:spLocks noGrp="1"/>
           </p:cNvSpPr>
@@ -9621,14 +9635,14 @@
           <a:p>
             <a:r>
               <a:rPr lang="en-US" dirty="0"/>
-              <a:t>Sequential coloring</a:t>
-            </a:r>
-          </a:p>
-        </p:txBody>
-      </p:sp>
-      <p:sp>
-        <p:nvSpPr>
-          <p:cNvPr id="3" name="Content Placeholder 2"/>
+              <a:t>Graph Coloring</a:t>
+            </a:r>
+          </a:p>
+        </p:txBody>
+      </p:sp>
+      <p:sp>
+        <p:nvSpPr>
+          <p:cNvPr id="5" name="Content Placeholder 4"/>
           <p:cNvSpPr>
             <a:spLocks noGrp="1"/>
           </p:cNvSpPr>
@@ -9636,177 +9650,50 @@
             <p:ph idx="1"/>
           </p:nvPr>
         </p:nvSpPr>
-        <p:spPr>
-          <a:xfrm>
-            <a:off x="76200" y="762000"/>
-            <a:ext cx="8915400" cy="2286000"/>
-          </a:xfrm>
-        </p:spPr>
-        <p:txBody>
-          <a:bodyPr>
-            <a:normAutofit fontScale="92500" lnSpcReduction="20000"/>
-          </a:bodyPr>
+        <p:spPr/>
+        <p:txBody>
+          <a:bodyPr/>
           <a:lstStyle/>
           <a:p>
             <a:r>
               <a:rPr lang="en-US" dirty="0"/>
-              <a:t>Establishes </a:t>
+              <a:t>In graph theory, graph coloring is a way of coloring the vertices of a graph such that no two adjacent vertices share the same color.</a:t>
+            </a:r>
+          </a:p>
+          <a:p>
+            <a:r>
+              <a:rPr lang="en-US" dirty="0"/>
+              <a:t>If the chromatic number of graph G is denoted by X(G).</a:t>
             </a:r>
           </a:p>
           <a:p>
             <a:pPr lvl="1"/>
             <a:r>
               <a:rPr lang="en-US" dirty="0"/>
-              <a:t>A sequence of vertices and </a:t>
+              <a:t>Graph for which k=X(G) is called k-colorable.</a:t>
             </a:r>
           </a:p>
           <a:p>
             <a:pPr lvl="1"/>
             <a:r>
               <a:rPr lang="en-US" dirty="0"/>
-              <a:t>A sequence of colors </a:t>
-            </a:r>
-          </a:p>
-          <a:p>
-            <a:r>
-              <a:rPr lang="en-US" dirty="0"/>
-              <a:t>And then </a:t>
-            </a:r>
-          </a:p>
-          <a:p>
-            <a:pPr lvl="1"/>
-            <a:r>
-              <a:rPr lang="en-US" dirty="0"/>
-              <a:t>Color the next vertex with the lowest number possible.</a:t>
-            </a:r>
-          </a:p>
-        </p:txBody>
-      </p:sp>
-      <p:sp>
-        <p:nvSpPr>
-          <p:cNvPr id="4" name="TextBox 3"/>
-          <p:cNvSpPr txBox="1"/>
-          <p:nvPr/>
-        </p:nvSpPr>
-        <p:spPr>
-          <a:xfrm>
-            <a:off x="381000" y="3429000"/>
-            <a:ext cx="8069374" cy="2031325"/>
-          </a:xfrm>
-          <a:prstGeom prst="rect">
-            <a:avLst/>
-          </a:prstGeom>
-          <a:solidFill>
-            <a:srgbClr val="FFFFFF"/>
-          </a:solidFill>
-          <a:ln>
-            <a:solidFill>
-              <a:srgbClr val="C0504D"/>
-            </a:solidFill>
-          </a:ln>
-        </p:spPr>
-        <p:txBody>
-          <a:bodyPr wrap="none" rtlCol="0">
-            <a:spAutoFit/>
-          </a:bodyPr>
-          <a:lstStyle/>
-          <a:p>
-            <a:r>
-              <a:rPr lang="en-US" dirty="0" err="1"/>
-              <a:t>sequentialColoringAlgorithm</a:t>
-            </a:r>
-            <a:r>
-              <a:rPr lang="en-US" dirty="0"/>
-              <a:t>(graph=(V,E))</a:t>
-            </a:r>
-          </a:p>
-          <a:p>
-            <a:r>
-              <a:rPr lang="en-US" dirty="0"/>
-              <a:t>put vertices in a certain order Vp1, Vp2, …, </a:t>
-            </a:r>
-            <a:r>
-              <a:rPr lang="en-US" dirty="0" err="1"/>
-              <a:t>Vpv</a:t>
-            </a:r>
-            <a:r>
-              <a:rPr lang="en-US" dirty="0"/>
-              <a:t>;</a:t>
-            </a:r>
-          </a:p>
-          <a:p>
-            <a:r>
-              <a:rPr lang="en-US" dirty="0"/>
-              <a:t>put colors in a certain order C1, C2, …, </a:t>
-            </a:r>
-            <a:r>
-              <a:rPr lang="en-US" dirty="0" err="1"/>
-              <a:t>Ck</a:t>
-            </a:r>
-            <a:r>
-              <a:rPr lang="en-US" dirty="0"/>
-              <a:t>;</a:t>
-            </a:r>
-          </a:p>
-          <a:p>
-            <a:r>
-              <a:rPr lang="en-US" dirty="0"/>
-              <a:t>for </a:t>
-            </a:r>
-            <a:r>
-              <a:rPr lang="en-US" dirty="0" err="1"/>
-              <a:t>i</a:t>
-            </a:r>
-            <a:r>
-              <a:rPr lang="en-US" dirty="0"/>
-              <a:t>=1 to |V|</a:t>
-            </a:r>
-          </a:p>
-          <a:p>
-            <a:r>
-              <a:rPr lang="en-US" dirty="0"/>
-              <a:t>	j=the smallest index of color that does not appear in neighbor of </a:t>
-            </a:r>
-            <a:r>
-              <a:rPr lang="en-US" dirty="0" err="1"/>
-              <a:t>Vpi</a:t>
-            </a:r>
-            <a:r>
-              <a:rPr lang="en-US" dirty="0"/>
-              <a:t>;</a:t>
-            </a:r>
-          </a:p>
-          <a:p>
-            <a:r>
-              <a:rPr lang="en-US" dirty="0"/>
-              <a:t>	color(</a:t>
-            </a:r>
-            <a:r>
-              <a:rPr lang="en-US" dirty="0" err="1"/>
-              <a:t>Vpi</a:t>
-            </a:r>
-            <a:r>
-              <a:rPr lang="en-US" dirty="0"/>
-              <a:t>) = </a:t>
-            </a:r>
-            <a:r>
-              <a:rPr lang="en-US" dirty="0" err="1"/>
-              <a:t>Cj</a:t>
-            </a:r>
-            <a:r>
-              <a:rPr lang="en-US" dirty="0"/>
-              <a:t>.</a:t>
-            </a:r>
-          </a:p>
-          <a:p>
-            <a:endParaRPr lang="en-US" dirty="0"/>
+              <a:t>Chromatic number of a graph is the minimum number of colors one can use to color the vertices of the graph so that </a:t>
+            </a:r>
+            <a:r>
+              <a:rPr lang="en-US" b="1" dirty="0"/>
+              <a:t>no</a:t>
+            </a:r>
+            <a:r>
+              <a:rPr lang="en-US" dirty="0"/>
+              <a:t> two adjacent vertices have the same color.</a:t>
+            </a:r>
           </a:p>
         </p:txBody>
       </p:sp>
     </p:spTree>
     <p:extLst>
       <p:ext uri="{BB962C8B-B14F-4D97-AF65-F5344CB8AC3E}">
-        <p14:creationId xmlns:p14="http://schemas.microsoft.com/office/powerpoint/2010/main" val="717957236"/>
+        <p14:creationId xmlns:p14="http://schemas.microsoft.com/office/powerpoint/2010/main" val="370870289"/>
       </p:ext>
     </p:extLst>
   </p:cSld>
@@ -9850,49 +9737,39 @@
           <a:p>
             <a:r>
               <a:rPr lang="en-US" dirty="0"/>
-              <a:t>Largest first</a:t>
-            </a:r>
-          </a:p>
-        </p:txBody>
-      </p:sp>
-      <p:sp>
-        <p:nvSpPr>
-          <p:cNvPr id="3" name="Content Placeholder 2"/>
-          <p:cNvSpPr>
-            <a:spLocks noGrp="1"/>
-          </p:cNvSpPr>
-          <p:nvPr>
-            <p:ph idx="1"/>
-          </p:nvPr>
-        </p:nvSpPr>
-        <p:spPr/>
-        <p:txBody>
-          <a:bodyPr/>
-          <a:lstStyle/>
-          <a:p>
-            <a:r>
-              <a:rPr lang="en-US" dirty="0"/>
-              <a:t>The higher degree a node has, the higher possibility it would be conflicted, so we should color it first.</a:t>
-            </a:r>
-          </a:p>
-          <a:p>
-            <a:r>
-              <a:rPr lang="en-US" dirty="0"/>
-              <a:t>Vertices should be organized so that vertices with high degrees should be placed at the beginning of the sequence</a:t>
-            </a:r>
-          </a:p>
-          <a:p>
-            <a:r>
-              <a:rPr lang="en-US" dirty="0"/>
-              <a:t>This is the largest first version of the algorithm</a:t>
-            </a:r>
-          </a:p>
-        </p:txBody>
-      </p:sp>
+              <a:t>Graph coloring example</a:t>
+            </a:r>
+          </a:p>
+        </p:txBody>
+      </p:sp>
+      <p:pic>
+        <p:nvPicPr>
+          <p:cNvPr id="4" name="Picture 3"/>
+          <p:cNvPicPr>
+            <a:picLocks noChangeAspect="1"/>
+          </p:cNvPicPr>
+          <p:nvPr/>
+        </p:nvPicPr>
+        <p:blipFill>
+          <a:blip r:embed="rId2"/>
+          <a:stretch>
+            <a:fillRect/>
+          </a:stretch>
+        </p:blipFill>
+        <p:spPr>
+          <a:xfrm>
+            <a:off x="3225800" y="2184400"/>
+            <a:ext cx="2679700" cy="2476500"/>
+          </a:xfrm>
+          <a:prstGeom prst="rect">
+            <a:avLst/>
+          </a:prstGeom>
+        </p:spPr>
+      </p:pic>
     </p:spTree>
     <p:extLst>
       <p:ext uri="{BB962C8B-B14F-4D97-AF65-F5344CB8AC3E}">
-        <p14:creationId xmlns:p14="http://schemas.microsoft.com/office/powerpoint/2010/main" val="30313455"/>
+        <p14:creationId xmlns:p14="http://schemas.microsoft.com/office/powerpoint/2010/main" val="181746955"/>
       </p:ext>
     </p:extLst>
   </p:cSld>
@@ -9936,55 +9813,89 @@
           <a:p>
             <a:r>
               <a:rPr lang="en-US" dirty="0"/>
-              <a:t>Example</a:t>
-            </a:r>
-          </a:p>
-        </p:txBody>
-      </p:sp>
-      <p:pic>
-        <p:nvPicPr>
-          <p:cNvPr id="3" name="Picture 2"/>
-          <p:cNvPicPr>
-            <a:picLocks noChangeAspect="1"/>
-          </p:cNvPicPr>
+              <a:t>Sequential coloring</a:t>
+            </a:r>
+          </a:p>
+        </p:txBody>
+      </p:sp>
+      <p:sp>
+        <p:nvSpPr>
+          <p:cNvPr id="3" name="Content Placeholder 2"/>
+          <p:cNvSpPr>
+            <a:spLocks noGrp="1"/>
+          </p:cNvSpPr>
+          <p:nvPr>
+            <p:ph idx="1"/>
+          </p:nvPr>
+        </p:nvSpPr>
+        <p:spPr>
+          <a:xfrm>
+            <a:off x="76200" y="762000"/>
+            <a:ext cx="8915400" cy="2286000"/>
+          </a:xfrm>
+        </p:spPr>
+        <p:txBody>
+          <a:bodyPr>
+            <a:normAutofit fontScale="92500" lnSpcReduction="20000"/>
+          </a:bodyPr>
+          <a:lstStyle/>
+          <a:p>
+            <a:r>
+              <a:rPr lang="en-US" dirty="0"/>
+              <a:t>Establishes </a:t>
+            </a:r>
+          </a:p>
+          <a:p>
+            <a:pPr lvl="1"/>
+            <a:r>
+              <a:rPr lang="en-US" dirty="0"/>
+              <a:t>A sequence of vertices and </a:t>
+            </a:r>
+          </a:p>
+          <a:p>
+            <a:pPr lvl="1"/>
+            <a:r>
+              <a:rPr lang="en-US" dirty="0"/>
+              <a:t>A sequence of colors </a:t>
+            </a:r>
+          </a:p>
+          <a:p>
+            <a:r>
+              <a:rPr lang="en-US" dirty="0"/>
+              <a:t>And then </a:t>
+            </a:r>
+          </a:p>
+          <a:p>
+            <a:pPr lvl="1"/>
+            <a:r>
+              <a:rPr lang="en-US" dirty="0"/>
+              <a:t>Color the next vertex with the lowest number possible.</a:t>
+            </a:r>
+          </a:p>
+        </p:txBody>
+      </p:sp>
+      <p:sp>
+        <p:nvSpPr>
+          <p:cNvPr id="4" name="TextBox 3"/>
+          <p:cNvSpPr txBox="1"/>
           <p:nvPr/>
-        </p:nvPicPr>
-        <p:blipFill>
-          <a:blip r:embed="rId2"/>
-          <a:stretch>
-            <a:fillRect/>
-          </a:stretch>
-        </p:blipFill>
-        <p:spPr>
-          <a:xfrm>
-            <a:off x="0" y="990600"/>
-            <a:ext cx="9144000" cy="4433804"/>
+        </p:nvSpPr>
+        <p:spPr>
+          <a:xfrm>
+            <a:off x="381000" y="3429000"/>
+            <a:ext cx="8069374" cy="2031325"/>
           </a:xfrm>
           <a:prstGeom prst="rect">
             <a:avLst/>
           </a:prstGeom>
+          <a:solidFill>
+            <a:srgbClr val="FFFFFF"/>
+          </a:solidFill>
           <a:ln>
             <a:solidFill>
-              <a:schemeClr val="accent2"/>
+              <a:srgbClr val="C0504D"/>
             </a:solidFill>
           </a:ln>
-        </p:spPr>
-      </p:pic>
-      <p:sp>
-        <p:nvSpPr>
-          <p:cNvPr id="5" name="TextBox 4"/>
-          <p:cNvSpPr txBox="1"/>
-          <p:nvPr/>
-        </p:nvSpPr>
-        <p:spPr>
-          <a:xfrm>
-            <a:off x="6096000" y="3352800"/>
-            <a:ext cx="1275597" cy="369332"/>
-          </a:xfrm>
-          <a:prstGeom prst="rect">
-            <a:avLst/>
-          </a:prstGeom>
-          <a:noFill/>
         </p:spPr>
         <p:txBody>
           <a:bodyPr wrap="none" rtlCol="0">
@@ -9993,53 +9904,101 @@
           <a:lstStyle/>
           <a:p>
             <a:r>
-              <a:rPr lang="en-US" dirty="0">
-                <a:solidFill>
-                  <a:srgbClr val="FF0000"/>
-                </a:solidFill>
-              </a:rPr>
-              <a:t>Sequential</a:t>
-            </a:r>
-          </a:p>
-        </p:txBody>
-      </p:sp>
-      <p:sp>
-        <p:nvSpPr>
-          <p:cNvPr id="6" name="TextBox 5"/>
-          <p:cNvSpPr txBox="1"/>
-          <p:nvPr/>
-        </p:nvSpPr>
-        <p:spPr>
-          <a:xfrm>
-            <a:off x="6096000" y="4495800"/>
-            <a:ext cx="1390563" cy="369332"/>
-          </a:xfrm>
-          <a:prstGeom prst="rect">
-            <a:avLst/>
-          </a:prstGeom>
-          <a:noFill/>
-        </p:spPr>
-        <p:txBody>
-          <a:bodyPr wrap="none" rtlCol="0">
-            <a:spAutoFit/>
-          </a:bodyPr>
-          <a:lstStyle/>
-          <a:p>
-            <a:r>
-              <a:rPr lang="en-US" dirty="0">
-                <a:solidFill>
-                  <a:srgbClr val="FF0000"/>
-                </a:solidFill>
-              </a:rPr>
-              <a:t>Largest first</a:t>
-            </a:r>
+              <a:rPr lang="en-US" dirty="0" err="1"/>
+              <a:t>sequentialColoringAlgorithm</a:t>
+            </a:r>
+            <a:r>
+              <a:rPr lang="en-US" dirty="0"/>
+              <a:t>(graph=(V,E))</a:t>
+            </a:r>
+          </a:p>
+          <a:p>
+            <a:r>
+              <a:rPr lang="en-US" dirty="0"/>
+              <a:t>put vertices in a certain order Vp1, Vp2, …, </a:t>
+            </a:r>
+            <a:r>
+              <a:rPr lang="en-US" dirty="0" err="1"/>
+              <a:t>Vpv</a:t>
+            </a:r>
+            <a:r>
+              <a:rPr lang="en-US" dirty="0"/>
+              <a:t>;</a:t>
+            </a:r>
+          </a:p>
+          <a:p>
+            <a:r>
+              <a:rPr lang="en-US" dirty="0"/>
+              <a:t>put colors in a certain order C1, C2, …, </a:t>
+            </a:r>
+            <a:r>
+              <a:rPr lang="en-US" dirty="0" err="1"/>
+              <a:t>Ck</a:t>
+            </a:r>
+            <a:r>
+              <a:rPr lang="en-US" dirty="0"/>
+              <a:t>;</a:t>
+            </a:r>
+          </a:p>
+          <a:p>
+            <a:r>
+              <a:rPr lang="en-US" dirty="0"/>
+              <a:t>for </a:t>
+            </a:r>
+            <a:r>
+              <a:rPr lang="en-US" dirty="0" err="1"/>
+              <a:t>i</a:t>
+            </a:r>
+            <a:r>
+              <a:rPr lang="en-US" dirty="0"/>
+              <a:t>=1 to |V|</a:t>
+            </a:r>
+          </a:p>
+          <a:p>
+            <a:r>
+              <a:rPr lang="en-US" dirty="0"/>
+              <a:t>	j=the smallest index of color that does not appear in neighbor of </a:t>
+            </a:r>
+            <a:r>
+              <a:rPr lang="en-US" dirty="0" err="1"/>
+              <a:t>Vpi</a:t>
+            </a:r>
+            <a:r>
+              <a:rPr lang="en-US" dirty="0"/>
+              <a:t>;</a:t>
+            </a:r>
+          </a:p>
+          <a:p>
+            <a:r>
+              <a:rPr lang="en-US" dirty="0"/>
+              <a:t>	color(</a:t>
+            </a:r>
+            <a:r>
+              <a:rPr lang="en-US" dirty="0" err="1"/>
+              <a:t>Vpi</a:t>
+            </a:r>
+            <a:r>
+              <a:rPr lang="en-US" dirty="0"/>
+              <a:t>) = </a:t>
+            </a:r>
+            <a:r>
+              <a:rPr lang="en-US" dirty="0" err="1"/>
+              <a:t>Cj</a:t>
+            </a:r>
+            <a:r>
+              <a:rPr lang="en-US" dirty="0"/>
+              <a:t>.</a:t>
+            </a:r>
+          </a:p>
+          <a:p>
+            <a:endParaRPr lang="en-US" dirty="0"/>
           </a:p>
         </p:txBody>
       </p:sp>
     </p:spTree>
     <p:extLst>
       <p:ext uri="{BB962C8B-B14F-4D97-AF65-F5344CB8AC3E}">
-        <p14:creationId xmlns:p14="http://schemas.microsoft.com/office/powerpoint/2010/main" val="3232222878"/>
+        <p14:creationId xmlns:p14="http://schemas.microsoft.com/office/powerpoint/2010/main" val="717957236"/>
       </p:ext>
     </p:extLst>
   </p:cSld>
@@ -10191,7 +10150,7 @@
       </p:grpSpPr>
       <p:sp>
         <p:nvSpPr>
-          <p:cNvPr id="14337" name="Title 1"/>
+          <p:cNvPr id="2" name="Title 1"/>
           <p:cNvSpPr>
             <a:spLocks noGrp="1"/>
           </p:cNvSpPr>
@@ -10199,52 +10158,21 @@
             <p:ph type="title"/>
           </p:nvPr>
         </p:nvSpPr>
-        <p:spPr bwMode="auto">
-          <a:noFill/>
-          <a:extLst>
-            <a:ext uri="{909E8E84-426E-40dd-AFC4-6F175D3DCCD1}">
-              <a14:hiddenFill xmlns="" xmlns:a14="http://schemas.microsoft.com/office/drawing/2010/main">
-                <a:solidFill>
-                  <a:srgbClr val="FFFFFF"/>
-                </a:solidFill>
-              </a14:hiddenFill>
-            </a:ext>
-            <a:ext uri="{91240B29-F687-4f45-9708-019B960494DF}">
-              <a14:hiddenLine xmlns="" xmlns:a14="http://schemas.microsoft.com/office/drawing/2010/main" w="9525">
-                <a:solidFill>
-                  <a:srgbClr val="000000"/>
-                </a:solidFill>
-                <a:miter lim="800000"/>
-                <a:headEnd/>
-                <a:tailEnd/>
-              </a14:hiddenLine>
-            </a:ext>
-            <a:ext uri="{FAA26D3D-D897-4be2-8F04-BA451C77F1D7}">
-              <ma14:placeholderFlag xmlns="" xmlns:ma14="http://schemas.microsoft.com/office/mac/drawingml/2011/main" val="1"/>
-            </a:ext>
-          </a:extLst>
-        </p:spPr>
-        <p:txBody>
-          <a:bodyPr vert="horz" wrap="square" lIns="91440" tIns="45720" rIns="91440" bIns="45720" numCol="1" anchor="t" anchorCtr="0" compatLnSpc="1">
-            <a:prstTxWarp prst="textNoShape">
-              <a:avLst/>
-            </a:prstTxWarp>
-          </a:bodyPr>
+        <p:spPr/>
+        <p:txBody>
+          <a:bodyPr/>
           <a:lstStyle/>
           <a:p>
-            <a:pPr eaLnBrk="1" hangingPunct="1"/>
-            <a:r>
-              <a:rPr lang="en-US" dirty="0">
-                <a:latin typeface="Calibri" charset="0"/>
-              </a:rPr>
-              <a:t>Summaries</a:t>
-            </a:r>
-          </a:p>
-        </p:txBody>
-      </p:sp>
-      <p:sp>
-        <p:nvSpPr>
-          <p:cNvPr id="14338" name="Content Placeholder 2"/>
+            <a:r>
+              <a:rPr lang="en-US" dirty="0"/>
+              <a:t>Largest first</a:t>
+            </a:r>
+          </a:p>
+        </p:txBody>
+      </p:sp>
+      <p:sp>
+        <p:nvSpPr>
+          <p:cNvPr id="3" name="Content Placeholder 2"/>
           <p:cNvSpPr>
             <a:spLocks noGrp="1"/>
           </p:cNvSpPr>
@@ -10252,186 +10180,26 @@
             <p:ph idx="1"/>
           </p:nvPr>
         </p:nvSpPr>
-        <p:spPr bwMode="auto">
-          <a:noFill/>
-          <a:extLst>
-            <a:ext uri="{909E8E84-426E-40dd-AFC4-6F175D3DCCD1}">
-              <a14:hiddenFill xmlns="" xmlns:a14="http://schemas.microsoft.com/office/drawing/2010/main">
-                <a:solidFill>
-                  <a:srgbClr val="FFFFFF"/>
-                </a:solidFill>
-              </a14:hiddenFill>
-            </a:ext>
-            <a:ext uri="{91240B29-F687-4f45-9708-019B960494DF}">
-              <a14:hiddenLine xmlns="" xmlns:a14="http://schemas.microsoft.com/office/drawing/2010/main" w="9525">
-                <a:solidFill>
-                  <a:srgbClr val="000000"/>
-                </a:solidFill>
-                <a:miter lim="800000"/>
-                <a:headEnd/>
-                <a:tailEnd/>
-              </a14:hiddenLine>
-            </a:ext>
-            <a:ext uri="{FAA26D3D-D897-4be2-8F04-BA451C77F1D7}">
-              <ma14:placeholderFlag xmlns="" xmlns:ma14="http://schemas.microsoft.com/office/mac/drawingml/2011/main" val="1"/>
-            </a:ext>
-          </a:extLst>
-        </p:spPr>
-        <p:txBody>
-          <a:bodyPr vert="horz" wrap="square" lIns="91440" tIns="45720" rIns="91440" bIns="45720" numCol="1" anchor="t" anchorCtr="0" compatLnSpc="1">
-            <a:prstTxWarp prst="textNoShape">
-              <a:avLst/>
-            </a:prstTxWarp>
-            <a:normAutofit fontScale="70000" lnSpcReduction="20000"/>
-          </a:bodyPr>
+        <p:spPr/>
+        <p:txBody>
+          <a:bodyPr/>
           <a:lstStyle/>
           <a:p>
             <a:r>
-              <a:rPr lang="en-US" dirty="0">
-                <a:latin typeface="Calibri" charset="0"/>
-              </a:rPr>
-              <a:t>Graphs</a:t>
-            </a:r>
-          </a:p>
-          <a:p>
-            <a:r>
-              <a:rPr lang="en-US" dirty="0">
-                <a:latin typeface="Calibri" charset="0"/>
-              </a:rPr>
-              <a:t>Graph Representation</a:t>
-            </a:r>
-          </a:p>
-          <a:p>
-            <a:r>
-              <a:rPr lang="en-US" dirty="0">
-                <a:latin typeface="Calibri" charset="0"/>
-              </a:rPr>
-              <a:t>Graph Traversals</a:t>
-            </a:r>
-          </a:p>
-          <a:p>
-            <a:r>
-              <a:rPr lang="en-US" dirty="0">
-                <a:latin typeface="Calibri" charset="0"/>
-              </a:rPr>
-              <a:t>Connectivity</a:t>
-            </a:r>
-          </a:p>
-          <a:p>
-            <a:r>
-              <a:rPr lang="en-US" dirty="0">
-                <a:latin typeface="Calibri" charset="0"/>
-              </a:rPr>
-              <a:t>Cycle Detection</a:t>
-            </a:r>
-          </a:p>
-          <a:p>
-            <a:r>
-              <a:rPr lang="en-US" dirty="0">
-                <a:latin typeface="Calibri" charset="0"/>
-              </a:rPr>
-              <a:t>Shortest Paths</a:t>
-            </a:r>
-          </a:p>
-          <a:p>
-            <a:pPr lvl="1"/>
-            <a:r>
-              <a:rPr lang="en-US" dirty="0" err="1">
-                <a:latin typeface="Calibri" charset="0"/>
-              </a:rPr>
-              <a:t>Dijsktra</a:t>
-            </a:r>
-            <a:r>
-              <a:rPr lang="en-US" dirty="0">
-                <a:latin typeface="Calibri" charset="0"/>
-              </a:rPr>
-              <a:t> algorithm</a:t>
-            </a:r>
-          </a:p>
-          <a:p>
-            <a:pPr lvl="1"/>
-            <a:r>
-              <a:rPr lang="en-US" dirty="0">
-                <a:latin typeface="Calibri" charset="0"/>
-              </a:rPr>
-              <a:t>Floyd algorithm</a:t>
-            </a:r>
-          </a:p>
-          <a:p>
-            <a:pPr lvl="1"/>
-            <a:r>
-              <a:rPr lang="en-US" dirty="0">
-                <a:latin typeface="Calibri" charset="0"/>
-              </a:rPr>
-              <a:t>Bellman-Ford algorithm</a:t>
-            </a:r>
-          </a:p>
-          <a:p>
-            <a:r>
-              <a:rPr lang="en-US" dirty="0">
-                <a:latin typeface="Calibri" charset="0"/>
-              </a:rPr>
-              <a:t>Spanning Trees</a:t>
-            </a:r>
-          </a:p>
-          <a:p>
-            <a:pPr lvl="1"/>
-            <a:r>
-              <a:rPr lang="en-US" dirty="0" err="1">
-                <a:latin typeface="Calibri" charset="0"/>
-              </a:rPr>
-              <a:t>Kruskal</a:t>
-            </a:r>
-            <a:r>
-              <a:rPr lang="en-US" dirty="0">
-                <a:latin typeface="Calibri" charset="0"/>
-              </a:rPr>
-              <a:t> algorithm</a:t>
-            </a:r>
-          </a:p>
-          <a:p>
-            <a:pPr lvl="1"/>
-            <a:r>
-              <a:rPr lang="en-US" dirty="0" err="1">
-                <a:latin typeface="Calibri" charset="0"/>
-              </a:rPr>
-              <a:t>Dijktra</a:t>
-            </a:r>
-            <a:r>
-              <a:rPr lang="en-US" dirty="0">
-                <a:latin typeface="Calibri" charset="0"/>
-              </a:rPr>
-              <a:t> algorithm</a:t>
-            </a:r>
-          </a:p>
-          <a:p>
-            <a:r>
-              <a:rPr lang="en-US" dirty="0" err="1">
-                <a:latin typeface="Calibri" charset="0"/>
-              </a:rPr>
-              <a:t>Eulerian</a:t>
-            </a:r>
-            <a:r>
-              <a:rPr lang="en-US" dirty="0">
-                <a:latin typeface="Calibri" charset="0"/>
-              </a:rPr>
-              <a:t> and Hamiltonian Graphs</a:t>
-            </a:r>
-          </a:p>
-          <a:p>
-            <a:r>
-              <a:rPr lang="en-US" dirty="0">
-                <a:latin typeface="Calibri" charset="0"/>
-              </a:rPr>
-              <a:t>Graph coloring</a:t>
-            </a:r>
-          </a:p>
-          <a:p>
-            <a:r>
-              <a:rPr lang="en-US" dirty="0">
-                <a:latin typeface="Calibri" charset="0"/>
-              </a:rPr>
-              <a:t>Reading at home</a:t>
+              <a:rPr lang="en-US" dirty="0"/>
+              <a:t>The higher degree a node has, the higher possibility it would be conflicted, so we should color it first.</a:t>
+            </a:r>
+          </a:p>
+          <a:p>
+            <a:r>
+              <a:rPr lang="en-US" dirty="0"/>
+              <a:t>Vertices should be organized so that vertices with high degrees should be placed at the beginning of the sequence</a:t>
+            </a:r>
+          </a:p>
+          <a:p>
+            <a:r>
+              <a:rPr lang="en-US" dirty="0"/>
+              <a:t>This is the largest first version of the algorithm</a:t>
             </a:r>
           </a:p>
         </p:txBody>
@@ -10439,7 +10207,7 @@
     </p:spTree>
     <p:extLst>
       <p:ext uri="{BB962C8B-B14F-4D97-AF65-F5344CB8AC3E}">
-        <p14:creationId xmlns:p14="http://schemas.microsoft.com/office/powerpoint/2010/main" val="1837843569"/>
+        <p14:creationId xmlns:p14="http://schemas.microsoft.com/office/powerpoint/2010/main" val="30313455"/>
       </p:ext>
     </p:extLst>
   </p:cSld>
@@ -10483,6 +10251,430 @@
           <a:p>
             <a:r>
               <a:rPr lang="en-US" dirty="0"/>
+              <a:t>Example</a:t>
+            </a:r>
+          </a:p>
+        </p:txBody>
+      </p:sp>
+      <p:pic>
+        <p:nvPicPr>
+          <p:cNvPr id="3" name="Picture 2"/>
+          <p:cNvPicPr>
+            <a:picLocks noChangeAspect="1"/>
+          </p:cNvPicPr>
+          <p:nvPr/>
+        </p:nvPicPr>
+        <p:blipFill>
+          <a:blip r:embed="rId2"/>
+          <a:stretch>
+            <a:fillRect/>
+          </a:stretch>
+        </p:blipFill>
+        <p:spPr>
+          <a:xfrm>
+            <a:off x="0" y="990600"/>
+            <a:ext cx="9144000" cy="4433804"/>
+          </a:xfrm>
+          <a:prstGeom prst="rect">
+            <a:avLst/>
+          </a:prstGeom>
+          <a:ln>
+            <a:solidFill>
+              <a:schemeClr val="accent2"/>
+            </a:solidFill>
+          </a:ln>
+        </p:spPr>
+      </p:pic>
+      <p:sp>
+        <p:nvSpPr>
+          <p:cNvPr id="5" name="TextBox 4"/>
+          <p:cNvSpPr txBox="1"/>
+          <p:nvPr/>
+        </p:nvSpPr>
+        <p:spPr>
+          <a:xfrm>
+            <a:off x="6096000" y="3352800"/>
+            <a:ext cx="1275597" cy="369332"/>
+          </a:xfrm>
+          <a:prstGeom prst="rect">
+            <a:avLst/>
+          </a:prstGeom>
+          <a:noFill/>
+        </p:spPr>
+        <p:txBody>
+          <a:bodyPr wrap="none" rtlCol="0">
+            <a:spAutoFit/>
+          </a:bodyPr>
+          <a:lstStyle/>
+          <a:p>
+            <a:r>
+              <a:rPr lang="en-US" dirty="0">
+                <a:solidFill>
+                  <a:srgbClr val="FF0000"/>
+                </a:solidFill>
+              </a:rPr>
+              <a:t>Sequential</a:t>
+            </a:r>
+          </a:p>
+        </p:txBody>
+      </p:sp>
+      <p:sp>
+        <p:nvSpPr>
+          <p:cNvPr id="6" name="TextBox 5"/>
+          <p:cNvSpPr txBox="1"/>
+          <p:nvPr/>
+        </p:nvSpPr>
+        <p:spPr>
+          <a:xfrm>
+            <a:off x="6096000" y="4495800"/>
+            <a:ext cx="1390563" cy="369332"/>
+          </a:xfrm>
+          <a:prstGeom prst="rect">
+            <a:avLst/>
+          </a:prstGeom>
+          <a:noFill/>
+        </p:spPr>
+        <p:txBody>
+          <a:bodyPr wrap="none" rtlCol="0">
+            <a:spAutoFit/>
+          </a:bodyPr>
+          <a:lstStyle/>
+          <a:p>
+            <a:r>
+              <a:rPr lang="en-US" dirty="0">
+                <a:solidFill>
+                  <a:srgbClr val="FF0000"/>
+                </a:solidFill>
+              </a:rPr>
+              <a:t>Largest first</a:t>
+            </a:r>
+          </a:p>
+        </p:txBody>
+      </p:sp>
+    </p:spTree>
+    <p:extLst>
+      <p:ext uri="{BB962C8B-B14F-4D97-AF65-F5344CB8AC3E}">
+        <p14:creationId xmlns:p14="http://schemas.microsoft.com/office/powerpoint/2010/main" val="3232222878"/>
+      </p:ext>
+    </p:extLst>
+  </p:cSld>
+  <p:clrMapOvr>
+    <a:masterClrMapping/>
+  </p:clrMapOvr>
+</p:sld>
+</file>
+
+<file path=ppt/slides/slide42.xml><?xml version="1.0" encoding="utf-8"?>
+<p:sld xmlns:a="http://schemas.openxmlformats.org/drawingml/2006/main" xmlns:r="http://schemas.openxmlformats.org/officeDocument/2006/relationships" xmlns:p="http://schemas.openxmlformats.org/presentationml/2006/main">
+  <p:cSld>
+    <p:spTree>
+      <p:nvGrpSpPr>
+        <p:cNvPr id="1" name=""/>
+        <p:cNvGrpSpPr/>
+        <p:nvPr/>
+      </p:nvGrpSpPr>
+      <p:grpSpPr>
+        <a:xfrm>
+          <a:off x="0" y="0"/>
+          <a:ext cx="0" cy="0"/>
+          <a:chOff x="0" y="0"/>
+          <a:chExt cx="0" cy="0"/>
+        </a:xfrm>
+      </p:grpSpPr>
+      <p:sp>
+        <p:nvSpPr>
+          <p:cNvPr id="14337" name="Title 1"/>
+          <p:cNvSpPr>
+            <a:spLocks noGrp="1"/>
+          </p:cNvSpPr>
+          <p:nvPr>
+            <p:ph type="title"/>
+          </p:nvPr>
+        </p:nvSpPr>
+        <p:spPr bwMode="auto">
+          <a:noFill/>
+          <a:extLst>
+            <a:ext uri="{909E8E84-426E-40dd-AFC4-6F175D3DCCD1}">
+              <a14:hiddenFill xmlns:a14="http://schemas.microsoft.com/office/drawing/2010/main" xmlns="">
+                <a:solidFill>
+                  <a:srgbClr val="FFFFFF"/>
+                </a:solidFill>
+              </a14:hiddenFill>
+            </a:ext>
+            <a:ext uri="{91240B29-F687-4f45-9708-019B960494DF}">
+              <a14:hiddenLine xmlns:a14="http://schemas.microsoft.com/office/drawing/2010/main" xmlns="" w="9525">
+                <a:solidFill>
+                  <a:srgbClr val="000000"/>
+                </a:solidFill>
+                <a:miter lim="800000"/>
+                <a:headEnd/>
+                <a:tailEnd/>
+              </a14:hiddenLine>
+            </a:ext>
+            <a:ext uri="{FAA26D3D-D897-4be2-8F04-BA451C77F1D7}">
+              <ma14:placeholderFlag xmlns:ma14="http://schemas.microsoft.com/office/mac/drawingml/2011/main" xmlns="" val="1"/>
+            </a:ext>
+          </a:extLst>
+        </p:spPr>
+        <p:txBody>
+          <a:bodyPr vert="horz" wrap="square" lIns="91440" tIns="45720" rIns="91440" bIns="45720" numCol="1" anchor="t" anchorCtr="0" compatLnSpc="1">
+            <a:prstTxWarp prst="textNoShape">
+              <a:avLst/>
+            </a:prstTxWarp>
+          </a:bodyPr>
+          <a:lstStyle/>
+          <a:p>
+            <a:pPr eaLnBrk="1" hangingPunct="1"/>
+            <a:r>
+              <a:rPr lang="en-US" dirty="0">
+                <a:latin typeface="Calibri" charset="0"/>
+              </a:rPr>
+              <a:t>Summaries</a:t>
+            </a:r>
+          </a:p>
+        </p:txBody>
+      </p:sp>
+      <p:sp>
+        <p:nvSpPr>
+          <p:cNvPr id="14338" name="Content Placeholder 2"/>
+          <p:cNvSpPr>
+            <a:spLocks noGrp="1"/>
+          </p:cNvSpPr>
+          <p:nvPr>
+            <p:ph idx="1"/>
+          </p:nvPr>
+        </p:nvSpPr>
+        <p:spPr bwMode="auto">
+          <a:noFill/>
+          <a:extLst>
+            <a:ext uri="{909E8E84-426E-40dd-AFC4-6F175D3DCCD1}">
+              <a14:hiddenFill xmlns:a14="http://schemas.microsoft.com/office/drawing/2010/main" xmlns="">
+                <a:solidFill>
+                  <a:srgbClr val="FFFFFF"/>
+                </a:solidFill>
+              </a14:hiddenFill>
+            </a:ext>
+            <a:ext uri="{91240B29-F687-4f45-9708-019B960494DF}">
+              <a14:hiddenLine xmlns:a14="http://schemas.microsoft.com/office/drawing/2010/main" xmlns="" w="9525">
+                <a:solidFill>
+                  <a:srgbClr val="000000"/>
+                </a:solidFill>
+                <a:miter lim="800000"/>
+                <a:headEnd/>
+                <a:tailEnd/>
+              </a14:hiddenLine>
+            </a:ext>
+            <a:ext uri="{FAA26D3D-D897-4be2-8F04-BA451C77F1D7}">
+              <ma14:placeholderFlag xmlns:ma14="http://schemas.microsoft.com/office/mac/drawingml/2011/main" xmlns="" val="1"/>
+            </a:ext>
+          </a:extLst>
+        </p:spPr>
+        <p:txBody>
+          <a:bodyPr vert="horz" wrap="square" lIns="91440" tIns="45720" rIns="91440" bIns="45720" numCol="1" anchor="t" anchorCtr="0" compatLnSpc="1">
+            <a:prstTxWarp prst="textNoShape">
+              <a:avLst/>
+            </a:prstTxWarp>
+            <a:normAutofit fontScale="70000" lnSpcReduction="20000"/>
+          </a:bodyPr>
+          <a:lstStyle/>
+          <a:p>
+            <a:r>
+              <a:rPr lang="en-US" dirty="0">
+                <a:latin typeface="Calibri" charset="0"/>
+              </a:rPr>
+              <a:t>Graphs</a:t>
+            </a:r>
+          </a:p>
+          <a:p>
+            <a:r>
+              <a:rPr lang="en-US" dirty="0">
+                <a:latin typeface="Calibri" charset="0"/>
+              </a:rPr>
+              <a:t>Graph Representation</a:t>
+            </a:r>
+          </a:p>
+          <a:p>
+            <a:r>
+              <a:rPr lang="en-US" dirty="0">
+                <a:latin typeface="Calibri" charset="0"/>
+              </a:rPr>
+              <a:t>Graph Traversals</a:t>
+            </a:r>
+          </a:p>
+          <a:p>
+            <a:r>
+              <a:rPr lang="en-US" dirty="0">
+                <a:latin typeface="Calibri" charset="0"/>
+              </a:rPr>
+              <a:t>Connectivity</a:t>
+            </a:r>
+          </a:p>
+          <a:p>
+            <a:r>
+              <a:rPr lang="en-US" dirty="0">
+                <a:latin typeface="Calibri" charset="0"/>
+              </a:rPr>
+              <a:t>Cycle Detection</a:t>
+            </a:r>
+          </a:p>
+          <a:p>
+            <a:r>
+              <a:rPr lang="en-US" dirty="0">
+                <a:latin typeface="Calibri" charset="0"/>
+              </a:rPr>
+              <a:t>Shortest Paths</a:t>
+            </a:r>
+          </a:p>
+          <a:p>
+            <a:pPr lvl="1"/>
+            <a:r>
+              <a:rPr lang="en-US" dirty="0" err="1">
+                <a:latin typeface="Calibri" charset="0"/>
+              </a:rPr>
+              <a:t>Dijsktra</a:t>
+            </a:r>
+            <a:r>
+              <a:rPr lang="en-US" dirty="0">
+                <a:latin typeface="Calibri" charset="0"/>
+              </a:rPr>
+              <a:t> algorithm</a:t>
+            </a:r>
+          </a:p>
+          <a:p>
+            <a:pPr lvl="1"/>
+            <a:r>
+              <a:rPr lang="en-US" dirty="0">
+                <a:latin typeface="Calibri" charset="0"/>
+              </a:rPr>
+              <a:t>Floyd algorithm</a:t>
+            </a:r>
+          </a:p>
+          <a:p>
+            <a:pPr lvl="1"/>
+            <a:r>
+              <a:rPr lang="en-US" dirty="0">
+                <a:latin typeface="Calibri" charset="0"/>
+              </a:rPr>
+              <a:t>Bellman-Ford algorithm</a:t>
+            </a:r>
+          </a:p>
+          <a:p>
+            <a:r>
+              <a:rPr lang="en-US" dirty="0">
+                <a:latin typeface="Calibri" charset="0"/>
+              </a:rPr>
+              <a:t>Spanning Trees</a:t>
+            </a:r>
+          </a:p>
+          <a:p>
+            <a:pPr lvl="1"/>
+            <a:r>
+              <a:rPr lang="en-US" dirty="0" err="1">
+                <a:latin typeface="Calibri" charset="0"/>
+              </a:rPr>
+              <a:t>Kruskal</a:t>
+            </a:r>
+            <a:r>
+              <a:rPr lang="en-US" dirty="0">
+                <a:latin typeface="Calibri" charset="0"/>
+              </a:rPr>
+              <a:t> algorithm</a:t>
+            </a:r>
+          </a:p>
+          <a:p>
+            <a:pPr lvl="1"/>
+            <a:r>
+              <a:rPr lang="en-US" dirty="0" err="1">
+                <a:latin typeface="Calibri" charset="0"/>
+              </a:rPr>
+              <a:t>Dijktra</a:t>
+            </a:r>
+            <a:r>
+              <a:rPr lang="en-US" dirty="0">
+                <a:latin typeface="Calibri" charset="0"/>
+              </a:rPr>
+              <a:t> algorithm</a:t>
+            </a:r>
+          </a:p>
+          <a:p>
+            <a:r>
+              <a:rPr lang="en-US" dirty="0" err="1">
+                <a:latin typeface="Calibri" charset="0"/>
+              </a:rPr>
+              <a:t>Eulerian</a:t>
+            </a:r>
+            <a:r>
+              <a:rPr lang="en-US" dirty="0">
+                <a:latin typeface="Calibri" charset="0"/>
+              </a:rPr>
+              <a:t> and Hamiltonian Graphs</a:t>
+            </a:r>
+          </a:p>
+          <a:p>
+            <a:r>
+              <a:rPr lang="en-US" dirty="0">
+                <a:latin typeface="Calibri" charset="0"/>
+              </a:rPr>
+              <a:t>Graph coloring</a:t>
+            </a:r>
+          </a:p>
+          <a:p>
+            <a:r>
+              <a:rPr lang="en-US" dirty="0">
+                <a:latin typeface="Calibri" charset="0"/>
+              </a:rPr>
+              <a:t>Reading at home</a:t>
+            </a:r>
+          </a:p>
+        </p:txBody>
+      </p:sp>
+    </p:spTree>
+    <p:extLst>
+      <p:ext uri="{BB962C8B-B14F-4D97-AF65-F5344CB8AC3E}">
+        <p14:creationId xmlns:p14="http://schemas.microsoft.com/office/powerpoint/2010/main" val="1837843569"/>
+      </p:ext>
+    </p:extLst>
+  </p:cSld>
+  <p:clrMapOvr>
+    <a:masterClrMapping/>
+  </p:clrMapOvr>
+</p:sld>
+</file>
+
+<file path=ppt/slides/slide43.xml><?xml version="1.0" encoding="utf-8"?>
+<p:sld xmlns:a="http://schemas.openxmlformats.org/drawingml/2006/main" xmlns:r="http://schemas.openxmlformats.org/officeDocument/2006/relationships" xmlns:p="http://schemas.openxmlformats.org/presentationml/2006/main">
+  <p:cSld>
+    <p:spTree>
+      <p:nvGrpSpPr>
+        <p:cNvPr id="1" name=""/>
+        <p:cNvGrpSpPr/>
+        <p:nvPr/>
+      </p:nvGrpSpPr>
+      <p:grpSpPr>
+        <a:xfrm>
+          <a:off x="0" y="0"/>
+          <a:ext cx="0" cy="0"/>
+          <a:chOff x="0" y="0"/>
+          <a:chExt cx="0" cy="0"/>
+        </a:xfrm>
+      </p:grpSpPr>
+      <p:sp>
+        <p:nvSpPr>
+          <p:cNvPr id="2" name="Title 1"/>
+          <p:cNvSpPr>
+            <a:spLocks noGrp="1"/>
+          </p:cNvSpPr>
+          <p:nvPr>
+            <p:ph type="title"/>
+          </p:nvPr>
+        </p:nvSpPr>
+        <p:spPr/>
+        <p:txBody>
+          <a:bodyPr/>
+          <a:lstStyle/>
+          <a:p>
+            <a:r>
+              <a:rPr lang="en-US" dirty="0"/>
               <a:t>Exercises</a:t>
             </a:r>
           </a:p>
@@ -11960,7 +12152,7 @@
 </p:sld>
 </file>
 
-<file path=ppt/slides/slide42.xml><?xml version="1.0" encoding="utf-8"?>
+<file path=ppt/slides/slide44.xml><?xml version="1.0" encoding="utf-8"?>
 <p:sld xmlns:a="http://schemas.openxmlformats.org/drawingml/2006/main" xmlns:r="http://schemas.openxmlformats.org/officeDocument/2006/relationships" xmlns:p="http://schemas.openxmlformats.org/presentationml/2006/main">
   <p:cSld>
     <p:spTree>
@@ -14186,7 +14378,7 @@
           <a:graphicData uri="http://schemas.openxmlformats.org/presentationml/2006/ole">
             <mc:AlternateContent xmlns:mc="http://schemas.openxmlformats.org/markup-compatibility/2006">
               <mc:Choice xmlns:v="urn:schemas-microsoft-com:vml" Requires="v">
-                <p:oleObj spid="_x0000_s1242" name="Equation" r:id="rId3" imgW="3213100" imgH="469900" progId="Equation.3">
+                <p:oleObj spid="_x0000_s1244" name="Equation" r:id="rId3" imgW="3213100" imgH="469900" progId="Equation.3">
                   <p:embed/>
                 </p:oleObj>
               </mc:Choice>

--- a/dsa2017-java-online/handouts/data-day07-graph/Lecture 12 - Chapter 08 - Graphs - Part 2.pptx
+++ b/dsa2017-java-online/handouts/data-day07-graph/Lecture 12 - Chapter 08 - Graphs - Part 2.pptx
@@ -285,7 +285,7 @@
           <a:p>
             <a:fld id="{912909EE-3318-2B49-BBCA-50C0EA6484E2}" type="datetimeFigureOut">
               <a:rPr lang="en-US" smtClean="0"/>
-              <a:t>04-Jun-17</a:t>
+              <a:t>05-Jun-17</a:t>
             </a:fld>
             <a:endParaRPr lang="en-US"/>
           </a:p>
@@ -976,14 +976,14 @@
           </a:ln>
           <a:extLst>
             <a:ext uri="{909E8E84-426E-40dd-AFC4-6F175D3DCCD1}">
-              <a14:hiddenFill xmlns:a14="http://schemas.microsoft.com/office/drawing/2010/main" xmlns="">
+              <a14:hiddenFill xmlns="" xmlns:a14="http://schemas.microsoft.com/office/drawing/2010/main">
                 <a:solidFill>
                   <a:srgbClr val="FFFFFF"/>
                 </a:solidFill>
               </a14:hiddenFill>
             </a:ext>
             <a:ext uri="{91240B29-F687-4f45-9708-019B960494DF}">
-              <a14:hiddenLine xmlns:a14="http://schemas.microsoft.com/office/drawing/2010/main" xmlns="" w="9525">
+              <a14:hiddenLine xmlns="" xmlns:a14="http://schemas.microsoft.com/office/drawing/2010/main" w="9525">
                 <a:solidFill>
                   <a:srgbClr val="000000"/>
                 </a:solidFill>
@@ -3956,14 +3956,14 @@
           </a:ln>
           <a:extLst>
             <a:ext uri="{909E8E84-426E-40dd-AFC4-6F175D3DCCD1}">
-              <a14:hiddenFill xmlns:a14="http://schemas.microsoft.com/office/drawing/2010/main" xmlns="">
+              <a14:hiddenFill xmlns="" xmlns:a14="http://schemas.microsoft.com/office/drawing/2010/main">
                 <a:solidFill>
                   <a:srgbClr val="FFFFFF"/>
                 </a:solidFill>
               </a14:hiddenFill>
             </a:ext>
             <a:ext uri="{91240B29-F687-4f45-9708-019B960494DF}">
-              <a14:hiddenLine xmlns:a14="http://schemas.microsoft.com/office/drawing/2010/main" xmlns="" w="9525">
+              <a14:hiddenLine xmlns="" xmlns:a14="http://schemas.microsoft.com/office/drawing/2010/main" w="9525">
                 <a:solidFill>
                   <a:srgbClr val="000000"/>
                 </a:solidFill>
@@ -4416,14 +4416,14 @@
           <a:noFill/>
           <a:extLst>
             <a:ext uri="{909E8E84-426E-40dd-AFC4-6F175D3DCCD1}">
-              <a14:hiddenFill xmlns:a14="http://schemas.microsoft.com/office/drawing/2010/main" xmlns="">
+              <a14:hiddenFill xmlns="" xmlns:a14="http://schemas.microsoft.com/office/drawing/2010/main">
                 <a:solidFill>
                   <a:srgbClr val="FFFFFF"/>
                 </a:solidFill>
               </a14:hiddenFill>
             </a:ext>
             <a:ext uri="{91240B29-F687-4f45-9708-019B960494DF}">
-              <a14:hiddenLine xmlns:a14="http://schemas.microsoft.com/office/drawing/2010/main" xmlns="" w="9525">
+              <a14:hiddenLine xmlns="" xmlns:a14="http://schemas.microsoft.com/office/drawing/2010/main" w="9525">
                 <a:solidFill>
                   <a:srgbClr val="000000"/>
                 </a:solidFill>
@@ -4433,7 +4433,7 @@
               </a14:hiddenLine>
             </a:ext>
             <a:ext uri="{FAA26D3D-D897-4be2-8F04-BA451C77F1D7}">
-              <ma14:placeholderFlag xmlns:ma14="http://schemas.microsoft.com/office/mac/drawingml/2011/main" xmlns="" val="1"/>
+              <ma14:placeholderFlag xmlns="" xmlns:ma14="http://schemas.microsoft.com/office/mac/drawingml/2011/main" val="1"/>
             </a:ext>
           </a:extLst>
         </p:spPr>
@@ -5303,7 +5303,7 @@
                   </a:outerShdw>
                 </a:effectLst>
               </a:rPr>
-              <a:t>Dijkstra</a:t>
+              <a:t>Dijkstra - Prim</a:t>
             </a:r>
           </a:p>
           <a:p>
@@ -5708,14 +5708,14 @@
           <a:noFill/>
           <a:extLst>
             <a:ext uri="{909E8E84-426E-40dd-AFC4-6F175D3DCCD1}">
-              <a14:hiddenFill xmlns:a14="http://schemas.microsoft.com/office/drawing/2010/main" xmlns="">
+              <a14:hiddenFill xmlns="" xmlns:a14="http://schemas.microsoft.com/office/drawing/2010/main">
                 <a:solidFill>
                   <a:srgbClr val="FFFFFF"/>
                 </a:solidFill>
               </a14:hiddenFill>
             </a:ext>
             <a:ext uri="{91240B29-F687-4f45-9708-019B960494DF}">
-              <a14:hiddenLine xmlns:a14="http://schemas.microsoft.com/office/drawing/2010/main" xmlns="" w="9525">
+              <a14:hiddenLine xmlns="" xmlns:a14="http://schemas.microsoft.com/office/drawing/2010/main" w="9525">
                 <a:solidFill>
                   <a:srgbClr val="000000"/>
                 </a:solidFill>
@@ -5725,7 +5725,7 @@
               </a14:hiddenLine>
             </a:ext>
             <a:ext uri="{FAA26D3D-D897-4be2-8F04-BA451C77F1D7}">
-              <ma14:placeholderFlag xmlns:ma14="http://schemas.microsoft.com/office/mac/drawingml/2011/main" xmlns="" val="1"/>
+              <ma14:placeholderFlag xmlns="" xmlns:ma14="http://schemas.microsoft.com/office/mac/drawingml/2011/main" val="1"/>
             </a:ext>
           </a:extLst>
         </p:spPr>
@@ -5761,14 +5761,14 @@
           <a:noFill/>
           <a:extLst>
             <a:ext uri="{909E8E84-426E-40dd-AFC4-6F175D3DCCD1}">
-              <a14:hiddenFill xmlns:a14="http://schemas.microsoft.com/office/drawing/2010/main" xmlns="">
+              <a14:hiddenFill xmlns="" xmlns:a14="http://schemas.microsoft.com/office/drawing/2010/main">
                 <a:solidFill>
                   <a:srgbClr val="FFFFFF"/>
                 </a:solidFill>
               </a14:hiddenFill>
             </a:ext>
             <a:ext uri="{91240B29-F687-4f45-9708-019B960494DF}">
-              <a14:hiddenLine xmlns:a14="http://schemas.microsoft.com/office/drawing/2010/main" xmlns="" w="9525">
+              <a14:hiddenLine xmlns="" xmlns:a14="http://schemas.microsoft.com/office/drawing/2010/main" w="9525">
                 <a:solidFill>
                   <a:srgbClr val="000000"/>
                 </a:solidFill>
@@ -5778,7 +5778,7 @@
               </a14:hiddenLine>
             </a:ext>
             <a:ext uri="{FAA26D3D-D897-4be2-8F04-BA451C77F1D7}">
-              <ma14:placeholderFlag xmlns:ma14="http://schemas.microsoft.com/office/mac/drawingml/2011/main" xmlns="" val="1"/>
+              <ma14:placeholderFlag xmlns="" xmlns:ma14="http://schemas.microsoft.com/office/mac/drawingml/2011/main" val="1"/>
             </a:ext>
           </a:extLst>
         </p:spPr>
@@ -10395,14 +10395,14 @@
           <a:noFill/>
           <a:extLst>
             <a:ext uri="{909E8E84-426E-40dd-AFC4-6F175D3DCCD1}">
-              <a14:hiddenFill xmlns:a14="http://schemas.microsoft.com/office/drawing/2010/main" xmlns="">
+              <a14:hiddenFill xmlns="" xmlns:a14="http://schemas.microsoft.com/office/drawing/2010/main">
                 <a:solidFill>
                   <a:srgbClr val="FFFFFF"/>
                 </a:solidFill>
               </a14:hiddenFill>
             </a:ext>
             <a:ext uri="{91240B29-F687-4f45-9708-019B960494DF}">
-              <a14:hiddenLine xmlns:a14="http://schemas.microsoft.com/office/drawing/2010/main" xmlns="" w="9525">
+              <a14:hiddenLine xmlns="" xmlns:a14="http://schemas.microsoft.com/office/drawing/2010/main" w="9525">
                 <a:solidFill>
                   <a:srgbClr val="000000"/>
                 </a:solidFill>
@@ -10412,7 +10412,7 @@
               </a14:hiddenLine>
             </a:ext>
             <a:ext uri="{FAA26D3D-D897-4be2-8F04-BA451C77F1D7}">
-              <ma14:placeholderFlag xmlns:ma14="http://schemas.microsoft.com/office/mac/drawingml/2011/main" xmlns="" val="1"/>
+              <ma14:placeholderFlag xmlns="" xmlns:ma14="http://schemas.microsoft.com/office/mac/drawingml/2011/main" val="1"/>
             </a:ext>
           </a:extLst>
         </p:spPr>
@@ -10448,14 +10448,14 @@
           <a:noFill/>
           <a:extLst>
             <a:ext uri="{909E8E84-426E-40dd-AFC4-6F175D3DCCD1}">
-              <a14:hiddenFill xmlns:a14="http://schemas.microsoft.com/office/drawing/2010/main" xmlns="">
+              <a14:hiddenFill xmlns="" xmlns:a14="http://schemas.microsoft.com/office/drawing/2010/main">
                 <a:solidFill>
                   <a:srgbClr val="FFFFFF"/>
                 </a:solidFill>
               </a14:hiddenFill>
             </a:ext>
             <a:ext uri="{91240B29-F687-4f45-9708-019B960494DF}">
-              <a14:hiddenLine xmlns:a14="http://schemas.microsoft.com/office/drawing/2010/main" xmlns="" w="9525">
+              <a14:hiddenLine xmlns="" xmlns:a14="http://schemas.microsoft.com/office/drawing/2010/main" w="9525">
                 <a:solidFill>
                   <a:srgbClr val="000000"/>
                 </a:solidFill>
@@ -10465,7 +10465,7 @@
               </a14:hiddenLine>
             </a:ext>
             <a:ext uri="{FAA26D3D-D897-4be2-8F04-BA451C77F1D7}">
-              <ma14:placeholderFlag xmlns:ma14="http://schemas.microsoft.com/office/mac/drawingml/2011/main" xmlns="" val="1"/>
+              <ma14:placeholderFlag xmlns="" xmlns:ma14="http://schemas.microsoft.com/office/mac/drawingml/2011/main" val="1"/>
             </a:ext>
           </a:extLst>
         </p:spPr>
@@ -14378,7 +14378,7 @@
           <a:graphicData uri="http://schemas.openxmlformats.org/presentationml/2006/ole">
             <mc:AlternateContent xmlns:mc="http://schemas.openxmlformats.org/markup-compatibility/2006">
               <mc:Choice xmlns:v="urn:schemas-microsoft-com:vml" Requires="v">
-                <p:oleObj spid="_x0000_s1244" name="Equation" r:id="rId3" imgW="3213100" imgH="469900" progId="Equation.3">
+                <p:oleObj spid="_x0000_s1246" name="Equation" r:id="rId3" imgW="3213100" imgH="469900" progId="Equation.3">
                   <p:embed/>
                 </p:oleObj>
               </mc:Choice>
